--- a/design/Final Presentation/FinalPresentationSIT.pptx
+++ b/design/Final Presentation/FinalPresentationSIT.pptx
@@ -2,19 +2,19 @@
 <file path=ppt/presentation.xml><?xml version="1.0" encoding="utf-8"?>
 <p:presentation xmlns:a="http://schemas.openxmlformats.org/drawingml/2006/main" xmlns:r="http://schemas.openxmlformats.org/officeDocument/2006/relationships" xmlns:p="http://schemas.openxmlformats.org/presentationml/2006/main">
   <p:sldMasterIdLst>
-    <p:sldMasterId id="2147483648" r:id="rId5"/>
+    <p:sldMasterId id="2147483648" r:id="rId1"/>
   </p:sldMasterIdLst>
   <p:notesMasterIdLst>
-    <p:notesMasterId r:id="rId7"/>
+    <p:notesMasterId r:id="rId9"/>
   </p:notesMasterIdLst>
   <p:sldIdLst>
-    <p:sldId id="256" r:id="rId8"/>
-    <p:sldId id="257" r:id="rId9"/>
-    <p:sldId id="258" r:id="rId10"/>
-    <p:sldId id="259" r:id="rId11"/>
-    <p:sldId id="260" r:id="rId12"/>
-    <p:sldId id="261" r:id="rId13"/>
-    <p:sldId id="262" r:id="rId14"/>
+    <p:sldId id="256" r:id="rId2"/>
+    <p:sldId id="257" r:id="rId3"/>
+    <p:sldId id="258" r:id="rId4"/>
+    <p:sldId id="259" r:id="rId5"/>
+    <p:sldId id="260" r:id="rId6"/>
+    <p:sldId id="261" r:id="rId7"/>
+    <p:sldId id="262" r:id="rId8"/>
   </p:sldIdLst>
   <p:sldSz cx="12192000" cy="6858000"/>
   <p:notesSz cx="6858000" cy="9144000"/>
@@ -34,7 +34,7 @@
       <a:buFontTx/>
       <a:buNone/>
       <a:tabLst/>
-      <a:defRPr b="0" baseline="0" cap="none" i="0" spc="0" strike="noStrike" sz="1800" u="none" kumimoji="0" normalizeH="0">
+      <a:defRPr kumimoji="0" sz="1800" b="0" i="0" u="none" strike="noStrike" cap="none" spc="0" normalizeH="0" baseline="0">
         <a:ln>
           <a:noFill/>
         </a:ln>
@@ -60,7 +60,7 @@
       <a:buFontTx/>
       <a:buNone/>
       <a:tabLst/>
-      <a:defRPr b="0" baseline="0" cap="none" i="0" spc="0" strike="noStrike" sz="1800" u="none" kumimoji="0" normalizeH="0">
+      <a:defRPr kumimoji="0" sz="1800" b="0" i="0" u="none" strike="noStrike" cap="none" spc="0" normalizeH="0" baseline="0">
         <a:ln>
           <a:noFill/>
         </a:ln>
@@ -90,7 +90,7 @@
       <a:buFontTx/>
       <a:buNone/>
       <a:tabLst/>
-      <a:defRPr b="0" baseline="0" cap="none" i="0" spc="0" strike="noStrike" sz="1800" u="none" kumimoji="0" normalizeH="0">
+      <a:defRPr kumimoji="0" sz="1800" b="0" i="0" u="none" strike="noStrike" cap="none" spc="0" normalizeH="0" baseline="0">
         <a:ln>
           <a:noFill/>
         </a:ln>
@@ -120,7 +120,7 @@
       <a:buFontTx/>
       <a:buNone/>
       <a:tabLst/>
-      <a:defRPr b="0" baseline="0" cap="none" i="0" spc="0" strike="noStrike" sz="1800" u="none" kumimoji="0" normalizeH="0">
+      <a:defRPr kumimoji="0" sz="1800" b="0" i="0" u="none" strike="noStrike" cap="none" spc="0" normalizeH="0" baseline="0">
         <a:ln>
           <a:noFill/>
         </a:ln>
@@ -150,7 +150,7 @@
       <a:buFontTx/>
       <a:buNone/>
       <a:tabLst/>
-      <a:defRPr b="0" baseline="0" cap="none" i="0" spc="0" strike="noStrike" sz="1800" u="none" kumimoji="0" normalizeH="0">
+      <a:defRPr kumimoji="0" sz="1800" b="0" i="0" u="none" strike="noStrike" cap="none" spc="0" normalizeH="0" baseline="0">
         <a:ln>
           <a:noFill/>
         </a:ln>
@@ -180,7 +180,7 @@
       <a:buFontTx/>
       <a:buNone/>
       <a:tabLst/>
-      <a:defRPr b="0" baseline="0" cap="none" i="0" spc="0" strike="noStrike" sz="1800" u="none" kumimoji="0" normalizeH="0">
+      <a:defRPr kumimoji="0" sz="1800" b="0" i="0" u="none" strike="noStrike" cap="none" spc="0" normalizeH="0" baseline="0">
         <a:ln>
           <a:noFill/>
         </a:ln>
@@ -210,7 +210,7 @@
       <a:buFontTx/>
       <a:buNone/>
       <a:tabLst/>
-      <a:defRPr b="0" baseline="0" cap="none" i="0" spc="0" strike="noStrike" sz="1800" u="none" kumimoji="0" normalizeH="0">
+      <a:defRPr kumimoji="0" sz="1800" b="0" i="0" u="none" strike="noStrike" cap="none" spc="0" normalizeH="0" baseline="0">
         <a:ln>
           <a:noFill/>
         </a:ln>
@@ -240,7 +240,7 @@
       <a:buFontTx/>
       <a:buNone/>
       <a:tabLst/>
-      <a:defRPr b="0" baseline="0" cap="none" i="0" spc="0" strike="noStrike" sz="1800" u="none" kumimoji="0" normalizeH="0">
+      <a:defRPr kumimoji="0" sz="1800" b="0" i="0" u="none" strike="noStrike" cap="none" spc="0" normalizeH="0" baseline="0">
         <a:ln>
           <a:noFill/>
         </a:ln>
@@ -270,7 +270,7 @@
       <a:buFontTx/>
       <a:buNone/>
       <a:tabLst/>
-      <a:defRPr b="0" baseline="0" cap="none" i="0" spc="0" strike="noStrike" sz="1800" u="none" kumimoji="0" normalizeH="0">
+      <a:defRPr kumimoji="0" sz="1800" b="0" i="0" u="none" strike="noStrike" cap="none" spc="0" normalizeH="0" baseline="0">
         <a:ln>
           <a:noFill/>
         </a:ln>
@@ -300,7 +300,7 @@
       <a:buFontTx/>
       <a:buNone/>
       <a:tabLst/>
-      <a:defRPr b="0" baseline="0" cap="none" i="0" spc="0" strike="noStrike" sz="1800" u="none" kumimoji="0" normalizeH="0">
+      <a:defRPr kumimoji="0" sz="1800" b="0" i="0" u="none" strike="noStrike" cap="none" spc="0" normalizeH="0" baseline="0">
         <a:ln>
           <a:noFill/>
         </a:ln>
@@ -319,13 +319,14 @@
 </p:presentation>
 </file>
 
-<file path=ppt/commentAuthors.xml><?xml version="1.0" encoding="utf-8"?>
-<p:cmAuthorLst xmlns:a="http://schemas.openxmlformats.org/drawingml/2006/main" xmlns:r="http://schemas.openxmlformats.org/officeDocument/2006/relationships" xmlns:p="http://schemas.openxmlformats.org/presentationml/2006/main"/>
-</file>
-
 <file path=ppt/notesMasters/notesMaster1.xml><?xml version="1.0" encoding="utf-8"?>
 <p:notesMaster xmlns:a="http://schemas.openxmlformats.org/drawingml/2006/main" xmlns:r="http://schemas.openxmlformats.org/officeDocument/2006/relationships" xmlns:p="http://schemas.openxmlformats.org/presentationml/2006/main">
   <p:cSld>
+    <p:bg>
+      <p:bgRef idx="1001">
+        <a:schemeClr val="bg1"/>
+      </p:bgRef>
+    </p:bg>
     <p:spTree>
       <p:nvGrpSpPr>
         <p:cNvPr id="1" name=""/>
@@ -343,7 +344,9 @@
       <p:sp>
         <p:nvSpPr>
           <p:cNvPr id="185" name="Shape 185"/>
-          <p:cNvSpPr/>
+          <p:cNvSpPr>
+            <a:spLocks noGrp="1" noRot="1" noChangeAspect="1"/>
+          </p:cNvSpPr>
           <p:nvPr>
             <p:ph type="sldImg"/>
           </p:nvPr>
@@ -361,14 +364,16 @@
           <a:bodyPr/>
           <a:lstStyle/>
           <a:p>
-            <a:pPr/>
+            <a:endParaRPr dirty="0"/>
           </a:p>
         </p:txBody>
       </p:sp>
       <p:sp>
         <p:nvSpPr>
           <p:cNvPr id="186" name="Shape 186"/>
-          <p:cNvSpPr/>
+          <p:cNvSpPr>
+            <a:spLocks noGrp="1"/>
+          </p:cNvSpPr>
           <p:nvPr>
             <p:ph type="body" sz="quarter" idx="1"/>
           </p:nvPr>
@@ -386,7 +391,7 @@
           <a:bodyPr/>
           <a:lstStyle/>
           <a:p>
-            <a:pPr/>
+            <a:endParaRPr/>
           </a:p>
         </p:txBody>
       </p:sp>
@@ -471,7 +476,7 @@
 </file>
 
 <file path=ppt/slideLayouts/slideLayout1.xml><?xml version="1.0" encoding="utf-8"?>
-<p:sldLayout xmlns:a="http://schemas.openxmlformats.org/drawingml/2006/main" xmlns:r="http://schemas.openxmlformats.org/officeDocument/2006/relationships" xmlns:p="http://schemas.openxmlformats.org/presentationml/2006/main" type="title" showMasterSp="0" showMasterPhAnim="1">
+<p:sldLayout xmlns:a="http://schemas.openxmlformats.org/drawingml/2006/main" xmlns:r="http://schemas.openxmlformats.org/officeDocument/2006/relationships" xmlns:p="http://schemas.openxmlformats.org/presentationml/2006/main" showMasterSp="0" type="title">
   <p:cSld name="שקופית כותרת">
     <p:spTree>
       <p:nvGrpSpPr>
@@ -532,7 +537,7 @@
               </a:cxnLst>
               <a:rect l="0" t="0" r="r" b="b"/>
               <a:pathLst>
-                <a:path w="21600" h="21600" fill="norm" stroke="1" extrusionOk="0">
+                <a:path w="21600" h="21600" extrusionOk="0">
                   <a:moveTo>
                     <a:pt x="0" y="20898"/>
                   </a:moveTo>
@@ -575,6 +580,7 @@
                   <a:sym typeface="Corbel"/>
                 </a:defRPr>
               </a:pPr>
+              <a:endParaRPr dirty="0"/>
             </a:p>
           </p:txBody>
         </p:sp>
@@ -609,7 +615,7 @@
               </a:cxnLst>
               <a:rect l="0" t="0" r="r" b="b"/>
               <a:pathLst>
-                <a:path w="21600" h="21600" fill="norm" stroke="1" extrusionOk="0">
+                <a:path w="21600" h="21600" extrusionOk="0">
                   <a:moveTo>
                     <a:pt x="7454" y="21600"/>
                   </a:moveTo>
@@ -655,6 +661,7 @@
                   <a:sym typeface="Corbel"/>
                 </a:defRPr>
               </a:pPr>
+              <a:endParaRPr dirty="0"/>
             </a:p>
           </p:txBody>
         </p:sp>
@@ -689,7 +696,7 @@
               </a:cxnLst>
               <a:rect l="0" t="0" r="r" b="b"/>
               <a:pathLst>
-                <a:path w="21600" h="21600" fill="norm" stroke="1" extrusionOk="0">
+                <a:path w="21600" h="21600" extrusionOk="0">
                   <a:moveTo>
                     <a:pt x="0" y="0"/>
                   </a:moveTo>
@@ -729,6 +736,7 @@
                   <a:sym typeface="Corbel"/>
                 </a:defRPr>
               </a:pPr>
+              <a:endParaRPr dirty="0"/>
             </a:p>
           </p:txBody>
         </p:sp>
@@ -763,7 +771,7 @@
               </a:cxnLst>
               <a:rect l="0" t="0" r="r" b="b"/>
               <a:pathLst>
-                <a:path w="21600" h="21600" fill="norm" stroke="1" extrusionOk="0">
+                <a:path w="21600" h="21600" extrusionOk="0">
                   <a:moveTo>
                     <a:pt x="21600" y="21600"/>
                   </a:moveTo>
@@ -803,6 +811,7 @@
                   <a:sym typeface="Corbel"/>
                 </a:defRPr>
               </a:pPr>
+              <a:endParaRPr dirty="0"/>
             </a:p>
           </p:txBody>
         </p:sp>
@@ -837,7 +846,7 @@
               </a:cxnLst>
               <a:rect l="0" t="0" r="r" b="b"/>
               <a:pathLst>
-                <a:path w="21600" h="21600" fill="norm" stroke="1" extrusionOk="0">
+                <a:path w="21600" h="21600" extrusionOk="0">
                   <a:moveTo>
                     <a:pt x="0" y="0"/>
                   </a:moveTo>
@@ -883,6 +892,7 @@
                   <a:sym typeface="Corbel"/>
                 </a:defRPr>
               </a:pPr>
+              <a:endParaRPr dirty="0"/>
             </a:p>
           </p:txBody>
         </p:sp>
@@ -917,7 +927,7 @@
               </a:cxnLst>
               <a:rect l="0" t="0" r="r" b="b"/>
               <a:pathLst>
-                <a:path w="21600" h="21600" fill="norm" stroke="1" extrusionOk="0">
+                <a:path w="21600" h="21600" extrusionOk="0">
                   <a:moveTo>
                     <a:pt x="21600" y="21600"/>
                   </a:moveTo>
@@ -969,6 +979,7 @@
                   <a:sym typeface="Corbel"/>
                 </a:defRPr>
               </a:pPr>
+              <a:endParaRPr dirty="0"/>
             </a:p>
           </p:txBody>
         </p:sp>
@@ -976,7 +987,9 @@
       <p:sp>
         <p:nvSpPr>
           <p:cNvPr id="25" name="Shape 25"/>
-          <p:cNvSpPr/>
+          <p:cNvSpPr>
+            <a:spLocks noGrp="1"/>
+          </p:cNvSpPr>
           <p:nvPr>
             <p:ph type="title"/>
           </p:nvPr>
@@ -998,7 +1011,6 @@
             </a:lvl1pPr>
           </a:lstStyle>
           <a:p>
-            <a:pPr/>
             <a:r>
               <a:t>מלל כותרת</a:t>
             </a:r>
@@ -1008,7 +1020,9 @@
       <p:sp>
         <p:nvSpPr>
           <p:cNvPr id="26" name="Shape 26"/>
-          <p:cNvSpPr/>
+          <p:cNvSpPr>
+            <a:spLocks noGrp="1"/>
+          </p:cNvSpPr>
           <p:nvPr>
             <p:ph type="body" sz="quarter" idx="1"/>
           </p:nvPr>
@@ -1062,7 +1076,6 @@
             </a:lvl5pPr>
           </a:lstStyle>
           <a:p>
-            <a:pPr/>
             <a:r>
               <a:t>גוף רמה אחד</a:t>
             </a:r>
@@ -1096,7 +1109,9 @@
       <p:sp>
         <p:nvSpPr>
           <p:cNvPr id="27" name="Shape 27"/>
-          <p:cNvSpPr/>
+          <p:cNvSpPr>
+            <a:spLocks noGrp="1"/>
+          </p:cNvSpPr>
           <p:nvPr>
             <p:ph type="sldNum" sz="quarter" idx="2"/>
           </p:nvPr>
@@ -1114,8 +1129,10 @@
           <a:bodyPr/>
           <a:lstStyle/>
           <a:p>
-            <a:pPr/>
-            <a:fld id="{86CB4B4D-7CA3-9044-876B-883B54F8677D}" type="slidenum"/>
+            <a:fld id="{86CB4B4D-7CA3-9044-876B-883B54F8677D}" type="slidenum">
+              <a:t>‹#›</a:t>
+            </a:fld>
+            <a:endParaRPr dirty="0"/>
           </a:p>
         </p:txBody>
       </p:sp>
@@ -1124,12 +1141,12 @@
   <p:clrMapOvr>
     <a:masterClrMapping/>
   </p:clrMapOvr>
-  <p:transition xmlns:p14="http://schemas.microsoft.com/office/powerpoint/2010/main" spd="med" advClick="1"/>
+  <p:transition spd="med"/>
 </p:sldLayout>
 </file>
 
 <file path=ppt/slideLayouts/slideLayout10.xml><?xml version="1.0" encoding="utf-8"?>
-<p:sldLayout xmlns:a="http://schemas.openxmlformats.org/drawingml/2006/main" xmlns:r="http://schemas.openxmlformats.org/officeDocument/2006/relationships" xmlns:p="http://schemas.openxmlformats.org/presentationml/2006/main" type="tx" showMasterSp="1" showMasterPhAnim="1">
+<p:sldLayout xmlns:a="http://schemas.openxmlformats.org/drawingml/2006/main" xmlns:r="http://schemas.openxmlformats.org/officeDocument/2006/relationships" xmlns:p="http://schemas.openxmlformats.org/presentationml/2006/main" type="tx">
   <p:cSld name="תמונה פנורמית עם כיתוב">
     <p:spTree>
       <p:nvGrpSpPr>
@@ -1148,7 +1165,9 @@
       <p:sp>
         <p:nvSpPr>
           <p:cNvPr id="106" name="Shape 106"/>
-          <p:cNvSpPr/>
+          <p:cNvSpPr>
+            <a:spLocks noGrp="1"/>
+          </p:cNvSpPr>
           <p:nvPr>
             <p:ph type="title"/>
           </p:nvPr>
@@ -1170,7 +1189,6 @@
             </a:lvl1pPr>
           </a:lstStyle>
           <a:p>
-            <a:pPr/>
             <a:r>
               <a:t>מלל כותרת</a:t>
             </a:r>
@@ -1180,7 +1198,9 @@
       <p:sp>
         <p:nvSpPr>
           <p:cNvPr id="107" name="Shape 107"/>
-          <p:cNvSpPr/>
+          <p:cNvSpPr>
+            <a:spLocks noGrp="1"/>
+          </p:cNvSpPr>
           <p:nvPr>
             <p:ph type="pic" sz="half" idx="13"/>
           </p:nvPr>
@@ -1206,14 +1226,16 @@
           </a:bodyPr>
           <a:lstStyle/>
           <a:p>
-            <a:pPr/>
+            <a:endParaRPr dirty="0"/>
           </a:p>
         </p:txBody>
       </p:sp>
       <p:sp>
         <p:nvSpPr>
           <p:cNvPr id="108" name="Shape 108"/>
-          <p:cNvSpPr/>
+          <p:cNvSpPr>
+            <a:spLocks noGrp="1"/>
+          </p:cNvSpPr>
           <p:nvPr>
             <p:ph type="body" sz="quarter" idx="1"/>
           </p:nvPr>
@@ -1267,7 +1289,6 @@
             </a:lvl5pPr>
           </a:lstStyle>
           <a:p>
-            <a:pPr/>
             <a:r>
               <a:t>גוף רמה אחד</a:t>
             </a:r>
@@ -1301,7 +1322,9 @@
       <p:sp>
         <p:nvSpPr>
           <p:cNvPr id="109" name="Shape 109"/>
-          <p:cNvSpPr/>
+          <p:cNvSpPr>
+            <a:spLocks noGrp="1"/>
+          </p:cNvSpPr>
           <p:nvPr>
             <p:ph type="sldNum" sz="quarter" idx="2"/>
           </p:nvPr>
@@ -1319,8 +1342,10 @@
           <a:bodyPr/>
           <a:lstStyle/>
           <a:p>
-            <a:pPr/>
-            <a:fld id="{86CB4B4D-7CA3-9044-876B-883B54F8677D}" type="slidenum"/>
+            <a:fld id="{86CB4B4D-7CA3-9044-876B-883B54F8677D}" type="slidenum">
+              <a:t>‹#›</a:t>
+            </a:fld>
+            <a:endParaRPr dirty="0"/>
           </a:p>
         </p:txBody>
       </p:sp>
@@ -1329,12 +1354,12 @@
   <p:clrMapOvr>
     <a:masterClrMapping/>
   </p:clrMapOvr>
-  <p:transition xmlns:p14="http://schemas.microsoft.com/office/powerpoint/2010/main" spd="med" advClick="1"/>
+  <p:transition spd="med"/>
 </p:sldLayout>
 </file>
 
 <file path=ppt/slideLayouts/slideLayout11.xml><?xml version="1.0" encoding="utf-8"?>
-<p:sldLayout xmlns:a="http://schemas.openxmlformats.org/drawingml/2006/main" xmlns:r="http://schemas.openxmlformats.org/officeDocument/2006/relationships" xmlns:p="http://schemas.openxmlformats.org/presentationml/2006/main" type="tx" showMasterSp="1" showMasterPhAnim="1">
+<p:sldLayout xmlns:a="http://schemas.openxmlformats.org/drawingml/2006/main" xmlns:r="http://schemas.openxmlformats.org/officeDocument/2006/relationships" xmlns:p="http://schemas.openxmlformats.org/presentationml/2006/main" type="tx">
   <p:cSld name="כותרת וכיתוב">
     <p:spTree>
       <p:nvGrpSpPr>
@@ -1353,7 +1378,9 @@
       <p:sp>
         <p:nvSpPr>
           <p:cNvPr id="116" name="Shape 116"/>
-          <p:cNvSpPr/>
+          <p:cNvSpPr>
+            <a:spLocks noGrp="1"/>
+          </p:cNvSpPr>
           <p:nvPr>
             <p:ph type="title"/>
           </p:nvPr>
@@ -1375,7 +1402,6 @@
             </a:lvl1pPr>
           </a:lstStyle>
           <a:p>
-            <a:pPr/>
             <a:r>
               <a:t>מלל כותרת</a:t>
             </a:r>
@@ -1385,7 +1411,9 @@
       <p:sp>
         <p:nvSpPr>
           <p:cNvPr id="117" name="Shape 117"/>
-          <p:cNvSpPr/>
+          <p:cNvSpPr>
+            <a:spLocks noGrp="1"/>
+          </p:cNvSpPr>
           <p:nvPr>
             <p:ph type="body" sz="quarter" idx="1"/>
           </p:nvPr>
@@ -1439,7 +1467,6 @@
             </a:lvl5pPr>
           </a:lstStyle>
           <a:p>
-            <a:pPr/>
             <a:r>
               <a:t>גוף רמה אחד</a:t>
             </a:r>
@@ -1473,7 +1500,9 @@
       <p:sp>
         <p:nvSpPr>
           <p:cNvPr id="118" name="Shape 118"/>
-          <p:cNvSpPr/>
+          <p:cNvSpPr>
+            <a:spLocks noGrp="1"/>
+          </p:cNvSpPr>
           <p:nvPr>
             <p:ph type="sldNum" sz="quarter" idx="2"/>
           </p:nvPr>
@@ -1491,8 +1520,10 @@
           <a:bodyPr/>
           <a:lstStyle/>
           <a:p>
-            <a:pPr/>
-            <a:fld id="{86CB4B4D-7CA3-9044-876B-883B54F8677D}" type="slidenum"/>
+            <a:fld id="{86CB4B4D-7CA3-9044-876B-883B54F8677D}" type="slidenum">
+              <a:t>‹#›</a:t>
+            </a:fld>
+            <a:endParaRPr dirty="0"/>
           </a:p>
         </p:txBody>
       </p:sp>
@@ -1501,12 +1532,12 @@
   <p:clrMapOvr>
     <a:masterClrMapping/>
   </p:clrMapOvr>
-  <p:transition xmlns:p14="http://schemas.microsoft.com/office/powerpoint/2010/main" spd="med" advClick="1"/>
+  <p:transition spd="med"/>
 </p:sldLayout>
 </file>
 
 <file path=ppt/slideLayouts/slideLayout12.xml><?xml version="1.0" encoding="utf-8"?>
-<p:sldLayout xmlns:a="http://schemas.openxmlformats.org/drawingml/2006/main" xmlns:r="http://schemas.openxmlformats.org/officeDocument/2006/relationships" xmlns:p="http://schemas.openxmlformats.org/presentationml/2006/main" type="tx" showMasterSp="1" showMasterPhAnim="1">
+<p:sldLayout xmlns:a="http://schemas.openxmlformats.org/drawingml/2006/main" xmlns:r="http://schemas.openxmlformats.org/officeDocument/2006/relationships" xmlns:p="http://schemas.openxmlformats.org/presentationml/2006/main" type="tx">
   <p:cSld name="ציטוט עם כיתוב">
     <p:spTree>
       <p:nvGrpSpPr>
@@ -1541,7 +1572,7 @@
           </a:ln>
           <a:extLst>
             <a:ext uri="{C572A759-6A51-4108-AA02-DFA0A04FC94B}">
-              <ma14:wrappingTextBoxFlag xmlns:ma14="http://schemas.microsoft.com/office/mac/drawingml/2011/main" val="1"/>
+              <ma14:wrappingTextBoxFlag xmlns:ma14="http://schemas.microsoft.com/office/mac/drawingml/2011/main" xmlns="" val="1"/>
             </a:ext>
           </a:extLst>
         </p:spPr>
@@ -1551,7 +1582,7 @@
           </a:bodyPr>
           <a:lstStyle>
             <a:lvl1pPr>
-              <a:defRPr cap="all" sz="8000">
+              <a:defRPr sz="8000" cap="all">
                 <a:latin typeface="+mj-lt"/>
                 <a:ea typeface="+mj-ea"/>
                 <a:cs typeface="+mj-cs"/>
@@ -1564,6 +1595,7 @@
               <a:defRPr/>
             </a:pPr>
             <a:r>
+              <a:rPr dirty="0"/>
               <a:t>“</a:t>
             </a:r>
           </a:p>
@@ -1588,7 +1620,7 @@
           </a:ln>
           <a:extLst>
             <a:ext uri="{C572A759-6A51-4108-AA02-DFA0A04FC94B}">
-              <ma14:wrappingTextBoxFlag xmlns:ma14="http://schemas.microsoft.com/office/mac/drawingml/2011/main" val="1"/>
+              <ma14:wrappingTextBoxFlag xmlns:ma14="http://schemas.microsoft.com/office/mac/drawingml/2011/main" xmlns="" val="1"/>
             </a:ext>
           </a:extLst>
         </p:spPr>
@@ -1598,7 +1630,7 @@
           </a:bodyPr>
           <a:lstStyle>
             <a:lvl1pPr algn="r">
-              <a:defRPr cap="all" sz="8000">
+              <a:defRPr sz="8000" cap="all">
                 <a:latin typeface="+mj-lt"/>
                 <a:ea typeface="+mj-ea"/>
                 <a:cs typeface="+mj-cs"/>
@@ -1611,6 +1643,7 @@
               <a:defRPr/>
             </a:pPr>
             <a:r>
+              <a:rPr dirty="0"/>
               <a:t>”</a:t>
             </a:r>
           </a:p>
@@ -1619,7 +1652,9 @@
       <p:sp>
         <p:nvSpPr>
           <p:cNvPr id="127" name="Shape 127"/>
-          <p:cNvSpPr/>
+          <p:cNvSpPr>
+            <a:spLocks noGrp="1"/>
+          </p:cNvSpPr>
           <p:nvPr>
             <p:ph type="title"/>
           </p:nvPr>
@@ -1641,7 +1676,6 @@
             </a:lvl1pPr>
           </a:lstStyle>
           <a:p>
-            <a:pPr/>
             <a:r>
               <a:t>מלל כותרת</a:t>
             </a:r>
@@ -1651,7 +1685,9 @@
       <p:sp>
         <p:nvSpPr>
           <p:cNvPr id="128" name="Shape 128"/>
-          <p:cNvSpPr/>
+          <p:cNvSpPr>
+            <a:spLocks noGrp="1"/>
+          </p:cNvSpPr>
           <p:nvPr>
             <p:ph type="body" sz="quarter" idx="1"/>
           </p:nvPr>
@@ -1705,7 +1741,6 @@
             </a:lvl5pPr>
           </a:lstStyle>
           <a:p>
-            <a:pPr/>
             <a:r>
               <a:t>גוף רמה אחד</a:t>
             </a:r>
@@ -1739,7 +1774,9 @@
       <p:sp>
         <p:nvSpPr>
           <p:cNvPr id="129" name="Shape 129"/>
-          <p:cNvSpPr/>
+          <p:cNvSpPr>
+            <a:spLocks noGrp="1"/>
+          </p:cNvSpPr>
           <p:nvPr>
             <p:ph type="body" sz="quarter" idx="13"/>
           </p:nvPr>
@@ -1760,13 +1797,16 @@
             <a:pPr rtl="0">
               <a:defRPr/>
             </a:pPr>
+            <a:endParaRPr/>
           </a:p>
         </p:txBody>
       </p:sp>
       <p:sp>
         <p:nvSpPr>
           <p:cNvPr id="130" name="Shape 130"/>
-          <p:cNvSpPr/>
+          <p:cNvSpPr>
+            <a:spLocks noGrp="1"/>
+          </p:cNvSpPr>
           <p:nvPr>
             <p:ph type="sldNum" sz="quarter" idx="2"/>
           </p:nvPr>
@@ -1784,8 +1824,10 @@
           <a:bodyPr/>
           <a:lstStyle/>
           <a:p>
-            <a:pPr/>
-            <a:fld id="{86CB4B4D-7CA3-9044-876B-883B54F8677D}" type="slidenum"/>
+            <a:fld id="{86CB4B4D-7CA3-9044-876B-883B54F8677D}" type="slidenum">
+              <a:t>‹#›</a:t>
+            </a:fld>
+            <a:endParaRPr dirty="0"/>
           </a:p>
         </p:txBody>
       </p:sp>
@@ -1794,12 +1836,12 @@
   <p:clrMapOvr>
     <a:masterClrMapping/>
   </p:clrMapOvr>
-  <p:transition xmlns:p14="http://schemas.microsoft.com/office/powerpoint/2010/main" spd="med" advClick="1"/>
+  <p:transition spd="med"/>
 </p:sldLayout>
 </file>
 
 <file path=ppt/slideLayouts/slideLayout13.xml><?xml version="1.0" encoding="utf-8"?>
-<p:sldLayout xmlns:a="http://schemas.openxmlformats.org/drawingml/2006/main" xmlns:r="http://schemas.openxmlformats.org/officeDocument/2006/relationships" xmlns:p="http://schemas.openxmlformats.org/presentationml/2006/main" type="tx" showMasterSp="1" showMasterPhAnim="1">
+<p:sldLayout xmlns:a="http://schemas.openxmlformats.org/drawingml/2006/main" xmlns:r="http://schemas.openxmlformats.org/officeDocument/2006/relationships" xmlns:p="http://schemas.openxmlformats.org/presentationml/2006/main" type="tx">
   <p:cSld name="כרטיס שם">
     <p:spTree>
       <p:nvGrpSpPr>
@@ -1818,7 +1860,9 @@
       <p:sp>
         <p:nvSpPr>
           <p:cNvPr id="137" name="Shape 137"/>
-          <p:cNvSpPr/>
+          <p:cNvSpPr>
+            <a:spLocks noGrp="1"/>
+          </p:cNvSpPr>
           <p:nvPr>
             <p:ph type="title"/>
           </p:nvPr>
@@ -1840,7 +1884,6 @@
             </a:lvl1pPr>
           </a:lstStyle>
           <a:p>
-            <a:pPr/>
             <a:r>
               <a:t>מלל כותרת</a:t>
             </a:r>
@@ -1850,7 +1893,9 @@
       <p:sp>
         <p:nvSpPr>
           <p:cNvPr id="138" name="Shape 138"/>
-          <p:cNvSpPr/>
+          <p:cNvSpPr>
+            <a:spLocks noGrp="1"/>
+          </p:cNvSpPr>
           <p:nvPr>
             <p:ph type="body" sz="quarter" idx="1"/>
           </p:nvPr>
@@ -1904,7 +1949,6 @@
             </a:lvl5pPr>
           </a:lstStyle>
           <a:p>
-            <a:pPr/>
             <a:r>
               <a:t>גוף רמה אחד</a:t>
             </a:r>
@@ -1938,7 +1982,9 @@
       <p:sp>
         <p:nvSpPr>
           <p:cNvPr id="139" name="Shape 139"/>
-          <p:cNvSpPr/>
+          <p:cNvSpPr>
+            <a:spLocks noGrp="1"/>
+          </p:cNvSpPr>
           <p:nvPr>
             <p:ph type="sldNum" sz="quarter" idx="2"/>
           </p:nvPr>
@@ -1956,8 +2002,10 @@
           <a:bodyPr/>
           <a:lstStyle/>
           <a:p>
-            <a:pPr/>
-            <a:fld id="{86CB4B4D-7CA3-9044-876B-883B54F8677D}" type="slidenum"/>
+            <a:fld id="{86CB4B4D-7CA3-9044-876B-883B54F8677D}" type="slidenum">
+              <a:t>‹#›</a:t>
+            </a:fld>
+            <a:endParaRPr dirty="0"/>
           </a:p>
         </p:txBody>
       </p:sp>
@@ -1966,12 +2014,12 @@
   <p:clrMapOvr>
     <a:masterClrMapping/>
   </p:clrMapOvr>
-  <p:transition xmlns:p14="http://schemas.microsoft.com/office/powerpoint/2010/main" spd="med" advClick="1"/>
+  <p:transition spd="med"/>
 </p:sldLayout>
 </file>
 
 <file path=ppt/slideLayouts/slideLayout14.xml><?xml version="1.0" encoding="utf-8"?>
-<p:sldLayout xmlns:a="http://schemas.openxmlformats.org/drawingml/2006/main" xmlns:r="http://schemas.openxmlformats.org/officeDocument/2006/relationships" xmlns:p="http://schemas.openxmlformats.org/presentationml/2006/main" type="tx" showMasterSp="1" showMasterPhAnim="1">
+<p:sldLayout xmlns:a="http://schemas.openxmlformats.org/drawingml/2006/main" xmlns:r="http://schemas.openxmlformats.org/officeDocument/2006/relationships" xmlns:p="http://schemas.openxmlformats.org/presentationml/2006/main" type="tx">
   <p:cSld name="כרטיס שם עם ציטוט">
     <p:spTree>
       <p:nvGrpSpPr>
@@ -2006,7 +2054,7 @@
           </a:ln>
           <a:extLst>
             <a:ext uri="{C572A759-6A51-4108-AA02-DFA0A04FC94B}">
-              <ma14:wrappingTextBoxFlag xmlns:ma14="http://schemas.microsoft.com/office/mac/drawingml/2011/main" val="1"/>
+              <ma14:wrappingTextBoxFlag xmlns:ma14="http://schemas.microsoft.com/office/mac/drawingml/2011/main" xmlns="" val="1"/>
             </a:ext>
           </a:extLst>
         </p:spPr>
@@ -2016,7 +2064,7 @@
           </a:bodyPr>
           <a:lstStyle>
             <a:lvl1pPr>
-              <a:defRPr cap="all" sz="8000">
+              <a:defRPr sz="8000" cap="all">
                 <a:latin typeface="+mj-lt"/>
                 <a:ea typeface="+mj-ea"/>
                 <a:cs typeface="+mj-cs"/>
@@ -2029,6 +2077,7 @@
               <a:defRPr/>
             </a:pPr>
             <a:r>
+              <a:rPr dirty="0"/>
               <a:t>“</a:t>
             </a:r>
           </a:p>
@@ -2053,7 +2102,7 @@
           </a:ln>
           <a:extLst>
             <a:ext uri="{C572A759-6A51-4108-AA02-DFA0A04FC94B}">
-              <ma14:wrappingTextBoxFlag xmlns:ma14="http://schemas.microsoft.com/office/mac/drawingml/2011/main" val="1"/>
+              <ma14:wrappingTextBoxFlag xmlns:ma14="http://schemas.microsoft.com/office/mac/drawingml/2011/main" xmlns="" val="1"/>
             </a:ext>
           </a:extLst>
         </p:spPr>
@@ -2063,7 +2112,7 @@
           </a:bodyPr>
           <a:lstStyle>
             <a:lvl1pPr algn="r">
-              <a:defRPr cap="all" sz="8000">
+              <a:defRPr sz="8000" cap="all">
                 <a:latin typeface="+mj-lt"/>
                 <a:ea typeface="+mj-ea"/>
                 <a:cs typeface="+mj-cs"/>
@@ -2076,6 +2125,7 @@
               <a:defRPr/>
             </a:pPr>
             <a:r>
+              <a:rPr dirty="0"/>
               <a:t>”</a:t>
             </a:r>
           </a:p>
@@ -2084,7 +2134,9 @@
       <p:sp>
         <p:nvSpPr>
           <p:cNvPr id="148" name="Shape 148"/>
-          <p:cNvSpPr/>
+          <p:cNvSpPr>
+            <a:spLocks noGrp="1"/>
+          </p:cNvSpPr>
           <p:nvPr>
             <p:ph type="title"/>
           </p:nvPr>
@@ -2106,7 +2158,6 @@
             </a:lvl1pPr>
           </a:lstStyle>
           <a:p>
-            <a:pPr/>
             <a:r>
               <a:t>מלל כותרת</a:t>
             </a:r>
@@ -2116,7 +2167,9 @@
       <p:sp>
         <p:nvSpPr>
           <p:cNvPr id="149" name="Shape 149"/>
-          <p:cNvSpPr/>
+          <p:cNvSpPr>
+            <a:spLocks noGrp="1"/>
+          </p:cNvSpPr>
           <p:nvPr>
             <p:ph type="body" sz="quarter" idx="1"/>
           </p:nvPr>
@@ -2157,7 +2210,6 @@
             </a:lvl5pPr>
           </a:lstStyle>
           <a:p>
-            <a:pPr/>
             <a:r>
               <a:t>גוף רמה אחד</a:t>
             </a:r>
@@ -2191,7 +2243,9 @@
       <p:sp>
         <p:nvSpPr>
           <p:cNvPr id="150" name="Shape 150"/>
-          <p:cNvSpPr/>
+          <p:cNvSpPr>
+            <a:spLocks noGrp="1"/>
+          </p:cNvSpPr>
           <p:nvPr>
             <p:ph type="body" sz="quarter" idx="13"/>
           </p:nvPr>
@@ -2212,13 +2266,16 @@
             <a:pPr rtl="0">
               <a:defRPr/>
             </a:pPr>
+            <a:endParaRPr/>
           </a:p>
         </p:txBody>
       </p:sp>
       <p:sp>
         <p:nvSpPr>
           <p:cNvPr id="151" name="Shape 151"/>
-          <p:cNvSpPr/>
+          <p:cNvSpPr>
+            <a:spLocks noGrp="1"/>
+          </p:cNvSpPr>
           <p:nvPr>
             <p:ph type="sldNum" sz="quarter" idx="2"/>
           </p:nvPr>
@@ -2236,8 +2293,10 @@
           <a:bodyPr/>
           <a:lstStyle/>
           <a:p>
-            <a:pPr/>
-            <a:fld id="{86CB4B4D-7CA3-9044-876B-883B54F8677D}" type="slidenum"/>
+            <a:fld id="{86CB4B4D-7CA3-9044-876B-883B54F8677D}" type="slidenum">
+              <a:t>‹#›</a:t>
+            </a:fld>
+            <a:endParaRPr dirty="0"/>
           </a:p>
         </p:txBody>
       </p:sp>
@@ -2246,12 +2305,12 @@
   <p:clrMapOvr>
     <a:masterClrMapping/>
   </p:clrMapOvr>
-  <p:transition xmlns:p14="http://schemas.microsoft.com/office/powerpoint/2010/main" spd="med" advClick="1"/>
+  <p:transition spd="med"/>
 </p:sldLayout>
 </file>
 
 <file path=ppt/slideLayouts/slideLayout15.xml><?xml version="1.0" encoding="utf-8"?>
-<p:sldLayout xmlns:a="http://schemas.openxmlformats.org/drawingml/2006/main" xmlns:r="http://schemas.openxmlformats.org/officeDocument/2006/relationships" xmlns:p="http://schemas.openxmlformats.org/presentationml/2006/main" type="tx" showMasterSp="1" showMasterPhAnim="1">
+<p:sldLayout xmlns:a="http://schemas.openxmlformats.org/drawingml/2006/main" xmlns:r="http://schemas.openxmlformats.org/officeDocument/2006/relationships" xmlns:p="http://schemas.openxmlformats.org/presentationml/2006/main" type="tx">
   <p:cSld name="True או False">
     <p:spTree>
       <p:nvGrpSpPr>
@@ -2270,7 +2329,9 @@
       <p:sp>
         <p:nvSpPr>
           <p:cNvPr id="158" name="Shape 158"/>
-          <p:cNvSpPr/>
+          <p:cNvSpPr>
+            <a:spLocks noGrp="1"/>
+          </p:cNvSpPr>
           <p:nvPr>
             <p:ph type="title"/>
           </p:nvPr>
@@ -2288,7 +2349,6 @@
           <a:bodyPr/>
           <a:lstStyle/>
           <a:p>
-            <a:pPr/>
             <a:r>
               <a:t>מלל כותרת</a:t>
             </a:r>
@@ -2298,7 +2358,9 @@
       <p:sp>
         <p:nvSpPr>
           <p:cNvPr id="159" name="Shape 159"/>
-          <p:cNvSpPr/>
+          <p:cNvSpPr>
+            <a:spLocks noGrp="1"/>
+          </p:cNvSpPr>
           <p:nvPr>
             <p:ph type="body" sz="quarter" idx="1"/>
           </p:nvPr>
@@ -2344,7 +2406,6 @@
             </a:lvl5pPr>
           </a:lstStyle>
           <a:p>
-            <a:pPr/>
             <a:r>
               <a:t>גוף רמה אחד</a:t>
             </a:r>
@@ -2378,7 +2439,9 @@
       <p:sp>
         <p:nvSpPr>
           <p:cNvPr id="160" name="Shape 160"/>
-          <p:cNvSpPr/>
+          <p:cNvSpPr>
+            <a:spLocks noGrp="1"/>
+          </p:cNvSpPr>
           <p:nvPr>
             <p:ph type="body" sz="quarter" idx="13"/>
           </p:nvPr>
@@ -2399,13 +2462,16 @@
             <a:pPr rtl="0">
               <a:defRPr/>
             </a:pPr>
+            <a:endParaRPr/>
           </a:p>
         </p:txBody>
       </p:sp>
       <p:sp>
         <p:nvSpPr>
           <p:cNvPr id="161" name="Shape 161"/>
-          <p:cNvSpPr/>
+          <p:cNvSpPr>
+            <a:spLocks noGrp="1"/>
+          </p:cNvSpPr>
           <p:nvPr>
             <p:ph type="sldNum" sz="quarter" idx="2"/>
           </p:nvPr>
@@ -2423,8 +2489,10 @@
           <a:bodyPr/>
           <a:lstStyle/>
           <a:p>
-            <a:pPr/>
-            <a:fld id="{86CB4B4D-7CA3-9044-876B-883B54F8677D}" type="slidenum"/>
+            <a:fld id="{86CB4B4D-7CA3-9044-876B-883B54F8677D}" type="slidenum">
+              <a:t>‹#›</a:t>
+            </a:fld>
+            <a:endParaRPr dirty="0"/>
           </a:p>
         </p:txBody>
       </p:sp>
@@ -2433,12 +2501,12 @@
   <p:clrMapOvr>
     <a:masterClrMapping/>
   </p:clrMapOvr>
-  <p:transition xmlns:p14="http://schemas.microsoft.com/office/powerpoint/2010/main" spd="med" advClick="1"/>
+  <p:transition spd="med"/>
 </p:sldLayout>
 </file>
 
 <file path=ppt/slideLayouts/slideLayout16.xml><?xml version="1.0" encoding="utf-8"?>
-<p:sldLayout xmlns:a="http://schemas.openxmlformats.org/drawingml/2006/main" xmlns:r="http://schemas.openxmlformats.org/officeDocument/2006/relationships" xmlns:p="http://schemas.openxmlformats.org/presentationml/2006/main" type="tx" showMasterSp="1" showMasterPhAnim="1">
+<p:sldLayout xmlns:a="http://schemas.openxmlformats.org/drawingml/2006/main" xmlns:r="http://schemas.openxmlformats.org/officeDocument/2006/relationships" xmlns:p="http://schemas.openxmlformats.org/presentationml/2006/main" type="tx">
   <p:cSld name="כותרת וטקסט אנכי">
     <p:spTree>
       <p:nvGrpSpPr>
@@ -2457,7 +2525,9 @@
       <p:sp>
         <p:nvSpPr>
           <p:cNvPr id="168" name="Shape 168"/>
-          <p:cNvSpPr/>
+          <p:cNvSpPr>
+            <a:spLocks noGrp="1"/>
+          </p:cNvSpPr>
           <p:nvPr>
             <p:ph type="title"/>
           </p:nvPr>
@@ -2471,7 +2541,6 @@
           <a:bodyPr/>
           <a:lstStyle/>
           <a:p>
-            <a:pPr/>
             <a:r>
               <a:t>מלל כותרת</a:t>
             </a:r>
@@ -2481,7 +2550,9 @@
       <p:sp>
         <p:nvSpPr>
           <p:cNvPr id="169" name="Shape 169"/>
-          <p:cNvSpPr/>
+          <p:cNvSpPr>
+            <a:spLocks noGrp="1"/>
+          </p:cNvSpPr>
           <p:nvPr>
             <p:ph type="body" sz="half" idx="1"/>
           </p:nvPr>
@@ -2495,7 +2566,6 @@
           <a:bodyPr anchor="t"/>
           <a:lstStyle/>
           <a:p>
-            <a:pPr/>
             <a:r>
               <a:t>גוף רמה אחד</a:t>
             </a:r>
@@ -2529,7 +2599,9 @@
       <p:sp>
         <p:nvSpPr>
           <p:cNvPr id="170" name="Shape 170"/>
-          <p:cNvSpPr/>
+          <p:cNvSpPr>
+            <a:spLocks noGrp="1"/>
+          </p:cNvSpPr>
           <p:nvPr>
             <p:ph type="sldNum" sz="quarter" idx="2"/>
           </p:nvPr>
@@ -2547,8 +2619,10 @@
           <a:bodyPr/>
           <a:lstStyle/>
           <a:p>
-            <a:pPr/>
-            <a:fld id="{86CB4B4D-7CA3-9044-876B-883B54F8677D}" type="slidenum"/>
+            <a:fld id="{86CB4B4D-7CA3-9044-876B-883B54F8677D}" type="slidenum">
+              <a:t>‹#›</a:t>
+            </a:fld>
+            <a:endParaRPr dirty="0"/>
           </a:p>
         </p:txBody>
       </p:sp>
@@ -2557,12 +2631,12 @@
   <p:clrMapOvr>
     <a:masterClrMapping/>
   </p:clrMapOvr>
-  <p:transition xmlns:p14="http://schemas.microsoft.com/office/powerpoint/2010/main" spd="med" advClick="1"/>
+  <p:transition spd="med"/>
 </p:sldLayout>
 </file>
 
 <file path=ppt/slideLayouts/slideLayout17.xml><?xml version="1.0" encoding="utf-8"?>
-<p:sldLayout xmlns:a="http://schemas.openxmlformats.org/drawingml/2006/main" xmlns:r="http://schemas.openxmlformats.org/officeDocument/2006/relationships" xmlns:p="http://schemas.openxmlformats.org/presentationml/2006/main" type="tx" showMasterSp="1" showMasterPhAnim="1">
+<p:sldLayout xmlns:a="http://schemas.openxmlformats.org/drawingml/2006/main" xmlns:r="http://schemas.openxmlformats.org/officeDocument/2006/relationships" xmlns:p="http://schemas.openxmlformats.org/presentationml/2006/main" type="tx">
   <p:cSld name="כותרת אנכית וטקסט">
     <p:spTree>
       <p:nvGrpSpPr>
@@ -2581,7 +2655,9 @@
       <p:sp>
         <p:nvSpPr>
           <p:cNvPr id="177" name="Shape 177"/>
-          <p:cNvSpPr/>
+          <p:cNvSpPr>
+            <a:spLocks noGrp="1"/>
+          </p:cNvSpPr>
           <p:nvPr>
             <p:ph type="title"/>
           </p:nvPr>
@@ -2599,7 +2675,6 @@
           <a:bodyPr/>
           <a:lstStyle/>
           <a:p>
-            <a:pPr/>
             <a:r>
               <a:t>מלל כותרת</a:t>
             </a:r>
@@ -2609,7 +2684,9 @@
       <p:sp>
         <p:nvSpPr>
           <p:cNvPr id="178" name="Shape 178"/>
-          <p:cNvSpPr/>
+          <p:cNvSpPr>
+            <a:spLocks noGrp="1"/>
+          </p:cNvSpPr>
           <p:nvPr>
             <p:ph type="body" idx="1"/>
           </p:nvPr>
@@ -2627,7 +2704,6 @@
           <a:bodyPr anchor="t"/>
           <a:lstStyle/>
           <a:p>
-            <a:pPr/>
             <a:r>
               <a:t>גוף רמה אחד</a:t>
             </a:r>
@@ -2661,7 +2737,9 @@
       <p:sp>
         <p:nvSpPr>
           <p:cNvPr id="179" name="Shape 179"/>
-          <p:cNvSpPr/>
+          <p:cNvSpPr>
+            <a:spLocks noGrp="1"/>
+          </p:cNvSpPr>
           <p:nvPr>
             <p:ph type="sldNum" sz="quarter" idx="2"/>
           </p:nvPr>
@@ -2679,8 +2757,10 @@
           <a:bodyPr/>
           <a:lstStyle/>
           <a:p>
-            <a:pPr/>
-            <a:fld id="{86CB4B4D-7CA3-9044-876B-883B54F8677D}" type="slidenum"/>
+            <a:fld id="{86CB4B4D-7CA3-9044-876B-883B54F8677D}" type="slidenum">
+              <a:t>‹#›</a:t>
+            </a:fld>
+            <a:endParaRPr dirty="0"/>
           </a:p>
         </p:txBody>
       </p:sp>
@@ -2689,12 +2769,12 @@
   <p:clrMapOvr>
     <a:masterClrMapping/>
   </p:clrMapOvr>
-  <p:transition xmlns:p14="http://schemas.microsoft.com/office/powerpoint/2010/main" spd="med" advClick="1"/>
+  <p:transition spd="med"/>
 </p:sldLayout>
 </file>
 
 <file path=ppt/slideLayouts/slideLayout2.xml><?xml version="1.0" encoding="utf-8"?>
-<p:sldLayout xmlns:a="http://schemas.openxmlformats.org/drawingml/2006/main" xmlns:r="http://schemas.openxmlformats.org/officeDocument/2006/relationships" xmlns:p="http://schemas.openxmlformats.org/presentationml/2006/main" type="tx" showMasterSp="1" showMasterPhAnim="1">
+<p:sldLayout xmlns:a="http://schemas.openxmlformats.org/drawingml/2006/main" xmlns:r="http://schemas.openxmlformats.org/officeDocument/2006/relationships" xmlns:p="http://schemas.openxmlformats.org/presentationml/2006/main" type="tx">
   <p:cSld name="כותרת ותוכן">
     <p:spTree>
       <p:nvGrpSpPr>
@@ -2713,7 +2793,9 @@
       <p:sp>
         <p:nvSpPr>
           <p:cNvPr id="34" name="Shape 34"/>
-          <p:cNvSpPr/>
+          <p:cNvSpPr>
+            <a:spLocks noGrp="1"/>
+          </p:cNvSpPr>
           <p:nvPr>
             <p:ph type="title"/>
           </p:nvPr>
@@ -2727,7 +2809,6 @@
           <a:bodyPr/>
           <a:lstStyle/>
           <a:p>
-            <a:pPr/>
             <a:r>
               <a:t>מלל כותרת</a:t>
             </a:r>
@@ -2737,7 +2818,9 @@
       <p:sp>
         <p:nvSpPr>
           <p:cNvPr id="35" name="Shape 35"/>
-          <p:cNvSpPr/>
+          <p:cNvSpPr>
+            <a:spLocks noGrp="1"/>
+          </p:cNvSpPr>
           <p:nvPr>
             <p:ph type="body" sz="half" idx="1"/>
           </p:nvPr>
@@ -2751,7 +2834,6 @@
           <a:bodyPr/>
           <a:lstStyle/>
           <a:p>
-            <a:pPr/>
             <a:r>
               <a:t>גוף רמה אחד</a:t>
             </a:r>
@@ -2785,7 +2867,9 @@
       <p:sp>
         <p:nvSpPr>
           <p:cNvPr id="36" name="Shape 36"/>
-          <p:cNvSpPr/>
+          <p:cNvSpPr>
+            <a:spLocks noGrp="1"/>
+          </p:cNvSpPr>
           <p:nvPr>
             <p:ph type="sldNum" sz="quarter" idx="2"/>
           </p:nvPr>
@@ -2799,8 +2883,10 @@
           <a:bodyPr/>
           <a:lstStyle/>
           <a:p>
-            <a:pPr/>
-            <a:fld id="{86CB4B4D-7CA3-9044-876B-883B54F8677D}" type="slidenum"/>
+            <a:fld id="{86CB4B4D-7CA3-9044-876B-883B54F8677D}" type="slidenum">
+              <a:t>‹#›</a:t>
+            </a:fld>
+            <a:endParaRPr dirty="0"/>
           </a:p>
         </p:txBody>
       </p:sp>
@@ -2809,12 +2895,12 @@
   <p:clrMapOvr>
     <a:masterClrMapping/>
   </p:clrMapOvr>
-  <p:transition xmlns:p14="http://schemas.microsoft.com/office/powerpoint/2010/main" spd="med" advClick="1"/>
+  <p:transition spd="med"/>
 </p:sldLayout>
 </file>
 
 <file path=ppt/slideLayouts/slideLayout3.xml><?xml version="1.0" encoding="utf-8"?>
-<p:sldLayout xmlns:a="http://schemas.openxmlformats.org/drawingml/2006/main" xmlns:r="http://schemas.openxmlformats.org/officeDocument/2006/relationships" xmlns:p="http://schemas.openxmlformats.org/presentationml/2006/main" type="tx" showMasterSp="1" showMasterPhAnim="1">
+<p:sldLayout xmlns:a="http://schemas.openxmlformats.org/drawingml/2006/main" xmlns:r="http://schemas.openxmlformats.org/officeDocument/2006/relationships" xmlns:p="http://schemas.openxmlformats.org/presentationml/2006/main" type="tx">
   <p:cSld name="כותרת מקטע עליונה">
     <p:spTree>
       <p:nvGrpSpPr>
@@ -2833,7 +2919,9 @@
       <p:sp>
         <p:nvSpPr>
           <p:cNvPr id="43" name="Shape 43"/>
-          <p:cNvSpPr/>
+          <p:cNvSpPr>
+            <a:spLocks noGrp="1"/>
+          </p:cNvSpPr>
           <p:nvPr>
             <p:ph type="title"/>
           </p:nvPr>
@@ -2853,7 +2941,6 @@
             <a:lvl1pPr algn="r"/>
           </a:lstStyle>
           <a:p>
-            <a:pPr/>
             <a:r>
               <a:t>מלל כותרת</a:t>
             </a:r>
@@ -2863,7 +2950,9 @@
       <p:sp>
         <p:nvSpPr>
           <p:cNvPr id="44" name="Shape 44"/>
-          <p:cNvSpPr/>
+          <p:cNvSpPr>
+            <a:spLocks noGrp="1"/>
+          </p:cNvSpPr>
           <p:nvPr>
             <p:ph type="body" sz="quarter" idx="1"/>
           </p:nvPr>
@@ -2917,7 +3006,6 @@
             </a:lvl5pPr>
           </a:lstStyle>
           <a:p>
-            <a:pPr/>
             <a:r>
               <a:t>גוף רמה אחד</a:t>
             </a:r>
@@ -2951,7 +3039,9 @@
       <p:sp>
         <p:nvSpPr>
           <p:cNvPr id="45" name="Shape 45"/>
-          <p:cNvSpPr/>
+          <p:cNvSpPr>
+            <a:spLocks noGrp="1"/>
+          </p:cNvSpPr>
           <p:nvPr>
             <p:ph type="sldNum" sz="quarter" idx="2"/>
           </p:nvPr>
@@ -2969,8 +3059,10 @@
           <a:bodyPr/>
           <a:lstStyle/>
           <a:p>
-            <a:pPr/>
-            <a:fld id="{86CB4B4D-7CA3-9044-876B-883B54F8677D}" type="slidenum"/>
+            <a:fld id="{86CB4B4D-7CA3-9044-876B-883B54F8677D}" type="slidenum">
+              <a:t>‹#›</a:t>
+            </a:fld>
+            <a:endParaRPr dirty="0"/>
           </a:p>
         </p:txBody>
       </p:sp>
@@ -2979,12 +3071,12 @@
   <p:clrMapOvr>
     <a:masterClrMapping/>
   </p:clrMapOvr>
-  <p:transition xmlns:p14="http://schemas.microsoft.com/office/powerpoint/2010/main" spd="med" advClick="1"/>
+  <p:transition spd="med"/>
 </p:sldLayout>
 </file>
 
 <file path=ppt/slideLayouts/slideLayout4.xml><?xml version="1.0" encoding="utf-8"?>
-<p:sldLayout xmlns:a="http://schemas.openxmlformats.org/drawingml/2006/main" xmlns:r="http://schemas.openxmlformats.org/officeDocument/2006/relationships" xmlns:p="http://schemas.openxmlformats.org/presentationml/2006/main" type="tx" showMasterSp="1" showMasterPhAnim="1">
+<p:sldLayout xmlns:a="http://schemas.openxmlformats.org/drawingml/2006/main" xmlns:r="http://schemas.openxmlformats.org/officeDocument/2006/relationships" xmlns:p="http://schemas.openxmlformats.org/presentationml/2006/main" type="tx">
   <p:cSld name="שני תכנים">
     <p:spTree>
       <p:nvGrpSpPr>
@@ -3003,7 +3095,9 @@
       <p:sp>
         <p:nvSpPr>
           <p:cNvPr id="52" name="Shape 52"/>
-          <p:cNvSpPr/>
+          <p:cNvSpPr>
+            <a:spLocks noGrp="1"/>
+          </p:cNvSpPr>
           <p:nvPr>
             <p:ph type="title"/>
           </p:nvPr>
@@ -3017,7 +3111,6 @@
           <a:bodyPr/>
           <a:lstStyle/>
           <a:p>
-            <a:pPr/>
             <a:r>
               <a:t>מלל כותרת</a:t>
             </a:r>
@@ -3027,7 +3120,9 @@
       <p:sp>
         <p:nvSpPr>
           <p:cNvPr id="53" name="Shape 53"/>
-          <p:cNvSpPr/>
+          <p:cNvSpPr>
+            <a:spLocks noGrp="1"/>
+          </p:cNvSpPr>
           <p:nvPr>
             <p:ph type="body" sz="quarter" idx="1"/>
           </p:nvPr>
@@ -3061,7 +3156,6 @@
             </a:lvl5pPr>
           </a:lstStyle>
           <a:p>
-            <a:pPr/>
             <a:r>
               <a:t>גוף רמה אחד</a:t>
             </a:r>
@@ -3095,7 +3189,9 @@
       <p:sp>
         <p:nvSpPr>
           <p:cNvPr id="54" name="Shape 54"/>
-          <p:cNvSpPr/>
+          <p:cNvSpPr>
+            <a:spLocks noGrp="1"/>
+          </p:cNvSpPr>
           <p:nvPr>
             <p:ph type="sldNum" sz="quarter" idx="2"/>
           </p:nvPr>
@@ -3113,8 +3209,10 @@
           <a:bodyPr/>
           <a:lstStyle/>
           <a:p>
-            <a:pPr/>
-            <a:fld id="{86CB4B4D-7CA3-9044-876B-883B54F8677D}" type="slidenum"/>
+            <a:fld id="{86CB4B4D-7CA3-9044-876B-883B54F8677D}" type="slidenum">
+              <a:t>‹#›</a:t>
+            </a:fld>
+            <a:endParaRPr dirty="0"/>
           </a:p>
         </p:txBody>
       </p:sp>
@@ -3123,12 +3221,12 @@
   <p:clrMapOvr>
     <a:masterClrMapping/>
   </p:clrMapOvr>
-  <p:transition xmlns:p14="http://schemas.microsoft.com/office/powerpoint/2010/main" spd="med" advClick="1"/>
+  <p:transition spd="med"/>
 </p:sldLayout>
 </file>
 
 <file path=ppt/slideLayouts/slideLayout5.xml><?xml version="1.0" encoding="utf-8"?>
-<p:sldLayout xmlns:a="http://schemas.openxmlformats.org/drawingml/2006/main" xmlns:r="http://schemas.openxmlformats.org/officeDocument/2006/relationships" xmlns:p="http://schemas.openxmlformats.org/presentationml/2006/main" type="tx" showMasterSp="1" showMasterPhAnim="1">
+<p:sldLayout xmlns:a="http://schemas.openxmlformats.org/drawingml/2006/main" xmlns:r="http://schemas.openxmlformats.org/officeDocument/2006/relationships" xmlns:p="http://schemas.openxmlformats.org/presentationml/2006/main" type="tx">
   <p:cSld name="השוואה">
     <p:spTree>
       <p:nvGrpSpPr>
@@ -3147,7 +3245,9 @@
       <p:sp>
         <p:nvSpPr>
           <p:cNvPr id="61" name="Shape 61"/>
-          <p:cNvSpPr/>
+          <p:cNvSpPr>
+            <a:spLocks noGrp="1"/>
+          </p:cNvSpPr>
           <p:nvPr>
             <p:ph type="title"/>
           </p:nvPr>
@@ -3161,7 +3261,6 @@
           <a:bodyPr/>
           <a:lstStyle/>
           <a:p>
-            <a:pPr/>
             <a:r>
               <a:t>מלל כותרת</a:t>
             </a:r>
@@ -3171,7 +3270,9 @@
       <p:sp>
         <p:nvSpPr>
           <p:cNvPr id="62" name="Shape 62"/>
-          <p:cNvSpPr/>
+          <p:cNvSpPr>
+            <a:spLocks noGrp="1"/>
+          </p:cNvSpPr>
           <p:nvPr>
             <p:ph type="body" sz="quarter" idx="1"/>
           </p:nvPr>
@@ -3245,7 +3346,6 @@
             </a:lvl5pPr>
           </a:lstStyle>
           <a:p>
-            <a:pPr/>
             <a:r>
               <a:t>גוף רמה אחד</a:t>
             </a:r>
@@ -3279,7 +3379,9 @@
       <p:sp>
         <p:nvSpPr>
           <p:cNvPr id="63" name="Shape 63"/>
-          <p:cNvSpPr/>
+          <p:cNvSpPr>
+            <a:spLocks noGrp="1"/>
+          </p:cNvSpPr>
           <p:nvPr>
             <p:ph type="body" sz="quarter" idx="13"/>
           </p:nvPr>
@@ -3300,13 +3402,16 @@
             <a:pPr rtl="0">
               <a:defRPr/>
             </a:pPr>
+            <a:endParaRPr/>
           </a:p>
         </p:txBody>
       </p:sp>
       <p:sp>
         <p:nvSpPr>
           <p:cNvPr id="64" name="Shape 64"/>
-          <p:cNvSpPr/>
+          <p:cNvSpPr>
+            <a:spLocks noGrp="1"/>
+          </p:cNvSpPr>
           <p:nvPr>
             <p:ph type="sldNum" sz="quarter" idx="2"/>
           </p:nvPr>
@@ -3324,8 +3429,10 @@
           <a:bodyPr/>
           <a:lstStyle/>
           <a:p>
-            <a:pPr/>
-            <a:fld id="{86CB4B4D-7CA3-9044-876B-883B54F8677D}" type="slidenum"/>
+            <a:fld id="{86CB4B4D-7CA3-9044-876B-883B54F8677D}" type="slidenum">
+              <a:t>‹#›</a:t>
+            </a:fld>
+            <a:endParaRPr dirty="0"/>
           </a:p>
         </p:txBody>
       </p:sp>
@@ -3334,12 +3441,12 @@
   <p:clrMapOvr>
     <a:masterClrMapping/>
   </p:clrMapOvr>
-  <p:transition xmlns:p14="http://schemas.microsoft.com/office/powerpoint/2010/main" spd="med" advClick="1"/>
+  <p:transition spd="med"/>
 </p:sldLayout>
 </file>
 
 <file path=ppt/slideLayouts/slideLayout6.xml><?xml version="1.0" encoding="utf-8"?>
-<p:sldLayout xmlns:a="http://schemas.openxmlformats.org/drawingml/2006/main" xmlns:r="http://schemas.openxmlformats.org/officeDocument/2006/relationships" xmlns:p="http://schemas.openxmlformats.org/presentationml/2006/main" type="tx" showMasterSp="1" showMasterPhAnim="1">
+<p:sldLayout xmlns:a="http://schemas.openxmlformats.org/drawingml/2006/main" xmlns:r="http://schemas.openxmlformats.org/officeDocument/2006/relationships" xmlns:p="http://schemas.openxmlformats.org/presentationml/2006/main" type="tx">
   <p:cSld name="כותרת בלבד">
     <p:spTree>
       <p:nvGrpSpPr>
@@ -3358,7 +3465,9 @@
       <p:sp>
         <p:nvSpPr>
           <p:cNvPr id="71" name="Shape 71"/>
-          <p:cNvSpPr/>
+          <p:cNvSpPr>
+            <a:spLocks noGrp="1"/>
+          </p:cNvSpPr>
           <p:nvPr>
             <p:ph type="title"/>
           </p:nvPr>
@@ -3372,7 +3481,6 @@
           <a:bodyPr/>
           <a:lstStyle/>
           <a:p>
-            <a:pPr/>
             <a:r>
               <a:t>מלל כותרת</a:t>
             </a:r>
@@ -3382,7 +3490,9 @@
       <p:sp>
         <p:nvSpPr>
           <p:cNvPr id="72" name="Shape 72"/>
-          <p:cNvSpPr/>
+          <p:cNvSpPr>
+            <a:spLocks noGrp="1"/>
+          </p:cNvSpPr>
           <p:nvPr>
             <p:ph type="sldNum" sz="quarter" idx="2"/>
           </p:nvPr>
@@ -3400,8 +3510,10 @@
           <a:bodyPr/>
           <a:lstStyle/>
           <a:p>
-            <a:pPr/>
-            <a:fld id="{86CB4B4D-7CA3-9044-876B-883B54F8677D}" type="slidenum"/>
+            <a:fld id="{86CB4B4D-7CA3-9044-876B-883B54F8677D}" type="slidenum">
+              <a:t>‹#›</a:t>
+            </a:fld>
+            <a:endParaRPr dirty="0"/>
           </a:p>
         </p:txBody>
       </p:sp>
@@ -3410,12 +3522,12 @@
   <p:clrMapOvr>
     <a:masterClrMapping/>
   </p:clrMapOvr>
-  <p:transition xmlns:p14="http://schemas.microsoft.com/office/powerpoint/2010/main" spd="med" advClick="1"/>
+  <p:transition spd="med"/>
 </p:sldLayout>
 </file>
 
 <file path=ppt/slideLayouts/slideLayout7.xml><?xml version="1.0" encoding="utf-8"?>
-<p:sldLayout xmlns:a="http://schemas.openxmlformats.org/drawingml/2006/main" xmlns:r="http://schemas.openxmlformats.org/officeDocument/2006/relationships" xmlns:p="http://schemas.openxmlformats.org/presentationml/2006/main" type="tx" showMasterSp="1" showMasterPhAnim="1">
+<p:sldLayout xmlns:a="http://schemas.openxmlformats.org/drawingml/2006/main" xmlns:r="http://schemas.openxmlformats.org/officeDocument/2006/relationships" xmlns:p="http://schemas.openxmlformats.org/presentationml/2006/main" type="tx">
   <p:cSld name="ריק">
     <p:spTree>
       <p:nvGrpSpPr>
@@ -3434,7 +3546,9 @@
       <p:sp>
         <p:nvSpPr>
           <p:cNvPr id="79" name="Shape 79"/>
-          <p:cNvSpPr/>
+          <p:cNvSpPr>
+            <a:spLocks noGrp="1"/>
+          </p:cNvSpPr>
           <p:nvPr>
             <p:ph type="sldNum" sz="quarter" idx="2"/>
           </p:nvPr>
@@ -3452,8 +3566,10 @@
           <a:bodyPr/>
           <a:lstStyle/>
           <a:p>
-            <a:pPr/>
-            <a:fld id="{86CB4B4D-7CA3-9044-876B-883B54F8677D}" type="slidenum"/>
+            <a:fld id="{86CB4B4D-7CA3-9044-876B-883B54F8677D}" type="slidenum">
+              <a:t>‹#›</a:t>
+            </a:fld>
+            <a:endParaRPr dirty="0"/>
           </a:p>
         </p:txBody>
       </p:sp>
@@ -3462,12 +3578,12 @@
   <p:clrMapOvr>
     <a:masterClrMapping/>
   </p:clrMapOvr>
-  <p:transition xmlns:p14="http://schemas.microsoft.com/office/powerpoint/2010/main" spd="med" advClick="1"/>
+  <p:transition spd="med"/>
 </p:sldLayout>
 </file>
 
 <file path=ppt/slideLayouts/slideLayout8.xml><?xml version="1.0" encoding="utf-8"?>
-<p:sldLayout xmlns:a="http://schemas.openxmlformats.org/drawingml/2006/main" xmlns:r="http://schemas.openxmlformats.org/officeDocument/2006/relationships" xmlns:p="http://schemas.openxmlformats.org/presentationml/2006/main" type="tx" showMasterSp="1" showMasterPhAnim="1">
+<p:sldLayout xmlns:a="http://schemas.openxmlformats.org/drawingml/2006/main" xmlns:r="http://schemas.openxmlformats.org/officeDocument/2006/relationships" xmlns:p="http://schemas.openxmlformats.org/presentationml/2006/main" type="tx">
   <p:cSld name="תוכן עם כיתוב">
     <p:spTree>
       <p:nvGrpSpPr>
@@ -3486,7 +3602,9 @@
       <p:sp>
         <p:nvSpPr>
           <p:cNvPr id="86" name="Shape 86"/>
-          <p:cNvSpPr/>
+          <p:cNvSpPr>
+            <a:spLocks noGrp="1"/>
+          </p:cNvSpPr>
           <p:nvPr>
             <p:ph type="title"/>
           </p:nvPr>
@@ -3508,7 +3626,6 @@
             </a:lvl1pPr>
           </a:lstStyle>
           <a:p>
-            <a:pPr/>
             <a:r>
               <a:t>מלל כותרת</a:t>
             </a:r>
@@ -3518,7 +3635,9 @@
       <p:sp>
         <p:nvSpPr>
           <p:cNvPr id="87" name="Shape 87"/>
-          <p:cNvSpPr/>
+          <p:cNvSpPr>
+            <a:spLocks noGrp="1"/>
+          </p:cNvSpPr>
           <p:nvPr>
             <p:ph type="body" sz="half" idx="1"/>
           </p:nvPr>
@@ -3552,7 +3671,6 @@
             </a:lvl5pPr>
           </a:lstStyle>
           <a:p>
-            <a:pPr/>
             <a:r>
               <a:t>גוף רמה אחד</a:t>
             </a:r>
@@ -3586,7 +3704,9 @@
       <p:sp>
         <p:nvSpPr>
           <p:cNvPr id="88" name="Shape 88"/>
-          <p:cNvSpPr/>
+          <p:cNvSpPr>
+            <a:spLocks noGrp="1"/>
+          </p:cNvSpPr>
           <p:nvPr>
             <p:ph type="body" sz="quarter" idx="13"/>
           </p:nvPr>
@@ -3607,13 +3727,16 @@
             <a:pPr rtl="0">
               <a:defRPr/>
             </a:pPr>
+            <a:endParaRPr/>
           </a:p>
         </p:txBody>
       </p:sp>
       <p:sp>
         <p:nvSpPr>
           <p:cNvPr id="89" name="Shape 89"/>
-          <p:cNvSpPr/>
+          <p:cNvSpPr>
+            <a:spLocks noGrp="1"/>
+          </p:cNvSpPr>
           <p:nvPr>
             <p:ph type="sldNum" sz="quarter" idx="2"/>
           </p:nvPr>
@@ -3631,8 +3754,10 @@
           <a:bodyPr/>
           <a:lstStyle/>
           <a:p>
-            <a:pPr/>
-            <a:fld id="{86CB4B4D-7CA3-9044-876B-883B54F8677D}" type="slidenum"/>
+            <a:fld id="{86CB4B4D-7CA3-9044-876B-883B54F8677D}" type="slidenum">
+              <a:t>‹#›</a:t>
+            </a:fld>
+            <a:endParaRPr dirty="0"/>
           </a:p>
         </p:txBody>
       </p:sp>
@@ -3641,12 +3766,12 @@
   <p:clrMapOvr>
     <a:masterClrMapping/>
   </p:clrMapOvr>
-  <p:transition xmlns:p14="http://schemas.microsoft.com/office/powerpoint/2010/main" spd="med" advClick="1"/>
+  <p:transition spd="med"/>
 </p:sldLayout>
 </file>
 
 <file path=ppt/slideLayouts/slideLayout9.xml><?xml version="1.0" encoding="utf-8"?>
-<p:sldLayout xmlns:a="http://schemas.openxmlformats.org/drawingml/2006/main" xmlns:r="http://schemas.openxmlformats.org/officeDocument/2006/relationships" xmlns:p="http://schemas.openxmlformats.org/presentationml/2006/main" type="tx" showMasterSp="1" showMasterPhAnim="1">
+<p:sldLayout xmlns:a="http://schemas.openxmlformats.org/drawingml/2006/main" xmlns:r="http://schemas.openxmlformats.org/officeDocument/2006/relationships" xmlns:p="http://schemas.openxmlformats.org/presentationml/2006/main" type="tx">
   <p:cSld name="תמונה עם כיתוב">
     <p:spTree>
       <p:nvGrpSpPr>
@@ -3665,7 +3790,9 @@
       <p:sp>
         <p:nvSpPr>
           <p:cNvPr id="96" name="Shape 96"/>
-          <p:cNvSpPr/>
+          <p:cNvSpPr>
+            <a:spLocks noGrp="1"/>
+          </p:cNvSpPr>
           <p:nvPr>
             <p:ph type="title"/>
           </p:nvPr>
@@ -3687,7 +3814,6 @@
             </a:lvl1pPr>
           </a:lstStyle>
           <a:p>
-            <a:pPr/>
             <a:r>
               <a:t>מלל כותרת</a:t>
             </a:r>
@@ -3697,7 +3823,9 @@
       <p:sp>
         <p:nvSpPr>
           <p:cNvPr id="97" name="Shape 97"/>
-          <p:cNvSpPr/>
+          <p:cNvSpPr>
+            <a:spLocks noGrp="1"/>
+          </p:cNvSpPr>
           <p:nvPr>
             <p:ph type="pic" sz="quarter" idx="13"/>
           </p:nvPr>
@@ -3723,14 +3851,16 @@
           </a:bodyPr>
           <a:lstStyle/>
           <a:p>
-            <a:pPr/>
+            <a:endParaRPr dirty="0"/>
           </a:p>
         </p:txBody>
       </p:sp>
       <p:sp>
         <p:nvSpPr>
           <p:cNvPr id="98" name="Shape 98"/>
-          <p:cNvSpPr/>
+          <p:cNvSpPr>
+            <a:spLocks noGrp="1"/>
+          </p:cNvSpPr>
           <p:nvPr>
             <p:ph type="body" sz="quarter" idx="1"/>
           </p:nvPr>
@@ -3784,7 +3914,6 @@
             </a:lvl5pPr>
           </a:lstStyle>
           <a:p>
-            <a:pPr/>
             <a:r>
               <a:t>גוף רמה אחד</a:t>
             </a:r>
@@ -3818,7 +3947,9 @@
       <p:sp>
         <p:nvSpPr>
           <p:cNvPr id="99" name="Shape 99"/>
-          <p:cNvSpPr/>
+          <p:cNvSpPr>
+            <a:spLocks noGrp="1"/>
+          </p:cNvSpPr>
           <p:nvPr>
             <p:ph type="sldNum" sz="quarter" idx="2"/>
           </p:nvPr>
@@ -3836,8 +3967,10 @@
           <a:bodyPr/>
           <a:lstStyle/>
           <a:p>
-            <a:pPr/>
-            <a:fld id="{86CB4B4D-7CA3-9044-876B-883B54F8677D}" type="slidenum"/>
+            <a:fld id="{86CB4B4D-7CA3-9044-876B-883B54F8677D}" type="slidenum">
+              <a:t>‹#›</a:t>
+            </a:fld>
+            <a:endParaRPr dirty="0"/>
           </a:p>
         </p:txBody>
       </p:sp>
@@ -3846,7 +3979,7 @@
   <p:clrMapOvr>
     <a:masterClrMapping/>
   </p:clrMapOvr>
-  <p:transition xmlns:p14="http://schemas.microsoft.com/office/powerpoint/2010/main" spd="med" advClick="1"/>
+  <p:transition spd="med"/>
 </p:sldLayout>
 </file>
 
@@ -3856,12 +3989,13 @@
     <p:bg>
       <p:bgPr>
         <a:blipFill rotWithShape="1">
-          <a:blip r:embed="rId2"/>
-          <a:srcRect l="0" t="0" r="0" b="0"/>
+          <a:blip r:embed="rId19"/>
+          <a:srcRect/>
           <a:stretch>
             <a:fillRect/>
           </a:stretch>
         </a:blipFill>
+        <a:effectLst/>
       </p:bgPr>
     </p:bg>
     <p:spTree>
@@ -3923,7 +4057,7 @@
               </a:cxnLst>
               <a:rect l="0" t="0" r="r" b="b"/>
               <a:pathLst>
-                <a:path w="21600" h="21600" fill="norm" stroke="1" extrusionOk="0">
+                <a:path w="21600" h="21600" extrusionOk="0">
                   <a:moveTo>
                     <a:pt x="0" y="21426"/>
                   </a:moveTo>
@@ -3966,6 +4100,7 @@
                   <a:sym typeface="Corbel"/>
                 </a:defRPr>
               </a:pPr>
+              <a:endParaRPr dirty="0"/>
             </a:p>
           </p:txBody>
         </p:sp>
@@ -4000,7 +4135,7 @@
               </a:cxnLst>
               <a:rect l="0" t="0" r="r" b="b"/>
               <a:pathLst>
-                <a:path w="21600" h="21600" fill="norm" stroke="1" extrusionOk="0">
+                <a:path w="21600" h="21600" extrusionOk="0">
                   <a:moveTo>
                     <a:pt x="21600" y="0"/>
                   </a:moveTo>
@@ -4043,6 +4178,7 @@
                   <a:sym typeface="Corbel"/>
                 </a:defRPr>
               </a:pPr>
+              <a:endParaRPr dirty="0"/>
             </a:p>
           </p:txBody>
         </p:sp>
@@ -4077,7 +4213,7 @@
               </a:cxnLst>
               <a:rect l="0" t="0" r="r" b="b"/>
               <a:pathLst>
-                <a:path w="21600" h="21600" fill="norm" stroke="1" extrusionOk="0">
+                <a:path w="21600" h="21600" extrusionOk="0">
                   <a:moveTo>
                     <a:pt x="0" y="0"/>
                   </a:moveTo>
@@ -4117,6 +4253,7 @@
                   <a:sym typeface="Corbel"/>
                 </a:defRPr>
               </a:pPr>
+              <a:endParaRPr dirty="0"/>
             </a:p>
           </p:txBody>
         </p:sp>
@@ -4151,7 +4288,7 @@
               </a:cxnLst>
               <a:rect l="0" t="0" r="r" b="b"/>
               <a:pathLst>
-                <a:path w="21600" h="21600" fill="norm" stroke="1" extrusionOk="0">
+                <a:path w="21600" h="21600" extrusionOk="0">
                   <a:moveTo>
                     <a:pt x="0" y="0"/>
                   </a:moveTo>
@@ -4191,6 +4328,7 @@
                   <a:sym typeface="Corbel"/>
                 </a:defRPr>
               </a:pPr>
+              <a:endParaRPr dirty="0"/>
             </a:p>
           </p:txBody>
         </p:sp>
@@ -4225,7 +4363,7 @@
               </a:cxnLst>
               <a:rect l="0" t="0" r="r" b="b"/>
               <a:pathLst>
-                <a:path w="21600" h="21600" fill="norm" stroke="1" extrusionOk="0">
+                <a:path w="21600" h="21600" extrusionOk="0">
                   <a:moveTo>
                     <a:pt x="0" y="65"/>
                   </a:moveTo>
@@ -4271,6 +4409,7 @@
                   <a:sym typeface="Corbel"/>
                 </a:defRPr>
               </a:pPr>
+              <a:endParaRPr dirty="0"/>
             </a:p>
           </p:txBody>
         </p:sp>
@@ -4305,7 +4444,7 @@
               </a:cxnLst>
               <a:rect l="0" t="0" r="r" b="b"/>
               <a:pathLst>
-                <a:path w="21600" h="21600" fill="norm" stroke="1" extrusionOk="0">
+                <a:path w="21600" h="21600" extrusionOk="0">
                   <a:moveTo>
                     <a:pt x="21600" y="21600"/>
                   </a:moveTo>
@@ -4360,6 +4499,7 @@
                   <a:sym typeface="Corbel"/>
                 </a:defRPr>
               </a:pPr>
+              <a:endParaRPr dirty="0"/>
             </a:p>
           </p:txBody>
         </p:sp>
@@ -4367,7 +4507,9 @@
       <p:sp>
         <p:nvSpPr>
           <p:cNvPr id="9" name="Shape 9"/>
-          <p:cNvSpPr/>
+          <p:cNvSpPr>
+            <a:spLocks noGrp="1"/>
+          </p:cNvSpPr>
           <p:nvPr>
             <p:ph type="title"/>
           </p:nvPr>
@@ -4385,17 +4527,16 @@
           </a:ln>
           <a:extLst>
             <a:ext uri="{C572A759-6A51-4108-AA02-DFA0A04FC94B}">
-              <ma14:wrappingTextBoxFlag xmlns:ma14="http://schemas.microsoft.com/office/mac/drawingml/2011/main" val="1"/>
+              <ma14:wrappingTextBoxFlag xmlns:ma14="http://schemas.microsoft.com/office/mac/drawingml/2011/main" xmlns="" val="1"/>
             </a:ext>
           </a:extLst>
         </p:spPr>
         <p:txBody>
           <a:bodyPr lIns="45718" tIns="45718" rIns="45718" bIns="45718" anchor="ctr">
-            <a:normAutofit fontScale="100000" lnSpcReduction="0"/>
+            <a:normAutofit/>
           </a:bodyPr>
           <a:lstStyle/>
           <a:p>
-            <a:pPr/>
             <a:r>
               <a:t>מלל כותרת</a:t>
             </a:r>
@@ -4405,7 +4546,9 @@
       <p:sp>
         <p:nvSpPr>
           <p:cNvPr id="10" name="Shape 10"/>
-          <p:cNvSpPr/>
+          <p:cNvSpPr>
+            <a:spLocks noGrp="1"/>
+          </p:cNvSpPr>
           <p:nvPr>
             <p:ph type="body" idx="1"/>
           </p:nvPr>
@@ -4423,17 +4566,16 @@
           </a:ln>
           <a:extLst>
             <a:ext uri="{C572A759-6A51-4108-AA02-DFA0A04FC94B}">
-              <ma14:wrappingTextBoxFlag xmlns:ma14="http://schemas.microsoft.com/office/mac/drawingml/2011/main" val="1"/>
+              <ma14:wrappingTextBoxFlag xmlns:ma14="http://schemas.microsoft.com/office/mac/drawingml/2011/main" xmlns="" val="1"/>
             </a:ext>
           </a:extLst>
         </p:spPr>
         <p:txBody>
           <a:bodyPr lIns="45718" tIns="45718" rIns="45718" bIns="45718" anchor="ctr">
-            <a:normAutofit fontScale="100000" lnSpcReduction="0"/>
+            <a:normAutofit/>
           </a:bodyPr>
           <a:lstStyle/>
           <a:p>
-            <a:pPr/>
             <a:r>
               <a:t>גוף רמה אחד</a:t>
             </a:r>
@@ -4467,7 +4609,9 @@
       <p:sp>
         <p:nvSpPr>
           <p:cNvPr id="11" name="Shape 11"/>
-          <p:cNvSpPr/>
+          <p:cNvSpPr>
+            <a:spLocks noGrp="1"/>
+          </p:cNvSpPr>
           <p:nvPr>
             <p:ph type="sldNum" sz="quarter" idx="2"/>
           </p:nvPr>
@@ -4499,8 +4643,10 @@
             </a:lvl1pPr>
           </a:lstStyle>
           <a:p>
-            <a:pPr/>
-            <a:fld id="{86CB4B4D-7CA3-9044-876B-883B54F8677D}" type="slidenum"/>
+            <a:fld id="{86CB4B4D-7CA3-9044-876B-883B54F8677D}" type="slidenum">
+              <a:t>‹#›</a:t>
+            </a:fld>
+            <a:endParaRPr dirty="0"/>
           </a:p>
         </p:txBody>
       </p:sp>
@@ -4508,25 +4654,25 @@
   </p:cSld>
   <p:clrMap bg1="lt1" tx1="dk1" bg2="lt2" tx2="dk2" accent1="accent1" accent2="accent2" accent3="accent3" accent4="accent4" accent5="accent5" accent6="accent6" hlink="hlink" folHlink="folHlink"/>
   <p:sldLayoutIdLst>
-    <p:sldLayoutId id="2147483649" r:id="rId3"/>
-    <p:sldLayoutId id="2147483650" r:id="rId4"/>
-    <p:sldLayoutId id="2147483651" r:id="rId5"/>
-    <p:sldLayoutId id="2147483652" r:id="rId6"/>
-    <p:sldLayoutId id="2147483653" r:id="rId7"/>
-    <p:sldLayoutId id="2147483654" r:id="rId8"/>
-    <p:sldLayoutId id="2147483655" r:id="rId9"/>
-    <p:sldLayoutId id="2147483656" r:id="rId10"/>
-    <p:sldLayoutId id="2147483657" r:id="rId11"/>
-    <p:sldLayoutId id="2147483658" r:id="rId12"/>
-    <p:sldLayoutId id="2147483659" r:id="rId13"/>
-    <p:sldLayoutId id="2147483660" r:id="rId14"/>
-    <p:sldLayoutId id="2147483661" r:id="rId15"/>
-    <p:sldLayoutId id="2147483662" r:id="rId16"/>
-    <p:sldLayoutId id="2147483663" r:id="rId17"/>
-    <p:sldLayoutId id="2147483664" r:id="rId18"/>
-    <p:sldLayoutId id="2147483665" r:id="rId19"/>
+    <p:sldLayoutId id="2147483649" r:id="rId1"/>
+    <p:sldLayoutId id="2147483650" r:id="rId2"/>
+    <p:sldLayoutId id="2147483651" r:id="rId3"/>
+    <p:sldLayoutId id="2147483652" r:id="rId4"/>
+    <p:sldLayoutId id="2147483653" r:id="rId5"/>
+    <p:sldLayoutId id="2147483654" r:id="rId6"/>
+    <p:sldLayoutId id="2147483655" r:id="rId7"/>
+    <p:sldLayoutId id="2147483656" r:id="rId8"/>
+    <p:sldLayoutId id="2147483657" r:id="rId9"/>
+    <p:sldLayoutId id="2147483658" r:id="rId10"/>
+    <p:sldLayoutId id="2147483659" r:id="rId11"/>
+    <p:sldLayoutId id="2147483660" r:id="rId12"/>
+    <p:sldLayoutId id="2147483661" r:id="rId13"/>
+    <p:sldLayoutId id="2147483662" r:id="rId14"/>
+    <p:sldLayoutId id="2147483663" r:id="rId15"/>
+    <p:sldLayoutId id="2147483664" r:id="rId16"/>
+    <p:sldLayoutId id="2147483665" r:id="rId17"/>
   </p:sldLayoutIdLst>
-  <p:transition xmlns:p14="http://schemas.microsoft.com/office/powerpoint/2010/main" spd="med" advClick="1"/>
+  <p:transition spd="med"/>
   <p:txStyles>
     <p:titleStyle>
       <a:lvl1pPr marL="0" marR="0" indent="0" algn="ctr" defTabSz="457200" rtl="1" latinLnBrk="0">
@@ -4544,7 +4690,7 @@
         <a:buFontTx/>
         <a:buNone/>
         <a:tabLst/>
-        <a:defRPr b="0" baseline="0" cap="none" i="0" spc="0" strike="noStrike" sz="4000" u="none">
+        <a:defRPr sz="4000" b="0" i="0" u="none" strike="noStrike" cap="none" spc="0" baseline="0">
           <a:ln>
             <a:noFill/>
           </a:ln>
@@ -4573,7 +4719,7 @@
         <a:buFontTx/>
         <a:buNone/>
         <a:tabLst/>
-        <a:defRPr b="0" baseline="0" cap="none" i="0" spc="0" strike="noStrike" sz="4000" u="none">
+        <a:defRPr sz="4000" b="0" i="0" u="none" strike="noStrike" cap="none" spc="0" baseline="0">
           <a:ln>
             <a:noFill/>
           </a:ln>
@@ -4602,7 +4748,7 @@
         <a:buFontTx/>
         <a:buNone/>
         <a:tabLst/>
-        <a:defRPr b="0" baseline="0" cap="none" i="0" spc="0" strike="noStrike" sz="4000" u="none">
+        <a:defRPr sz="4000" b="0" i="0" u="none" strike="noStrike" cap="none" spc="0" baseline="0">
           <a:ln>
             <a:noFill/>
           </a:ln>
@@ -4631,7 +4777,7 @@
         <a:buFontTx/>
         <a:buNone/>
         <a:tabLst/>
-        <a:defRPr b="0" baseline="0" cap="none" i="0" spc="0" strike="noStrike" sz="4000" u="none">
+        <a:defRPr sz="4000" b="0" i="0" u="none" strike="noStrike" cap="none" spc="0" baseline="0">
           <a:ln>
             <a:noFill/>
           </a:ln>
@@ -4660,7 +4806,7 @@
         <a:buFontTx/>
         <a:buNone/>
         <a:tabLst/>
-        <a:defRPr b="0" baseline="0" cap="none" i="0" spc="0" strike="noStrike" sz="4000" u="none">
+        <a:defRPr sz="4000" b="0" i="0" u="none" strike="noStrike" cap="none" spc="0" baseline="0">
           <a:ln>
             <a:noFill/>
           </a:ln>
@@ -4689,7 +4835,7 @@
         <a:buFontTx/>
         <a:buNone/>
         <a:tabLst/>
-        <a:defRPr b="0" baseline="0" cap="none" i="0" spc="0" strike="noStrike" sz="4000" u="none">
+        <a:defRPr sz="4000" b="0" i="0" u="none" strike="noStrike" cap="none" spc="0" baseline="0">
           <a:ln>
             <a:noFill/>
           </a:ln>
@@ -4718,7 +4864,7 @@
         <a:buFontTx/>
         <a:buNone/>
         <a:tabLst/>
-        <a:defRPr b="0" baseline="0" cap="none" i="0" spc="0" strike="noStrike" sz="4000" u="none">
+        <a:defRPr sz="4000" b="0" i="0" u="none" strike="noStrike" cap="none" spc="0" baseline="0">
           <a:ln>
             <a:noFill/>
           </a:ln>
@@ -4747,7 +4893,7 @@
         <a:buFontTx/>
         <a:buNone/>
         <a:tabLst/>
-        <a:defRPr b="0" baseline="0" cap="none" i="0" spc="0" strike="noStrike" sz="4000" u="none">
+        <a:defRPr sz="4000" b="0" i="0" u="none" strike="noStrike" cap="none" spc="0" baseline="0">
           <a:ln>
             <a:noFill/>
           </a:ln>
@@ -4776,7 +4922,7 @@
         <a:buFontTx/>
         <a:buNone/>
         <a:tabLst/>
-        <a:defRPr b="0" baseline="0" cap="none" i="0" spc="0" strike="noStrike" sz="4000" u="none">
+        <a:defRPr sz="4000" b="0" i="0" u="none" strike="noStrike" cap="none" spc="0" baseline="0">
           <a:ln>
             <a:noFill/>
           </a:ln>
@@ -4809,7 +4955,7 @@
         <a:buFont typeface="Arial"/>
         <a:buChar char="•"/>
         <a:tabLst/>
-        <a:defRPr b="0" baseline="0" cap="none" i="0" spc="0" strike="noStrike" sz="2400" u="none">
+        <a:defRPr sz="2400" b="0" i="0" u="none" strike="noStrike" cap="none" spc="0" baseline="0">
           <a:ln>
             <a:noFill/>
           </a:ln>
@@ -4840,7 +4986,7 @@
         <a:buFont typeface="Arial"/>
         <a:buChar char="•"/>
         <a:tabLst/>
-        <a:defRPr b="0" baseline="0" cap="none" i="0" spc="0" strike="noStrike" sz="2400" u="none">
+        <a:defRPr sz="2400" b="0" i="0" u="none" strike="noStrike" cap="none" spc="0" baseline="0">
           <a:ln>
             <a:noFill/>
           </a:ln>
@@ -4871,7 +5017,7 @@
         <a:buFont typeface="Arial"/>
         <a:buChar char="•"/>
         <a:tabLst/>
-        <a:defRPr b="0" baseline="0" cap="none" i="0" spc="0" strike="noStrike" sz="2400" u="none">
+        <a:defRPr sz="2400" b="0" i="0" u="none" strike="noStrike" cap="none" spc="0" baseline="0">
           <a:ln>
             <a:noFill/>
           </a:ln>
@@ -4902,7 +5048,7 @@
         <a:buFont typeface="Arial"/>
         <a:buChar char="•"/>
         <a:tabLst/>
-        <a:defRPr b="0" baseline="0" cap="none" i="0" spc="0" strike="noStrike" sz="2400" u="none">
+        <a:defRPr sz="2400" b="0" i="0" u="none" strike="noStrike" cap="none" spc="0" baseline="0">
           <a:ln>
             <a:noFill/>
           </a:ln>
@@ -4933,7 +5079,7 @@
         <a:buFont typeface="Arial"/>
         <a:buChar char="•"/>
         <a:tabLst/>
-        <a:defRPr b="0" baseline="0" cap="none" i="0" spc="0" strike="noStrike" sz="2400" u="none">
+        <a:defRPr sz="2400" b="0" i="0" u="none" strike="noStrike" cap="none" spc="0" baseline="0">
           <a:ln>
             <a:noFill/>
           </a:ln>
@@ -4964,7 +5110,7 @@
         <a:buFont typeface="Arial"/>
         <a:buChar char="•"/>
         <a:tabLst/>
-        <a:defRPr b="0" baseline="0" cap="none" i="0" spc="0" strike="noStrike" sz="2400" u="none">
+        <a:defRPr sz="2400" b="0" i="0" u="none" strike="noStrike" cap="none" spc="0" baseline="0">
           <a:ln>
             <a:noFill/>
           </a:ln>
@@ -4995,7 +5141,7 @@
         <a:buFont typeface="Arial"/>
         <a:buChar char="•"/>
         <a:tabLst/>
-        <a:defRPr b="0" baseline="0" cap="none" i="0" spc="0" strike="noStrike" sz="2400" u="none">
+        <a:defRPr sz="2400" b="0" i="0" u="none" strike="noStrike" cap="none" spc="0" baseline="0">
           <a:ln>
             <a:noFill/>
           </a:ln>
@@ -5026,7 +5172,7 @@
         <a:buFont typeface="Arial"/>
         <a:buChar char="•"/>
         <a:tabLst/>
-        <a:defRPr b="0" baseline="0" cap="none" i="0" spc="0" strike="noStrike" sz="2400" u="none">
+        <a:defRPr sz="2400" b="0" i="0" u="none" strike="noStrike" cap="none" spc="0" baseline="0">
           <a:ln>
             <a:noFill/>
           </a:ln>
@@ -5057,7 +5203,7 @@
         <a:buFont typeface="Arial"/>
         <a:buChar char="•"/>
         <a:tabLst/>
-        <a:defRPr b="0" baseline="0" cap="none" i="0" spc="0" strike="noStrike" sz="2400" u="none">
+        <a:defRPr sz="2400" b="0" i="0" u="none" strike="noStrike" cap="none" spc="0" baseline="0">
           <a:ln>
             <a:noFill/>
           </a:ln>
@@ -5088,7 +5234,7 @@
         <a:buFontTx/>
         <a:buNone/>
         <a:tabLst/>
-        <a:defRPr b="0" baseline="0" cap="none" i="0" spc="0" strike="noStrike" sz="1000" u="none">
+        <a:defRPr sz="1000" b="0" i="0" u="none" strike="noStrike" cap="none" spc="0" baseline="0">
           <a:ln>
             <a:noFill/>
           </a:ln>
@@ -5117,7 +5263,7 @@
         <a:buFontTx/>
         <a:buNone/>
         <a:tabLst/>
-        <a:defRPr b="0" baseline="0" cap="none" i="0" spc="0" strike="noStrike" sz="1000" u="none">
+        <a:defRPr sz="1000" b="0" i="0" u="none" strike="noStrike" cap="none" spc="0" baseline="0">
           <a:ln>
             <a:noFill/>
           </a:ln>
@@ -5146,7 +5292,7 @@
         <a:buFontTx/>
         <a:buNone/>
         <a:tabLst/>
-        <a:defRPr b="0" baseline="0" cap="none" i="0" spc="0" strike="noStrike" sz="1000" u="none">
+        <a:defRPr sz="1000" b="0" i="0" u="none" strike="noStrike" cap="none" spc="0" baseline="0">
           <a:ln>
             <a:noFill/>
           </a:ln>
@@ -5175,7 +5321,7 @@
         <a:buFontTx/>
         <a:buNone/>
         <a:tabLst/>
-        <a:defRPr b="0" baseline="0" cap="none" i="0" spc="0" strike="noStrike" sz="1000" u="none">
+        <a:defRPr sz="1000" b="0" i="0" u="none" strike="noStrike" cap="none" spc="0" baseline="0">
           <a:ln>
             <a:noFill/>
           </a:ln>
@@ -5204,7 +5350,7 @@
         <a:buFontTx/>
         <a:buNone/>
         <a:tabLst/>
-        <a:defRPr b="0" baseline="0" cap="none" i="0" spc="0" strike="noStrike" sz="1000" u="none">
+        <a:defRPr sz="1000" b="0" i="0" u="none" strike="noStrike" cap="none" spc="0" baseline="0">
           <a:ln>
             <a:noFill/>
           </a:ln>
@@ -5233,7 +5379,7 @@
         <a:buFontTx/>
         <a:buNone/>
         <a:tabLst/>
-        <a:defRPr b="0" baseline="0" cap="none" i="0" spc="0" strike="noStrike" sz="1000" u="none">
+        <a:defRPr sz="1000" b="0" i="0" u="none" strike="noStrike" cap="none" spc="0" baseline="0">
           <a:ln>
             <a:noFill/>
           </a:ln>
@@ -5262,7 +5408,7 @@
         <a:buFontTx/>
         <a:buNone/>
         <a:tabLst/>
-        <a:defRPr b="0" baseline="0" cap="none" i="0" spc="0" strike="noStrike" sz="1000" u="none">
+        <a:defRPr sz="1000" b="0" i="0" u="none" strike="noStrike" cap="none" spc="0" baseline="0">
           <a:ln>
             <a:noFill/>
           </a:ln>
@@ -5291,7 +5437,7 @@
         <a:buFontTx/>
         <a:buNone/>
         <a:tabLst/>
-        <a:defRPr b="0" baseline="0" cap="none" i="0" spc="0" strike="noStrike" sz="1000" u="none">
+        <a:defRPr sz="1000" b="0" i="0" u="none" strike="noStrike" cap="none" spc="0" baseline="0">
           <a:ln>
             <a:noFill/>
           </a:ln>
@@ -5320,7 +5466,7 @@
         <a:buFontTx/>
         <a:buNone/>
         <a:tabLst/>
-        <a:defRPr b="0" baseline="0" cap="none" i="0" spc="0" strike="noStrike" sz="1000" u="none">
+        <a:defRPr sz="1000" b="0" i="0" u="none" strike="noStrike" cap="none" spc="0" baseline="0">
           <a:ln>
             <a:noFill/>
           </a:ln>
@@ -5340,7 +5486,7 @@
 </file>
 
 <file path=ppt/slides/slide1.xml><?xml version="1.0" encoding="utf-8"?>
-<p:sld xmlns:a="http://schemas.openxmlformats.org/drawingml/2006/main" xmlns:r="http://schemas.openxmlformats.org/officeDocument/2006/relationships" xmlns:p="http://schemas.openxmlformats.org/presentationml/2006/main" showMasterSp="1" showMasterPhAnim="1">
+<p:sld xmlns:a="http://schemas.openxmlformats.org/drawingml/2006/main" xmlns:r="http://schemas.openxmlformats.org/officeDocument/2006/relationships" xmlns:p="http://schemas.openxmlformats.org/presentationml/2006/main">
   <p:cSld>
     <p:spTree>
       <p:nvGrpSpPr>
@@ -5375,7 +5521,7 @@
           </a:ln>
           <a:extLst>
             <a:ext uri="{C572A759-6A51-4108-AA02-DFA0A04FC94B}">
-              <ma14:wrappingTextBoxFlag xmlns:ma14="http://schemas.microsoft.com/office/mac/drawingml/2011/main" val="1"/>
+              <ma14:wrappingTextBoxFlag xmlns:ma14="http://schemas.microsoft.com/office/mac/drawingml/2011/main" xmlns="" val="1"/>
             </a:ext>
           </a:extLst>
         </p:spPr>
@@ -5386,7 +5532,7 @@
           <a:lstStyle/>
           <a:p>
             <a:pPr algn="ctr" rtl="0">
-              <a:defRPr b="1" sz="6600">
+              <a:defRPr sz="6600" b="1">
                 <a:ln w="12698">
                   <a:solidFill>
                     <a:schemeClr val="accent1"/>
@@ -5396,7 +5542,7 @@
                   <a:srgbClr val="BAD384"/>
                 </a:solidFill>
                 <a:effectLst>
-                  <a:outerShdw sx="100000" sy="100000" kx="0" ky="0" algn="b" rotWithShape="0" blurRad="0" dist="38100" dir="2640000">
+                  <a:outerShdw dist="38100" dir="2640000" rotWithShape="0">
                     <a:schemeClr val="accent1"/>
                   </a:outerShdw>
                 </a:effectLst>
@@ -5407,12 +5553,21 @@
               </a:defRPr>
             </a:pPr>
             <a:r>
-              <a:t>Seniors In Touchnology </a:t>
+              <a:rPr dirty="0"/>
+              <a:t>Seniors In </a:t>
+            </a:r>
+            <a:r>
+              <a:rPr dirty="0" err="1"/>
+              <a:t>Touchnology</a:t>
+            </a:r>
+            <a:r>
+              <a:rPr dirty="0"/>
+              <a:t> </a:t>
             </a:r>
           </a:p>
           <a:p>
             <a:pPr algn="ctr" rtl="0">
-              <a:defRPr b="1" sz="6600">
+              <a:defRPr sz="6600" b="1">
                 <a:ln w="12698">
                   <a:solidFill>
                     <a:schemeClr val="accent1"/>
@@ -5422,7 +5577,7 @@
                   <a:srgbClr val="BAD384"/>
                 </a:solidFill>
                 <a:effectLst>
-                  <a:outerShdw sx="100000" sy="100000" kx="0" ky="0" algn="b" rotWithShape="0" blurRad="0" dist="38100" dir="2640000">
+                  <a:outerShdw dist="38100" dir="2640000" rotWithShape="0">
                     <a:schemeClr val="accent1"/>
                   </a:outerShdw>
                 </a:effectLst>
@@ -5433,6 +5588,7 @@
               </a:defRPr>
             </a:pPr>
             <a:r>
+              <a:rPr dirty="0"/>
               <a:t>(SIT)</a:t>
             </a:r>
           </a:p>
@@ -5446,8 +5602,8 @@
         </p:nvSpPr>
         <p:spPr>
           <a:xfrm>
-            <a:off x="6409324" y="4103587"/>
-            <a:ext cx="5586372" cy="548044"/>
+            <a:off x="6389563" y="4103587"/>
+            <a:ext cx="5625895" cy="584771"/>
           </a:xfrm>
           <a:prstGeom prst="rect">
             <a:avLst/>
@@ -5457,7 +5613,7 @@
           </a:ln>
           <a:extLst>
             <a:ext uri="{C572A759-6A51-4108-AA02-DFA0A04FC94B}">
-              <ma14:wrappingTextBoxFlag xmlns:ma14="http://schemas.microsoft.com/office/mac/drawingml/2011/main" val="1"/>
+              <ma14:wrappingTextBoxFlag xmlns:ma14="http://schemas.microsoft.com/office/mac/drawingml/2011/main" xmlns="" val="1"/>
             </a:ext>
           </a:extLst>
         </p:spPr>
@@ -5469,7 +5625,7 @@
             <a:lvl1pPr algn="ctr">
               <a:defRPr sz="3200">
                 <a:effectLst>
-                  <a:outerShdw sx="100000" sy="100000" kx="0" ky="0" algn="b" rotWithShape="0" blurRad="38100" dist="19050" dir="2700000">
+                  <a:outerShdw blurRad="38100" dist="19050" dir="2700000" rotWithShape="0">
                     <a:srgbClr val="000000">
                       <a:alpha val="40000"/>
                     </a:srgbClr>
@@ -5483,12 +5639,46 @@
             </a:lvl1pPr>
           </a:lstStyle>
           <a:p>
-            <a:pPr rtl="0">
+            <a:pPr>
               <a:defRPr/>
             </a:pPr>
             <a:r>
-              <a:t>פרויקט עבור הארגון: מחשבה טובה</a:t>
-            </a:r>
+              <a:rPr dirty="0" err="1"/>
+              <a:t>פרויקט</a:t>
+            </a:r>
+            <a:r>
+              <a:rPr dirty="0"/>
+              <a:t> </a:t>
+            </a:r>
+            <a:r>
+              <a:rPr dirty="0" err="1"/>
+              <a:t>עבור</a:t>
+            </a:r>
+            <a:r>
+              <a:rPr dirty="0"/>
+              <a:t> </a:t>
+            </a:r>
+            <a:r>
+              <a:rPr dirty="0" err="1"/>
+              <a:t>הארגון</a:t>
+            </a:r>
+            <a:r>
+              <a:rPr dirty="0"/>
+              <a:t>: </a:t>
+            </a:r>
+            <a:r>
+              <a:rPr dirty="0" err="1"/>
+              <a:t>מחשבה</a:t>
+            </a:r>
+            <a:r>
+              <a:rPr dirty="0"/>
+              <a:t> </a:t>
+            </a:r>
+            <a:r>
+              <a:rPr dirty="0" err="1"/>
+              <a:t>טובה</a:t>
+            </a:r>
+            <a:endParaRPr dirty="0"/>
           </a:p>
         </p:txBody>
       </p:sp>
@@ -5520,7 +5710,7 @@
             <a:miter lim="400000"/>
           </a:ln>
           <a:effectLst>
-            <a:outerShdw sx="100000" sy="100000" kx="0" ky="0" algn="b" rotWithShape="0" blurRad="190500" dist="0" dir="0">
+            <a:outerShdw blurRad="190500" rotWithShape="0">
               <a:srgbClr val="000000">
                 <a:alpha val="70000"/>
               </a:srgbClr>
@@ -5536,8 +5726,8 @@
         </p:nvSpPr>
         <p:spPr>
           <a:xfrm>
-            <a:off x="4895134" y="5459967"/>
-            <a:ext cx="7090752" cy="375229"/>
+            <a:off x="4868541" y="5459967"/>
+            <a:ext cx="7143938" cy="400105"/>
           </a:xfrm>
           <a:prstGeom prst="rect">
             <a:avLst/>
@@ -5547,7 +5737,7 @@
           </a:ln>
           <a:extLst>
             <a:ext uri="{C572A759-6A51-4108-AA02-DFA0A04FC94B}">
-              <ma14:wrappingTextBoxFlag xmlns:ma14="http://schemas.microsoft.com/office/mac/drawingml/2011/main" val="1"/>
+              <ma14:wrappingTextBoxFlag xmlns:ma14="http://schemas.microsoft.com/office/mac/drawingml/2011/main" xmlns="" val="1"/>
             </a:ext>
           </a:extLst>
         </p:spPr>
@@ -5557,10 +5747,10 @@
           </a:bodyPr>
           <a:lstStyle/>
           <a:p>
-            <a:pPr algn="ctr" rtl="0">
-              <a:defRPr b="1" sz="2000">
+            <a:pPr algn="ctr">
+              <a:defRPr sz="2000" b="1">
                 <a:effectLst>
-                  <a:outerShdw sx="100000" sy="100000" kx="0" ky="0" algn="b" rotWithShape="0" blurRad="38100" dist="38100" dir="2700000">
+                  <a:outerShdw blurRad="38100" dist="38100" dir="2700000" rotWithShape="0">
                     <a:srgbClr val="000000">
                       <a:alpha val="43137"/>
                     </a:srgbClr>
@@ -5573,36 +5763,98 @@
               </a:defRPr>
             </a:pPr>
             <a:r>
-              <a:t>צוות הפרויקט</a:t>
-            </a:r>
-            <a:r>
-              <a:rPr b="0"/>
+              <a:rPr dirty="0" err="1"/>
+              <a:t>צוות</a:t>
+            </a:r>
+            <a:r>
+              <a:rPr dirty="0"/>
+              <a:t> </a:t>
+            </a:r>
+            <a:r>
+              <a:rPr dirty="0" err="1"/>
+              <a:t>הפרויקט</a:t>
+            </a:r>
+            <a:r>
+              <a:rPr b="0" dirty="0"/>
               <a:t>: </a:t>
             </a:r>
             <a:r>
-              <a:t>אורי אמיר</a:t>
-            </a:r>
-            <a:r>
-              <a:rPr b="0"/>
+              <a:rPr dirty="0" err="1"/>
+              <a:t>אורי</a:t>
+            </a:r>
+            <a:r>
+              <a:rPr dirty="0"/>
+              <a:t> </a:t>
+            </a:r>
+            <a:r>
+              <a:rPr dirty="0" err="1"/>
+              <a:t>אמיר</a:t>
+            </a:r>
+            <a:r>
+              <a:rPr b="0" dirty="0"/>
               <a:t>, </a:t>
             </a:r>
             <a:r>
-              <a:t>טל כהן</a:t>
-            </a:r>
-            <a:r>
-              <a:rPr b="0"/>
+              <a:rPr dirty="0" err="1"/>
+              <a:t>טל</a:t>
+            </a:r>
+            <a:r>
+              <a:rPr dirty="0"/>
+              <a:t> </a:t>
+            </a:r>
+            <a:r>
+              <a:rPr dirty="0" err="1"/>
+              <a:t>כהן</a:t>
+            </a:r>
+            <a:r>
+              <a:rPr b="0" dirty="0"/>
               <a:t>, </a:t>
             </a:r>
             <a:r>
-              <a:t>אפק חזן</a:t>
-            </a:r>
-            <a:r>
-              <a:rPr b="0"/>
+              <a:rPr dirty="0" err="1"/>
+              <a:t>אפק</a:t>
+            </a:r>
+            <a:r>
+              <a:rPr dirty="0"/>
+              <a:t> </a:t>
+            </a:r>
+            <a:r>
+              <a:rPr dirty="0" err="1"/>
+              <a:t>חזן</a:t>
+            </a:r>
+            <a:r>
+              <a:rPr b="0" dirty="0"/>
               <a:t>, </a:t>
             </a:r>
             <a:r>
-              <a:t>מתן ענתבי ודוריאן צורפי</a:t>
-            </a:r>
+              <a:rPr dirty="0" err="1"/>
+              <a:t>מתן</a:t>
+            </a:r>
+            <a:r>
+              <a:rPr dirty="0"/>
+              <a:t> </a:t>
+            </a:r>
+            <a:r>
+              <a:rPr dirty="0" err="1"/>
+              <a:t>ענתבי</a:t>
+            </a:r>
+            <a:r>
+              <a:rPr dirty="0"/>
+              <a:t> </a:t>
+            </a:r>
+            <a:r>
+              <a:rPr dirty="0" err="1"/>
+              <a:t>ודוריאן</a:t>
+            </a:r>
+            <a:r>
+              <a:rPr dirty="0"/>
+              <a:t> </a:t>
+            </a:r>
+            <a:r>
+              <a:rPr dirty="0" err="1"/>
+              <a:t>צורפי</a:t>
+            </a:r>
+            <a:endParaRPr dirty="0"/>
           </a:p>
         </p:txBody>
       </p:sp>
@@ -5611,12 +5863,12 @@
   <p:clrMapOvr>
     <a:masterClrMapping/>
   </p:clrMapOvr>
-  <p:transition xmlns:p14="http://schemas.microsoft.com/office/powerpoint/2010/main" spd="med" advClick="1"/>
+  <p:transition spd="med"/>
 </p:sld>
 </file>
 
 <file path=ppt/slides/slide2.xml><?xml version="1.0" encoding="utf-8"?>
-<p:sld xmlns:a="http://schemas.openxmlformats.org/drawingml/2006/main" xmlns:r="http://schemas.openxmlformats.org/officeDocument/2006/relationships" xmlns:p="http://schemas.openxmlformats.org/presentationml/2006/main" showMasterSp="1" showMasterPhAnim="1">
+<p:sld xmlns:a="http://schemas.openxmlformats.org/drawingml/2006/main" xmlns:r="http://schemas.openxmlformats.org/officeDocument/2006/relationships" xmlns:p="http://schemas.openxmlformats.org/presentationml/2006/main">
   <p:cSld>
     <p:spTree>
       <p:nvGrpSpPr>
@@ -5660,7 +5912,7 @@
             <a:miter lim="400000"/>
           </a:ln>
           <a:effectLst>
-            <a:outerShdw sx="100000" sy="100000" kx="0" ky="0" algn="b" rotWithShape="0" blurRad="190500" dist="0" dir="0">
+            <a:outerShdw blurRad="190500" rotWithShape="0">
               <a:srgbClr val="000000">
                 <a:alpha val="70000"/>
               </a:srgbClr>
@@ -5687,7 +5939,7 @@
           </a:ln>
           <a:extLst>
             <a:ext uri="{C572A759-6A51-4108-AA02-DFA0A04FC94B}">
-              <ma14:wrappingTextBoxFlag xmlns:ma14="http://schemas.microsoft.com/office/mac/drawingml/2011/main" val="1"/>
+              <ma14:wrappingTextBoxFlag xmlns:ma14="http://schemas.microsoft.com/office/mac/drawingml/2011/main" xmlns="" val="1"/>
             </a:ext>
           </a:extLst>
         </p:spPr>
@@ -5697,7 +5949,7 @@
           </a:bodyPr>
           <a:lstStyle>
             <a:lvl1pPr algn="ctr">
-              <a:defRPr b="1" sz="5500">
+              <a:defRPr sz="5500" b="1">
                 <a:ln w="22635">
                   <a:solidFill>
                     <a:schemeClr val="accent1"/>
@@ -5718,8 +5970,18 @@
               <a:defRPr/>
             </a:pPr>
             <a:r>
-              <a:t>על הארגון</a:t>
-            </a:r>
+              <a:rPr dirty="0" err="1"/>
+              <a:t>על</a:t>
+            </a:r>
+            <a:r>
+              <a:rPr dirty="0"/>
+              <a:t> </a:t>
+            </a:r>
+            <a:r>
+              <a:rPr dirty="0" err="1"/>
+              <a:t>הארגון</a:t>
+            </a:r>
+            <a:endParaRPr dirty="0"/>
           </a:p>
         </p:txBody>
       </p:sp>
@@ -5732,7 +5994,7 @@
         <p:spPr>
           <a:xfrm>
             <a:off x="1911616" y="2404171"/>
-            <a:ext cx="9164099" cy="2743481"/>
+            <a:ext cx="9164099" cy="2308320"/>
           </a:xfrm>
           <a:prstGeom prst="rect">
             <a:avLst/>
@@ -5742,7 +6004,7 @@
           </a:ln>
           <a:extLst>
             <a:ext uri="{C572A759-6A51-4108-AA02-DFA0A04FC94B}">
-              <ma14:wrappingTextBoxFlag xmlns:ma14="http://schemas.microsoft.com/office/mac/drawingml/2011/main" val="1"/>
+              <ma14:wrappingTextBoxFlag xmlns:ma14="http://schemas.microsoft.com/office/mac/drawingml/2011/main" xmlns="" val="1"/>
             </a:ext>
           </a:extLst>
         </p:spPr>
@@ -5752,10 +6014,10 @@
           </a:bodyPr>
           <a:lstStyle/>
           <a:p>
-            <a:pPr algn="ctr" rtl="0">
+            <a:pPr algn="ctr">
               <a:defRPr sz="3600">
                 <a:effectLst>
-                  <a:outerShdw sx="100000" sy="100000" kx="0" ky="0" algn="b" rotWithShape="0" blurRad="38100" dist="38100" dir="2700000">
+                  <a:outerShdw blurRad="38100" dist="38100" dir="2700000" rotWithShape="0">
                     <a:srgbClr val="000000">
                       <a:alpha val="43137"/>
                     </a:srgbClr>
@@ -5768,14 +6030,120 @@
               </a:defRPr>
             </a:pPr>
             <a:r>
-              <a:t>מחשבה טובה הוקמה בשנת 2003 ע"י אנשי חינוך והיי-טק אשר מטרתם העיקרית הייתה לחבר</a:t>
-            </a:r>
-          </a:p>
-          <a:p>
-            <a:pPr algn="ctr" rtl="0">
+              <a:rPr dirty="0" err="1"/>
+              <a:t>מחשבה</a:t>
+            </a:r>
+            <a:r>
+              <a:rPr dirty="0"/>
+              <a:t> </a:t>
+            </a:r>
+            <a:r>
+              <a:rPr dirty="0" err="1"/>
+              <a:t>טובה</a:t>
+            </a:r>
+            <a:r>
+              <a:rPr dirty="0"/>
+              <a:t> </a:t>
+            </a:r>
+            <a:r>
+              <a:rPr dirty="0" err="1"/>
+              <a:t>הוקמה</a:t>
+            </a:r>
+            <a:r>
+              <a:rPr dirty="0"/>
+              <a:t> </a:t>
+            </a:r>
+            <a:r>
+              <a:rPr dirty="0" err="1" smtClean="0"/>
+              <a:t>בשנ</a:t>
+            </a:r>
+            <a:r>
+              <a:rPr lang="he-IL" dirty="0" smtClean="0"/>
+              <a:t>ת </a:t>
+            </a:r>
+            <a:r>
+              <a:rPr dirty="0" smtClean="0"/>
+              <a:t>2003</a:t>
+            </a:r>
+            <a:r>
+              <a:rPr lang="he-IL" dirty="0" smtClean="0"/>
+              <a:t> </a:t>
+            </a:r>
+            <a:r>
+              <a:rPr dirty="0" err="1" smtClean="0"/>
+              <a:t>ע"י</a:t>
+            </a:r>
+            <a:r>
+              <a:rPr dirty="0" smtClean="0"/>
+              <a:t> </a:t>
+            </a:r>
+            <a:r>
+              <a:rPr dirty="0" err="1"/>
+              <a:t>אנשי</a:t>
+            </a:r>
+            <a:r>
+              <a:rPr dirty="0"/>
+              <a:t> </a:t>
+            </a:r>
+            <a:r>
+              <a:rPr dirty="0" err="1"/>
+              <a:t>חינוך</a:t>
+            </a:r>
+            <a:r>
+              <a:rPr dirty="0"/>
+              <a:t> </a:t>
+            </a:r>
+            <a:r>
+              <a:rPr dirty="0" err="1"/>
+              <a:t>והיי-טק</a:t>
+            </a:r>
+            <a:r>
+              <a:rPr dirty="0"/>
+              <a:t> </a:t>
+            </a:r>
+            <a:r>
+              <a:rPr dirty="0" err="1"/>
+              <a:t>אשר</a:t>
+            </a:r>
+            <a:r>
+              <a:rPr dirty="0"/>
+              <a:t> </a:t>
+            </a:r>
+            <a:r>
+              <a:rPr dirty="0" err="1"/>
+              <a:t>מטרתם</a:t>
+            </a:r>
+            <a:r>
+              <a:rPr dirty="0"/>
+              <a:t> </a:t>
+            </a:r>
+            <a:r>
+              <a:rPr dirty="0" err="1"/>
+              <a:t>העיקרית</a:t>
+            </a:r>
+            <a:r>
+              <a:rPr dirty="0"/>
+              <a:t> </a:t>
+            </a:r>
+            <a:r>
+              <a:rPr dirty="0" err="1"/>
+              <a:t>הייתה</a:t>
+            </a:r>
+            <a:r>
+              <a:rPr dirty="0"/>
+              <a:t> </a:t>
+            </a:r>
+            <a:r>
+              <a:rPr dirty="0" err="1"/>
+              <a:t>לחבר</a:t>
+            </a:r>
+            <a:endParaRPr dirty="0"/>
+          </a:p>
+          <a:p>
+            <a:pPr algn="ctr">
               <a:defRPr sz="3600">
                 <a:effectLst>
-                  <a:outerShdw sx="100000" sy="100000" kx="0" ky="0" algn="b" rotWithShape="0" blurRad="38100" dist="38100" dir="2700000">
+                  <a:outerShdw blurRad="38100" dist="38100" dir="2700000" rotWithShape="0">
                     <a:srgbClr val="000000">
                       <a:alpha val="43137"/>
                     </a:srgbClr>
@@ -5788,13 +6156,76 @@
               </a:defRPr>
             </a:pPr>
             <a:r>
-              <a:t> את האוכלוסיות המוחלשות לאפשרויות </a:t>
-            </a:r>
-            <a:br/>
-            <a:r>
-              <a:t>הרבות הטמונות בעולם הטכנולוגי. </a:t>
-            </a:r>
-            <a:br/>
+              <a:rPr dirty="0"/>
+              <a:t> </a:t>
+            </a:r>
+            <a:r>
+              <a:rPr dirty="0" err="1"/>
+              <a:t>את</a:t>
+            </a:r>
+            <a:r>
+              <a:rPr dirty="0"/>
+              <a:t> </a:t>
+            </a:r>
+            <a:r>
+              <a:rPr dirty="0" err="1"/>
+              <a:t>האוכלוסיות</a:t>
+            </a:r>
+            <a:r>
+              <a:rPr dirty="0"/>
+              <a:t> </a:t>
+            </a:r>
+            <a:r>
+              <a:rPr dirty="0" err="1"/>
+              <a:t>המוחלשות</a:t>
+            </a:r>
+            <a:r>
+              <a:rPr dirty="0"/>
+              <a:t> </a:t>
+            </a:r>
+            <a:r>
+              <a:rPr dirty="0" err="1"/>
+              <a:t>לאפשרויות</a:t>
+            </a:r>
+            <a:r>
+              <a:rPr dirty="0"/>
+              <a:t> </a:t>
+            </a:r>
+            <a:br>
+              <a:rPr dirty="0"/>
+            </a:br>
+            <a:r>
+              <a:rPr dirty="0" err="1"/>
+              <a:t>הרבות</a:t>
+            </a:r>
+            <a:r>
+              <a:rPr dirty="0"/>
+              <a:t> </a:t>
+            </a:r>
+            <a:r>
+              <a:rPr dirty="0" err="1"/>
+              <a:t>הטמונות</a:t>
+            </a:r>
+            <a:r>
+              <a:rPr dirty="0"/>
+              <a:t> </a:t>
+            </a:r>
+            <a:r>
+              <a:rPr dirty="0" err="1"/>
+              <a:t>בעולם</a:t>
+            </a:r>
+            <a:r>
+              <a:rPr dirty="0"/>
+              <a:t> </a:t>
+            </a:r>
+            <a:r>
+              <a:rPr dirty="0" err="1"/>
+              <a:t>הטכנולוגי</a:t>
+            </a:r>
+            <a:r>
+              <a:rPr dirty="0"/>
+              <a:t>. </a:t>
+            </a:r>
           </a:p>
         </p:txBody>
       </p:sp>
@@ -5861,12 +6292,12 @@
   <p:clrMapOvr>
     <a:masterClrMapping/>
   </p:clrMapOvr>
-  <p:transition xmlns:p14="http://schemas.microsoft.com/office/powerpoint/2010/main" spd="med" advClick="1" p14:dur="1000"/>
+  <p:transition spd="slow"/>
 </p:sld>
 </file>
 
 <file path=ppt/slides/slide3.xml><?xml version="1.0" encoding="utf-8"?>
-<p:sld xmlns:a="http://schemas.openxmlformats.org/drawingml/2006/main" xmlns:r="http://schemas.openxmlformats.org/officeDocument/2006/relationships" xmlns:p="http://schemas.openxmlformats.org/presentationml/2006/main" showMasterSp="1" showMasterPhAnim="1">
+<p:sld xmlns:a="http://schemas.openxmlformats.org/drawingml/2006/main" xmlns:r="http://schemas.openxmlformats.org/officeDocument/2006/relationships" xmlns:p="http://schemas.openxmlformats.org/presentationml/2006/main">
   <p:cSld>
     <p:spTree>
       <p:nvGrpSpPr>
@@ -5910,7 +6341,7 @@
             <a:miter lim="400000"/>
           </a:ln>
           <a:effectLst>
-            <a:outerShdw sx="100000" sy="100000" kx="0" ky="0" algn="b" rotWithShape="0" blurRad="190500" dist="0" dir="0">
+            <a:outerShdw blurRad="190500" rotWithShape="0">
               <a:srgbClr val="000000">
                 <a:alpha val="70000"/>
               </a:srgbClr>
@@ -5937,7 +6368,7 @@
           </a:ln>
           <a:extLst>
             <a:ext uri="{C572A759-6A51-4108-AA02-DFA0A04FC94B}">
-              <ma14:wrappingTextBoxFlag xmlns:ma14="http://schemas.microsoft.com/office/mac/drawingml/2011/main" val="1"/>
+              <ma14:wrappingTextBoxFlag xmlns:ma14="http://schemas.microsoft.com/office/mac/drawingml/2011/main" xmlns="" val="1"/>
             </a:ext>
           </a:extLst>
         </p:spPr>
@@ -5968,8 +6399,10 @@
               <a:defRPr/>
             </a:pPr>
             <a:r>
+              <a:rPr dirty="0" err="1"/>
               <a:t>המוצר</a:t>
             </a:r>
+            <a:endParaRPr dirty="0"/>
           </a:p>
         </p:txBody>
       </p:sp>
@@ -5982,7 +6415,7 @@
         <p:spPr>
           <a:xfrm>
             <a:off x="2182192" y="1525657"/>
-            <a:ext cx="9342782" cy="3276881"/>
+            <a:ext cx="9342782" cy="3416316"/>
           </a:xfrm>
           <a:prstGeom prst="rect">
             <a:avLst/>
@@ -5992,7 +6425,7 @@
           </a:ln>
           <a:extLst>
             <a:ext uri="{C572A759-6A51-4108-AA02-DFA0A04FC94B}">
-              <ma14:wrappingTextBoxFlag xmlns:ma14="http://schemas.microsoft.com/office/mac/drawingml/2011/main" val="1"/>
+              <ma14:wrappingTextBoxFlag xmlns:ma14="http://schemas.microsoft.com/office/mac/drawingml/2011/main" xmlns="" val="1"/>
             </a:ext>
           </a:extLst>
         </p:spPr>
@@ -6002,10 +6435,10 @@
           </a:bodyPr>
           <a:lstStyle/>
           <a:p>
-            <a:pPr algn="just" rtl="0">
+            <a:pPr algn="r">
               <a:defRPr sz="3600">
                 <a:effectLst>
-                  <a:outerShdw sx="100000" sy="100000" kx="0" ky="0" algn="b" rotWithShape="0" blurRad="38100" dist="19050" dir="2700000">
+                  <a:outerShdw blurRad="38100" dist="19050" dir="2700000" rotWithShape="0">
                     <a:srgbClr val="000000">
                       <a:alpha val="40000"/>
                     </a:srgbClr>
@@ -6018,17 +6451,86 @@
               </a:defRPr>
             </a:pPr>
             <a:r>
-              <a:t>אתר אינטרנט המציג תכני מידע הקשורים לארגון והרשמה אליהם :</a:t>
-            </a:r>
-          </a:p>
-          <a:p>
-            <a:pPr marL="571500" indent="-571500" algn="r" rtl="0">
+              <a:rPr dirty="0" err="1"/>
+              <a:t>אתר</a:t>
+            </a:r>
+            <a:r>
+              <a:rPr dirty="0"/>
+              <a:t> </a:t>
+            </a:r>
+            <a:r>
+              <a:rPr dirty="0" err="1"/>
+              <a:t>אינטרנט</a:t>
+            </a:r>
+            <a:r>
+              <a:rPr dirty="0"/>
+              <a:t> </a:t>
+            </a:r>
+            <a:r>
+              <a:rPr dirty="0" err="1"/>
+              <a:t>המציג</a:t>
+            </a:r>
+            <a:r>
+              <a:rPr dirty="0"/>
+              <a:t> </a:t>
+            </a:r>
+            <a:r>
+              <a:rPr dirty="0" err="1"/>
+              <a:t>תכני</a:t>
+            </a:r>
+            <a:r>
+              <a:rPr dirty="0"/>
+              <a:t> </a:t>
+            </a:r>
+            <a:r>
+              <a:rPr dirty="0" err="1"/>
+              <a:t>מידע</a:t>
+            </a:r>
+            <a:r>
+              <a:rPr dirty="0"/>
+              <a:t> </a:t>
+            </a:r>
+            <a:r>
+              <a:rPr dirty="0" err="1"/>
+              <a:t>הקשורים</a:t>
+            </a:r>
+            <a:r>
+              <a:rPr dirty="0"/>
+              <a:t> </a:t>
+            </a:r>
+            <a:r>
+              <a:rPr dirty="0" err="1"/>
+              <a:t>לארגון</a:t>
+            </a:r>
+            <a:r>
+              <a:rPr dirty="0"/>
+              <a:t> </a:t>
+            </a:r>
+            <a:r>
+              <a:rPr dirty="0" err="1"/>
+              <a:t>והרשמה</a:t>
+            </a:r>
+            <a:r>
+              <a:rPr dirty="0"/>
+              <a:t> </a:t>
+            </a:r>
+            <a:r>
+              <a:rPr dirty="0" err="1"/>
+              <a:t>אליהם</a:t>
+            </a:r>
+            <a:r>
+              <a:rPr dirty="0"/>
+              <a:t> :</a:t>
+            </a:r>
+          </a:p>
+          <a:p>
+            <a:pPr marL="571500" indent="-571500" algn="r">
               <a:buSzPct val="100000"/>
               <a:buFont typeface="Arial"/>
               <a:buChar char="•"/>
               <a:defRPr sz="3600">
                 <a:effectLst>
-                  <a:outerShdw sx="100000" sy="100000" kx="0" ky="0" algn="b" rotWithShape="0" blurRad="38100" dist="19050" dir="2700000">
+                  <a:outerShdw blurRad="38100" dist="19050" dir="2700000" rotWithShape="0">
                     <a:srgbClr val="000000">
                       <a:alpha val="40000"/>
                     </a:srgbClr>
@@ -6041,17 +6543,35 @@
               </a:defRPr>
             </a:pPr>
             <a:r>
-              <a:t>קורסים שמעביר הארגון</a:t>
-            </a:r>
-          </a:p>
-          <a:p>
-            <a:pPr marL="571500" indent="-571500" algn="r" rtl="0">
+              <a:rPr dirty="0" err="1"/>
+              <a:t>קורסים</a:t>
+            </a:r>
+            <a:r>
+              <a:rPr dirty="0"/>
+              <a:t> </a:t>
+            </a:r>
+            <a:r>
+              <a:rPr dirty="0" err="1"/>
+              <a:t>שמעביר</a:t>
+            </a:r>
+            <a:r>
+              <a:rPr dirty="0"/>
+              <a:t> </a:t>
+            </a:r>
+            <a:r>
+              <a:rPr dirty="0" err="1"/>
+              <a:t>הארגון</a:t>
+            </a:r>
+            <a:endParaRPr dirty="0"/>
+          </a:p>
+          <a:p>
+            <a:pPr marL="571500" indent="-571500" algn="r">
               <a:buSzPct val="100000"/>
               <a:buFont typeface="Arial"/>
               <a:buChar char="•"/>
               <a:defRPr sz="3600">
                 <a:effectLst>
-                  <a:outerShdw sx="100000" sy="100000" kx="0" ky="0" algn="b" rotWithShape="0" blurRad="38100" dist="19050" dir="2700000">
+                  <a:outerShdw blurRad="38100" dist="19050" dir="2700000" rotWithShape="0">
                     <a:srgbClr val="000000">
                       <a:alpha val="40000"/>
                     </a:srgbClr>
@@ -6064,17 +6584,27 @@
               </a:defRPr>
             </a:pPr>
             <a:r>
-              <a:t>התנדבויות מוצעות</a:t>
-            </a:r>
-          </a:p>
-          <a:p>
-            <a:pPr marL="571500" indent="-571500" algn="r" rtl="0">
+              <a:rPr dirty="0" err="1"/>
+              <a:t>התנדבויות</a:t>
+            </a:r>
+            <a:r>
+              <a:rPr dirty="0"/>
+              <a:t> </a:t>
+            </a:r>
+            <a:r>
+              <a:rPr dirty="0" err="1"/>
+              <a:t>מוצעות</a:t>
+            </a:r>
+            <a:endParaRPr dirty="0"/>
+          </a:p>
+          <a:p>
+            <a:pPr marL="571500" indent="-571500" algn="r">
               <a:buSzPct val="100000"/>
               <a:buFont typeface="Arial"/>
               <a:buChar char="•"/>
               <a:defRPr sz="3600">
                 <a:effectLst>
-                  <a:outerShdw sx="100000" sy="100000" kx="0" ky="0" algn="b" rotWithShape="0" blurRad="38100" dist="19050" dir="2700000">
+                  <a:outerShdw blurRad="38100" dist="19050" dir="2700000" rotWithShape="0">
                     <a:srgbClr val="000000">
                       <a:alpha val="40000"/>
                     </a:srgbClr>
@@ -6087,17 +6617,27 @@
               </a:defRPr>
             </a:pPr>
             <a:r>
-              <a:t>הצעות עבודה</a:t>
-            </a:r>
-          </a:p>
-          <a:p>
-            <a:pPr marL="571500" indent="-571500" algn="r" rtl="0">
+              <a:rPr dirty="0" err="1"/>
+              <a:t>הצעות</a:t>
+            </a:r>
+            <a:r>
+              <a:rPr dirty="0"/>
+              <a:t> </a:t>
+            </a:r>
+            <a:r>
+              <a:rPr dirty="0" err="1"/>
+              <a:t>עבודה</a:t>
+            </a:r>
+            <a:endParaRPr dirty="0"/>
+          </a:p>
+          <a:p>
+            <a:pPr marL="571500" indent="-571500" algn="r">
               <a:buSzPct val="100000"/>
               <a:buFont typeface="Arial"/>
               <a:buChar char="•"/>
               <a:defRPr sz="3600">
                 <a:effectLst>
-                  <a:outerShdw sx="100000" sy="100000" kx="0" ky="0" algn="b" rotWithShape="0" blurRad="38100" dist="19050" dir="2700000">
+                  <a:outerShdw blurRad="38100" dist="19050" dir="2700000" rotWithShape="0">
                     <a:srgbClr val="000000">
                       <a:alpha val="40000"/>
                     </a:srgbClr>
@@ -6110,8 +6650,10 @@
               </a:defRPr>
             </a:pPr>
             <a:r>
+              <a:rPr dirty="0" err="1"/>
               <a:t>ניוזלטרים</a:t>
             </a:r>
+            <a:endParaRPr dirty="0"/>
           </a:p>
         </p:txBody>
       </p:sp>
@@ -6149,12 +6691,12 @@
   <p:clrMapOvr>
     <a:masterClrMapping/>
   </p:clrMapOvr>
-  <p:transition xmlns:p14="http://schemas.microsoft.com/office/powerpoint/2010/main" spd="med" advClick="1" p14:dur="1000"/>
+  <p:transition spd="slow"/>
 </p:sld>
 </file>
 
 <file path=ppt/slides/slide4.xml><?xml version="1.0" encoding="utf-8"?>
-<p:sld xmlns:a="http://schemas.openxmlformats.org/drawingml/2006/main" xmlns:r="http://schemas.openxmlformats.org/officeDocument/2006/relationships" xmlns:p="http://schemas.openxmlformats.org/presentationml/2006/main" showMasterSp="1" showMasterPhAnim="1">
+<p:sld xmlns:a="http://schemas.openxmlformats.org/drawingml/2006/main" xmlns:r="http://schemas.openxmlformats.org/officeDocument/2006/relationships" xmlns:p="http://schemas.openxmlformats.org/presentationml/2006/main">
   <p:cSld>
     <p:spTree>
       <p:nvGrpSpPr>
@@ -6189,7 +6731,7 @@
           </a:ln>
           <a:extLst>
             <a:ext uri="{C572A759-6A51-4108-AA02-DFA0A04FC94B}">
-              <ma14:wrappingTextBoxFlag xmlns:ma14="http://schemas.microsoft.com/office/mac/drawingml/2011/main" val="1"/>
+              <ma14:wrappingTextBoxFlag xmlns:ma14="http://schemas.microsoft.com/office/mac/drawingml/2011/main" xmlns="" val="1"/>
             </a:ext>
           </a:extLst>
         </p:spPr>
@@ -6220,8 +6762,10 @@
               <a:defRPr/>
             </a:pPr>
             <a:r>
+              <a:rPr dirty="0" err="1"/>
               <a:t>רטרוספקטיבה</a:t>
             </a:r>
+            <a:endParaRPr dirty="0"/>
           </a:p>
         </p:txBody>
       </p:sp>
@@ -6234,7 +6778,7 @@
         <p:spPr>
           <a:xfrm>
             <a:off x="2108576" y="1734462"/>
-            <a:ext cx="9252779" cy="4143805"/>
+            <a:ext cx="9252779" cy="4401201"/>
           </a:xfrm>
           <a:prstGeom prst="rect">
             <a:avLst/>
@@ -6244,7 +6788,7 @@
           </a:ln>
           <a:extLst>
             <a:ext uri="{C572A759-6A51-4108-AA02-DFA0A04FC94B}">
-              <ma14:wrappingTextBoxFlag xmlns:ma14="http://schemas.microsoft.com/office/mac/drawingml/2011/main" val="1"/>
+              <ma14:wrappingTextBoxFlag xmlns:ma14="http://schemas.microsoft.com/office/mac/drawingml/2011/main" xmlns="" val="1"/>
             </a:ext>
           </a:extLst>
         </p:spPr>
@@ -6254,10 +6798,10 @@
           </a:bodyPr>
           <a:lstStyle/>
           <a:p>
-            <a:pPr algn="just" rtl="0">
+            <a:pPr algn="r">
               <a:defRPr sz="2800">
                 <a:effectLst>
-                  <a:outerShdw sx="100000" sy="100000" kx="0" ky="0" algn="b" rotWithShape="0" blurRad="38100" dist="19050" dir="2700000">
+                  <a:outerShdw blurRad="38100" dist="19050" dir="2700000" rotWithShape="0">
                     <a:srgbClr val="000000">
                       <a:alpha val="40000"/>
                     </a:srgbClr>
@@ -6270,14 +6814,187 @@
               </a:defRPr>
             </a:pPr>
             <a:r>
-              <a:t>אנו חברי הצוות מרגישים שלאחר האיטרציה השנייה הבנו הרבה יותר איך לעבוד בשיטת הסבבים ולמדנו להיות יותר ספציפיים בדרישת המשימות לכל סבב.</a:t>
-            </a:r>
-          </a:p>
-          <a:p>
-            <a:pPr algn="just" rtl="0">
+              <a:rPr dirty="0" err="1"/>
+              <a:t>אנו</a:t>
+            </a:r>
+            <a:r>
+              <a:rPr dirty="0"/>
+              <a:t> </a:t>
+            </a:r>
+            <a:r>
+              <a:rPr dirty="0" err="1"/>
+              <a:t>חברי</a:t>
+            </a:r>
+            <a:r>
+              <a:rPr dirty="0"/>
+              <a:t> </a:t>
+            </a:r>
+            <a:r>
+              <a:rPr dirty="0" err="1"/>
+              <a:t>הצוות</a:t>
+            </a:r>
+            <a:r>
+              <a:rPr dirty="0"/>
+              <a:t> </a:t>
+            </a:r>
+            <a:r>
+              <a:rPr dirty="0" err="1"/>
+              <a:t>מרגישים</a:t>
+            </a:r>
+            <a:r>
+              <a:rPr dirty="0"/>
+              <a:t> </a:t>
+            </a:r>
+            <a:r>
+              <a:rPr dirty="0" err="1"/>
+              <a:t>שלאחר</a:t>
+            </a:r>
+            <a:r>
+              <a:rPr dirty="0"/>
+              <a:t> </a:t>
+            </a:r>
+            <a:r>
+              <a:rPr dirty="0" err="1"/>
+              <a:t>האיטרציה</a:t>
+            </a:r>
+            <a:r>
+              <a:rPr dirty="0"/>
+              <a:t> </a:t>
+            </a:r>
+            <a:r>
+              <a:rPr dirty="0" err="1"/>
+              <a:t>השנייה</a:t>
+            </a:r>
+            <a:r>
+              <a:rPr dirty="0"/>
+              <a:t> </a:t>
+            </a:r>
+            <a:r>
+              <a:rPr dirty="0" err="1"/>
+              <a:t>הבנו</a:t>
+            </a:r>
+            <a:r>
+              <a:rPr dirty="0"/>
+              <a:t> </a:t>
+            </a:r>
+            <a:r>
+              <a:rPr dirty="0" err="1"/>
+              <a:t>הרבה</a:t>
+            </a:r>
+            <a:r>
+              <a:rPr dirty="0"/>
+              <a:t> </a:t>
+            </a:r>
+            <a:r>
+              <a:rPr dirty="0" err="1"/>
+              <a:t>יותר</a:t>
+            </a:r>
+            <a:r>
+              <a:rPr dirty="0"/>
+              <a:t> </a:t>
+            </a:r>
+            <a:r>
+              <a:rPr dirty="0" err="1"/>
+              <a:t>איך</a:t>
+            </a:r>
+            <a:r>
+              <a:rPr dirty="0"/>
+              <a:t> </a:t>
+            </a:r>
+            <a:r>
+              <a:rPr dirty="0" err="1"/>
+              <a:t>לעבוד</a:t>
+            </a:r>
+            <a:r>
+              <a:rPr dirty="0"/>
+              <a:t> </a:t>
+            </a:r>
+            <a:r>
+              <a:rPr dirty="0" err="1"/>
+              <a:t>בשיטת</a:t>
+            </a:r>
+            <a:r>
+              <a:rPr dirty="0"/>
+              <a:t> </a:t>
+            </a:r>
+            <a:r>
+              <a:rPr dirty="0" err="1"/>
+              <a:t>הסבבים</a:t>
+            </a:r>
+            <a:r>
+              <a:rPr dirty="0"/>
+              <a:t> </a:t>
+            </a:r>
+            <a:r>
+              <a:rPr dirty="0" err="1"/>
+              <a:t>ולמדנו</a:t>
+            </a:r>
+            <a:r>
+              <a:rPr dirty="0"/>
+              <a:t> </a:t>
+            </a:r>
+            <a:r>
+              <a:rPr dirty="0" err="1"/>
+              <a:t>להיות</a:t>
+            </a:r>
+            <a:r>
+              <a:rPr dirty="0"/>
+              <a:t> </a:t>
+            </a:r>
+            <a:r>
+              <a:rPr dirty="0" err="1"/>
+              <a:t>יותר</a:t>
+            </a:r>
+            <a:r>
+              <a:rPr dirty="0"/>
+              <a:t> </a:t>
+            </a:r>
+            <a:r>
+              <a:rPr dirty="0" err="1"/>
+              <a:t>ספציפיים</a:t>
+            </a:r>
+            <a:r>
+              <a:rPr dirty="0"/>
+              <a:t> </a:t>
+            </a:r>
+            <a:r>
+              <a:rPr dirty="0" err="1"/>
+              <a:t>בדרישת</a:t>
+            </a:r>
+            <a:r>
+              <a:rPr dirty="0"/>
+              <a:t> </a:t>
+            </a:r>
+            <a:r>
+              <a:rPr dirty="0" err="1"/>
+              <a:t>המשימות</a:t>
+            </a:r>
+            <a:r>
+              <a:rPr dirty="0"/>
+              <a:t> </a:t>
+            </a:r>
+            <a:r>
+              <a:rPr dirty="0" err="1"/>
+              <a:t>לכל</a:t>
+            </a:r>
+            <a:r>
+              <a:rPr dirty="0"/>
+              <a:t> </a:t>
+            </a:r>
+            <a:r>
+              <a:rPr dirty="0" err="1"/>
+              <a:t>סבב</a:t>
+            </a:r>
+            <a:r>
+              <a:rPr dirty="0"/>
+              <a:t>.</a:t>
+            </a:r>
+          </a:p>
+          <a:p>
+            <a:pPr algn="r">
               <a:defRPr sz="2800">
                 <a:effectLst>
-                  <a:outerShdw sx="100000" sy="100000" kx="0" ky="0" algn="b" rotWithShape="0" blurRad="38100" dist="19050" dir="2700000">
+                  <a:outerShdw blurRad="38100" dist="19050" dir="2700000" rotWithShape="0">
                     <a:srgbClr val="000000">
                       <a:alpha val="40000"/>
                     </a:srgbClr>
@@ -6289,12 +7006,13 @@
                 <a:sym typeface="Arial"/>
               </a:defRPr>
             </a:pPr>
-          </a:p>
-          <a:p>
-            <a:pPr algn="just" rtl="0">
+            <a:endParaRPr dirty="0"/>
+          </a:p>
+          <a:p>
+            <a:pPr algn="r">
               <a:defRPr sz="2800">
                 <a:effectLst>
-                  <a:outerShdw sx="100000" sy="100000" kx="0" ky="0" algn="b" rotWithShape="0" blurRad="38100" dist="19050" dir="2700000">
+                  <a:outerShdw blurRad="38100" dist="19050" dir="2700000" rotWithShape="0">
                     <a:srgbClr val="000000">
                       <a:alpha val="40000"/>
                     </a:srgbClr>
@@ -6307,14 +7025,187 @@
               </a:defRPr>
             </a:pPr>
             <a:r>
-              <a:t>התכנון שלנו היה ליצור אתר שמציג מידע בצורה ברורה ואפשרות קלה יותר להירשם לארגון ואנחנו חושבים שהביצוע שלנו איכותי ומספק את הנדרש. </a:t>
-            </a:r>
-          </a:p>
-          <a:p>
-            <a:pPr algn="just" rtl="0">
+              <a:rPr dirty="0" err="1"/>
+              <a:t>התכנון</a:t>
+            </a:r>
+            <a:r>
+              <a:rPr dirty="0"/>
+              <a:t> </a:t>
+            </a:r>
+            <a:r>
+              <a:rPr dirty="0" err="1"/>
+              <a:t>שלנו</a:t>
+            </a:r>
+            <a:r>
+              <a:rPr dirty="0"/>
+              <a:t> </a:t>
+            </a:r>
+            <a:r>
+              <a:rPr dirty="0" err="1"/>
+              <a:t>היה</a:t>
+            </a:r>
+            <a:r>
+              <a:rPr dirty="0"/>
+              <a:t> </a:t>
+            </a:r>
+            <a:r>
+              <a:rPr dirty="0" err="1"/>
+              <a:t>ליצור</a:t>
+            </a:r>
+            <a:r>
+              <a:rPr dirty="0"/>
+              <a:t> </a:t>
+            </a:r>
+            <a:r>
+              <a:rPr dirty="0" err="1"/>
+              <a:t>אתר</a:t>
+            </a:r>
+            <a:r>
+              <a:rPr dirty="0"/>
+              <a:t> </a:t>
+            </a:r>
+            <a:r>
+              <a:rPr dirty="0" err="1"/>
+              <a:t>שמציג</a:t>
+            </a:r>
+            <a:r>
+              <a:rPr dirty="0"/>
+              <a:t> </a:t>
+            </a:r>
+            <a:r>
+              <a:rPr dirty="0" err="1"/>
+              <a:t>מידע</a:t>
+            </a:r>
+            <a:r>
+              <a:rPr dirty="0"/>
+              <a:t> </a:t>
+            </a:r>
+            <a:r>
+              <a:rPr dirty="0" err="1"/>
+              <a:t>בצורה</a:t>
+            </a:r>
+            <a:r>
+              <a:rPr dirty="0"/>
+              <a:t> </a:t>
+            </a:r>
+            <a:r>
+              <a:rPr dirty="0" err="1"/>
+              <a:t>ברורה</a:t>
+            </a:r>
+            <a:r>
+              <a:rPr dirty="0"/>
+              <a:t> </a:t>
+            </a:r>
+            <a:r>
+              <a:rPr dirty="0" err="1"/>
+              <a:t>ואפשרות</a:t>
+            </a:r>
+            <a:r>
+              <a:rPr dirty="0"/>
+              <a:t> </a:t>
+            </a:r>
+            <a:r>
+              <a:rPr dirty="0" err="1"/>
+              <a:t>קלה</a:t>
+            </a:r>
+            <a:r>
+              <a:rPr dirty="0"/>
+              <a:t> </a:t>
+            </a:r>
+            <a:r>
+              <a:rPr dirty="0" err="1"/>
+              <a:t>יותר</a:t>
+            </a:r>
+            <a:r>
+              <a:rPr dirty="0"/>
+              <a:t> </a:t>
+            </a:r>
+            <a:r>
+              <a:rPr dirty="0" err="1"/>
+              <a:t>להירשם</a:t>
+            </a:r>
+            <a:r>
+              <a:rPr dirty="0"/>
+              <a:t> </a:t>
+            </a:r>
+            <a:r>
+              <a:rPr dirty="0" err="1"/>
+              <a:t>לארגון</a:t>
+            </a:r>
+            <a:r>
+              <a:rPr dirty="0"/>
+              <a:t> </a:t>
+            </a:r>
+            <a:r>
+              <a:rPr dirty="0" err="1"/>
+              <a:t>ואנחנו</a:t>
+            </a:r>
+            <a:r>
+              <a:rPr dirty="0"/>
+              <a:t> </a:t>
+            </a:r>
+            <a:r>
+              <a:rPr dirty="0" err="1"/>
+              <a:t>חושבים</a:t>
+            </a:r>
+            <a:r>
+              <a:rPr dirty="0"/>
+              <a:t> </a:t>
+            </a:r>
+            <a:r>
+              <a:rPr dirty="0" err="1"/>
+              <a:t>שהביצוע</a:t>
+            </a:r>
+            <a:r>
+              <a:rPr dirty="0"/>
+              <a:t> </a:t>
+            </a:r>
+            <a:r>
+              <a:rPr dirty="0" err="1"/>
+              <a:t>שלנו</a:t>
+            </a:r>
+            <a:r>
+              <a:rPr dirty="0"/>
+              <a:t> </a:t>
+            </a:r>
+            <a:r>
+              <a:rPr dirty="0" err="1"/>
+              <a:t>איכותי</a:t>
+            </a:r>
+            <a:r>
+              <a:rPr dirty="0"/>
+              <a:t> </a:t>
+            </a:r>
+            <a:r>
+              <a:rPr dirty="0" err="1"/>
+              <a:t>ומספק</a:t>
+            </a:r>
+            <a:r>
+              <a:rPr dirty="0"/>
+              <a:t> </a:t>
+            </a:r>
+            <a:r>
+              <a:rPr dirty="0" err="1"/>
+              <a:t>את</a:t>
+            </a:r>
+            <a:r>
+              <a:rPr dirty="0"/>
+              <a:t> </a:t>
+            </a:r>
+            <a:r>
+              <a:rPr dirty="0" err="1"/>
+              <a:t>הנדרש</a:t>
+            </a:r>
+            <a:r>
+              <a:rPr dirty="0"/>
+              <a:t>. </a:t>
+            </a:r>
+          </a:p>
+          <a:p>
+            <a:pPr algn="r">
               <a:defRPr sz="2800">
                 <a:effectLst>
-                  <a:outerShdw sx="100000" sy="100000" kx="0" ky="0" algn="b" rotWithShape="0" blurRad="38100" dist="19050" dir="2700000">
+                  <a:outerShdw blurRad="38100" dist="19050" dir="2700000" rotWithShape="0">
                     <a:srgbClr val="000000">
                       <a:alpha val="40000"/>
                     </a:srgbClr>
@@ -6326,12 +7217,13 @@
                 <a:sym typeface="Arial"/>
               </a:defRPr>
             </a:pPr>
-          </a:p>
-          <a:p>
-            <a:pPr algn="just" rtl="0">
+            <a:endParaRPr dirty="0"/>
+          </a:p>
+          <a:p>
+            <a:pPr algn="r">
               <a:defRPr sz="2800">
                 <a:effectLst>
-                  <a:outerShdw sx="100000" sy="100000" kx="0" ky="0" algn="b" rotWithShape="0" blurRad="38100" dist="19050" dir="2700000">
+                  <a:outerShdw blurRad="38100" dist="19050" dir="2700000" rotWithShape="0">
                     <a:srgbClr val="000000">
                       <a:alpha val="40000"/>
                     </a:srgbClr>
@@ -6344,7 +7236,144 @@
               </a:defRPr>
             </a:pPr>
             <a:r>
-              <a:t>גילינו יחד את היכולת  git לשחזר גרסאות ישנות ששם היה שמור מידע חשוב שנמחק מהפרויקט במהלך העבודה.</a:t>
+              <a:rPr dirty="0" err="1"/>
+              <a:t>גילינו</a:t>
+            </a:r>
+            <a:r>
+              <a:rPr dirty="0"/>
+              <a:t> </a:t>
+            </a:r>
+            <a:r>
+              <a:rPr dirty="0" err="1"/>
+              <a:t>יחד</a:t>
+            </a:r>
+            <a:r>
+              <a:rPr dirty="0"/>
+              <a:t> </a:t>
+            </a:r>
+            <a:r>
+              <a:rPr dirty="0" err="1"/>
+              <a:t>את</a:t>
+            </a:r>
+            <a:r>
+              <a:rPr dirty="0"/>
+              <a:t> </a:t>
+            </a:r>
+            <a:r>
+              <a:rPr dirty="0" err="1" smtClean="0"/>
+              <a:t>היכולת</a:t>
+            </a:r>
+            <a:r>
+              <a:rPr lang="he-IL" dirty="0" smtClean="0"/>
+              <a:t> של </a:t>
+            </a:r>
+            <a:r>
+              <a:rPr dirty="0" smtClean="0"/>
+              <a:t> </a:t>
+            </a:r>
+            <a:r>
+              <a:rPr dirty="0" err="1" smtClean="0"/>
+              <a:t>gi</a:t>
+            </a:r>
+            <a:r>
+              <a:rPr lang="en-US" dirty="0" err="1" smtClean="0"/>
+              <a:t>t</a:t>
+            </a:r>
+            <a:r>
+              <a:rPr dirty="0" err="1" smtClean="0"/>
+              <a:t>לשחזר</a:t>
+            </a:r>
+            <a:r>
+              <a:rPr dirty="0" smtClean="0"/>
+              <a:t> </a:t>
+            </a:r>
+            <a:r>
+              <a:rPr dirty="0" err="1"/>
+              <a:t>גרסאות</a:t>
+            </a:r>
+            <a:r>
+              <a:rPr dirty="0"/>
+              <a:t> </a:t>
+            </a:r>
+            <a:r>
+              <a:rPr dirty="0" err="1"/>
+              <a:t>ישנות</a:t>
+            </a:r>
+            <a:r>
+              <a:rPr dirty="0"/>
+              <a:t> </a:t>
+            </a:r>
+            <a:r>
+              <a:rPr dirty="0" err="1"/>
+              <a:t>ששם</a:t>
+            </a:r>
+            <a:r>
+              <a:rPr dirty="0"/>
+              <a:t> </a:t>
+            </a:r>
+            <a:r>
+              <a:rPr dirty="0" err="1"/>
+              <a:t>היה</a:t>
+            </a:r>
+            <a:r>
+              <a:rPr dirty="0"/>
+              <a:t> </a:t>
+            </a:r>
+            <a:r>
+              <a:rPr dirty="0" err="1"/>
+              <a:t>שמור</a:t>
+            </a:r>
+            <a:r>
+              <a:rPr dirty="0"/>
+              <a:t> </a:t>
+            </a:r>
+            <a:r>
+              <a:rPr dirty="0" err="1"/>
+              <a:t>מידע</a:t>
+            </a:r>
+            <a:r>
+              <a:rPr dirty="0"/>
+              <a:t> </a:t>
+            </a:r>
+            <a:r>
+              <a:rPr dirty="0" err="1"/>
+              <a:t>חשוב</a:t>
+            </a:r>
+            <a:r>
+              <a:rPr dirty="0"/>
+              <a:t> </a:t>
+            </a:r>
+            <a:r>
+              <a:rPr dirty="0" err="1"/>
+              <a:t>שנמחק</a:t>
+            </a:r>
+            <a:r>
+              <a:rPr dirty="0"/>
+              <a:t> </a:t>
+            </a:r>
+            <a:r>
+              <a:rPr dirty="0" err="1"/>
+              <a:t>מהפרויקט</a:t>
+            </a:r>
+            <a:r>
+              <a:rPr dirty="0"/>
+              <a:t> </a:t>
+            </a:r>
+            <a:r>
+              <a:rPr dirty="0" err="1"/>
+              <a:t>במהלך</a:t>
+            </a:r>
+            <a:r>
+              <a:rPr dirty="0"/>
+              <a:t> </a:t>
+            </a:r>
+            <a:r>
+              <a:rPr dirty="0" err="1"/>
+              <a:t>העבודה</a:t>
+            </a:r>
+            <a:r>
+              <a:rPr dirty="0"/>
+              <a:t>.</a:t>
             </a:r>
           </a:p>
         </p:txBody>
@@ -6377,7 +7406,7 @@
             <a:miter lim="400000"/>
           </a:ln>
           <a:effectLst>
-            <a:outerShdw sx="100000" sy="100000" kx="0" ky="0" algn="b" rotWithShape="0" blurRad="190500" dist="0" dir="0">
+            <a:outerShdw blurRad="190500" rotWithShape="0">
               <a:srgbClr val="000000">
                 <a:alpha val="70000"/>
               </a:srgbClr>
@@ -6390,12 +7419,12 @@
   <p:clrMapOvr>
     <a:masterClrMapping/>
   </p:clrMapOvr>
-  <p:transition xmlns:p14="http://schemas.microsoft.com/office/powerpoint/2010/main" spd="med" advClick="1" p14:dur="1000"/>
+  <p:transition spd="slow"/>
 </p:sld>
 </file>
 
 <file path=ppt/slides/slide5.xml><?xml version="1.0" encoding="utf-8"?>
-<p:sld xmlns:a="http://schemas.openxmlformats.org/drawingml/2006/main" xmlns:r="http://schemas.openxmlformats.org/officeDocument/2006/relationships" xmlns:p="http://schemas.openxmlformats.org/presentationml/2006/main" showMasterSp="1" showMasterPhAnim="1">
+<p:sld xmlns:a="http://schemas.openxmlformats.org/drawingml/2006/main" xmlns:r="http://schemas.openxmlformats.org/officeDocument/2006/relationships" xmlns:p="http://schemas.openxmlformats.org/presentationml/2006/main">
   <p:cSld>
     <p:spTree>
       <p:nvGrpSpPr>
@@ -6439,7 +7468,7 @@
             <a:miter lim="400000"/>
           </a:ln>
           <a:effectLst>
-            <a:outerShdw sx="100000" sy="100000" kx="0" ky="0" algn="b" rotWithShape="0" blurRad="254000" dist="127000" dir="16200000">
+            <a:outerShdw blurRad="254000" dist="127000" dir="16200000" rotWithShape="0">
               <a:srgbClr val="000000">
                 <a:alpha val="70000"/>
               </a:srgbClr>
@@ -6466,7 +7495,7 @@
           </a:ln>
           <a:extLst>
             <a:ext uri="{C572A759-6A51-4108-AA02-DFA0A04FC94B}">
-              <ma14:wrappingTextBoxFlag xmlns:ma14="http://schemas.microsoft.com/office/mac/drawingml/2011/main" val="1"/>
+              <ma14:wrappingTextBoxFlag xmlns:ma14="http://schemas.microsoft.com/office/mac/drawingml/2011/main" xmlns="" val="1"/>
             </a:ext>
           </a:extLst>
         </p:spPr>
@@ -6476,7 +7505,7 @@
           </a:bodyPr>
           <a:lstStyle>
             <a:lvl1pPr algn="ctr">
-              <a:defRPr b="1" sz="6100">
+              <a:defRPr sz="6100" b="1">
                 <a:ln w="25106">
                   <a:solidFill>
                     <a:schemeClr val="accent1"/>
@@ -6497,8 +7526,10 @@
               <a:defRPr/>
             </a:pPr>
             <a:r>
+              <a:rPr dirty="0" err="1"/>
               <a:t>תהליכים</a:t>
             </a:r>
+            <a:endParaRPr dirty="0"/>
           </a:p>
         </p:txBody>
       </p:sp>
@@ -6511,7 +7542,7 @@
         <p:spPr>
           <a:xfrm>
             <a:off x="2001651" y="2056128"/>
-            <a:ext cx="9168829" cy="3230237"/>
+            <a:ext cx="9168829" cy="3293205"/>
           </a:xfrm>
           <a:prstGeom prst="rect">
             <a:avLst/>
@@ -6521,7 +7552,7 @@
           </a:ln>
           <a:extLst>
             <a:ext uri="{C572A759-6A51-4108-AA02-DFA0A04FC94B}">
-              <ma14:wrappingTextBoxFlag xmlns:ma14="http://schemas.microsoft.com/office/mac/drawingml/2011/main" val="1"/>
+              <ma14:wrappingTextBoxFlag xmlns:ma14="http://schemas.microsoft.com/office/mac/drawingml/2011/main" xmlns="" val="1"/>
             </a:ext>
           </a:extLst>
         </p:spPr>
@@ -6531,7 +7562,7 @@
           </a:bodyPr>
           <a:lstStyle/>
           <a:p>
-            <a:pPr algn="r" rtl="0">
+            <a:pPr algn="r">
               <a:defRPr sz="2600">
                 <a:latin typeface="Arial"/>
                 <a:ea typeface="Arial"/>
@@ -6540,11 +7571,168 @@
               </a:defRPr>
             </a:pPr>
             <a:r>
-              <a:t>בפרויקט שלנו המטרה הסופית הייתה שיהיה מוצר ראוי להגיש ללקוח וזה אכן מה שקרה. עבדנו לפי שלבים מתוכננים ולפי האיטרציות.</a:t>
-            </a:r>
-          </a:p>
-          <a:p>
-            <a:pPr algn="r" rtl="0">
+              <a:rPr dirty="0" err="1"/>
+              <a:t>בפרויקט</a:t>
+            </a:r>
+            <a:r>
+              <a:rPr dirty="0"/>
+              <a:t> </a:t>
+            </a:r>
+            <a:r>
+              <a:rPr dirty="0" err="1"/>
+              <a:t>שלנו</a:t>
+            </a:r>
+            <a:r>
+              <a:rPr dirty="0"/>
+              <a:t> </a:t>
+            </a:r>
+            <a:r>
+              <a:rPr dirty="0" err="1"/>
+              <a:t>המטרה</a:t>
+            </a:r>
+            <a:r>
+              <a:rPr dirty="0"/>
+              <a:t> </a:t>
+            </a:r>
+            <a:r>
+              <a:rPr dirty="0" err="1"/>
+              <a:t>הסופית</a:t>
+            </a:r>
+            <a:r>
+              <a:rPr dirty="0"/>
+              <a:t> </a:t>
+            </a:r>
+            <a:r>
+              <a:rPr dirty="0" err="1"/>
+              <a:t>הייתה</a:t>
+            </a:r>
+            <a:r>
+              <a:rPr dirty="0"/>
+              <a:t> </a:t>
+            </a:r>
+            <a:r>
+              <a:rPr dirty="0" err="1"/>
+              <a:t>שיהיה</a:t>
+            </a:r>
+            <a:r>
+              <a:rPr dirty="0"/>
+              <a:t> </a:t>
+            </a:r>
+            <a:r>
+              <a:rPr dirty="0" err="1"/>
+              <a:t>מוצר</a:t>
+            </a:r>
+            <a:r>
+              <a:rPr dirty="0"/>
+              <a:t> </a:t>
+            </a:r>
+            <a:r>
+              <a:rPr dirty="0" err="1"/>
+              <a:t>ראוי</a:t>
+            </a:r>
+            <a:r>
+              <a:rPr dirty="0"/>
+              <a:t> </a:t>
+            </a:r>
+            <a:r>
+              <a:rPr dirty="0" err="1"/>
+              <a:t>להגיש</a:t>
+            </a:r>
+            <a:r>
+              <a:rPr dirty="0"/>
+              <a:t> </a:t>
+            </a:r>
+            <a:r>
+              <a:rPr dirty="0" err="1"/>
+              <a:t>ללקוח</a:t>
+            </a:r>
+            <a:r>
+              <a:rPr dirty="0"/>
+              <a:t> </a:t>
+            </a:r>
+            <a:r>
+              <a:rPr dirty="0" err="1"/>
+              <a:t>וזה</a:t>
+            </a:r>
+            <a:r>
+              <a:rPr dirty="0"/>
+              <a:t> </a:t>
+            </a:r>
+            <a:r>
+              <a:rPr dirty="0" err="1"/>
+              <a:t>אכן</a:t>
+            </a:r>
+            <a:r>
+              <a:rPr dirty="0"/>
+              <a:t> </a:t>
+            </a:r>
+            <a:r>
+              <a:rPr dirty="0" err="1"/>
+              <a:t>מה</a:t>
+            </a:r>
+            <a:r>
+              <a:rPr dirty="0"/>
+              <a:t> </a:t>
+            </a:r>
+            <a:r>
+              <a:rPr dirty="0" err="1"/>
+              <a:t>שקרה</a:t>
+            </a:r>
+            <a:r>
+              <a:rPr dirty="0"/>
+              <a:t>. </a:t>
+            </a:r>
+            <a:r>
+              <a:rPr dirty="0" err="1"/>
+              <a:t>עבדנו</a:t>
+            </a:r>
+            <a:r>
+              <a:rPr dirty="0"/>
+              <a:t> </a:t>
+            </a:r>
+            <a:r>
+              <a:rPr dirty="0" err="1"/>
+              <a:t>לפי</a:t>
+            </a:r>
+            <a:r>
+              <a:rPr dirty="0"/>
+              <a:t> </a:t>
+            </a:r>
+            <a:r>
+              <a:rPr dirty="0" err="1"/>
+              <a:t>שלבים</a:t>
+            </a:r>
+            <a:r>
+              <a:rPr dirty="0"/>
+              <a:t> </a:t>
+            </a:r>
+            <a:r>
+              <a:rPr dirty="0" err="1"/>
+              <a:t>מתוכננים</a:t>
+            </a:r>
+            <a:r>
+              <a:rPr dirty="0"/>
+              <a:t> </a:t>
+            </a:r>
+            <a:r>
+              <a:rPr dirty="0" err="1"/>
+              <a:t>ולפי</a:t>
+            </a:r>
+            <a:r>
+              <a:rPr dirty="0"/>
+              <a:t> </a:t>
+            </a:r>
+            <a:r>
+              <a:rPr dirty="0" err="1"/>
+              <a:t>האיטרציות</a:t>
+            </a:r>
+            <a:r>
+              <a:rPr dirty="0"/>
+              <a:t>.</a:t>
+            </a:r>
+          </a:p>
+          <a:p>
+            <a:pPr algn="r">
               <a:defRPr sz="2600">
                 <a:latin typeface="Arial"/>
                 <a:ea typeface="Arial"/>
@@ -6553,11 +7741,168 @@
               </a:defRPr>
             </a:pPr>
             <a:r>
-              <a:t>מכל איטרציה למדנו משהו שאותו יישמנו לאיטרציה הבאה והפקנו את הלקחים ואת הטעויות הקודמות ולמדנו איך למקסם את העבודה שלנו.</a:t>
-            </a:r>
-          </a:p>
-          <a:p>
-            <a:pPr algn="r" rtl="0">
+              <a:rPr dirty="0" err="1"/>
+              <a:t>מכל</a:t>
+            </a:r>
+            <a:r>
+              <a:rPr dirty="0"/>
+              <a:t> </a:t>
+            </a:r>
+            <a:r>
+              <a:rPr dirty="0" err="1"/>
+              <a:t>איטרציה</a:t>
+            </a:r>
+            <a:r>
+              <a:rPr dirty="0"/>
+              <a:t> </a:t>
+            </a:r>
+            <a:r>
+              <a:rPr dirty="0" err="1"/>
+              <a:t>למדנו</a:t>
+            </a:r>
+            <a:r>
+              <a:rPr dirty="0"/>
+              <a:t> </a:t>
+            </a:r>
+            <a:r>
+              <a:rPr dirty="0" err="1"/>
+              <a:t>משהו</a:t>
+            </a:r>
+            <a:r>
+              <a:rPr dirty="0"/>
+              <a:t> </a:t>
+            </a:r>
+            <a:r>
+              <a:rPr dirty="0" err="1"/>
+              <a:t>שאותו</a:t>
+            </a:r>
+            <a:r>
+              <a:rPr dirty="0"/>
+              <a:t> </a:t>
+            </a:r>
+            <a:r>
+              <a:rPr dirty="0" err="1"/>
+              <a:t>יישמנו</a:t>
+            </a:r>
+            <a:r>
+              <a:rPr dirty="0"/>
+              <a:t> </a:t>
+            </a:r>
+            <a:r>
+              <a:rPr dirty="0" err="1"/>
+              <a:t>לאיטרציה</a:t>
+            </a:r>
+            <a:r>
+              <a:rPr dirty="0"/>
+              <a:t> </a:t>
+            </a:r>
+            <a:r>
+              <a:rPr dirty="0" err="1"/>
+              <a:t>הבאה</a:t>
+            </a:r>
+            <a:r>
+              <a:rPr dirty="0"/>
+              <a:t> </a:t>
+            </a:r>
+            <a:r>
+              <a:rPr dirty="0" err="1"/>
+              <a:t>והפקנו</a:t>
+            </a:r>
+            <a:r>
+              <a:rPr dirty="0"/>
+              <a:t> </a:t>
+            </a:r>
+            <a:r>
+              <a:rPr dirty="0" err="1"/>
+              <a:t>את</a:t>
+            </a:r>
+            <a:r>
+              <a:rPr dirty="0"/>
+              <a:t> </a:t>
+            </a:r>
+            <a:r>
+              <a:rPr dirty="0" err="1"/>
+              <a:t>הלקחים</a:t>
+            </a:r>
+            <a:r>
+              <a:rPr dirty="0"/>
+              <a:t> </a:t>
+            </a:r>
+            <a:r>
+              <a:rPr dirty="0" err="1"/>
+              <a:t>ואת</a:t>
+            </a:r>
+            <a:r>
+              <a:rPr dirty="0"/>
+              <a:t> </a:t>
+            </a:r>
+            <a:r>
+              <a:rPr dirty="0" err="1"/>
+              <a:t>הטעויות</a:t>
+            </a:r>
+            <a:r>
+              <a:rPr dirty="0"/>
+              <a:t> </a:t>
+            </a:r>
+            <a:r>
+              <a:rPr dirty="0" err="1"/>
+              <a:t>הקודמות</a:t>
+            </a:r>
+            <a:r>
+              <a:rPr dirty="0"/>
+              <a:t> </a:t>
+            </a:r>
+            <a:r>
+              <a:rPr dirty="0" err="1"/>
+              <a:t>ולמדנו</a:t>
+            </a:r>
+            <a:r>
+              <a:rPr dirty="0"/>
+              <a:t> </a:t>
+            </a:r>
+            <a:r>
+              <a:rPr dirty="0" err="1"/>
+              <a:t>איך</a:t>
+            </a:r>
+            <a:r>
+              <a:rPr dirty="0"/>
+              <a:t> </a:t>
+            </a:r>
+            <a:r>
+              <a:rPr dirty="0" err="1"/>
+              <a:t>למקסם</a:t>
+            </a:r>
+            <a:r>
+              <a:rPr dirty="0"/>
+              <a:t> </a:t>
+            </a:r>
+            <a:r>
+              <a:rPr dirty="0" err="1"/>
+              <a:t>את</a:t>
+            </a:r>
+            <a:r>
+              <a:rPr dirty="0"/>
+              <a:t> </a:t>
+            </a:r>
+            <a:r>
+              <a:rPr dirty="0" err="1"/>
+              <a:t>העבודה</a:t>
+            </a:r>
+            <a:r>
+              <a:rPr dirty="0"/>
+              <a:t> </a:t>
+            </a:r>
+            <a:r>
+              <a:rPr dirty="0" err="1"/>
+              <a:t>שלנו</a:t>
+            </a:r>
+            <a:r>
+              <a:rPr dirty="0"/>
+              <a:t>.</a:t>
+            </a:r>
+          </a:p>
+          <a:p>
+            <a:pPr algn="r">
               <a:defRPr sz="2600">
                 <a:latin typeface="Arial"/>
                 <a:ea typeface="Arial"/>
@@ -6566,7 +7911,316 @@
               </a:defRPr>
             </a:pPr>
             <a:r>
-              <a:t>לדוגמא , באיטרציה של ה-ZFR ,שהייתה האיטרציה הראשונה הערכת הזמן שלנו למשימות לא הייתה נכונה ולכן כשבאנו לתכנן את האיטרציה הבאה הקדשנו יותר זמן ומאמץ כדי להעריך כמה זמן תיקח העבודה ועל מה כדאי להשקיע יותר זמן ועל מה פחות זמן .</a:t>
+              <a:rPr dirty="0" err="1"/>
+              <a:t>לדוגמא</a:t>
+            </a:r>
+            <a:r>
+              <a:rPr dirty="0"/>
+              <a:t> , </a:t>
+            </a:r>
+            <a:r>
+              <a:rPr dirty="0" err="1"/>
+              <a:t>באיטרציה</a:t>
+            </a:r>
+            <a:r>
+              <a:rPr dirty="0"/>
+              <a:t> </a:t>
+            </a:r>
+            <a:r>
+              <a:rPr dirty="0" err="1"/>
+              <a:t>של</a:t>
+            </a:r>
+            <a:r>
+              <a:rPr dirty="0"/>
+              <a:t> ה-ZFR ,</a:t>
+            </a:r>
+            <a:r>
+              <a:rPr dirty="0" err="1"/>
+              <a:t>שהייתה</a:t>
+            </a:r>
+            <a:r>
+              <a:rPr dirty="0"/>
+              <a:t> </a:t>
+            </a:r>
+            <a:r>
+              <a:rPr dirty="0" err="1"/>
+              <a:t>האיטרציה</a:t>
+            </a:r>
+            <a:r>
+              <a:rPr dirty="0"/>
+              <a:t> </a:t>
+            </a:r>
+            <a:r>
+              <a:rPr dirty="0" err="1"/>
+              <a:t>הראשונה</a:t>
+            </a:r>
+            <a:r>
+              <a:rPr dirty="0"/>
+              <a:t> </a:t>
+            </a:r>
+            <a:r>
+              <a:rPr dirty="0" err="1"/>
+              <a:t>הערכת</a:t>
+            </a:r>
+            <a:r>
+              <a:rPr dirty="0"/>
+              <a:t> </a:t>
+            </a:r>
+            <a:r>
+              <a:rPr dirty="0" err="1"/>
+              <a:t>הזמן</a:t>
+            </a:r>
+            <a:r>
+              <a:rPr dirty="0"/>
+              <a:t> </a:t>
+            </a:r>
+            <a:r>
+              <a:rPr dirty="0" err="1"/>
+              <a:t>שלנו</a:t>
+            </a:r>
+            <a:r>
+              <a:rPr dirty="0"/>
+              <a:t> </a:t>
+            </a:r>
+            <a:r>
+              <a:rPr dirty="0" err="1"/>
+              <a:t>למשימות</a:t>
+            </a:r>
+            <a:r>
+              <a:rPr dirty="0"/>
+              <a:t> </a:t>
+            </a:r>
+            <a:r>
+              <a:rPr dirty="0" err="1"/>
+              <a:t>לא</a:t>
+            </a:r>
+            <a:r>
+              <a:rPr dirty="0"/>
+              <a:t> </a:t>
+            </a:r>
+            <a:r>
+              <a:rPr dirty="0" err="1"/>
+              <a:t>הייתה</a:t>
+            </a:r>
+            <a:r>
+              <a:rPr dirty="0"/>
+              <a:t> </a:t>
+            </a:r>
+            <a:r>
+              <a:rPr dirty="0" err="1"/>
+              <a:t>נכונה</a:t>
+            </a:r>
+            <a:r>
+              <a:rPr dirty="0"/>
+              <a:t> </a:t>
+            </a:r>
+            <a:r>
+              <a:rPr dirty="0" err="1"/>
+              <a:t>ולכן</a:t>
+            </a:r>
+            <a:r>
+              <a:rPr dirty="0"/>
+              <a:t> </a:t>
+            </a:r>
+            <a:r>
+              <a:rPr dirty="0" err="1"/>
+              <a:t>כשבאנו</a:t>
+            </a:r>
+            <a:r>
+              <a:rPr dirty="0"/>
+              <a:t> </a:t>
+            </a:r>
+            <a:r>
+              <a:rPr dirty="0" err="1"/>
+              <a:t>לתכנן</a:t>
+            </a:r>
+            <a:r>
+              <a:rPr dirty="0"/>
+              <a:t> </a:t>
+            </a:r>
+            <a:r>
+              <a:rPr dirty="0" err="1"/>
+              <a:t>את</a:t>
+            </a:r>
+            <a:r>
+              <a:rPr dirty="0"/>
+              <a:t> </a:t>
+            </a:r>
+            <a:r>
+              <a:rPr dirty="0" err="1"/>
+              <a:t>האיטרציה</a:t>
+            </a:r>
+            <a:r>
+              <a:rPr dirty="0"/>
+              <a:t> </a:t>
+            </a:r>
+            <a:r>
+              <a:rPr dirty="0" err="1"/>
+              <a:t>הבאה</a:t>
+            </a:r>
+            <a:r>
+              <a:rPr dirty="0"/>
+              <a:t> </a:t>
+            </a:r>
+            <a:r>
+              <a:rPr dirty="0" err="1"/>
+              <a:t>הקדשנו</a:t>
+            </a:r>
+            <a:r>
+              <a:rPr dirty="0"/>
+              <a:t> </a:t>
+            </a:r>
+            <a:r>
+              <a:rPr dirty="0" err="1"/>
+              <a:t>יותר</a:t>
+            </a:r>
+            <a:r>
+              <a:rPr dirty="0"/>
+              <a:t> </a:t>
+            </a:r>
+            <a:r>
+              <a:rPr dirty="0" err="1"/>
+              <a:t>זמן</a:t>
+            </a:r>
+            <a:r>
+              <a:rPr dirty="0"/>
+              <a:t> </a:t>
+            </a:r>
+            <a:r>
+              <a:rPr dirty="0" err="1"/>
+              <a:t>ומאמץ</a:t>
+            </a:r>
+            <a:r>
+              <a:rPr dirty="0"/>
+              <a:t> </a:t>
+            </a:r>
+            <a:r>
+              <a:rPr dirty="0" err="1"/>
+              <a:t>כדי</a:t>
+            </a:r>
+            <a:r>
+              <a:rPr dirty="0"/>
+              <a:t> </a:t>
+            </a:r>
+            <a:r>
+              <a:rPr dirty="0" err="1"/>
+              <a:t>להעריך</a:t>
+            </a:r>
+            <a:r>
+              <a:rPr dirty="0"/>
+              <a:t> </a:t>
+            </a:r>
+            <a:r>
+              <a:rPr dirty="0" err="1"/>
+              <a:t>כמה</a:t>
+            </a:r>
+            <a:r>
+              <a:rPr dirty="0"/>
+              <a:t> </a:t>
+            </a:r>
+            <a:r>
+              <a:rPr dirty="0" err="1"/>
+              <a:t>זמן</a:t>
+            </a:r>
+            <a:r>
+              <a:rPr dirty="0"/>
+              <a:t> </a:t>
+            </a:r>
+            <a:r>
+              <a:rPr dirty="0" err="1"/>
+              <a:t>תיקח</a:t>
+            </a:r>
+            <a:r>
+              <a:rPr dirty="0"/>
+              <a:t> </a:t>
+            </a:r>
+            <a:r>
+              <a:rPr dirty="0" err="1"/>
+              <a:t>העבודה</a:t>
+            </a:r>
+            <a:r>
+              <a:rPr dirty="0"/>
+              <a:t> </a:t>
+            </a:r>
+            <a:r>
+              <a:rPr dirty="0" err="1"/>
+              <a:t>ועל</a:t>
+            </a:r>
+            <a:r>
+              <a:rPr dirty="0"/>
+              <a:t> </a:t>
+            </a:r>
+            <a:r>
+              <a:rPr dirty="0" err="1"/>
+              <a:t>מה</a:t>
+            </a:r>
+            <a:r>
+              <a:rPr dirty="0"/>
+              <a:t> </a:t>
+            </a:r>
+            <a:r>
+              <a:rPr dirty="0" err="1"/>
+              <a:t>כדאי</a:t>
+            </a:r>
+            <a:r>
+              <a:rPr dirty="0"/>
+              <a:t> </a:t>
+            </a:r>
+            <a:r>
+              <a:rPr dirty="0" err="1"/>
+              <a:t>להשקיע</a:t>
+            </a:r>
+            <a:r>
+              <a:rPr dirty="0"/>
+              <a:t> </a:t>
+            </a:r>
+            <a:r>
+              <a:rPr dirty="0" err="1"/>
+              <a:t>יותר</a:t>
+            </a:r>
+            <a:r>
+              <a:rPr dirty="0"/>
+              <a:t> </a:t>
+            </a:r>
+            <a:r>
+              <a:rPr dirty="0" err="1"/>
+              <a:t>זמן</a:t>
+            </a:r>
+            <a:r>
+              <a:rPr dirty="0"/>
+              <a:t> </a:t>
+            </a:r>
+            <a:r>
+              <a:rPr dirty="0" err="1"/>
+              <a:t>ועל</a:t>
+            </a:r>
+            <a:r>
+              <a:rPr dirty="0"/>
+              <a:t> </a:t>
+            </a:r>
+            <a:r>
+              <a:rPr dirty="0" err="1"/>
+              <a:t>מה</a:t>
+            </a:r>
+            <a:r>
+              <a:rPr dirty="0"/>
+              <a:t> </a:t>
+            </a:r>
+            <a:r>
+              <a:rPr dirty="0" err="1"/>
+              <a:t>פחות</a:t>
+            </a:r>
+            <a:r>
+              <a:rPr dirty="0"/>
+              <a:t> </a:t>
+            </a:r>
+            <a:r>
+              <a:rPr dirty="0" err="1"/>
+              <a:t>זמן</a:t>
+            </a:r>
+            <a:r>
+              <a:rPr dirty="0"/>
+              <a:t> .</a:t>
             </a:r>
           </a:p>
         </p:txBody>
@@ -6576,12 +8230,12 @@
   <p:clrMapOvr>
     <a:masterClrMapping/>
   </p:clrMapOvr>
-  <p:transition xmlns:p14="http://schemas.microsoft.com/office/powerpoint/2010/main" spd="med" advClick="1" p14:dur="1000"/>
+  <p:transition spd="slow"/>
 </p:sld>
 </file>
 
 <file path=ppt/slides/slide6.xml><?xml version="1.0" encoding="utf-8"?>
-<p:sld xmlns:a="http://schemas.openxmlformats.org/drawingml/2006/main" xmlns:r="http://schemas.openxmlformats.org/officeDocument/2006/relationships" xmlns:p="http://schemas.openxmlformats.org/presentationml/2006/main" showMasterSp="1" showMasterPhAnim="1">
+<p:sld xmlns:a="http://schemas.openxmlformats.org/drawingml/2006/main" xmlns:r="http://schemas.openxmlformats.org/officeDocument/2006/relationships" xmlns:p="http://schemas.openxmlformats.org/presentationml/2006/main">
   <p:cSld>
     <p:spTree>
       <p:nvGrpSpPr>
@@ -6625,7 +8279,7 @@
             <a:miter lim="400000"/>
           </a:ln>
           <a:effectLst>
-            <a:outerShdw sx="100000" sy="100000" kx="0" ky="0" algn="b" rotWithShape="0" blurRad="190500" dist="0" dir="0">
+            <a:outerShdw blurRad="190500" rotWithShape="0">
               <a:srgbClr val="000000">
                 <a:alpha val="70000"/>
               </a:srgbClr>
@@ -6652,7 +8306,7 @@
           </a:ln>
           <a:extLst>
             <a:ext uri="{C572A759-6A51-4108-AA02-DFA0A04FC94B}">
-              <ma14:wrappingTextBoxFlag xmlns:ma14="http://schemas.microsoft.com/office/mac/drawingml/2011/main" val="1"/>
+              <ma14:wrappingTextBoxFlag xmlns:ma14="http://schemas.microsoft.com/office/mac/drawingml/2011/main" xmlns="" val="1"/>
             </a:ext>
           </a:extLst>
         </p:spPr>
@@ -6662,7 +8316,7 @@
           </a:bodyPr>
           <a:lstStyle>
             <a:lvl1pPr algn="ctr">
-              <a:defRPr b="1" sz="6400">
+              <a:defRPr sz="6400" b="1">
                 <a:ln w="26340">
                   <a:solidFill>
                     <a:schemeClr val="accent1"/>
@@ -6683,8 +8337,18 @@
               <a:defRPr/>
             </a:pPr>
             <a:r>
-              <a:t>אבטחת מידע</a:t>
-            </a:r>
+              <a:rPr dirty="0" err="1"/>
+              <a:t>אבטחת</a:t>
+            </a:r>
+            <a:r>
+              <a:rPr dirty="0"/>
+              <a:t> </a:t>
+            </a:r>
+            <a:r>
+              <a:rPr dirty="0" err="1"/>
+              <a:t>מידע</a:t>
+            </a:r>
+            <a:endParaRPr dirty="0"/>
           </a:p>
         </p:txBody>
       </p:sp>
@@ -6697,7 +8361,7 @@
         <p:spPr>
           <a:xfrm>
             <a:off x="2001651" y="1916428"/>
-            <a:ext cx="9634315" cy="4956606"/>
+            <a:ext cx="9634315" cy="4401201"/>
           </a:xfrm>
           <a:prstGeom prst="rect">
             <a:avLst/>
@@ -6706,7 +8370,7 @@
             <a:miter lim="400000"/>
           </a:ln>
           <a:effectLst>
-            <a:outerShdw sx="100000" sy="100000" kx="0" ky="0" algn="b" rotWithShape="0" blurRad="355600" dist="0" dir="0">
+            <a:outerShdw blurRad="355600" rotWithShape="0">
               <a:srgbClr val="000000">
                 <a:alpha val="75000"/>
               </a:srgbClr>
@@ -6714,7 +8378,7 @@
           </a:effectLst>
           <a:extLst>
             <a:ext uri="{C572A759-6A51-4108-AA02-DFA0A04FC94B}">
-              <ma14:wrappingTextBoxFlag xmlns:ma14="http://schemas.microsoft.com/office/mac/drawingml/2011/main" val="1"/>
+              <ma14:wrappingTextBoxFlag xmlns:ma14="http://schemas.microsoft.com/office/mac/drawingml/2011/main" xmlns="" val="1"/>
             </a:ext>
           </a:extLst>
         </p:spPr>
@@ -6724,7 +8388,7 @@
           </a:bodyPr>
           <a:lstStyle/>
           <a:p>
-            <a:pPr algn="just" rtl="0">
+            <a:pPr algn="r">
               <a:defRPr sz="2800">
                 <a:latin typeface="Arial"/>
                 <a:ea typeface="Arial"/>
@@ -6733,11 +8397,136 @@
               </a:defRPr>
             </a:pPr>
             <a:r>
-              <a:t>בפרויקט זה רצינו להוסיף אפשרות של כניסה למנהל על מנת שיוכל להוסיף ולערוך נתונים שמוצגים באתר .</a:t>
-            </a:r>
-          </a:p>
-          <a:p>
-            <a:pPr algn="just" rtl="0">
+              <a:rPr dirty="0" err="1"/>
+              <a:t>בפרויקט</a:t>
+            </a:r>
+            <a:r>
+              <a:rPr dirty="0"/>
+              <a:t> </a:t>
+            </a:r>
+            <a:r>
+              <a:rPr dirty="0" err="1"/>
+              <a:t>זה</a:t>
+            </a:r>
+            <a:r>
+              <a:rPr dirty="0"/>
+              <a:t> </a:t>
+            </a:r>
+            <a:r>
+              <a:rPr dirty="0" err="1"/>
+              <a:t>רצינו</a:t>
+            </a:r>
+            <a:r>
+              <a:rPr dirty="0"/>
+              <a:t> </a:t>
+            </a:r>
+            <a:r>
+              <a:rPr dirty="0" err="1"/>
+              <a:t>להוסיף</a:t>
+            </a:r>
+            <a:r>
+              <a:rPr dirty="0"/>
+              <a:t> </a:t>
+            </a:r>
+            <a:r>
+              <a:rPr dirty="0" err="1"/>
+              <a:t>אפשרות</a:t>
+            </a:r>
+            <a:r>
+              <a:rPr dirty="0"/>
+              <a:t> </a:t>
+            </a:r>
+            <a:r>
+              <a:rPr dirty="0" err="1"/>
+              <a:t>של</a:t>
+            </a:r>
+            <a:r>
+              <a:rPr dirty="0"/>
+              <a:t> </a:t>
+            </a:r>
+            <a:r>
+              <a:rPr dirty="0" err="1"/>
+              <a:t>כניסה</a:t>
+            </a:r>
+            <a:r>
+              <a:rPr dirty="0"/>
+              <a:t> </a:t>
+            </a:r>
+            <a:r>
+              <a:rPr dirty="0" err="1"/>
+              <a:t>למנהל</a:t>
+            </a:r>
+            <a:r>
+              <a:rPr dirty="0"/>
+              <a:t> </a:t>
+            </a:r>
+            <a:r>
+              <a:rPr dirty="0" err="1"/>
+              <a:t>על</a:t>
+            </a:r>
+            <a:r>
+              <a:rPr dirty="0"/>
+              <a:t> </a:t>
+            </a:r>
+            <a:r>
+              <a:rPr dirty="0" err="1"/>
+              <a:t>מנת</a:t>
+            </a:r>
+            <a:r>
+              <a:rPr dirty="0"/>
+              <a:t> </a:t>
+            </a:r>
+            <a:r>
+              <a:rPr dirty="0" err="1"/>
+              <a:t>שיוכל</a:t>
+            </a:r>
+            <a:r>
+              <a:rPr dirty="0"/>
+              <a:t> </a:t>
+            </a:r>
+            <a:r>
+              <a:rPr dirty="0" err="1"/>
+              <a:t>להוסיף</a:t>
+            </a:r>
+            <a:r>
+              <a:rPr dirty="0"/>
+              <a:t> </a:t>
+            </a:r>
+            <a:r>
+              <a:rPr dirty="0" err="1"/>
+              <a:t>ולערוך</a:t>
+            </a:r>
+            <a:r>
+              <a:rPr dirty="0"/>
+              <a:t> </a:t>
+            </a:r>
+            <a:r>
+              <a:rPr dirty="0" err="1"/>
+              <a:t>נתונים</a:t>
+            </a:r>
+            <a:r>
+              <a:rPr dirty="0"/>
+              <a:t> </a:t>
+            </a:r>
+            <a:r>
+              <a:rPr dirty="0" err="1"/>
+              <a:t>שמוצגים</a:t>
+            </a:r>
+            <a:r>
+              <a:rPr dirty="0"/>
+              <a:t> </a:t>
+            </a:r>
+            <a:r>
+              <a:rPr dirty="0" err="1"/>
+              <a:t>באתר</a:t>
+            </a:r>
+            <a:r>
+              <a:rPr dirty="0"/>
+              <a:t> .</a:t>
+            </a:r>
+          </a:p>
+          <a:p>
+            <a:pPr algn="r">
               <a:defRPr sz="2800">
                 <a:latin typeface="Arial"/>
                 <a:ea typeface="Arial"/>
@@ -6746,11 +8535,85 @@
               </a:defRPr>
             </a:pPr>
             <a:r>
-              <a:t>על מנת לשמור על אבטחת המידע והכניסה לממשק הניהול השתמשנו</a:t>
-            </a:r>
-          </a:p>
-          <a:p>
-            <a:pPr algn="just" rtl="0">
+              <a:rPr dirty="0" err="1"/>
+              <a:t>על</a:t>
+            </a:r>
+            <a:r>
+              <a:rPr dirty="0"/>
+              <a:t> </a:t>
+            </a:r>
+            <a:r>
+              <a:rPr dirty="0" err="1"/>
+              <a:t>מנת</a:t>
+            </a:r>
+            <a:r>
+              <a:rPr dirty="0"/>
+              <a:t> </a:t>
+            </a:r>
+            <a:r>
+              <a:rPr dirty="0" err="1"/>
+              <a:t>לשמור</a:t>
+            </a:r>
+            <a:r>
+              <a:rPr dirty="0"/>
+              <a:t> </a:t>
+            </a:r>
+            <a:r>
+              <a:rPr dirty="0" err="1"/>
+              <a:t>על</a:t>
+            </a:r>
+            <a:r>
+              <a:rPr dirty="0"/>
+              <a:t> </a:t>
+            </a:r>
+            <a:r>
+              <a:rPr dirty="0" err="1"/>
+              <a:t>אבטחת</a:t>
+            </a:r>
+            <a:r>
+              <a:rPr dirty="0"/>
+              <a:t> </a:t>
+            </a:r>
+            <a:r>
+              <a:rPr dirty="0" err="1"/>
+              <a:t>המידע</a:t>
+            </a:r>
+            <a:r>
+              <a:rPr dirty="0"/>
+              <a:t> </a:t>
+            </a:r>
+            <a:r>
+              <a:rPr dirty="0" err="1"/>
+              <a:t>והכניסה</a:t>
+            </a:r>
+            <a:r>
+              <a:rPr dirty="0"/>
+              <a:t> </a:t>
+            </a:r>
+            <a:r>
+              <a:rPr dirty="0" err="1"/>
+              <a:t>לממשק</a:t>
+            </a:r>
+            <a:r>
+              <a:rPr dirty="0"/>
+              <a:t> </a:t>
+            </a:r>
+            <a:r>
+              <a:rPr dirty="0" err="1"/>
+              <a:t>הניהול</a:t>
+            </a:r>
+            <a:r>
+              <a:rPr dirty="0"/>
+              <a:t> </a:t>
+            </a:r>
+            <a:r>
+              <a:rPr dirty="0" err="1"/>
+              <a:t>השתמשנו</a:t>
+            </a:r>
+            <a:endParaRPr dirty="0"/>
+          </a:p>
+          <a:p>
+            <a:pPr algn="r">
               <a:defRPr sz="2800">
                 <a:latin typeface="Arial"/>
                 <a:ea typeface="Arial"/>
@@ -6759,11 +8622,133 @@
               </a:defRPr>
             </a:pPr>
             <a:r>
-              <a:t>ב - Authentication API של גוגל . הכניסה מתרחשת באמצעות התחברות עם חשבון gmail או שירות אחר של גוגל והיא מאובטחת וקלה לתפעול. </a:t>
-            </a:r>
-          </a:p>
-          <a:p>
-            <a:pPr algn="just" rtl="0">
+              <a:rPr dirty="0" smtClean="0"/>
+              <a:t>ב- </a:t>
+            </a:r>
+            <a:r>
+              <a:rPr dirty="0"/>
+              <a:t>Authentication API </a:t>
+            </a:r>
+            <a:r>
+              <a:rPr lang="he-IL" dirty="0" smtClean="0"/>
+              <a:t> </a:t>
+            </a:r>
+            <a:r>
+              <a:rPr dirty="0" err="1" smtClean="0"/>
+              <a:t>של</a:t>
+            </a:r>
+            <a:r>
+              <a:rPr dirty="0" smtClean="0"/>
+              <a:t> </a:t>
+            </a:r>
+            <a:r>
+              <a:rPr dirty="0" err="1" smtClean="0"/>
+              <a:t>גוגל</a:t>
+            </a:r>
+            <a:r>
+              <a:rPr lang="he-IL" dirty="0" smtClean="0"/>
+              <a:t>.</a:t>
+            </a:r>
+            <a:r>
+              <a:rPr dirty="0" smtClean="0"/>
+              <a:t> </a:t>
+            </a:r>
+            <a:r>
+              <a:rPr dirty="0" err="1"/>
+              <a:t>הכניסה</a:t>
+            </a:r>
+            <a:r>
+              <a:rPr dirty="0"/>
+              <a:t> </a:t>
+            </a:r>
+            <a:r>
+              <a:rPr dirty="0" err="1"/>
+              <a:t>מתרחשת</a:t>
+            </a:r>
+            <a:r>
+              <a:rPr dirty="0"/>
+              <a:t> </a:t>
+            </a:r>
+            <a:r>
+              <a:rPr dirty="0" err="1"/>
+              <a:t>באמצעות</a:t>
+            </a:r>
+            <a:r>
+              <a:rPr dirty="0"/>
+              <a:t> </a:t>
+            </a:r>
+            <a:r>
+              <a:rPr dirty="0" err="1"/>
+              <a:t>התחברות</a:t>
+            </a:r>
+            <a:r>
+              <a:rPr dirty="0"/>
+              <a:t> </a:t>
+            </a:r>
+            <a:r>
+              <a:rPr dirty="0" err="1"/>
+              <a:t>עם</a:t>
+            </a:r>
+            <a:r>
+              <a:rPr dirty="0"/>
+              <a:t> </a:t>
+            </a:r>
+            <a:r>
+              <a:rPr dirty="0" err="1" smtClean="0"/>
+              <a:t>חשבון</a:t>
+            </a:r>
+            <a:r>
+              <a:rPr lang="en-US" dirty="0" err="1" smtClean="0"/>
+              <a:t>google</a:t>
+            </a:r>
+            <a:r>
+              <a:rPr dirty="0" smtClean="0"/>
+              <a:t> </a:t>
+            </a:r>
+            <a:r>
+              <a:rPr lang="he-IL" dirty="0" smtClean="0"/>
+              <a:t> </a:t>
+            </a:r>
+            <a:r>
+              <a:rPr dirty="0" err="1" smtClean="0"/>
+              <a:t>והיא</a:t>
+            </a:r>
+            <a:r>
+              <a:rPr dirty="0" smtClean="0"/>
+              <a:t> </a:t>
+            </a:r>
+            <a:r>
+              <a:rPr dirty="0" err="1"/>
+              <a:t>מאובטחת</a:t>
+            </a:r>
+            <a:r>
+              <a:rPr dirty="0"/>
+              <a:t> </a:t>
+            </a:r>
+            <a:r>
+              <a:rPr dirty="0" err="1"/>
+              <a:t>וקלה</a:t>
+            </a:r>
+            <a:r>
+              <a:rPr dirty="0"/>
+              <a:t> </a:t>
+            </a:r>
+            <a:r>
+              <a:rPr dirty="0" err="1" smtClean="0"/>
+              <a:t>לתפעול</a:t>
+            </a:r>
+            <a:r>
+              <a:rPr lang="he-IL" dirty="0" smtClean="0"/>
+              <a:t>.</a:t>
+            </a:r>
+            <a:r>
+              <a:rPr dirty="0" smtClean="0"/>
+              <a:t> </a:t>
+            </a:r>
+            <a:endParaRPr dirty="0"/>
+          </a:p>
+          <a:p>
+            <a:pPr algn="r">
               <a:defRPr sz="2800">
                 <a:latin typeface="Arial"/>
                 <a:ea typeface="Arial"/>
@@ -6772,11 +8757,168 @@
               </a:defRPr>
             </a:pPr>
             <a:r>
-              <a:t>רשימת החשבונות אשר מורשים להיכנס לממשק הניהול רשומה במסדי הנתונים ובעת הכניסה מתבצעת בדיקה האם חשבון הגוגל הוא אכן מנהל.</a:t>
-            </a:r>
-          </a:p>
-          <a:p>
-            <a:pPr algn="just" rtl="0">
+              <a:rPr dirty="0" err="1"/>
+              <a:t>רשימת</a:t>
+            </a:r>
+            <a:r>
+              <a:rPr dirty="0"/>
+              <a:t> </a:t>
+            </a:r>
+            <a:r>
+              <a:rPr dirty="0" err="1"/>
+              <a:t>החשבונות</a:t>
+            </a:r>
+            <a:r>
+              <a:rPr dirty="0"/>
+              <a:t> </a:t>
+            </a:r>
+            <a:r>
+              <a:rPr dirty="0" err="1"/>
+              <a:t>אשר</a:t>
+            </a:r>
+            <a:r>
+              <a:rPr dirty="0"/>
+              <a:t> </a:t>
+            </a:r>
+            <a:r>
+              <a:rPr dirty="0" err="1"/>
+              <a:t>מורשים</a:t>
+            </a:r>
+            <a:r>
+              <a:rPr dirty="0"/>
+              <a:t> </a:t>
+            </a:r>
+            <a:r>
+              <a:rPr dirty="0" err="1"/>
+              <a:t>להיכנס</a:t>
+            </a:r>
+            <a:r>
+              <a:rPr dirty="0"/>
+              <a:t> </a:t>
+            </a:r>
+            <a:r>
+              <a:rPr dirty="0" err="1"/>
+              <a:t>לממשק</a:t>
+            </a:r>
+            <a:r>
+              <a:rPr dirty="0"/>
+              <a:t> </a:t>
+            </a:r>
+            <a:r>
+              <a:rPr dirty="0" err="1"/>
+              <a:t>הניהול</a:t>
+            </a:r>
+            <a:r>
+              <a:rPr dirty="0"/>
+              <a:t> </a:t>
+            </a:r>
+            <a:r>
+              <a:rPr dirty="0" err="1"/>
+              <a:t>רשומה</a:t>
+            </a:r>
+            <a:r>
+              <a:rPr dirty="0"/>
+              <a:t> </a:t>
+            </a:r>
+            <a:r>
+              <a:rPr dirty="0" err="1"/>
+              <a:t>במסדי</a:t>
+            </a:r>
+            <a:r>
+              <a:rPr dirty="0"/>
+              <a:t> </a:t>
+            </a:r>
+            <a:r>
+              <a:rPr dirty="0" err="1"/>
+              <a:t>הנתונים</a:t>
+            </a:r>
+            <a:r>
+              <a:rPr dirty="0"/>
+              <a:t> </a:t>
+            </a:r>
+            <a:r>
+              <a:rPr dirty="0" err="1"/>
+              <a:t>ובעת</a:t>
+            </a:r>
+            <a:r>
+              <a:rPr dirty="0"/>
+              <a:t> </a:t>
+            </a:r>
+            <a:r>
+              <a:rPr dirty="0" err="1"/>
+              <a:t>הכניסה</a:t>
+            </a:r>
+            <a:r>
+              <a:rPr dirty="0"/>
+              <a:t> </a:t>
+            </a:r>
+            <a:r>
+              <a:rPr dirty="0" err="1"/>
+              <a:t>מתבצעת</a:t>
+            </a:r>
+            <a:r>
+              <a:rPr dirty="0"/>
+              <a:t> </a:t>
+            </a:r>
+            <a:r>
+              <a:rPr dirty="0" err="1"/>
+              <a:t>בדיקה</a:t>
+            </a:r>
+            <a:r>
+              <a:rPr dirty="0"/>
+              <a:t> </a:t>
+            </a:r>
+            <a:r>
+              <a:rPr dirty="0" err="1"/>
+              <a:t>האם</a:t>
+            </a:r>
+            <a:r>
+              <a:rPr dirty="0"/>
+              <a:t> </a:t>
+            </a:r>
+            <a:r>
+              <a:rPr dirty="0" err="1"/>
+              <a:t>חשבון</a:t>
+            </a:r>
+            <a:r>
+              <a:rPr dirty="0"/>
+              <a:t> </a:t>
+            </a:r>
+            <a:r>
+              <a:rPr dirty="0" err="1"/>
+              <a:t>הגוגל</a:t>
+            </a:r>
+            <a:r>
+              <a:rPr dirty="0"/>
+              <a:t> </a:t>
+            </a:r>
+            <a:r>
+              <a:rPr dirty="0" err="1"/>
+              <a:t>הוא</a:t>
+            </a:r>
+            <a:r>
+              <a:rPr dirty="0"/>
+              <a:t> </a:t>
+            </a:r>
+            <a:r>
+              <a:rPr dirty="0" err="1"/>
+              <a:t>אכן</a:t>
+            </a:r>
+            <a:r>
+              <a:rPr dirty="0"/>
+              <a:t> </a:t>
+            </a:r>
+            <a:r>
+              <a:rPr dirty="0" err="1"/>
+              <a:t>מנהל</a:t>
+            </a:r>
+            <a:r>
+              <a:rPr dirty="0"/>
+              <a:t>.</a:t>
+            </a:r>
+          </a:p>
+          <a:p>
+            <a:pPr algn="r">
               <a:defRPr sz="2800">
                 <a:latin typeface="Arial"/>
                 <a:ea typeface="Arial"/>
@@ -6785,7 +8927,124 @@
               </a:defRPr>
             </a:pPr>
             <a:r>
-              <a:t>למעשה אפשר לומר שהאבטחה של גוגל היא מהטובות בעולם ולכן בחרנו לעבוד עם הממשק שלהם.</a:t>
+              <a:rPr dirty="0" err="1"/>
+              <a:t>למעשה</a:t>
+            </a:r>
+            <a:r>
+              <a:rPr dirty="0"/>
+              <a:t> </a:t>
+            </a:r>
+            <a:r>
+              <a:rPr dirty="0" err="1"/>
+              <a:t>אפשר</a:t>
+            </a:r>
+            <a:r>
+              <a:rPr dirty="0"/>
+              <a:t> </a:t>
+            </a:r>
+            <a:r>
+              <a:rPr dirty="0" err="1"/>
+              <a:t>לומר</a:t>
+            </a:r>
+            <a:r>
+              <a:rPr dirty="0"/>
+              <a:t> </a:t>
+            </a:r>
+            <a:r>
+              <a:rPr dirty="0" err="1"/>
+              <a:t>שהאבטחה</a:t>
+            </a:r>
+            <a:r>
+              <a:rPr dirty="0"/>
+              <a:t> </a:t>
+            </a:r>
+            <a:r>
+              <a:rPr dirty="0" err="1"/>
+              <a:t>של</a:t>
+            </a:r>
+            <a:r>
+              <a:rPr dirty="0"/>
+              <a:t> </a:t>
+            </a:r>
+            <a:r>
+              <a:rPr dirty="0" err="1"/>
+              <a:t>גוגל</a:t>
+            </a:r>
+            <a:r>
+              <a:rPr dirty="0"/>
+              <a:t> </a:t>
+            </a:r>
+            <a:r>
+              <a:rPr dirty="0" err="1"/>
+              <a:t>היא</a:t>
+            </a:r>
+            <a:r>
+              <a:rPr dirty="0"/>
+              <a:t> </a:t>
+            </a:r>
+            <a:r>
+              <a:rPr dirty="0" err="1"/>
+              <a:t>מהטובות</a:t>
+            </a:r>
+            <a:r>
+              <a:rPr dirty="0"/>
+              <a:t> </a:t>
+            </a:r>
+            <a:r>
+              <a:rPr dirty="0" err="1"/>
+              <a:t>בעולם</a:t>
+            </a:r>
+            <a:r>
+              <a:rPr dirty="0"/>
+              <a:t> </a:t>
+            </a:r>
+            <a:r>
+              <a:rPr dirty="0" err="1"/>
+              <a:t>ולכן</a:t>
+            </a:r>
+            <a:r>
+              <a:rPr dirty="0"/>
+              <a:t> </a:t>
+            </a:r>
+            <a:r>
+              <a:rPr dirty="0" err="1"/>
+              <a:t>בחרנו</a:t>
+            </a:r>
+            <a:r>
+              <a:rPr dirty="0"/>
+              <a:t> </a:t>
+            </a:r>
+            <a:r>
+              <a:rPr dirty="0" err="1"/>
+              <a:t>לעבוד</a:t>
+            </a:r>
+            <a:r>
+              <a:rPr dirty="0"/>
+              <a:t> </a:t>
+            </a:r>
+            <a:r>
+              <a:rPr dirty="0" err="1"/>
+              <a:t>עם</a:t>
+            </a:r>
+            <a:r>
+              <a:rPr dirty="0"/>
+              <a:t> </a:t>
+            </a:r>
+            <a:r>
+              <a:rPr dirty="0" err="1"/>
+              <a:t>הממשק</a:t>
+            </a:r>
+            <a:r>
+              <a:rPr dirty="0"/>
+              <a:t> </a:t>
+            </a:r>
+            <a:r>
+              <a:rPr dirty="0" err="1"/>
+              <a:t>שלהם</a:t>
+            </a:r>
+            <a:r>
+              <a:rPr dirty="0"/>
+              <a:t>.</a:t>
             </a:r>
           </a:p>
         </p:txBody>
@@ -6795,12 +9054,12 @@
   <p:clrMapOvr>
     <a:masterClrMapping/>
   </p:clrMapOvr>
-  <p:transition xmlns:p14="http://schemas.microsoft.com/office/powerpoint/2010/main" spd="med" advClick="1" p14:dur="1000"/>
+  <p:transition spd="slow"/>
 </p:sld>
 </file>
 
 <file path=ppt/slides/slide7.xml><?xml version="1.0" encoding="utf-8"?>
-<p:sld xmlns:a="http://schemas.openxmlformats.org/drawingml/2006/main" xmlns:r="http://schemas.openxmlformats.org/officeDocument/2006/relationships" xmlns:p="http://schemas.openxmlformats.org/presentationml/2006/main" showMasterSp="1" showMasterPhAnim="1">
+<p:sld xmlns:a="http://schemas.openxmlformats.org/drawingml/2006/main" xmlns:r="http://schemas.openxmlformats.org/officeDocument/2006/relationships" xmlns:p="http://schemas.openxmlformats.org/presentationml/2006/main">
   <p:cSld>
     <p:spTree>
       <p:nvGrpSpPr>
@@ -6819,7 +9078,9 @@
       <p:sp>
         <p:nvSpPr>
           <p:cNvPr id="216" name="Shape 216"/>
-          <p:cNvSpPr/>
+          <p:cNvSpPr>
+            <a:spLocks noGrp="1"/>
+          </p:cNvSpPr>
           <p:nvPr>
             <p:ph type="title"/>
           </p:nvPr>
@@ -6834,10 +9095,12 @@
           </a:prstGeom>
         </p:spPr>
         <p:txBody>
-          <a:bodyPr/>
+          <a:bodyPr>
+            <a:normAutofit/>
+          </a:bodyPr>
           <a:lstStyle>
             <a:lvl1pPr>
-              <a:defRPr b="1" sz="5700">
+              <a:defRPr sz="5700" b="1">
                 <a:solidFill>
                   <a:schemeClr val="accent1"/>
                 </a:solidFill>
@@ -6849,12 +9112,18 @@
             </a:lvl1pPr>
           </a:lstStyle>
           <a:p>
-            <a:pPr rtl="0">
+            <a:pPr>
               <a:defRPr/>
             </a:pPr>
             <a:r>
-              <a:t>דיון- git ו-GitHub</a:t>
-            </a:r>
+              <a:rPr lang="he-IL" dirty="0" smtClean="0"/>
+              <a:t>דיון: </a:t>
+            </a:r>
+            <a:r>
+              <a:rPr lang="en-US" dirty="0" smtClean="0"/>
+              <a:t>git &amp; GitHub</a:t>
+            </a:r>
+            <a:endParaRPr dirty="0"/>
           </a:p>
         </p:txBody>
       </p:sp>
@@ -6867,7 +9136,7 @@
         <p:spPr>
           <a:xfrm>
             <a:off x="1768956" y="1586229"/>
-            <a:ext cx="10018715" cy="4805037"/>
+            <a:ext cx="10018715" cy="4893643"/>
           </a:xfrm>
           <a:prstGeom prst="rect">
             <a:avLst/>
@@ -6877,7 +9146,7 @@
           </a:ln>
           <a:extLst>
             <a:ext uri="{C572A759-6A51-4108-AA02-DFA0A04FC94B}">
-              <ma14:wrappingTextBoxFlag xmlns:ma14="http://schemas.microsoft.com/office/mac/drawingml/2011/main" val="1"/>
+              <ma14:wrappingTextBoxFlag xmlns:ma14="http://schemas.microsoft.com/office/mac/drawingml/2011/main" xmlns="" val="1"/>
             </a:ext>
           </a:extLst>
         </p:spPr>
@@ -6887,7 +9156,7 @@
           </a:bodyPr>
           <a:lstStyle/>
           <a:p>
-            <a:pPr algn="r" rtl="0">
+            <a:pPr algn="r">
               <a:defRPr sz="2600">
                 <a:latin typeface="Arial"/>
                 <a:ea typeface="Arial"/>
@@ -6896,11 +9165,216 @@
               </a:defRPr>
             </a:pPr>
             <a:r>
-              <a:t>אחד מתכני הקורס החשובים שנלמדו בקורס זה הוא גיט והאתר גיטאהב. זו הפעם הראשונה שנתקלנו בשני מושגים אלה, והשתמשנו בהם לאורך כל הפרויקט מההתחלה ועד סופו.</a:t>
-            </a:r>
-          </a:p>
-          <a:p>
-            <a:pPr algn="r" rtl="0">
+              <a:rPr dirty="0" err="1"/>
+              <a:t>אחד</a:t>
+            </a:r>
+            <a:r>
+              <a:rPr dirty="0"/>
+              <a:t> </a:t>
+            </a:r>
+            <a:r>
+              <a:rPr dirty="0" err="1"/>
+              <a:t>מתכני</a:t>
+            </a:r>
+            <a:r>
+              <a:rPr dirty="0"/>
+              <a:t> </a:t>
+            </a:r>
+            <a:r>
+              <a:rPr dirty="0" err="1"/>
+              <a:t>הקורס</a:t>
+            </a:r>
+            <a:r>
+              <a:rPr dirty="0"/>
+              <a:t> </a:t>
+            </a:r>
+            <a:r>
+              <a:rPr dirty="0" err="1"/>
+              <a:t>החשובים</a:t>
+            </a:r>
+            <a:r>
+              <a:rPr dirty="0"/>
+              <a:t> </a:t>
+            </a:r>
+            <a:r>
+              <a:rPr dirty="0" err="1"/>
+              <a:t>שנלמדו</a:t>
+            </a:r>
+            <a:r>
+              <a:rPr dirty="0"/>
+              <a:t> </a:t>
+            </a:r>
+            <a:r>
+              <a:rPr dirty="0" err="1"/>
+              <a:t>בקורס</a:t>
+            </a:r>
+            <a:r>
+              <a:rPr dirty="0"/>
+              <a:t> </a:t>
+            </a:r>
+            <a:r>
+              <a:rPr dirty="0" err="1"/>
+              <a:t>זה</a:t>
+            </a:r>
+            <a:r>
+              <a:rPr dirty="0"/>
+              <a:t> </a:t>
+            </a:r>
+            <a:r>
+              <a:rPr dirty="0" err="1"/>
+              <a:t>הוא</a:t>
+            </a:r>
+            <a:r>
+              <a:rPr dirty="0"/>
+              <a:t> </a:t>
+            </a:r>
+            <a:r>
+              <a:rPr dirty="0" err="1"/>
+              <a:t>גיט</a:t>
+            </a:r>
+            <a:r>
+              <a:rPr dirty="0"/>
+              <a:t> </a:t>
+            </a:r>
+            <a:r>
+              <a:rPr dirty="0" err="1"/>
+              <a:t>והאתר</a:t>
+            </a:r>
+            <a:r>
+              <a:rPr dirty="0"/>
+              <a:t> </a:t>
+            </a:r>
+            <a:r>
+              <a:rPr dirty="0" err="1"/>
+              <a:t>גיטאהב</a:t>
+            </a:r>
+            <a:r>
+              <a:rPr dirty="0"/>
+              <a:t>. </a:t>
+            </a:r>
+            <a:r>
+              <a:rPr dirty="0" err="1"/>
+              <a:t>זו</a:t>
+            </a:r>
+            <a:r>
+              <a:rPr dirty="0"/>
+              <a:t> </a:t>
+            </a:r>
+            <a:r>
+              <a:rPr dirty="0" err="1"/>
+              <a:t>הפעם</a:t>
+            </a:r>
+            <a:r>
+              <a:rPr dirty="0"/>
+              <a:t> </a:t>
+            </a:r>
+            <a:r>
+              <a:rPr dirty="0" err="1"/>
+              <a:t>הראשונה</a:t>
+            </a:r>
+            <a:r>
+              <a:rPr dirty="0"/>
+              <a:t> </a:t>
+            </a:r>
+            <a:r>
+              <a:rPr dirty="0" err="1"/>
+              <a:t>שנתקלנו</a:t>
+            </a:r>
+            <a:r>
+              <a:rPr dirty="0"/>
+              <a:t> </a:t>
+            </a:r>
+            <a:r>
+              <a:rPr dirty="0" err="1"/>
+              <a:t>בשני</a:t>
+            </a:r>
+            <a:r>
+              <a:rPr dirty="0"/>
+              <a:t> </a:t>
+            </a:r>
+            <a:r>
+              <a:rPr dirty="0" err="1"/>
+              <a:t>מושגים</a:t>
+            </a:r>
+            <a:r>
+              <a:rPr dirty="0"/>
+              <a:t> </a:t>
+            </a:r>
+            <a:r>
+              <a:rPr dirty="0" err="1"/>
+              <a:t>אלה</a:t>
+            </a:r>
+            <a:r>
+              <a:rPr dirty="0"/>
+              <a:t>, </a:t>
+            </a:r>
+            <a:r>
+              <a:rPr dirty="0" err="1"/>
+              <a:t>והשתמשנו</a:t>
+            </a:r>
+            <a:r>
+              <a:rPr dirty="0"/>
+              <a:t> </a:t>
+            </a:r>
+            <a:r>
+              <a:rPr dirty="0" err="1"/>
+              <a:t>בהם</a:t>
+            </a:r>
+            <a:r>
+              <a:rPr dirty="0"/>
+              <a:t> </a:t>
+            </a:r>
+            <a:r>
+              <a:rPr dirty="0" err="1"/>
+              <a:t>לאורך</a:t>
+            </a:r>
+            <a:r>
+              <a:rPr dirty="0"/>
+              <a:t> </a:t>
+            </a:r>
+            <a:r>
+              <a:rPr dirty="0" err="1"/>
+              <a:t>כל</a:t>
+            </a:r>
+            <a:r>
+              <a:rPr dirty="0"/>
+              <a:t> </a:t>
+            </a:r>
+            <a:r>
+              <a:rPr dirty="0" err="1"/>
+              <a:t>הפרויקט</a:t>
+            </a:r>
+            <a:r>
+              <a:rPr dirty="0"/>
+              <a:t> </a:t>
+            </a:r>
+            <a:r>
+              <a:rPr dirty="0" err="1"/>
+              <a:t>מההתחלה</a:t>
+            </a:r>
+            <a:r>
+              <a:rPr dirty="0"/>
+              <a:t> </a:t>
+            </a:r>
+            <a:r>
+              <a:rPr dirty="0" err="1"/>
+              <a:t>ועד</a:t>
+            </a:r>
+            <a:r>
+              <a:rPr dirty="0"/>
+              <a:t> </a:t>
+            </a:r>
+            <a:r>
+              <a:rPr dirty="0" err="1"/>
+              <a:t>סופו</a:t>
+            </a:r>
+            <a:r>
+              <a:rPr dirty="0"/>
+              <a:t>.</a:t>
+            </a:r>
+          </a:p>
+          <a:p>
+            <a:pPr algn="r">
               <a:defRPr sz="2600">
                 <a:latin typeface="Arial"/>
                 <a:ea typeface="Arial"/>
@@ -6909,11 +9383,172 @@
               </a:defRPr>
             </a:pPr>
             <a:r>
-              <a:t>גיט היא מערכת ניהול גרסאות מבוזרת , והיא למעשה מתחברת יחד עם גיטאהב שהוא למעשה אתר שמארח מאגרי גיט רבים ומגוונים.</a:t>
-            </a:r>
-          </a:p>
-          <a:p>
-            <a:pPr algn="r" rtl="0">
+              <a:rPr dirty="0" err="1"/>
+              <a:t>גיט</a:t>
+            </a:r>
+            <a:r>
+              <a:rPr dirty="0"/>
+              <a:t> </a:t>
+            </a:r>
+            <a:r>
+              <a:rPr dirty="0" err="1"/>
+              <a:t>היא</a:t>
+            </a:r>
+            <a:r>
+              <a:rPr dirty="0"/>
+              <a:t> </a:t>
+            </a:r>
+            <a:r>
+              <a:rPr dirty="0" err="1"/>
+              <a:t>מערכת</a:t>
+            </a:r>
+            <a:r>
+              <a:rPr dirty="0"/>
+              <a:t> </a:t>
+            </a:r>
+            <a:r>
+              <a:rPr dirty="0" err="1"/>
+              <a:t>ניהול</a:t>
+            </a:r>
+            <a:r>
+              <a:rPr dirty="0"/>
+              <a:t> </a:t>
+            </a:r>
+            <a:r>
+              <a:rPr dirty="0" err="1"/>
+              <a:t>גרסאות</a:t>
+            </a:r>
+            <a:r>
+              <a:rPr dirty="0"/>
+              <a:t> </a:t>
+            </a:r>
+            <a:r>
+              <a:rPr dirty="0" err="1" smtClean="0"/>
+              <a:t>מבוזרת</a:t>
+            </a:r>
+            <a:r>
+              <a:rPr lang="he-IL" dirty="0" smtClean="0"/>
+              <a:t>,</a:t>
+            </a:r>
+            <a:r>
+              <a:rPr dirty="0" smtClean="0"/>
+              <a:t> </a:t>
+            </a:r>
+            <a:r>
+              <a:rPr dirty="0" err="1"/>
+              <a:t>והיא</a:t>
+            </a:r>
+            <a:r>
+              <a:rPr dirty="0"/>
+              <a:t> </a:t>
+            </a:r>
+            <a:r>
+              <a:rPr dirty="0" err="1"/>
+              <a:t>למעשה</a:t>
+            </a:r>
+            <a:r>
+              <a:rPr dirty="0"/>
+              <a:t> </a:t>
+            </a:r>
+            <a:r>
+              <a:rPr dirty="0" err="1"/>
+              <a:t>מתחברת</a:t>
+            </a:r>
+            <a:r>
+              <a:rPr dirty="0"/>
+              <a:t> </a:t>
+            </a:r>
+            <a:r>
+              <a:rPr dirty="0" err="1"/>
+              <a:t>יחד</a:t>
+            </a:r>
+            <a:r>
+              <a:rPr dirty="0"/>
+              <a:t> </a:t>
+            </a:r>
+            <a:r>
+              <a:rPr dirty="0" err="1"/>
+              <a:t>עם</a:t>
+            </a:r>
+            <a:r>
+              <a:rPr dirty="0"/>
+              <a:t> </a:t>
+            </a:r>
+            <a:r>
+              <a:rPr dirty="0" err="1"/>
+              <a:t>גיטאהב</a:t>
+            </a:r>
+            <a:r>
+              <a:rPr dirty="0"/>
+              <a:t> </a:t>
+            </a:r>
+            <a:r>
+              <a:rPr dirty="0" err="1"/>
+              <a:t>שהוא</a:t>
+            </a:r>
+            <a:r>
+              <a:rPr dirty="0"/>
+              <a:t> </a:t>
+            </a:r>
+            <a:r>
+              <a:rPr dirty="0" err="1"/>
+              <a:t>למעשה</a:t>
+            </a:r>
+            <a:r>
+              <a:rPr dirty="0"/>
+              <a:t> </a:t>
+            </a:r>
+            <a:r>
+              <a:rPr dirty="0" err="1"/>
+              <a:t>אתר</a:t>
+            </a:r>
+            <a:r>
+              <a:rPr dirty="0"/>
+              <a:t> </a:t>
+            </a:r>
+            <a:r>
+              <a:rPr dirty="0" err="1"/>
+              <a:t>שמארח</a:t>
+            </a:r>
+            <a:r>
+              <a:rPr dirty="0"/>
+              <a:t> </a:t>
+            </a:r>
+            <a:r>
+              <a:rPr dirty="0" err="1"/>
+              <a:t>מאגרי</a:t>
+            </a:r>
+            <a:r>
+              <a:rPr dirty="0"/>
+              <a:t> </a:t>
+            </a:r>
+            <a:r>
+              <a:rPr dirty="0" err="1"/>
+              <a:t>גיט</a:t>
+            </a:r>
+            <a:r>
+              <a:rPr dirty="0"/>
+              <a:t> </a:t>
+            </a:r>
+            <a:r>
+              <a:rPr dirty="0" err="1"/>
+              <a:t>רבים</a:t>
+            </a:r>
+            <a:r>
+              <a:rPr dirty="0"/>
+              <a:t> </a:t>
+            </a:r>
+            <a:r>
+              <a:rPr dirty="0" err="1"/>
+              <a:t>ומגוונים</a:t>
+            </a:r>
+            <a:r>
+              <a:rPr dirty="0"/>
+              <a:t>.</a:t>
+            </a:r>
+          </a:p>
+          <a:p>
+            <a:pPr algn="r">
               <a:defRPr sz="2600">
                 <a:latin typeface="Arial"/>
                 <a:ea typeface="Arial"/>
@@ -6922,11 +9557,488 @@
               </a:defRPr>
             </a:pPr>
             <a:r>
-              <a:t>בפרויקט שלנו למדנו והבנו איך משתמשים בגיט , איך עובדים כמה משתמשים יחד על אותו קוד וכו׳. הגיט עזר לנו להסתנכרן יחד על אותם קבצים, הוא עזר לנו לשמור על גרסאות קודמות במידה ונרצה לחזור אליהם ואולי הדבר הכי חשוב- לתת הערות וביקורות אחד לשני על העבודה השונה במהלך העבודה על הפרויקט, מה שגרם לכולנו לעבוד בצורה טובה יותר .</a:t>
-            </a:r>
-          </a:p>
-          <a:p>
-            <a:pPr algn="r" rtl="0">
+              <a:rPr dirty="0" err="1"/>
+              <a:t>בפרויקט</a:t>
+            </a:r>
+            <a:r>
+              <a:rPr dirty="0"/>
+              <a:t> </a:t>
+            </a:r>
+            <a:r>
+              <a:rPr dirty="0" err="1"/>
+              <a:t>שלנו</a:t>
+            </a:r>
+            <a:r>
+              <a:rPr dirty="0"/>
+              <a:t> </a:t>
+            </a:r>
+            <a:r>
+              <a:rPr dirty="0" err="1"/>
+              <a:t>למדנו</a:t>
+            </a:r>
+            <a:r>
+              <a:rPr dirty="0"/>
+              <a:t> </a:t>
+            </a:r>
+            <a:r>
+              <a:rPr dirty="0" err="1"/>
+              <a:t>והבנו</a:t>
+            </a:r>
+            <a:r>
+              <a:rPr dirty="0"/>
+              <a:t> </a:t>
+            </a:r>
+            <a:r>
+              <a:rPr dirty="0" err="1"/>
+              <a:t>איך</a:t>
+            </a:r>
+            <a:r>
+              <a:rPr dirty="0"/>
+              <a:t> </a:t>
+            </a:r>
+            <a:r>
+              <a:rPr dirty="0" err="1"/>
+              <a:t>משתמשים</a:t>
+            </a:r>
+            <a:r>
+              <a:rPr dirty="0"/>
+              <a:t> </a:t>
+            </a:r>
+            <a:r>
+              <a:rPr dirty="0" err="1" smtClean="0"/>
+              <a:t>בגיט</a:t>
+            </a:r>
+            <a:r>
+              <a:rPr lang="he-IL" dirty="0" smtClean="0"/>
+              <a:t>,</a:t>
+            </a:r>
+            <a:r>
+              <a:rPr dirty="0" smtClean="0"/>
+              <a:t> </a:t>
+            </a:r>
+            <a:r>
+              <a:rPr dirty="0" err="1"/>
+              <a:t>איך</a:t>
+            </a:r>
+            <a:r>
+              <a:rPr dirty="0"/>
+              <a:t> </a:t>
+            </a:r>
+            <a:r>
+              <a:rPr dirty="0" err="1"/>
+              <a:t>עובדים</a:t>
+            </a:r>
+            <a:r>
+              <a:rPr dirty="0"/>
+              <a:t> </a:t>
+            </a:r>
+            <a:r>
+              <a:rPr dirty="0" err="1"/>
+              <a:t>כמה</a:t>
+            </a:r>
+            <a:r>
+              <a:rPr dirty="0"/>
+              <a:t> </a:t>
+            </a:r>
+            <a:r>
+              <a:rPr dirty="0" err="1"/>
+              <a:t>משתמשים</a:t>
+            </a:r>
+            <a:r>
+              <a:rPr dirty="0"/>
+              <a:t> </a:t>
+            </a:r>
+            <a:r>
+              <a:rPr dirty="0" err="1"/>
+              <a:t>יחד</a:t>
+            </a:r>
+            <a:r>
+              <a:rPr dirty="0"/>
+              <a:t> </a:t>
+            </a:r>
+            <a:r>
+              <a:rPr dirty="0" err="1"/>
+              <a:t>על</a:t>
+            </a:r>
+            <a:r>
+              <a:rPr dirty="0"/>
+              <a:t> </a:t>
+            </a:r>
+            <a:r>
+              <a:rPr dirty="0" err="1"/>
+              <a:t>אותו</a:t>
+            </a:r>
+            <a:r>
+              <a:rPr dirty="0"/>
+              <a:t> </a:t>
+            </a:r>
+            <a:r>
+              <a:rPr dirty="0" err="1"/>
+              <a:t>קוד</a:t>
+            </a:r>
+            <a:r>
+              <a:rPr dirty="0"/>
+              <a:t> </a:t>
+            </a:r>
+            <a:r>
+              <a:rPr dirty="0" err="1"/>
+              <a:t>וכו</a:t>
+            </a:r>
+            <a:r>
+              <a:rPr dirty="0" smtClean="0"/>
+              <a:t>׳</a:t>
+            </a:r>
+            <a:r>
+              <a:rPr lang="he-IL" dirty="0" smtClean="0"/>
+              <a:t>.</a:t>
+            </a:r>
+            <a:r>
+              <a:rPr dirty="0" smtClean="0"/>
+              <a:t> </a:t>
+            </a:r>
+            <a:r>
+              <a:rPr dirty="0" err="1"/>
+              <a:t>הגיט</a:t>
+            </a:r>
+            <a:r>
+              <a:rPr dirty="0"/>
+              <a:t> </a:t>
+            </a:r>
+            <a:r>
+              <a:rPr dirty="0" err="1"/>
+              <a:t>עזר</a:t>
+            </a:r>
+            <a:r>
+              <a:rPr dirty="0"/>
+              <a:t> </a:t>
+            </a:r>
+            <a:r>
+              <a:rPr dirty="0" err="1"/>
+              <a:t>לנו</a:t>
+            </a:r>
+            <a:r>
+              <a:rPr dirty="0"/>
+              <a:t> </a:t>
+            </a:r>
+            <a:r>
+              <a:rPr dirty="0" err="1"/>
+              <a:t>להסתנכרן</a:t>
+            </a:r>
+            <a:r>
+              <a:rPr dirty="0"/>
+              <a:t> </a:t>
+            </a:r>
+            <a:r>
+              <a:rPr dirty="0" err="1"/>
+              <a:t>יחד</a:t>
+            </a:r>
+            <a:r>
+              <a:rPr dirty="0"/>
+              <a:t> </a:t>
+            </a:r>
+            <a:r>
+              <a:rPr dirty="0" err="1"/>
+              <a:t>על</a:t>
+            </a:r>
+            <a:r>
+              <a:rPr dirty="0"/>
+              <a:t> </a:t>
+            </a:r>
+            <a:r>
+              <a:rPr dirty="0" err="1"/>
+              <a:t>אותם</a:t>
+            </a:r>
+            <a:r>
+              <a:rPr dirty="0"/>
+              <a:t> </a:t>
+            </a:r>
+            <a:r>
+              <a:rPr dirty="0" err="1"/>
+              <a:t>קבצים</a:t>
+            </a:r>
+            <a:r>
+              <a:rPr dirty="0"/>
+              <a:t>, </a:t>
+            </a:r>
+            <a:r>
+              <a:rPr dirty="0" err="1"/>
+              <a:t>הוא</a:t>
+            </a:r>
+            <a:r>
+              <a:rPr dirty="0"/>
+              <a:t> </a:t>
+            </a:r>
+            <a:r>
+              <a:rPr dirty="0" err="1"/>
+              <a:t>עזר</a:t>
+            </a:r>
+            <a:r>
+              <a:rPr dirty="0"/>
+              <a:t> </a:t>
+            </a:r>
+            <a:r>
+              <a:rPr dirty="0" err="1"/>
+              <a:t>לנו</a:t>
+            </a:r>
+            <a:r>
+              <a:rPr dirty="0"/>
+              <a:t> </a:t>
+            </a:r>
+            <a:r>
+              <a:rPr dirty="0" err="1"/>
+              <a:t>לשמור</a:t>
+            </a:r>
+            <a:r>
+              <a:rPr dirty="0"/>
+              <a:t> </a:t>
+            </a:r>
+            <a:r>
+              <a:rPr dirty="0" err="1"/>
+              <a:t>על</a:t>
+            </a:r>
+            <a:r>
+              <a:rPr dirty="0"/>
+              <a:t> </a:t>
+            </a:r>
+            <a:r>
+              <a:rPr dirty="0" err="1"/>
+              <a:t>גרסאות</a:t>
+            </a:r>
+            <a:r>
+              <a:rPr dirty="0"/>
+              <a:t> </a:t>
+            </a:r>
+            <a:r>
+              <a:rPr dirty="0" err="1"/>
+              <a:t>קודמות</a:t>
+            </a:r>
+            <a:r>
+              <a:rPr dirty="0"/>
+              <a:t> </a:t>
+            </a:r>
+            <a:r>
+              <a:rPr dirty="0" err="1"/>
+              <a:t>במידה</a:t>
+            </a:r>
+            <a:r>
+              <a:rPr dirty="0"/>
+              <a:t> </a:t>
+            </a:r>
+            <a:r>
+              <a:rPr dirty="0" err="1"/>
+              <a:t>ונרצה</a:t>
+            </a:r>
+            <a:r>
+              <a:rPr dirty="0"/>
+              <a:t> </a:t>
+            </a:r>
+            <a:r>
+              <a:rPr dirty="0" err="1"/>
+              <a:t>לחזור</a:t>
+            </a:r>
+            <a:r>
+              <a:rPr dirty="0"/>
+              <a:t> </a:t>
+            </a:r>
+            <a:r>
+              <a:rPr dirty="0" err="1"/>
+              <a:t>אליהם</a:t>
+            </a:r>
+            <a:r>
+              <a:rPr dirty="0"/>
+              <a:t> </a:t>
+            </a:r>
+            <a:r>
+              <a:rPr dirty="0" err="1"/>
+              <a:t>ואולי</a:t>
+            </a:r>
+            <a:r>
+              <a:rPr dirty="0"/>
+              <a:t> </a:t>
+            </a:r>
+            <a:r>
+              <a:rPr dirty="0" err="1"/>
+              <a:t>הדבר</a:t>
+            </a:r>
+            <a:r>
+              <a:rPr dirty="0"/>
+              <a:t> </a:t>
+            </a:r>
+            <a:r>
+              <a:rPr dirty="0" err="1"/>
+              <a:t>הכי</a:t>
+            </a:r>
+            <a:r>
+              <a:rPr dirty="0"/>
+              <a:t> </a:t>
+            </a:r>
+            <a:r>
+              <a:rPr dirty="0" err="1" smtClean="0"/>
+              <a:t>חשוב</a:t>
+            </a:r>
+            <a:r>
+              <a:rPr dirty="0" smtClean="0"/>
+              <a:t>- </a:t>
+            </a:r>
+            <a:r>
+              <a:rPr lang="he-IL" dirty="0" smtClean="0"/>
+              <a:t> </a:t>
+            </a:r>
+            <a:r>
+              <a:rPr dirty="0" err="1" smtClean="0"/>
+              <a:t>לתת</a:t>
+            </a:r>
+            <a:r>
+              <a:rPr dirty="0" smtClean="0"/>
+              <a:t> </a:t>
+            </a:r>
+            <a:r>
+              <a:rPr dirty="0" err="1"/>
+              <a:t>הערות</a:t>
+            </a:r>
+            <a:r>
+              <a:rPr dirty="0"/>
+              <a:t> </a:t>
+            </a:r>
+            <a:r>
+              <a:rPr dirty="0" err="1"/>
+              <a:t>וביקורות</a:t>
+            </a:r>
+            <a:r>
+              <a:rPr dirty="0"/>
+              <a:t> </a:t>
+            </a:r>
+            <a:r>
+              <a:rPr dirty="0" err="1"/>
+              <a:t>אחד</a:t>
+            </a:r>
+            <a:r>
+              <a:rPr dirty="0"/>
+              <a:t> </a:t>
+            </a:r>
+            <a:r>
+              <a:rPr dirty="0" err="1"/>
+              <a:t>לשני</a:t>
+            </a:r>
+            <a:r>
+              <a:rPr dirty="0"/>
+              <a:t> </a:t>
+            </a:r>
+            <a:r>
+              <a:rPr dirty="0" err="1"/>
+              <a:t>על</a:t>
+            </a:r>
+            <a:r>
+              <a:rPr dirty="0"/>
+              <a:t> </a:t>
+            </a:r>
+            <a:r>
+              <a:rPr dirty="0" err="1"/>
+              <a:t>העבודה</a:t>
+            </a:r>
+            <a:r>
+              <a:rPr dirty="0"/>
+              <a:t> </a:t>
+            </a:r>
+            <a:r>
+              <a:rPr dirty="0" err="1"/>
+              <a:t>השונה</a:t>
+            </a:r>
+            <a:r>
+              <a:rPr dirty="0"/>
+              <a:t> </a:t>
+            </a:r>
+            <a:r>
+              <a:rPr dirty="0" err="1"/>
+              <a:t>במהלך</a:t>
+            </a:r>
+            <a:r>
+              <a:rPr dirty="0"/>
+              <a:t> </a:t>
+            </a:r>
+            <a:r>
+              <a:rPr dirty="0" err="1"/>
+              <a:t>העבודה</a:t>
+            </a:r>
+            <a:r>
+              <a:rPr dirty="0"/>
+              <a:t> </a:t>
+            </a:r>
+            <a:r>
+              <a:rPr dirty="0" err="1"/>
+              <a:t>על</a:t>
+            </a:r>
+            <a:r>
+              <a:rPr dirty="0"/>
+              <a:t> </a:t>
+            </a:r>
+            <a:r>
+              <a:rPr dirty="0" err="1"/>
+              <a:t>הפרויקט</a:t>
+            </a:r>
+            <a:r>
+              <a:rPr dirty="0"/>
+              <a:t>, </a:t>
+            </a:r>
+            <a:r>
+              <a:rPr dirty="0" err="1"/>
+              <a:t>מה</a:t>
+            </a:r>
+            <a:r>
+              <a:rPr dirty="0"/>
+              <a:t> </a:t>
+            </a:r>
+            <a:r>
+              <a:rPr dirty="0" err="1"/>
+              <a:t>שגרם</a:t>
+            </a:r>
+            <a:r>
+              <a:rPr dirty="0"/>
+              <a:t> </a:t>
+            </a:r>
+            <a:r>
+              <a:rPr dirty="0" err="1"/>
+              <a:t>לכולנו</a:t>
+            </a:r>
+            <a:r>
+              <a:rPr dirty="0"/>
+              <a:t> </a:t>
+            </a:r>
+            <a:r>
+              <a:rPr dirty="0" err="1"/>
+              <a:t>לעבוד</a:t>
+            </a:r>
+            <a:r>
+              <a:rPr dirty="0"/>
+              <a:t> </a:t>
+            </a:r>
+            <a:r>
+              <a:rPr dirty="0" err="1"/>
+              <a:t>בצורה</a:t>
+            </a:r>
+            <a:r>
+              <a:rPr dirty="0"/>
+              <a:t> </a:t>
+            </a:r>
+            <a:r>
+              <a:rPr dirty="0" err="1"/>
+              <a:t>טובה</a:t>
+            </a:r>
+            <a:r>
+              <a:rPr dirty="0"/>
+              <a:t> </a:t>
+            </a:r>
+            <a:r>
+              <a:rPr dirty="0" err="1"/>
+              <a:t>יותר</a:t>
+            </a:r>
+            <a:r>
+              <a:rPr dirty="0"/>
+              <a:t> .</a:t>
+            </a:r>
+          </a:p>
+          <a:p>
+            <a:pPr algn="r">
               <a:defRPr sz="2600">
                 <a:latin typeface="Arial"/>
                 <a:ea typeface="Arial"/>
@@ -6935,20 +10047,184 @@
               </a:defRPr>
             </a:pPr>
             <a:r>
-              <a:t> נוכל לומר בלי שום ספק שזה כלי שעזר לנו בכל אספקט והוא מומלץ לכל מי </a:t>
-            </a:r>
-          </a:p>
-          <a:p>
-            <a:pPr algn="r" rtl="0">
-              <a:defRPr sz="2600">
-                <a:latin typeface="Arial"/>
-                <a:ea typeface="Arial"/>
-                <a:cs typeface="Arial"/>
-                <a:sym typeface="Arial"/>
-              </a:defRPr>
-            </a:pPr>
-            <a:r>
-              <a:t>שעובד על פיתוח של מוצר כלשהו.</a:t>
+              <a:rPr dirty="0"/>
+              <a:t> </a:t>
+            </a:r>
+            <a:r>
+              <a:rPr dirty="0" err="1"/>
+              <a:t>נוכל</a:t>
+            </a:r>
+            <a:r>
+              <a:rPr dirty="0"/>
+              <a:t> </a:t>
+            </a:r>
+            <a:r>
+              <a:rPr dirty="0" err="1"/>
+              <a:t>לומר</a:t>
+            </a:r>
+            <a:r>
+              <a:rPr dirty="0"/>
+              <a:t> </a:t>
+            </a:r>
+            <a:r>
+              <a:rPr dirty="0" err="1"/>
+              <a:t>בלי</a:t>
+            </a:r>
+            <a:r>
+              <a:rPr dirty="0"/>
+              <a:t> </a:t>
+            </a:r>
+            <a:r>
+              <a:rPr dirty="0" err="1"/>
+              <a:t>שום</a:t>
+            </a:r>
+            <a:r>
+              <a:rPr dirty="0"/>
+              <a:t> </a:t>
+            </a:r>
+            <a:r>
+              <a:rPr dirty="0" err="1"/>
+              <a:t>ספק</a:t>
+            </a:r>
+            <a:r>
+              <a:rPr dirty="0"/>
+              <a:t> </a:t>
+            </a:r>
+            <a:r>
+              <a:rPr dirty="0" err="1"/>
+              <a:t>שזה</a:t>
+            </a:r>
+            <a:r>
+              <a:rPr dirty="0"/>
+              <a:t> </a:t>
+            </a:r>
+            <a:r>
+              <a:rPr dirty="0" err="1"/>
+              <a:t>כלי</a:t>
+            </a:r>
+            <a:r>
+              <a:rPr dirty="0"/>
+              <a:t> </a:t>
+            </a:r>
+            <a:r>
+              <a:rPr dirty="0" err="1"/>
+              <a:t>שעזר</a:t>
+            </a:r>
+            <a:r>
+              <a:rPr dirty="0"/>
+              <a:t> </a:t>
+            </a:r>
+            <a:r>
+              <a:rPr dirty="0" err="1"/>
+              <a:t>לנו</a:t>
+            </a:r>
+            <a:r>
+              <a:rPr dirty="0"/>
+              <a:t> </a:t>
+            </a:r>
+            <a:r>
+              <a:rPr dirty="0" err="1"/>
+              <a:t>בכל</a:t>
+            </a:r>
+            <a:r>
+              <a:rPr dirty="0"/>
+              <a:t> </a:t>
+            </a:r>
+            <a:r>
+              <a:rPr dirty="0" err="1"/>
+              <a:t>אספקט</a:t>
+            </a:r>
+            <a:r>
+              <a:rPr dirty="0"/>
+              <a:t> </a:t>
+            </a:r>
+            <a:r>
+              <a:rPr dirty="0" err="1"/>
+              <a:t>והוא</a:t>
+            </a:r>
+            <a:r>
+              <a:rPr dirty="0"/>
+              <a:t> </a:t>
+            </a:r>
+            <a:r>
+              <a:rPr dirty="0" err="1"/>
+              <a:t>מומלץ</a:t>
+            </a:r>
+            <a:r>
+              <a:rPr dirty="0"/>
+              <a:t> </a:t>
+            </a:r>
+            <a:r>
+              <a:rPr dirty="0" err="1"/>
+              <a:t>לכל</a:t>
+            </a:r>
+            <a:r>
+              <a:rPr dirty="0"/>
+              <a:t> </a:t>
+            </a:r>
+            <a:r>
+              <a:rPr lang="he-IL" dirty="0" smtClean="0"/>
+              <a:t>קבוצה</a:t>
+            </a:r>
+            <a:r>
+              <a:rPr dirty="0" smtClean="0"/>
+              <a:t> </a:t>
+            </a:r>
+            <a:r>
+              <a:rPr dirty="0" err="1" smtClean="0"/>
+              <a:t>שעובד</a:t>
+            </a:r>
+            <a:r>
+              <a:rPr lang="he-IL" dirty="0"/>
+              <a:t>ת</a:t>
+            </a:r>
+            <a:r>
+              <a:rPr dirty="0" smtClean="0"/>
+              <a:t> </a:t>
+            </a:r>
+            <a:r>
+              <a:rPr dirty="0" err="1"/>
+              <a:t>על</a:t>
+            </a:r>
+            <a:r>
+              <a:rPr dirty="0"/>
+              <a:t> </a:t>
+            </a:r>
+            <a:r>
+              <a:rPr dirty="0" err="1"/>
+              <a:t>פיתוח</a:t>
+            </a:r>
+            <a:r>
+              <a:rPr dirty="0"/>
+              <a:t> </a:t>
+            </a:r>
+            <a:r>
+              <a:rPr dirty="0" err="1"/>
+              <a:t>של</a:t>
+            </a:r>
+            <a:r>
+              <a:rPr dirty="0"/>
+              <a:t> </a:t>
+            </a:r>
+            <a:r>
+              <a:rPr dirty="0" err="1" smtClean="0"/>
+              <a:t>מוצר</a:t>
+            </a:r>
+            <a:r>
+              <a:rPr lang="he-IL" dirty="0" smtClean="0"/>
+              <a:t> תוכנה</a:t>
+            </a:r>
+            <a:r>
+              <a:rPr dirty="0" smtClean="0"/>
+              <a:t> </a:t>
+            </a:r>
+            <a:r>
+              <a:rPr dirty="0" err="1"/>
+              <a:t>כלשהו</a:t>
+            </a:r>
+            <a:r>
+              <a:rPr dirty="0"/>
+              <a:t>.</a:t>
             </a:r>
           </a:p>
         </p:txBody>
@@ -7010,7 +10286,7 @@
             <a:miter lim="400000"/>
           </a:ln>
           <a:effectLst>
-            <a:outerShdw sx="100000" sy="100000" kx="0" ky="0" algn="b" rotWithShape="0" blurRad="190500" dist="0" dir="0">
+            <a:outerShdw blurRad="190500" rotWithShape="0">
               <a:srgbClr val="000000">
                 <a:alpha val="70000"/>
               </a:srgbClr>
@@ -7023,12 +10299,12 @@
   <p:clrMapOvr>
     <a:masterClrMapping/>
   </p:clrMapOvr>
-  <p:transition xmlns:p14="http://schemas.microsoft.com/office/powerpoint/2010/main" spd="med" advClick="1" p14:dur="1000"/>
+  <p:transition spd="slow"/>
 </p:sld>
 </file>
 
 <file path=ppt/theme/theme1.xml><?xml version="1.0" encoding="utf-8"?>
-<a:theme xmlns:a="http://schemas.openxmlformats.org/drawingml/2006/main" xmlns:r="http://schemas.openxmlformats.org/officeDocument/2006/relationships" name="פרלקסה">
+<a:theme xmlns:a="http://schemas.openxmlformats.org/drawingml/2006/main" name="פרלקסה">
   <a:themeElements>
     <a:clrScheme name="פרלקסה">
       <a:dk1>
@@ -7154,17 +10430,17 @@
       <a:effectStyleLst>
         <a:effectStyle>
           <a:effectLst>
-            <a:reflection blurRad="0" stA="26000" stPos="0" endA="0" endPos="40000" dist="0" dir="5400000" fadeDir="5400000" sx="100000" sy="-100000" kx="0" ky="0" algn="bl" rotWithShape="0"/>
+            <a:reflection stA="26000" endPos="40000" dir="5400000" sy="-100000" algn="bl" rotWithShape="0"/>
           </a:effectLst>
         </a:effectStyle>
         <a:effectStyle>
           <a:effectLst>
-            <a:reflection blurRad="0" stA="26000" stPos="0" endA="0" endPos="40000" dist="0" dir="5400000" fadeDir="5400000" sx="100000" sy="-100000" kx="0" ky="0" algn="bl" rotWithShape="0"/>
+            <a:reflection stA="26000" endPos="40000" dir="5400000" sy="-100000" algn="bl" rotWithShape="0"/>
           </a:effectLst>
         </a:effectStyle>
         <a:effectStyle>
           <a:effectLst>
-            <a:reflection blurRad="0" stA="26000" stPos="0" endA="0" endPos="40000" dist="0" dir="5400000" fadeDir="5400000" sx="100000" sy="-100000" kx="0" ky="0" algn="bl" rotWithShape="0"/>
+            <a:reflection stA="26000" endPos="40000" dir="5400000" sy="-100000" algn="bl" rotWithShape="0"/>
           </a:effectLst>
         </a:effectStyle>
       </a:effectStyleLst>
@@ -7234,11 +10510,11 @@
           <a:round/>
         </a:ln>
         <a:effectLst>
-          <a:reflection blurRad="0" stA="26000" stPos="0" endA="0" endPos="40000" dist="0" dir="5400000" fadeDir="5400000" sx="100000" sy="-100000" kx="0" ky="0" algn="bl" rotWithShape="0"/>
+          <a:reflection stA="26000" endPos="40000" dir="5400000" sy="-100000" algn="bl" rotWithShape="0"/>
         </a:effectLst>
         <a:sp3d/>
       </a:spPr>
-      <a:bodyPr rot="0" spcFirstLastPara="1" vertOverflow="overflow" horzOverflow="overflow" vert="horz" wrap="square" lIns="45718" tIns="45718" rIns="45718" bIns="45718" numCol="1" spcCol="38100" rtlCol="0" anchor="ctr" upright="0">
+      <a:bodyPr rot="0" spcFirstLastPara="1" vertOverflow="overflow" horzOverflow="overflow" vert="horz" wrap="square" lIns="45718" tIns="45718" rIns="45718" bIns="45718" numCol="1" spcCol="38100" rtlCol="0" anchor="ctr">
         <a:spAutoFit/>
       </a:bodyPr>
       <a:lstStyle>
@@ -7257,7 +10533,7 @@
           <a:buFontTx/>
           <a:buNone/>
           <a:tabLst/>
-          <a:defRPr b="0" baseline="0" cap="none" i="0" spc="0" strike="noStrike" sz="1800" u="none" kumimoji="0" normalizeH="0">
+          <a:defRPr kumimoji="0" sz="1800" b="0" i="0" u="none" strike="noStrike" cap="none" spc="0" normalizeH="0" baseline="0">
             <a:ln>
               <a:noFill/>
             </a:ln>
@@ -7287,7 +10563,7 @@
           <a:buFontTx/>
           <a:buNone/>
           <a:tabLst/>
-          <a:defRPr b="0" baseline="0" cap="none" i="0" spc="0" strike="noStrike" sz="1800" u="none" kumimoji="0" normalizeH="0">
+          <a:defRPr kumimoji="0" sz="1800" b="0" i="0" u="none" strike="noStrike" cap="none" spc="0" normalizeH="0" baseline="0">
             <a:ln>
               <a:noFill/>
             </a:ln>
@@ -7313,7 +10589,7 @@
           <a:buFontTx/>
           <a:buNone/>
           <a:tabLst/>
-          <a:defRPr b="0" baseline="0" cap="none" i="0" spc="0" strike="noStrike" sz="1800" u="none" kumimoji="0" normalizeH="0">
+          <a:defRPr kumimoji="0" sz="1800" b="0" i="0" u="none" strike="noStrike" cap="none" spc="0" normalizeH="0" baseline="0">
             <a:ln>
               <a:noFill/>
             </a:ln>
@@ -7339,7 +10615,7 @@
           <a:buFontTx/>
           <a:buNone/>
           <a:tabLst/>
-          <a:defRPr b="0" baseline="0" cap="none" i="0" spc="0" strike="noStrike" sz="1800" u="none" kumimoji="0" normalizeH="0">
+          <a:defRPr kumimoji="0" sz="1800" b="0" i="0" u="none" strike="noStrike" cap="none" spc="0" normalizeH="0" baseline="0">
             <a:ln>
               <a:noFill/>
             </a:ln>
@@ -7365,7 +10641,7 @@
           <a:buFontTx/>
           <a:buNone/>
           <a:tabLst/>
-          <a:defRPr b="0" baseline="0" cap="none" i="0" spc="0" strike="noStrike" sz="1800" u="none" kumimoji="0" normalizeH="0">
+          <a:defRPr kumimoji="0" sz="1800" b="0" i="0" u="none" strike="noStrike" cap="none" spc="0" normalizeH="0" baseline="0">
             <a:ln>
               <a:noFill/>
             </a:ln>
@@ -7391,7 +10667,7 @@
           <a:buFontTx/>
           <a:buNone/>
           <a:tabLst/>
-          <a:defRPr b="0" baseline="0" cap="none" i="0" spc="0" strike="noStrike" sz="1800" u="none" kumimoji="0" normalizeH="0">
+          <a:defRPr kumimoji="0" sz="1800" b="0" i="0" u="none" strike="noStrike" cap="none" spc="0" normalizeH="0" baseline="0">
             <a:ln>
               <a:noFill/>
             </a:ln>
@@ -7417,7 +10693,7 @@
           <a:buFontTx/>
           <a:buNone/>
           <a:tabLst/>
-          <a:defRPr b="0" baseline="0" cap="none" i="0" spc="0" strike="noStrike" sz="1800" u="none" kumimoji="0" normalizeH="0">
+          <a:defRPr kumimoji="0" sz="1800" b="0" i="0" u="none" strike="noStrike" cap="none" spc="0" normalizeH="0" baseline="0">
             <a:ln>
               <a:noFill/>
             </a:ln>
@@ -7443,7 +10719,7 @@
           <a:buFontTx/>
           <a:buNone/>
           <a:tabLst/>
-          <a:defRPr b="0" baseline="0" cap="none" i="0" spc="0" strike="noStrike" sz="1800" u="none" kumimoji="0" normalizeH="0">
+          <a:defRPr kumimoji="0" sz="1800" b="0" i="0" u="none" strike="noStrike" cap="none" spc="0" normalizeH="0" baseline="0">
             <a:ln>
               <a:noFill/>
             </a:ln>
@@ -7469,7 +10745,7 @@
           <a:buFontTx/>
           <a:buNone/>
           <a:tabLst/>
-          <a:defRPr b="0" baseline="0" cap="none" i="0" spc="0" strike="noStrike" sz="1800" u="none" kumimoji="0" normalizeH="0">
+          <a:defRPr kumimoji="0" sz="1800" b="0" i="0" u="none" strike="noStrike" cap="none" spc="0" normalizeH="0" baseline="0">
             <a:ln>
               <a:noFill/>
             </a:ln>
@@ -7495,7 +10771,7 @@
           <a:buFontTx/>
           <a:buNone/>
           <a:tabLst/>
-          <a:defRPr b="0" baseline="0" cap="none" i="0" spc="0" strike="noStrike" sz="1800" u="none" kumimoji="0" normalizeH="0">
+          <a:defRPr kumimoji="0" sz="1800" b="0" i="0" u="none" strike="noStrike" cap="none" spc="0" normalizeH="0" baseline="0">
             <a:ln>
               <a:noFill/>
             </a:ln>
@@ -7508,9 +10784,15 @@
         </a:lvl9pPr>
       </a:lstStyle>
       <a:style>
-        <a:lnRef idx="0"/>
-        <a:fillRef idx="0"/>
-        <a:effectRef idx="0"/>
+        <a:lnRef idx="0">
+          <a:scrgbClr r="0" g="0" b="0"/>
+        </a:lnRef>
+        <a:fillRef idx="0">
+          <a:scrgbClr r="0" g="0" b="0"/>
+        </a:fillRef>
+        <a:effectRef idx="0">
+          <a:scrgbClr r="0" g="0" b="0"/>
+        </a:effectRef>
         <a:fontRef idx="none"/>
       </a:style>
     </a:spDef>
@@ -7525,11 +10807,11 @@
           <a:round/>
         </a:ln>
         <a:effectLst>
-          <a:reflection blurRad="0" stA="26000" stPos="0" endA="0" endPos="40000" dist="0" dir="5400000" fadeDir="5400000" sx="100000" sy="-100000" kx="0" ky="0" algn="bl" rotWithShape="0"/>
+          <a:reflection stA="26000" endPos="40000" dir="5400000" sy="-100000" algn="bl" rotWithShape="0"/>
         </a:effectLst>
         <a:sp3d/>
       </a:spPr>
-      <a:bodyPr rot="0" spcFirstLastPara="1" vertOverflow="overflow" horzOverflow="overflow" vert="horz" wrap="square" lIns="91439" tIns="45719" rIns="91439" bIns="45719" numCol="1" spcCol="38100" rtlCol="0" anchor="t" upright="0">
+      <a:bodyPr rot="0" spcFirstLastPara="1" vertOverflow="overflow" horzOverflow="overflow" vert="horz" wrap="square" lIns="91439" tIns="45719" rIns="91439" bIns="45719" numCol="1" spcCol="38100" rtlCol="0" anchor="t">
         <a:noAutofit/>
       </a:bodyPr>
       <a:lstStyle>
@@ -7548,7 +10830,7 @@
           <a:buFontTx/>
           <a:buNone/>
           <a:tabLst/>
-          <a:defRPr b="0" baseline="0" cap="none" i="0" spc="0" strike="noStrike" sz="1800" u="none" kumimoji="0" normalizeH="0">
+          <a:defRPr kumimoji="0" sz="1800" b="0" i="0" u="none" strike="noStrike" cap="none" spc="0" normalizeH="0" baseline="0">
             <a:ln>
               <a:noFill/>
             </a:ln>
@@ -7574,7 +10856,7 @@
           <a:buFontTx/>
           <a:buNone/>
           <a:tabLst/>
-          <a:defRPr b="0" baseline="0" cap="none" i="0" spc="0" strike="noStrike" sz="1800" u="none" kumimoji="0" normalizeH="0">
+          <a:defRPr kumimoji="0" sz="1800" b="0" i="0" u="none" strike="noStrike" cap="none" spc="0" normalizeH="0" baseline="0">
             <a:ln>
               <a:noFill/>
             </a:ln>
@@ -7600,7 +10882,7 @@
           <a:buFontTx/>
           <a:buNone/>
           <a:tabLst/>
-          <a:defRPr b="0" baseline="0" cap="none" i="0" spc="0" strike="noStrike" sz="1800" u="none" kumimoji="0" normalizeH="0">
+          <a:defRPr kumimoji="0" sz="1800" b="0" i="0" u="none" strike="noStrike" cap="none" spc="0" normalizeH="0" baseline="0">
             <a:ln>
               <a:noFill/>
             </a:ln>
@@ -7626,7 +10908,7 @@
           <a:buFontTx/>
           <a:buNone/>
           <a:tabLst/>
-          <a:defRPr b="0" baseline="0" cap="none" i="0" spc="0" strike="noStrike" sz="1800" u="none" kumimoji="0" normalizeH="0">
+          <a:defRPr kumimoji="0" sz="1800" b="0" i="0" u="none" strike="noStrike" cap="none" spc="0" normalizeH="0" baseline="0">
             <a:ln>
               <a:noFill/>
             </a:ln>
@@ -7652,7 +10934,7 @@
           <a:buFontTx/>
           <a:buNone/>
           <a:tabLst/>
-          <a:defRPr b="0" baseline="0" cap="none" i="0" spc="0" strike="noStrike" sz="1800" u="none" kumimoji="0" normalizeH="0">
+          <a:defRPr kumimoji="0" sz="1800" b="0" i="0" u="none" strike="noStrike" cap="none" spc="0" normalizeH="0" baseline="0">
             <a:ln>
               <a:noFill/>
             </a:ln>
@@ -7678,7 +10960,7 @@
           <a:buFontTx/>
           <a:buNone/>
           <a:tabLst/>
-          <a:defRPr b="0" baseline="0" cap="none" i="0" spc="0" strike="noStrike" sz="1800" u="none" kumimoji="0" normalizeH="0">
+          <a:defRPr kumimoji="0" sz="1800" b="0" i="0" u="none" strike="noStrike" cap="none" spc="0" normalizeH="0" baseline="0">
             <a:ln>
               <a:noFill/>
             </a:ln>
@@ -7704,7 +10986,7 @@
           <a:buFontTx/>
           <a:buNone/>
           <a:tabLst/>
-          <a:defRPr b="0" baseline="0" cap="none" i="0" spc="0" strike="noStrike" sz="1800" u="none" kumimoji="0" normalizeH="0">
+          <a:defRPr kumimoji="0" sz="1800" b="0" i="0" u="none" strike="noStrike" cap="none" spc="0" normalizeH="0" baseline="0">
             <a:ln>
               <a:noFill/>
             </a:ln>
@@ -7730,7 +11012,7 @@
           <a:buFontTx/>
           <a:buNone/>
           <a:tabLst/>
-          <a:defRPr b="0" baseline="0" cap="none" i="0" spc="0" strike="noStrike" sz="1800" u="none" kumimoji="0" normalizeH="0">
+          <a:defRPr kumimoji="0" sz="1800" b="0" i="0" u="none" strike="noStrike" cap="none" spc="0" normalizeH="0" baseline="0">
             <a:ln>
               <a:noFill/>
             </a:ln>
@@ -7756,7 +11038,7 @@
           <a:buFontTx/>
           <a:buNone/>
           <a:tabLst/>
-          <a:defRPr b="0" baseline="0" cap="none" i="0" spc="0" strike="noStrike" sz="1800" u="none" kumimoji="0" normalizeH="0">
+          <a:defRPr kumimoji="0" sz="1800" b="0" i="0" u="none" strike="noStrike" cap="none" spc="0" normalizeH="0" baseline="0">
             <a:ln>
               <a:noFill/>
             </a:ln>
@@ -7782,7 +11064,7 @@
           <a:buFontTx/>
           <a:buNone/>
           <a:tabLst/>
-          <a:defRPr b="0" baseline="0" cap="none" i="0" spc="0" strike="noStrike" sz="1800" u="none" kumimoji="0" normalizeH="0">
+          <a:defRPr kumimoji="0" sz="1800" b="0" i="0" u="none" strike="noStrike" cap="none" spc="0" normalizeH="0" baseline="0">
             <a:ln>
               <a:noFill/>
             </a:ln>
@@ -7795,9 +11077,15 @@
         </a:lvl9pPr>
       </a:lstStyle>
       <a:style>
-        <a:lnRef idx="0"/>
-        <a:fillRef idx="0"/>
-        <a:effectRef idx="0"/>
+        <a:lnRef idx="0">
+          <a:scrgbClr r="0" g="0" b="0"/>
+        </a:lnRef>
+        <a:fillRef idx="0">
+          <a:scrgbClr r="0" g="0" b="0"/>
+        </a:fillRef>
+        <a:effectRef idx="0">
+          <a:scrgbClr r="0" g="0" b="0"/>
+        </a:effectRef>
         <a:fontRef idx="none"/>
       </a:style>
     </a:lnDef>
@@ -7811,7 +11099,7 @@
         <a:effectLst/>
         <a:sp3d/>
       </a:spPr>
-      <a:bodyPr rot="0" spcFirstLastPara="1" vertOverflow="overflow" horzOverflow="overflow" vert="horz" wrap="square" lIns="45718" tIns="45718" rIns="45718" bIns="45718" numCol="1" spcCol="38100" rtlCol="0" anchor="t" upright="0">
+      <a:bodyPr rot="0" spcFirstLastPara="1" vertOverflow="overflow" horzOverflow="overflow" vert="horz" wrap="square" lIns="45718" tIns="45718" rIns="45718" bIns="45718" numCol="1" spcCol="38100" rtlCol="0" anchor="t">
         <a:spAutoFit/>
       </a:bodyPr>
       <a:lstStyle>
@@ -7830,7 +11118,7 @@
           <a:buFontTx/>
           <a:buNone/>
           <a:tabLst/>
-          <a:defRPr b="0" baseline="0" cap="none" i="0" spc="0" strike="noStrike" sz="1800" u="none" kumimoji="0" normalizeH="0">
+          <a:defRPr kumimoji="0" sz="1800" b="0" i="0" u="none" strike="noStrike" cap="none" spc="0" normalizeH="0" baseline="0">
             <a:ln>
               <a:noFill/>
             </a:ln>
@@ -7860,7 +11148,7 @@
           <a:buFontTx/>
           <a:buNone/>
           <a:tabLst/>
-          <a:defRPr b="0" baseline="0" cap="none" i="0" spc="0" strike="noStrike" sz="1800" u="none" kumimoji="0" normalizeH="0">
+          <a:defRPr kumimoji="0" sz="1800" b="0" i="0" u="none" strike="noStrike" cap="none" spc="0" normalizeH="0" baseline="0">
             <a:ln>
               <a:noFill/>
             </a:ln>
@@ -7886,7 +11174,7 @@
           <a:buFontTx/>
           <a:buNone/>
           <a:tabLst/>
-          <a:defRPr b="0" baseline="0" cap="none" i="0" spc="0" strike="noStrike" sz="1800" u="none" kumimoji="0" normalizeH="0">
+          <a:defRPr kumimoji="0" sz="1800" b="0" i="0" u="none" strike="noStrike" cap="none" spc="0" normalizeH="0" baseline="0">
             <a:ln>
               <a:noFill/>
             </a:ln>
@@ -7912,7 +11200,7 @@
           <a:buFontTx/>
           <a:buNone/>
           <a:tabLst/>
-          <a:defRPr b="0" baseline="0" cap="none" i="0" spc="0" strike="noStrike" sz="1800" u="none" kumimoji="0" normalizeH="0">
+          <a:defRPr kumimoji="0" sz="1800" b="0" i="0" u="none" strike="noStrike" cap="none" spc="0" normalizeH="0" baseline="0">
             <a:ln>
               <a:noFill/>
             </a:ln>
@@ -7938,7 +11226,7 @@
           <a:buFontTx/>
           <a:buNone/>
           <a:tabLst/>
-          <a:defRPr b="0" baseline="0" cap="none" i="0" spc="0" strike="noStrike" sz="1800" u="none" kumimoji="0" normalizeH="0">
+          <a:defRPr kumimoji="0" sz="1800" b="0" i="0" u="none" strike="noStrike" cap="none" spc="0" normalizeH="0" baseline="0">
             <a:ln>
               <a:noFill/>
             </a:ln>
@@ -7964,7 +11252,7 @@
           <a:buFontTx/>
           <a:buNone/>
           <a:tabLst/>
-          <a:defRPr b="0" baseline="0" cap="none" i="0" spc="0" strike="noStrike" sz="1800" u="none" kumimoji="0" normalizeH="0">
+          <a:defRPr kumimoji="0" sz="1800" b="0" i="0" u="none" strike="noStrike" cap="none" spc="0" normalizeH="0" baseline="0">
             <a:ln>
               <a:noFill/>
             </a:ln>
@@ -7990,7 +11278,7 @@
           <a:buFontTx/>
           <a:buNone/>
           <a:tabLst/>
-          <a:defRPr b="0" baseline="0" cap="none" i="0" spc="0" strike="noStrike" sz="1800" u="none" kumimoji="0" normalizeH="0">
+          <a:defRPr kumimoji="0" sz="1800" b="0" i="0" u="none" strike="noStrike" cap="none" spc="0" normalizeH="0" baseline="0">
             <a:ln>
               <a:noFill/>
             </a:ln>
@@ -8016,7 +11304,7 @@
           <a:buFontTx/>
           <a:buNone/>
           <a:tabLst/>
-          <a:defRPr b="0" baseline="0" cap="none" i="0" spc="0" strike="noStrike" sz="1800" u="none" kumimoji="0" normalizeH="0">
+          <a:defRPr kumimoji="0" sz="1800" b="0" i="0" u="none" strike="noStrike" cap="none" spc="0" normalizeH="0" baseline="0">
             <a:ln>
               <a:noFill/>
             </a:ln>
@@ -8042,7 +11330,7 @@
           <a:buFontTx/>
           <a:buNone/>
           <a:tabLst/>
-          <a:defRPr b="0" baseline="0" cap="none" i="0" spc="0" strike="noStrike" sz="1800" u="none" kumimoji="0" normalizeH="0">
+          <a:defRPr kumimoji="0" sz="1800" b="0" i="0" u="none" strike="noStrike" cap="none" spc="0" normalizeH="0" baseline="0">
             <a:ln>
               <a:noFill/>
             </a:ln>
@@ -8068,7 +11356,7 @@
           <a:buFontTx/>
           <a:buNone/>
           <a:tabLst/>
-          <a:defRPr b="0" baseline="0" cap="none" i="0" spc="0" strike="noStrike" sz="1800" u="none" kumimoji="0" normalizeH="0">
+          <a:defRPr kumimoji="0" sz="1800" b="0" i="0" u="none" strike="noStrike" cap="none" spc="0" normalizeH="0" baseline="0">
             <a:ln>
               <a:noFill/>
             </a:ln>
@@ -8081,18 +11369,25 @@
         </a:lvl9pPr>
       </a:lstStyle>
       <a:style>
-        <a:lnRef idx="0"/>
-        <a:fillRef idx="0"/>
-        <a:effectRef idx="0"/>
+        <a:lnRef idx="0">
+          <a:scrgbClr r="0" g="0" b="0"/>
+        </a:lnRef>
+        <a:fillRef idx="0">
+          <a:scrgbClr r="0" g="0" b="0"/>
+        </a:fillRef>
+        <a:effectRef idx="0">
+          <a:scrgbClr r="0" g="0" b="0"/>
+        </a:effectRef>
         <a:fontRef idx="none"/>
       </a:style>
     </a:txDef>
   </a:objectDefaults>
+  <a:extraClrSchemeLst/>
 </a:theme>
 </file>
 
 <file path=ppt/theme/theme2.xml><?xml version="1.0" encoding="utf-8"?>
-<a:theme xmlns:a="http://schemas.openxmlformats.org/drawingml/2006/main" xmlns:r="http://schemas.openxmlformats.org/officeDocument/2006/relationships" name="פרלקסה">
+<a:theme xmlns:a="http://schemas.openxmlformats.org/drawingml/2006/main" name="פרלקסה">
   <a:themeElements>
     <a:clrScheme name="פרלקסה">
       <a:dk1>
@@ -8218,17 +11513,17 @@
       <a:effectStyleLst>
         <a:effectStyle>
           <a:effectLst>
-            <a:reflection blurRad="0" stA="26000" stPos="0" endA="0" endPos="40000" dist="0" dir="5400000" fadeDir="5400000" sx="100000" sy="-100000" kx="0" ky="0" algn="bl" rotWithShape="0"/>
+            <a:reflection stA="26000" endPos="40000" dir="5400000" sy="-100000" algn="bl" rotWithShape="0"/>
           </a:effectLst>
         </a:effectStyle>
         <a:effectStyle>
           <a:effectLst>
-            <a:reflection blurRad="0" stA="26000" stPos="0" endA="0" endPos="40000" dist="0" dir="5400000" fadeDir="5400000" sx="100000" sy="-100000" kx="0" ky="0" algn="bl" rotWithShape="0"/>
+            <a:reflection stA="26000" endPos="40000" dir="5400000" sy="-100000" algn="bl" rotWithShape="0"/>
           </a:effectLst>
         </a:effectStyle>
         <a:effectStyle>
           <a:effectLst>
-            <a:reflection blurRad="0" stA="26000" stPos="0" endA="0" endPos="40000" dist="0" dir="5400000" fadeDir="5400000" sx="100000" sy="-100000" kx="0" ky="0" algn="bl" rotWithShape="0"/>
+            <a:reflection stA="26000" endPos="40000" dir="5400000" sy="-100000" algn="bl" rotWithShape="0"/>
           </a:effectLst>
         </a:effectStyle>
       </a:effectStyleLst>
@@ -8298,11 +11593,11 @@
           <a:round/>
         </a:ln>
         <a:effectLst>
-          <a:reflection blurRad="0" stA="26000" stPos="0" endA="0" endPos="40000" dist="0" dir="5400000" fadeDir="5400000" sx="100000" sy="-100000" kx="0" ky="0" algn="bl" rotWithShape="0"/>
+          <a:reflection stA="26000" endPos="40000" dir="5400000" sy="-100000" algn="bl" rotWithShape="0"/>
         </a:effectLst>
         <a:sp3d/>
       </a:spPr>
-      <a:bodyPr rot="0" spcFirstLastPara="1" vertOverflow="overflow" horzOverflow="overflow" vert="horz" wrap="square" lIns="45718" tIns="45718" rIns="45718" bIns="45718" numCol="1" spcCol="38100" rtlCol="0" anchor="ctr" upright="0">
+      <a:bodyPr rot="0" spcFirstLastPara="1" vertOverflow="overflow" horzOverflow="overflow" vert="horz" wrap="square" lIns="45718" tIns="45718" rIns="45718" bIns="45718" numCol="1" spcCol="38100" rtlCol="0" anchor="ctr">
         <a:spAutoFit/>
       </a:bodyPr>
       <a:lstStyle>
@@ -8321,7 +11616,7 @@
           <a:buFontTx/>
           <a:buNone/>
           <a:tabLst/>
-          <a:defRPr b="0" baseline="0" cap="none" i="0" spc="0" strike="noStrike" sz="1800" u="none" kumimoji="0" normalizeH="0">
+          <a:defRPr kumimoji="0" sz="1800" b="0" i="0" u="none" strike="noStrike" cap="none" spc="0" normalizeH="0" baseline="0">
             <a:ln>
               <a:noFill/>
             </a:ln>
@@ -8351,7 +11646,7 @@
           <a:buFontTx/>
           <a:buNone/>
           <a:tabLst/>
-          <a:defRPr b="0" baseline="0" cap="none" i="0" spc="0" strike="noStrike" sz="1800" u="none" kumimoji="0" normalizeH="0">
+          <a:defRPr kumimoji="0" sz="1800" b="0" i="0" u="none" strike="noStrike" cap="none" spc="0" normalizeH="0" baseline="0">
             <a:ln>
               <a:noFill/>
             </a:ln>
@@ -8377,7 +11672,7 @@
           <a:buFontTx/>
           <a:buNone/>
           <a:tabLst/>
-          <a:defRPr b="0" baseline="0" cap="none" i="0" spc="0" strike="noStrike" sz="1800" u="none" kumimoji="0" normalizeH="0">
+          <a:defRPr kumimoji="0" sz="1800" b="0" i="0" u="none" strike="noStrike" cap="none" spc="0" normalizeH="0" baseline="0">
             <a:ln>
               <a:noFill/>
             </a:ln>
@@ -8403,7 +11698,7 @@
           <a:buFontTx/>
           <a:buNone/>
           <a:tabLst/>
-          <a:defRPr b="0" baseline="0" cap="none" i="0" spc="0" strike="noStrike" sz="1800" u="none" kumimoji="0" normalizeH="0">
+          <a:defRPr kumimoji="0" sz="1800" b="0" i="0" u="none" strike="noStrike" cap="none" spc="0" normalizeH="0" baseline="0">
             <a:ln>
               <a:noFill/>
             </a:ln>
@@ -8429,7 +11724,7 @@
           <a:buFontTx/>
           <a:buNone/>
           <a:tabLst/>
-          <a:defRPr b="0" baseline="0" cap="none" i="0" spc="0" strike="noStrike" sz="1800" u="none" kumimoji="0" normalizeH="0">
+          <a:defRPr kumimoji="0" sz="1800" b="0" i="0" u="none" strike="noStrike" cap="none" spc="0" normalizeH="0" baseline="0">
             <a:ln>
               <a:noFill/>
             </a:ln>
@@ -8455,7 +11750,7 @@
           <a:buFontTx/>
           <a:buNone/>
           <a:tabLst/>
-          <a:defRPr b="0" baseline="0" cap="none" i="0" spc="0" strike="noStrike" sz="1800" u="none" kumimoji="0" normalizeH="0">
+          <a:defRPr kumimoji="0" sz="1800" b="0" i="0" u="none" strike="noStrike" cap="none" spc="0" normalizeH="0" baseline="0">
             <a:ln>
               <a:noFill/>
             </a:ln>
@@ -8481,7 +11776,7 @@
           <a:buFontTx/>
           <a:buNone/>
           <a:tabLst/>
-          <a:defRPr b="0" baseline="0" cap="none" i="0" spc="0" strike="noStrike" sz="1800" u="none" kumimoji="0" normalizeH="0">
+          <a:defRPr kumimoji="0" sz="1800" b="0" i="0" u="none" strike="noStrike" cap="none" spc="0" normalizeH="0" baseline="0">
             <a:ln>
               <a:noFill/>
             </a:ln>
@@ -8507,7 +11802,7 @@
           <a:buFontTx/>
           <a:buNone/>
           <a:tabLst/>
-          <a:defRPr b="0" baseline="0" cap="none" i="0" spc="0" strike="noStrike" sz="1800" u="none" kumimoji="0" normalizeH="0">
+          <a:defRPr kumimoji="0" sz="1800" b="0" i="0" u="none" strike="noStrike" cap="none" spc="0" normalizeH="0" baseline="0">
             <a:ln>
               <a:noFill/>
             </a:ln>
@@ -8533,7 +11828,7 @@
           <a:buFontTx/>
           <a:buNone/>
           <a:tabLst/>
-          <a:defRPr b="0" baseline="0" cap="none" i="0" spc="0" strike="noStrike" sz="1800" u="none" kumimoji="0" normalizeH="0">
+          <a:defRPr kumimoji="0" sz="1800" b="0" i="0" u="none" strike="noStrike" cap="none" spc="0" normalizeH="0" baseline="0">
             <a:ln>
               <a:noFill/>
             </a:ln>
@@ -8559,7 +11854,7 @@
           <a:buFontTx/>
           <a:buNone/>
           <a:tabLst/>
-          <a:defRPr b="0" baseline="0" cap="none" i="0" spc="0" strike="noStrike" sz="1800" u="none" kumimoji="0" normalizeH="0">
+          <a:defRPr kumimoji="0" sz="1800" b="0" i="0" u="none" strike="noStrike" cap="none" spc="0" normalizeH="0" baseline="0">
             <a:ln>
               <a:noFill/>
             </a:ln>
@@ -8572,9 +11867,15 @@
         </a:lvl9pPr>
       </a:lstStyle>
       <a:style>
-        <a:lnRef idx="0"/>
-        <a:fillRef idx="0"/>
-        <a:effectRef idx="0"/>
+        <a:lnRef idx="0">
+          <a:scrgbClr r="0" g="0" b="0"/>
+        </a:lnRef>
+        <a:fillRef idx="0">
+          <a:scrgbClr r="0" g="0" b="0"/>
+        </a:fillRef>
+        <a:effectRef idx="0">
+          <a:scrgbClr r="0" g="0" b="0"/>
+        </a:effectRef>
         <a:fontRef idx="none"/>
       </a:style>
     </a:spDef>
@@ -8589,11 +11890,11 @@
           <a:round/>
         </a:ln>
         <a:effectLst>
-          <a:reflection blurRad="0" stA="26000" stPos="0" endA="0" endPos="40000" dist="0" dir="5400000" fadeDir="5400000" sx="100000" sy="-100000" kx="0" ky="0" algn="bl" rotWithShape="0"/>
+          <a:reflection stA="26000" endPos="40000" dir="5400000" sy="-100000" algn="bl" rotWithShape="0"/>
         </a:effectLst>
         <a:sp3d/>
       </a:spPr>
-      <a:bodyPr rot="0" spcFirstLastPara="1" vertOverflow="overflow" horzOverflow="overflow" vert="horz" wrap="square" lIns="91439" tIns="45719" rIns="91439" bIns="45719" numCol="1" spcCol="38100" rtlCol="0" anchor="t" upright="0">
+      <a:bodyPr rot="0" spcFirstLastPara="1" vertOverflow="overflow" horzOverflow="overflow" vert="horz" wrap="square" lIns="91439" tIns="45719" rIns="91439" bIns="45719" numCol="1" spcCol="38100" rtlCol="0" anchor="t">
         <a:noAutofit/>
       </a:bodyPr>
       <a:lstStyle>
@@ -8612,7 +11913,7 @@
           <a:buFontTx/>
           <a:buNone/>
           <a:tabLst/>
-          <a:defRPr b="0" baseline="0" cap="none" i="0" spc="0" strike="noStrike" sz="1800" u="none" kumimoji="0" normalizeH="0">
+          <a:defRPr kumimoji="0" sz="1800" b="0" i="0" u="none" strike="noStrike" cap="none" spc="0" normalizeH="0" baseline="0">
             <a:ln>
               <a:noFill/>
             </a:ln>
@@ -8638,7 +11939,7 @@
           <a:buFontTx/>
           <a:buNone/>
           <a:tabLst/>
-          <a:defRPr b="0" baseline="0" cap="none" i="0" spc="0" strike="noStrike" sz="1800" u="none" kumimoji="0" normalizeH="0">
+          <a:defRPr kumimoji="0" sz="1800" b="0" i="0" u="none" strike="noStrike" cap="none" spc="0" normalizeH="0" baseline="0">
             <a:ln>
               <a:noFill/>
             </a:ln>
@@ -8664,7 +11965,7 @@
           <a:buFontTx/>
           <a:buNone/>
           <a:tabLst/>
-          <a:defRPr b="0" baseline="0" cap="none" i="0" spc="0" strike="noStrike" sz="1800" u="none" kumimoji="0" normalizeH="0">
+          <a:defRPr kumimoji="0" sz="1800" b="0" i="0" u="none" strike="noStrike" cap="none" spc="0" normalizeH="0" baseline="0">
             <a:ln>
               <a:noFill/>
             </a:ln>
@@ -8690,7 +11991,7 @@
           <a:buFontTx/>
           <a:buNone/>
           <a:tabLst/>
-          <a:defRPr b="0" baseline="0" cap="none" i="0" spc="0" strike="noStrike" sz="1800" u="none" kumimoji="0" normalizeH="0">
+          <a:defRPr kumimoji="0" sz="1800" b="0" i="0" u="none" strike="noStrike" cap="none" spc="0" normalizeH="0" baseline="0">
             <a:ln>
               <a:noFill/>
             </a:ln>
@@ -8716,7 +12017,7 @@
           <a:buFontTx/>
           <a:buNone/>
           <a:tabLst/>
-          <a:defRPr b="0" baseline="0" cap="none" i="0" spc="0" strike="noStrike" sz="1800" u="none" kumimoji="0" normalizeH="0">
+          <a:defRPr kumimoji="0" sz="1800" b="0" i="0" u="none" strike="noStrike" cap="none" spc="0" normalizeH="0" baseline="0">
             <a:ln>
               <a:noFill/>
             </a:ln>
@@ -8742,7 +12043,7 @@
           <a:buFontTx/>
           <a:buNone/>
           <a:tabLst/>
-          <a:defRPr b="0" baseline="0" cap="none" i="0" spc="0" strike="noStrike" sz="1800" u="none" kumimoji="0" normalizeH="0">
+          <a:defRPr kumimoji="0" sz="1800" b="0" i="0" u="none" strike="noStrike" cap="none" spc="0" normalizeH="0" baseline="0">
             <a:ln>
               <a:noFill/>
             </a:ln>
@@ -8768,7 +12069,7 @@
           <a:buFontTx/>
           <a:buNone/>
           <a:tabLst/>
-          <a:defRPr b="0" baseline="0" cap="none" i="0" spc="0" strike="noStrike" sz="1800" u="none" kumimoji="0" normalizeH="0">
+          <a:defRPr kumimoji="0" sz="1800" b="0" i="0" u="none" strike="noStrike" cap="none" spc="0" normalizeH="0" baseline="0">
             <a:ln>
               <a:noFill/>
             </a:ln>
@@ -8794,7 +12095,7 @@
           <a:buFontTx/>
           <a:buNone/>
           <a:tabLst/>
-          <a:defRPr b="0" baseline="0" cap="none" i="0" spc="0" strike="noStrike" sz="1800" u="none" kumimoji="0" normalizeH="0">
+          <a:defRPr kumimoji="0" sz="1800" b="0" i="0" u="none" strike="noStrike" cap="none" spc="0" normalizeH="0" baseline="0">
             <a:ln>
               <a:noFill/>
             </a:ln>
@@ -8820,7 +12121,7 @@
           <a:buFontTx/>
           <a:buNone/>
           <a:tabLst/>
-          <a:defRPr b="0" baseline="0" cap="none" i="0" spc="0" strike="noStrike" sz="1800" u="none" kumimoji="0" normalizeH="0">
+          <a:defRPr kumimoji="0" sz="1800" b="0" i="0" u="none" strike="noStrike" cap="none" spc="0" normalizeH="0" baseline="0">
             <a:ln>
               <a:noFill/>
             </a:ln>
@@ -8846,7 +12147,7 @@
           <a:buFontTx/>
           <a:buNone/>
           <a:tabLst/>
-          <a:defRPr b="0" baseline="0" cap="none" i="0" spc="0" strike="noStrike" sz="1800" u="none" kumimoji="0" normalizeH="0">
+          <a:defRPr kumimoji="0" sz="1800" b="0" i="0" u="none" strike="noStrike" cap="none" spc="0" normalizeH="0" baseline="0">
             <a:ln>
               <a:noFill/>
             </a:ln>
@@ -8859,9 +12160,15 @@
         </a:lvl9pPr>
       </a:lstStyle>
       <a:style>
-        <a:lnRef idx="0"/>
-        <a:fillRef idx="0"/>
-        <a:effectRef idx="0"/>
+        <a:lnRef idx="0">
+          <a:scrgbClr r="0" g="0" b="0"/>
+        </a:lnRef>
+        <a:fillRef idx="0">
+          <a:scrgbClr r="0" g="0" b="0"/>
+        </a:fillRef>
+        <a:effectRef idx="0">
+          <a:scrgbClr r="0" g="0" b="0"/>
+        </a:effectRef>
         <a:fontRef idx="none"/>
       </a:style>
     </a:lnDef>
@@ -8875,7 +12182,7 @@
         <a:effectLst/>
         <a:sp3d/>
       </a:spPr>
-      <a:bodyPr rot="0" spcFirstLastPara="1" vertOverflow="overflow" horzOverflow="overflow" vert="horz" wrap="square" lIns="45718" tIns="45718" rIns="45718" bIns="45718" numCol="1" spcCol="38100" rtlCol="0" anchor="t" upright="0">
+      <a:bodyPr rot="0" spcFirstLastPara="1" vertOverflow="overflow" horzOverflow="overflow" vert="horz" wrap="square" lIns="45718" tIns="45718" rIns="45718" bIns="45718" numCol="1" spcCol="38100" rtlCol="0" anchor="t">
         <a:spAutoFit/>
       </a:bodyPr>
       <a:lstStyle>
@@ -8894,7 +12201,7 @@
           <a:buFontTx/>
           <a:buNone/>
           <a:tabLst/>
-          <a:defRPr b="0" baseline="0" cap="none" i="0" spc="0" strike="noStrike" sz="1800" u="none" kumimoji="0" normalizeH="0">
+          <a:defRPr kumimoji="0" sz="1800" b="0" i="0" u="none" strike="noStrike" cap="none" spc="0" normalizeH="0" baseline="0">
             <a:ln>
               <a:noFill/>
             </a:ln>
@@ -8924,7 +12231,7 @@
           <a:buFontTx/>
           <a:buNone/>
           <a:tabLst/>
-          <a:defRPr b="0" baseline="0" cap="none" i="0" spc="0" strike="noStrike" sz="1800" u="none" kumimoji="0" normalizeH="0">
+          <a:defRPr kumimoji="0" sz="1800" b="0" i="0" u="none" strike="noStrike" cap="none" spc="0" normalizeH="0" baseline="0">
             <a:ln>
               <a:noFill/>
             </a:ln>
@@ -8950,7 +12257,7 @@
           <a:buFontTx/>
           <a:buNone/>
           <a:tabLst/>
-          <a:defRPr b="0" baseline="0" cap="none" i="0" spc="0" strike="noStrike" sz="1800" u="none" kumimoji="0" normalizeH="0">
+          <a:defRPr kumimoji="0" sz="1800" b="0" i="0" u="none" strike="noStrike" cap="none" spc="0" normalizeH="0" baseline="0">
             <a:ln>
               <a:noFill/>
             </a:ln>
@@ -8976,7 +12283,7 @@
           <a:buFontTx/>
           <a:buNone/>
           <a:tabLst/>
-          <a:defRPr b="0" baseline="0" cap="none" i="0" spc="0" strike="noStrike" sz="1800" u="none" kumimoji="0" normalizeH="0">
+          <a:defRPr kumimoji="0" sz="1800" b="0" i="0" u="none" strike="noStrike" cap="none" spc="0" normalizeH="0" baseline="0">
             <a:ln>
               <a:noFill/>
             </a:ln>
@@ -9002,7 +12309,7 @@
           <a:buFontTx/>
           <a:buNone/>
           <a:tabLst/>
-          <a:defRPr b="0" baseline="0" cap="none" i="0" spc="0" strike="noStrike" sz="1800" u="none" kumimoji="0" normalizeH="0">
+          <a:defRPr kumimoji="0" sz="1800" b="0" i="0" u="none" strike="noStrike" cap="none" spc="0" normalizeH="0" baseline="0">
             <a:ln>
               <a:noFill/>
             </a:ln>
@@ -9028,7 +12335,7 @@
           <a:buFontTx/>
           <a:buNone/>
           <a:tabLst/>
-          <a:defRPr b="0" baseline="0" cap="none" i="0" spc="0" strike="noStrike" sz="1800" u="none" kumimoji="0" normalizeH="0">
+          <a:defRPr kumimoji="0" sz="1800" b="0" i="0" u="none" strike="noStrike" cap="none" spc="0" normalizeH="0" baseline="0">
             <a:ln>
               <a:noFill/>
             </a:ln>
@@ -9054,7 +12361,7 @@
           <a:buFontTx/>
           <a:buNone/>
           <a:tabLst/>
-          <a:defRPr b="0" baseline="0" cap="none" i="0" spc="0" strike="noStrike" sz="1800" u="none" kumimoji="0" normalizeH="0">
+          <a:defRPr kumimoji="0" sz="1800" b="0" i="0" u="none" strike="noStrike" cap="none" spc="0" normalizeH="0" baseline="0">
             <a:ln>
               <a:noFill/>
             </a:ln>
@@ -9080,7 +12387,7 @@
           <a:buFontTx/>
           <a:buNone/>
           <a:tabLst/>
-          <a:defRPr b="0" baseline="0" cap="none" i="0" spc="0" strike="noStrike" sz="1800" u="none" kumimoji="0" normalizeH="0">
+          <a:defRPr kumimoji="0" sz="1800" b="0" i="0" u="none" strike="noStrike" cap="none" spc="0" normalizeH="0" baseline="0">
             <a:ln>
               <a:noFill/>
             </a:ln>
@@ -9106,7 +12413,7 @@
           <a:buFontTx/>
           <a:buNone/>
           <a:tabLst/>
-          <a:defRPr b="0" baseline="0" cap="none" i="0" spc="0" strike="noStrike" sz="1800" u="none" kumimoji="0" normalizeH="0">
+          <a:defRPr kumimoji="0" sz="1800" b="0" i="0" u="none" strike="noStrike" cap="none" spc="0" normalizeH="0" baseline="0">
             <a:ln>
               <a:noFill/>
             </a:ln>
@@ -9132,7 +12439,7 @@
           <a:buFontTx/>
           <a:buNone/>
           <a:tabLst/>
-          <a:defRPr b="0" baseline="0" cap="none" i="0" spc="0" strike="noStrike" sz="1800" u="none" kumimoji="0" normalizeH="0">
+          <a:defRPr kumimoji="0" sz="1800" b="0" i="0" u="none" strike="noStrike" cap="none" spc="0" normalizeH="0" baseline="0">
             <a:ln>
               <a:noFill/>
             </a:ln>
@@ -9145,12 +12452,19 @@
         </a:lvl9pPr>
       </a:lstStyle>
       <a:style>
-        <a:lnRef idx="0"/>
-        <a:fillRef idx="0"/>
-        <a:effectRef idx="0"/>
+        <a:lnRef idx="0">
+          <a:scrgbClr r="0" g="0" b="0"/>
+        </a:lnRef>
+        <a:fillRef idx="0">
+          <a:scrgbClr r="0" g="0" b="0"/>
+        </a:fillRef>
+        <a:effectRef idx="0">
+          <a:scrgbClr r="0" g="0" b="0"/>
+        </a:effectRef>
         <a:fontRef idx="none"/>
       </a:style>
     </a:txDef>
   </a:objectDefaults>
+  <a:extraClrSchemeLst/>
 </a:theme>
 </file>
--- a/design/Final Presentation/FinalPresentationSIT.pptx
+++ b/design/Final Presentation/FinalPresentationSIT.pptx
@@ -316,6 +316,11 @@
       </a:defRPr>
     </a:lvl9pPr>
   </p:defaultTextStyle>
+  <p:extLst>
+    <p:ext uri="{EFAFB233-063F-42B5-8137-9DF3F51BA10A}">
+      <p15:sldGuideLst xmlns:p15="http://schemas.microsoft.com/office/powerpoint/2012/main"/>
+    </p:ext>
+  </p:extLst>
 </p:presentation>
 </file>
 
@@ -396,6 +401,11 @@
         </p:txBody>
       </p:sp>
     </p:spTree>
+    <p:extLst>
+      <p:ext uri="{BB962C8B-B14F-4D97-AF65-F5344CB8AC3E}">
+        <p14:creationId xmlns:p14="http://schemas.microsoft.com/office/powerpoint/2010/main" val="2739620384"/>
+      </p:ext>
+    </p:extLst>
   </p:cSld>
   <p:clrMap bg1="lt1" tx1="dk1" bg2="lt2" tx2="dk2" accent1="accent1" accent2="accent2" accent3="accent3" accent4="accent4" accent5="accent5" accent6="accent6" hlink="hlink" folHlink="folHlink"/>
   <p:notesStyle>
@@ -1572,7 +1582,7 @@
           </a:ln>
           <a:extLst>
             <a:ext uri="{C572A759-6A51-4108-AA02-DFA0A04FC94B}">
-              <ma14:wrappingTextBoxFlag xmlns:ma14="http://schemas.microsoft.com/office/mac/drawingml/2011/main" xmlns="" val="1"/>
+              <ma14:wrappingTextBoxFlag xmlns="" xmlns:ma14="http://schemas.microsoft.com/office/mac/drawingml/2011/main" val="1"/>
             </a:ext>
           </a:extLst>
         </p:spPr>
@@ -1620,7 +1630,7 @@
           </a:ln>
           <a:extLst>
             <a:ext uri="{C572A759-6A51-4108-AA02-DFA0A04FC94B}">
-              <ma14:wrappingTextBoxFlag xmlns:ma14="http://schemas.microsoft.com/office/mac/drawingml/2011/main" xmlns="" val="1"/>
+              <ma14:wrappingTextBoxFlag xmlns="" xmlns:ma14="http://schemas.microsoft.com/office/mac/drawingml/2011/main" val="1"/>
             </a:ext>
           </a:extLst>
         </p:spPr>
@@ -2054,7 +2064,7 @@
           </a:ln>
           <a:extLst>
             <a:ext uri="{C572A759-6A51-4108-AA02-DFA0A04FC94B}">
-              <ma14:wrappingTextBoxFlag xmlns:ma14="http://schemas.microsoft.com/office/mac/drawingml/2011/main" xmlns="" val="1"/>
+              <ma14:wrappingTextBoxFlag xmlns="" xmlns:ma14="http://schemas.microsoft.com/office/mac/drawingml/2011/main" val="1"/>
             </a:ext>
           </a:extLst>
         </p:spPr>
@@ -2102,7 +2112,7 @@
           </a:ln>
           <a:extLst>
             <a:ext uri="{C572A759-6A51-4108-AA02-DFA0A04FC94B}">
-              <ma14:wrappingTextBoxFlag xmlns:ma14="http://schemas.microsoft.com/office/mac/drawingml/2011/main" xmlns="" val="1"/>
+              <ma14:wrappingTextBoxFlag xmlns="" xmlns:ma14="http://schemas.microsoft.com/office/mac/drawingml/2011/main" val="1"/>
             </a:ext>
           </a:extLst>
         </p:spPr>
@@ -4527,7 +4537,7 @@
           </a:ln>
           <a:extLst>
             <a:ext uri="{C572A759-6A51-4108-AA02-DFA0A04FC94B}">
-              <ma14:wrappingTextBoxFlag xmlns:ma14="http://schemas.microsoft.com/office/mac/drawingml/2011/main" xmlns="" val="1"/>
+              <ma14:wrappingTextBoxFlag xmlns="" xmlns:ma14="http://schemas.microsoft.com/office/mac/drawingml/2011/main" val="1"/>
             </a:ext>
           </a:extLst>
         </p:spPr>
@@ -4566,7 +4576,7 @@
           </a:ln>
           <a:extLst>
             <a:ext uri="{C572A759-6A51-4108-AA02-DFA0A04FC94B}">
-              <ma14:wrappingTextBoxFlag xmlns:ma14="http://schemas.microsoft.com/office/mac/drawingml/2011/main" xmlns="" val="1"/>
+              <ma14:wrappingTextBoxFlag xmlns="" xmlns:ma14="http://schemas.microsoft.com/office/mac/drawingml/2011/main" val="1"/>
             </a:ext>
           </a:extLst>
         </p:spPr>
@@ -5521,7 +5531,7 @@
           </a:ln>
           <a:extLst>
             <a:ext uri="{C572A759-6A51-4108-AA02-DFA0A04FC94B}">
-              <ma14:wrappingTextBoxFlag xmlns:ma14="http://schemas.microsoft.com/office/mac/drawingml/2011/main" xmlns="" val="1"/>
+              <ma14:wrappingTextBoxFlag xmlns="" xmlns:ma14="http://schemas.microsoft.com/office/mac/drawingml/2011/main" val="1"/>
             </a:ext>
           </a:extLst>
         </p:spPr>
@@ -5602,8 +5612,8 @@
         </p:nvSpPr>
         <p:spPr>
           <a:xfrm>
-            <a:off x="6389563" y="4103587"/>
-            <a:ext cx="5625895" cy="584771"/>
+            <a:off x="5447209" y="4103585"/>
+            <a:ext cx="6744791" cy="584771"/>
           </a:xfrm>
           <a:prstGeom prst="rect">
             <a:avLst/>
@@ -5613,7 +5623,7 @@
           </a:ln>
           <a:extLst>
             <a:ext uri="{C572A759-6A51-4108-AA02-DFA0A04FC94B}">
-              <ma14:wrappingTextBoxFlag xmlns:ma14="http://schemas.microsoft.com/office/mac/drawingml/2011/main" xmlns="" val="1"/>
+              <ma14:wrappingTextBoxFlag xmlns="" xmlns:ma14="http://schemas.microsoft.com/office/mac/drawingml/2011/main" val="1"/>
             </a:ext>
           </a:extLst>
         </p:spPr>
@@ -5643,42 +5653,79 @@
               <a:defRPr/>
             </a:pPr>
             <a:r>
-              <a:rPr dirty="0" err="1"/>
+              <a:rPr dirty="0" err="1">
+                <a:latin typeface="Guttman Hatzvi" panose="02010401010101010101" pitchFamily="2" charset="-79"/>
+                <a:cs typeface="Guttman Hatzvi" panose="02010401010101010101" pitchFamily="2" charset="-79"/>
+              </a:rPr>
               <a:t>פרויקט</a:t>
             </a:r>
             <a:r>
-              <a:rPr dirty="0"/>
-              <a:t> </a:t>
-            </a:r>
-            <a:r>
-              <a:rPr dirty="0" err="1"/>
+              <a:rPr dirty="0">
+                <a:latin typeface="Guttman Hatzvi" panose="02010401010101010101" pitchFamily="2" charset="-79"/>
+                <a:cs typeface="Guttman Hatzvi" panose="02010401010101010101" pitchFamily="2" charset="-79"/>
+              </a:rPr>
+              <a:t> </a:t>
+            </a:r>
+            <a:r>
+              <a:rPr dirty="0" err="1">
+                <a:latin typeface="Guttman Hatzvi" panose="02010401010101010101" pitchFamily="2" charset="-79"/>
+                <a:cs typeface="Guttman Hatzvi" panose="02010401010101010101" pitchFamily="2" charset="-79"/>
+              </a:rPr>
               <a:t>עבור</a:t>
             </a:r>
             <a:r>
-              <a:rPr dirty="0"/>
-              <a:t> </a:t>
-            </a:r>
-            <a:r>
-              <a:rPr dirty="0" err="1"/>
+              <a:rPr dirty="0">
+                <a:latin typeface="Guttman Hatzvi" panose="02010401010101010101" pitchFamily="2" charset="-79"/>
+                <a:cs typeface="Guttman Hatzvi" panose="02010401010101010101" pitchFamily="2" charset="-79"/>
+              </a:rPr>
+              <a:t> </a:t>
+            </a:r>
+            <a:r>
+              <a:rPr dirty="0" err="1" smtClean="0">
+                <a:latin typeface="Guttman Hatzvi" panose="02010401010101010101" pitchFamily="2" charset="-79"/>
+                <a:cs typeface="Guttman Hatzvi" panose="02010401010101010101" pitchFamily="2" charset="-79"/>
+              </a:rPr>
               <a:t>הארגון</a:t>
             </a:r>
             <a:r>
-              <a:rPr dirty="0"/>
-              <a:t>: </a:t>
-            </a:r>
-            <a:r>
-              <a:rPr dirty="0" err="1"/>
+              <a:rPr lang="he-IL" dirty="0">
+                <a:latin typeface="Guttman Hatzvi" panose="02010401010101010101" pitchFamily="2" charset="-79"/>
+                <a:cs typeface="Guttman Hatzvi" panose="02010401010101010101" pitchFamily="2" charset="-79"/>
+              </a:rPr>
+              <a:t>:</a:t>
+            </a:r>
+            <a:r>
+              <a:rPr dirty="0" smtClean="0">
+                <a:latin typeface="Guttman Hatzvi" panose="02010401010101010101" pitchFamily="2" charset="-79"/>
+                <a:cs typeface="Guttman Hatzvi" panose="02010401010101010101" pitchFamily="2" charset="-79"/>
+              </a:rPr>
+              <a:t> </a:t>
+            </a:r>
+            <a:r>
+              <a:rPr dirty="0" err="1">
+                <a:latin typeface="Guttman Hatzvi" panose="02010401010101010101" pitchFamily="2" charset="-79"/>
+                <a:cs typeface="Guttman Hatzvi" panose="02010401010101010101" pitchFamily="2" charset="-79"/>
+              </a:rPr>
               <a:t>מחשבה</a:t>
             </a:r>
             <a:r>
-              <a:rPr dirty="0"/>
-              <a:t> </a:t>
-            </a:r>
-            <a:r>
-              <a:rPr dirty="0" err="1"/>
+              <a:rPr dirty="0">
+                <a:latin typeface="Guttman Hatzvi" panose="02010401010101010101" pitchFamily="2" charset="-79"/>
+                <a:cs typeface="Guttman Hatzvi" panose="02010401010101010101" pitchFamily="2" charset="-79"/>
+              </a:rPr>
+              <a:t> </a:t>
+            </a:r>
+            <a:r>
+              <a:rPr dirty="0" err="1">
+                <a:latin typeface="Guttman Hatzvi" panose="02010401010101010101" pitchFamily="2" charset="-79"/>
+                <a:cs typeface="Guttman Hatzvi" panose="02010401010101010101" pitchFamily="2" charset="-79"/>
+              </a:rPr>
               <a:t>טובה</a:t>
             </a:r>
-            <a:endParaRPr dirty="0"/>
+            <a:endParaRPr dirty="0">
+              <a:latin typeface="Guttman Hatzvi" panose="02010401010101010101" pitchFamily="2" charset="-79"/>
+              <a:cs typeface="Guttman Hatzvi" panose="02010401010101010101" pitchFamily="2" charset="-79"/>
+            </a:endParaRPr>
           </a:p>
         </p:txBody>
       </p:sp>
@@ -5720,14 +5767,14 @@
       </p:pic>
       <p:sp>
         <p:nvSpPr>
-          <p:cNvPr id="191" name="Shape 191"/>
+          <p:cNvPr id="8" name="Shape 189"/>
           <p:cNvSpPr/>
           <p:nvPr/>
         </p:nvSpPr>
         <p:spPr>
           <a:xfrm>
-            <a:off x="4868541" y="5459967"/>
-            <a:ext cx="7143938" cy="400105"/>
+            <a:off x="4299045" y="5238625"/>
+            <a:ext cx="7905655" cy="400105"/>
           </a:xfrm>
           <a:prstGeom prst="rect">
             <a:avLst/>
@@ -5737,17 +5784,33 @@
           </a:ln>
           <a:extLst>
             <a:ext uri="{C572A759-6A51-4108-AA02-DFA0A04FC94B}">
-              <ma14:wrappingTextBoxFlag xmlns:ma14="http://schemas.microsoft.com/office/mac/drawingml/2011/main" xmlns="" val="1"/>
+              <ma14:wrappingTextBoxFlag xmlns="" xmlns:ma14="http://schemas.microsoft.com/office/mac/drawingml/2011/main" val="1"/>
             </a:ext>
           </a:extLst>
         </p:spPr>
         <p:txBody>
-          <a:bodyPr wrap="none" lIns="45718" tIns="45718" rIns="45718" bIns="45718">
+          <a:bodyPr wrap="square" lIns="45718" tIns="45718" rIns="45718" bIns="45718">
             <a:spAutoFit/>
           </a:bodyPr>
-          <a:lstStyle/>
-          <a:p>
-            <a:pPr algn="ctr">
+          <a:lstStyle>
+            <a:lvl1pPr algn="ctr">
+              <a:defRPr sz="3200">
+                <a:effectLst>
+                  <a:outerShdw blurRad="38100" dist="19050" dir="2700000" rotWithShape="0">
+                    <a:srgbClr val="000000">
+                      <a:alpha val="40000"/>
+                    </a:srgbClr>
+                  </a:outerShdw>
+                </a:effectLst>
+                <a:latin typeface="Arial"/>
+                <a:ea typeface="Arial"/>
+                <a:cs typeface="Arial"/>
+                <a:sym typeface="Arial"/>
+              </a:defRPr>
+            </a:lvl1pPr>
+          </a:lstStyle>
+          <a:p>
+            <a:pPr>
               <a:defRPr sz="2000" b="1">
                 <a:effectLst>
                   <a:outerShdw blurRad="38100" dist="38100" dir="2700000" rotWithShape="0">
@@ -5763,98 +5826,34 @@
               </a:defRPr>
             </a:pPr>
             <a:r>
-              <a:rPr dirty="0" err="1"/>
-              <a:t>צוות</a:t>
-            </a:r>
-            <a:r>
-              <a:rPr dirty="0"/>
-              <a:t> </a:t>
-            </a:r>
-            <a:r>
-              <a:rPr dirty="0" err="1"/>
-              <a:t>הפרויקט</a:t>
-            </a:r>
-            <a:r>
-              <a:rPr b="0" dirty="0"/>
-              <a:t>: </a:t>
-            </a:r>
-            <a:r>
-              <a:rPr dirty="0" err="1"/>
-              <a:t>אורי</a:t>
-            </a:r>
-            <a:r>
-              <a:rPr dirty="0"/>
-              <a:t> </a:t>
-            </a:r>
-            <a:r>
-              <a:rPr dirty="0" err="1"/>
-              <a:t>אמיר</a:t>
-            </a:r>
-            <a:r>
-              <a:rPr b="0" dirty="0"/>
-              <a:t>, </a:t>
-            </a:r>
-            <a:r>
-              <a:rPr dirty="0" err="1"/>
-              <a:t>טל</a:t>
-            </a:r>
-            <a:r>
-              <a:rPr dirty="0"/>
-              <a:t> </a:t>
-            </a:r>
-            <a:r>
-              <a:rPr dirty="0" err="1"/>
-              <a:t>כהן</a:t>
-            </a:r>
-            <a:r>
-              <a:rPr b="0" dirty="0"/>
-              <a:t>, </a:t>
-            </a:r>
-            <a:r>
-              <a:rPr dirty="0" err="1"/>
-              <a:t>אפק</a:t>
-            </a:r>
-            <a:r>
-              <a:rPr dirty="0"/>
-              <a:t> </a:t>
-            </a:r>
-            <a:r>
-              <a:rPr dirty="0" err="1"/>
-              <a:t>חזן</a:t>
-            </a:r>
-            <a:r>
-              <a:rPr b="0" dirty="0"/>
-              <a:t>, </a:t>
-            </a:r>
-            <a:r>
-              <a:rPr dirty="0" err="1"/>
-              <a:t>מתן</a:t>
-            </a:r>
-            <a:r>
-              <a:rPr dirty="0"/>
-              <a:t> </a:t>
-            </a:r>
-            <a:r>
-              <a:rPr dirty="0" err="1"/>
-              <a:t>ענתבי</a:t>
-            </a:r>
-            <a:r>
-              <a:rPr dirty="0"/>
-              <a:t> </a:t>
-            </a:r>
-            <a:r>
-              <a:rPr dirty="0" err="1"/>
+              <a:rPr lang="he-IL" dirty="0">
+                <a:effectLst/>
+                <a:latin typeface="Guttman Hatzvi" panose="02010401010101010101" pitchFamily="2" charset="-79"/>
+                <a:cs typeface="Guttman Hatzvi" panose="02010401010101010101" pitchFamily="2" charset="-79"/>
+              </a:rPr>
+              <a:t>צוות הפרויקט: אורי אמיר, טל כהן, אפק חזן, מתן ענתבי </a:t>
+            </a:r>
+            <a:r>
+              <a:rPr lang="he-IL" dirty="0" err="1">
+                <a:effectLst/>
+                <a:latin typeface="Guttman Hatzvi" panose="02010401010101010101" pitchFamily="2" charset="-79"/>
+                <a:cs typeface="Guttman Hatzvi" panose="02010401010101010101" pitchFamily="2" charset="-79"/>
+              </a:rPr>
               <a:t>ודוריאן</a:t>
             </a:r>
             <a:r>
-              <a:rPr dirty="0"/>
-              <a:t> </a:t>
-            </a:r>
-            <a:r>
-              <a:rPr dirty="0" err="1"/>
-              <a:t>צורפי</a:t>
-            </a:r>
-            <a:endParaRPr dirty="0"/>
+              <a:rPr lang="he-IL" dirty="0">
+                <a:effectLst/>
+                <a:latin typeface="Guttman Hatzvi" panose="02010401010101010101" pitchFamily="2" charset="-79"/>
+                <a:cs typeface="Guttman Hatzvi" panose="02010401010101010101" pitchFamily="2" charset="-79"/>
+              </a:rPr>
+              <a:t> צורפי</a:t>
+            </a:r>
+            <a:endParaRPr lang="he-IL" dirty="0">
+              <a:effectLst/>
+              <a:latin typeface="Guttman Hatzvi" panose="02010401010101010101" pitchFamily="2" charset="-79"/>
+              <a:cs typeface="Guttman Hatzvi" panose="02010401010101010101" pitchFamily="2" charset="-79"/>
+            </a:endParaRPr>
           </a:p>
         </p:txBody>
       </p:sp>
@@ -5864,6 +5863,13 @@
     <a:masterClrMapping/>
   </p:clrMapOvr>
   <p:transition spd="med"/>
+  <p:timing>
+    <p:tnLst>
+      <p:par>
+        <p:cTn id="1" dur="indefinite" restart="never" nodeType="tmRoot"/>
+      </p:par>
+    </p:tnLst>
+  </p:timing>
 </p:sld>
 </file>
 
@@ -5928,8 +5934,8 @@
         </p:nvSpPr>
         <p:spPr>
           <a:xfrm>
-            <a:off x="5888030" y="976233"/>
-            <a:ext cx="2924742" cy="881387"/>
+            <a:off x="5830275" y="976233"/>
+            <a:ext cx="3040252" cy="1015659"/>
           </a:xfrm>
           <a:prstGeom prst="rect">
             <a:avLst/>
@@ -5939,7 +5945,7 @@
           </a:ln>
           <a:extLst>
             <a:ext uri="{C572A759-6A51-4108-AA02-DFA0A04FC94B}">
-              <ma14:wrappingTextBoxFlag xmlns:ma14="http://schemas.microsoft.com/office/mac/drawingml/2011/main" xmlns="" val="1"/>
+              <ma14:wrappingTextBoxFlag xmlns="" xmlns:ma14="http://schemas.microsoft.com/office/mac/drawingml/2011/main" val="1"/>
             </a:ext>
           </a:extLst>
         </p:spPr>
@@ -5970,18 +5976,18 @@
               <a:defRPr/>
             </a:pPr>
             <a:r>
-              <a:rPr dirty="0" err="1"/>
+              <a:rPr sz="6000" b="0" dirty="0" err="1"/>
               <a:t>על</a:t>
             </a:r>
             <a:r>
-              <a:rPr dirty="0"/>
-              <a:t> </a:t>
-            </a:r>
-            <a:r>
-              <a:rPr dirty="0" err="1"/>
+              <a:rPr sz="6000" b="0" dirty="0"/>
+              <a:t> </a:t>
+            </a:r>
+            <a:r>
+              <a:rPr sz="6000" b="0" dirty="0" err="1"/>
               <a:t>הארגון</a:t>
             </a:r>
-            <a:endParaRPr dirty="0"/>
+            <a:endParaRPr sz="6000" b="0" dirty="0"/>
           </a:p>
         </p:txBody>
       </p:sp>
@@ -5994,7 +6000,7 @@
         <p:spPr>
           <a:xfrm>
             <a:off x="1911616" y="2404171"/>
-            <a:ext cx="9164099" cy="2308320"/>
+            <a:ext cx="9211309" cy="2862318"/>
           </a:xfrm>
           <a:prstGeom prst="rect">
             <a:avLst/>
@@ -6004,12 +6010,12 @@
           </a:ln>
           <a:extLst>
             <a:ext uri="{C572A759-6A51-4108-AA02-DFA0A04FC94B}">
-              <ma14:wrappingTextBoxFlag xmlns:ma14="http://schemas.microsoft.com/office/mac/drawingml/2011/main" xmlns="" val="1"/>
+              <ma14:wrappingTextBoxFlag xmlns="" xmlns:ma14="http://schemas.microsoft.com/office/mac/drawingml/2011/main" val="1"/>
             </a:ext>
           </a:extLst>
         </p:spPr>
         <p:txBody>
-          <a:bodyPr lIns="45718" tIns="45718" rIns="45718" bIns="45718">
+          <a:bodyPr wrap="square" lIns="45718" tIns="45718" rIns="45718" bIns="45718">
             <a:spAutoFit/>
           </a:bodyPr>
           <a:lstStyle/>
@@ -6030,114 +6036,198 @@
               </a:defRPr>
             </a:pPr>
             <a:r>
-              <a:rPr dirty="0" err="1"/>
+              <a:rPr dirty="0" err="1">
+                <a:latin typeface="Guttman Hatzvi" panose="02010401010101010101" pitchFamily="2" charset="-79"/>
+                <a:cs typeface="Guttman Hatzvi" panose="02010401010101010101" pitchFamily="2" charset="-79"/>
+              </a:rPr>
               <a:t>מחשבה</a:t>
             </a:r>
             <a:r>
-              <a:rPr dirty="0"/>
-              <a:t> </a:t>
-            </a:r>
-            <a:r>
-              <a:rPr dirty="0" err="1"/>
+              <a:rPr dirty="0">
+                <a:latin typeface="Guttman Hatzvi" panose="02010401010101010101" pitchFamily="2" charset="-79"/>
+                <a:cs typeface="Guttman Hatzvi" panose="02010401010101010101" pitchFamily="2" charset="-79"/>
+              </a:rPr>
+              <a:t> </a:t>
+            </a:r>
+            <a:r>
+              <a:rPr dirty="0" err="1">
+                <a:latin typeface="Guttman Hatzvi" panose="02010401010101010101" pitchFamily="2" charset="-79"/>
+                <a:cs typeface="Guttman Hatzvi" panose="02010401010101010101" pitchFamily="2" charset="-79"/>
+              </a:rPr>
               <a:t>טובה</a:t>
             </a:r>
             <a:r>
-              <a:rPr dirty="0"/>
-              <a:t> </a:t>
-            </a:r>
-            <a:r>
-              <a:rPr dirty="0" err="1"/>
+              <a:rPr dirty="0">
+                <a:latin typeface="Guttman Hatzvi" panose="02010401010101010101" pitchFamily="2" charset="-79"/>
+                <a:cs typeface="Guttman Hatzvi" panose="02010401010101010101" pitchFamily="2" charset="-79"/>
+              </a:rPr>
+              <a:t> </a:t>
+            </a:r>
+            <a:r>
+              <a:rPr dirty="0" err="1">
+                <a:latin typeface="Guttman Hatzvi" panose="02010401010101010101" pitchFamily="2" charset="-79"/>
+                <a:cs typeface="Guttman Hatzvi" panose="02010401010101010101" pitchFamily="2" charset="-79"/>
+              </a:rPr>
               <a:t>הוקמה</a:t>
             </a:r>
             <a:r>
-              <a:rPr dirty="0"/>
-              <a:t> </a:t>
-            </a:r>
-            <a:r>
-              <a:rPr dirty="0" err="1" smtClean="0"/>
+              <a:rPr dirty="0">
+                <a:latin typeface="Guttman Hatzvi" panose="02010401010101010101" pitchFamily="2" charset="-79"/>
+                <a:cs typeface="Guttman Hatzvi" panose="02010401010101010101" pitchFamily="2" charset="-79"/>
+              </a:rPr>
+              <a:t> </a:t>
+            </a:r>
+            <a:r>
+              <a:rPr dirty="0" err="1" smtClean="0">
+                <a:latin typeface="Guttman Hatzvi" panose="02010401010101010101" pitchFamily="2" charset="-79"/>
+                <a:cs typeface="Guttman Hatzvi" panose="02010401010101010101" pitchFamily="2" charset="-79"/>
+              </a:rPr>
               <a:t>בשנ</a:t>
             </a:r>
             <a:r>
-              <a:rPr lang="he-IL" dirty="0" smtClean="0"/>
+              <a:rPr lang="he-IL" dirty="0" smtClean="0">
+                <a:latin typeface="Guttman Hatzvi" panose="02010401010101010101" pitchFamily="2" charset="-79"/>
+                <a:cs typeface="Guttman Hatzvi" panose="02010401010101010101" pitchFamily="2" charset="-79"/>
+              </a:rPr>
               <a:t>ת </a:t>
             </a:r>
             <a:r>
-              <a:rPr dirty="0" smtClean="0"/>
+              <a:rPr dirty="0" smtClean="0">
+                <a:latin typeface="Guttman Hatzvi" panose="02010401010101010101" pitchFamily="2" charset="-79"/>
+                <a:cs typeface="Guttman Hatzvi" panose="02010401010101010101" pitchFamily="2" charset="-79"/>
+              </a:rPr>
               <a:t>2003</a:t>
             </a:r>
             <a:r>
-              <a:rPr lang="he-IL" dirty="0" smtClean="0"/>
-              <a:t> </a:t>
-            </a:r>
-            <a:r>
-              <a:rPr dirty="0" err="1" smtClean="0"/>
+              <a:rPr lang="he-IL" dirty="0" smtClean="0">
+                <a:latin typeface="Guttman Hatzvi" panose="02010401010101010101" pitchFamily="2" charset="-79"/>
+                <a:cs typeface="Guttman Hatzvi" panose="02010401010101010101" pitchFamily="2" charset="-79"/>
+              </a:rPr>
+              <a:t> </a:t>
+            </a:r>
+            <a:r>
+              <a:rPr dirty="0" err="1" smtClean="0">
+                <a:latin typeface="Guttman Hatzvi" panose="02010401010101010101" pitchFamily="2" charset="-79"/>
+                <a:cs typeface="Guttman Hatzvi" panose="02010401010101010101" pitchFamily="2" charset="-79"/>
+              </a:rPr>
               <a:t>ע"י</a:t>
             </a:r>
             <a:r>
-              <a:rPr dirty="0" smtClean="0"/>
-              <a:t> </a:t>
-            </a:r>
-            <a:r>
-              <a:rPr dirty="0" err="1"/>
+              <a:rPr dirty="0" smtClean="0">
+                <a:latin typeface="Guttman Hatzvi" panose="02010401010101010101" pitchFamily="2" charset="-79"/>
+                <a:cs typeface="Guttman Hatzvi" panose="02010401010101010101" pitchFamily="2" charset="-79"/>
+              </a:rPr>
+              <a:t> </a:t>
+            </a:r>
+            <a:r>
+              <a:rPr dirty="0" err="1">
+                <a:latin typeface="Guttman Hatzvi" panose="02010401010101010101" pitchFamily="2" charset="-79"/>
+                <a:cs typeface="Guttman Hatzvi" panose="02010401010101010101" pitchFamily="2" charset="-79"/>
+              </a:rPr>
               <a:t>אנשי</a:t>
             </a:r>
             <a:r>
-              <a:rPr dirty="0"/>
-              <a:t> </a:t>
-            </a:r>
-            <a:r>
-              <a:rPr dirty="0" err="1"/>
+              <a:rPr dirty="0">
+                <a:latin typeface="Guttman Hatzvi" panose="02010401010101010101" pitchFamily="2" charset="-79"/>
+                <a:cs typeface="Guttman Hatzvi" panose="02010401010101010101" pitchFamily="2" charset="-79"/>
+              </a:rPr>
+              <a:t> </a:t>
+            </a:r>
+            <a:r>
+              <a:rPr dirty="0" err="1">
+                <a:latin typeface="Guttman Hatzvi" panose="02010401010101010101" pitchFamily="2" charset="-79"/>
+                <a:cs typeface="Guttman Hatzvi" panose="02010401010101010101" pitchFamily="2" charset="-79"/>
+              </a:rPr>
               <a:t>חינוך</a:t>
             </a:r>
             <a:r>
-              <a:rPr dirty="0"/>
-              <a:t> </a:t>
-            </a:r>
-            <a:r>
-              <a:rPr dirty="0" err="1"/>
+              <a:rPr dirty="0">
+                <a:latin typeface="Guttman Hatzvi" panose="02010401010101010101" pitchFamily="2" charset="-79"/>
+                <a:cs typeface="Guttman Hatzvi" panose="02010401010101010101" pitchFamily="2" charset="-79"/>
+              </a:rPr>
+              <a:t> </a:t>
+            </a:r>
+            <a:r>
+              <a:rPr dirty="0" err="1">
+                <a:latin typeface="Guttman Hatzvi" panose="02010401010101010101" pitchFamily="2" charset="-79"/>
+                <a:cs typeface="Guttman Hatzvi" panose="02010401010101010101" pitchFamily="2" charset="-79"/>
+              </a:rPr>
               <a:t>והיי-טק</a:t>
             </a:r>
             <a:r>
-              <a:rPr dirty="0"/>
-              <a:t> </a:t>
-            </a:r>
-            <a:r>
-              <a:rPr dirty="0" err="1"/>
+              <a:rPr dirty="0">
+                <a:latin typeface="Guttman Hatzvi" panose="02010401010101010101" pitchFamily="2" charset="-79"/>
+                <a:cs typeface="Guttman Hatzvi" panose="02010401010101010101" pitchFamily="2" charset="-79"/>
+              </a:rPr>
+              <a:t> </a:t>
+            </a:r>
+            <a:r>
+              <a:rPr dirty="0" err="1">
+                <a:latin typeface="Guttman Hatzvi" panose="02010401010101010101" pitchFamily="2" charset="-79"/>
+                <a:cs typeface="Guttman Hatzvi" panose="02010401010101010101" pitchFamily="2" charset="-79"/>
+              </a:rPr>
               <a:t>אשר</a:t>
             </a:r>
             <a:r>
-              <a:rPr dirty="0"/>
-              <a:t> </a:t>
-            </a:r>
-            <a:r>
-              <a:rPr dirty="0" err="1"/>
+              <a:rPr dirty="0">
+                <a:latin typeface="Guttman Hatzvi" panose="02010401010101010101" pitchFamily="2" charset="-79"/>
+                <a:cs typeface="Guttman Hatzvi" panose="02010401010101010101" pitchFamily="2" charset="-79"/>
+              </a:rPr>
+              <a:t> </a:t>
+            </a:r>
+            <a:r>
+              <a:rPr dirty="0" err="1">
+                <a:latin typeface="Guttman Hatzvi" panose="02010401010101010101" pitchFamily="2" charset="-79"/>
+                <a:cs typeface="Guttman Hatzvi" panose="02010401010101010101" pitchFamily="2" charset="-79"/>
+              </a:rPr>
               <a:t>מטרתם</a:t>
             </a:r>
             <a:r>
-              <a:rPr dirty="0"/>
-              <a:t> </a:t>
-            </a:r>
-            <a:r>
-              <a:rPr dirty="0" err="1"/>
+              <a:rPr dirty="0">
+                <a:latin typeface="Guttman Hatzvi" panose="02010401010101010101" pitchFamily="2" charset="-79"/>
+                <a:cs typeface="Guttman Hatzvi" panose="02010401010101010101" pitchFamily="2" charset="-79"/>
+              </a:rPr>
+              <a:t> </a:t>
+            </a:r>
+            <a:r>
+              <a:rPr dirty="0" err="1">
+                <a:latin typeface="Guttman Hatzvi" panose="02010401010101010101" pitchFamily="2" charset="-79"/>
+                <a:cs typeface="Guttman Hatzvi" panose="02010401010101010101" pitchFamily="2" charset="-79"/>
+              </a:rPr>
               <a:t>העיקרית</a:t>
             </a:r>
             <a:r>
-              <a:rPr dirty="0"/>
-              <a:t> </a:t>
-            </a:r>
-            <a:r>
-              <a:rPr dirty="0" err="1"/>
+              <a:rPr dirty="0">
+                <a:latin typeface="Guttman Hatzvi" panose="02010401010101010101" pitchFamily="2" charset="-79"/>
+                <a:cs typeface="Guttman Hatzvi" panose="02010401010101010101" pitchFamily="2" charset="-79"/>
+              </a:rPr>
+              <a:t> </a:t>
+            </a:r>
+            <a:r>
+              <a:rPr dirty="0" err="1">
+                <a:latin typeface="Guttman Hatzvi" panose="02010401010101010101" pitchFamily="2" charset="-79"/>
+                <a:cs typeface="Guttman Hatzvi" panose="02010401010101010101" pitchFamily="2" charset="-79"/>
+              </a:rPr>
               <a:t>הייתה</a:t>
             </a:r>
             <a:r>
-              <a:rPr dirty="0"/>
-              <a:t> </a:t>
-            </a:r>
-            <a:r>
-              <a:rPr dirty="0" err="1"/>
+              <a:rPr dirty="0">
+                <a:latin typeface="Guttman Hatzvi" panose="02010401010101010101" pitchFamily="2" charset="-79"/>
+                <a:cs typeface="Guttman Hatzvi" panose="02010401010101010101" pitchFamily="2" charset="-79"/>
+              </a:rPr>
+              <a:t> </a:t>
+            </a:r>
+            <a:r>
+              <a:rPr dirty="0" err="1">
+                <a:latin typeface="Guttman Hatzvi" panose="02010401010101010101" pitchFamily="2" charset="-79"/>
+                <a:cs typeface="Guttman Hatzvi" panose="02010401010101010101" pitchFamily="2" charset="-79"/>
+              </a:rPr>
               <a:t>לחבר</a:t>
             </a:r>
-            <a:endParaRPr dirty="0"/>
+            <a:endParaRPr dirty="0">
+              <a:latin typeface="Guttman Hatzvi" panose="02010401010101010101" pitchFamily="2" charset="-79"/>
+              <a:cs typeface="Guttman Hatzvi" panose="02010401010101010101" pitchFamily="2" charset="-79"/>
+            </a:endParaRPr>
           </a:p>
           <a:p>
             <a:pPr algn="ctr">
@@ -6156,74 +6246,128 @@
               </a:defRPr>
             </a:pPr>
             <a:r>
-              <a:rPr dirty="0"/>
-              <a:t> </a:t>
-            </a:r>
-            <a:r>
-              <a:rPr dirty="0" err="1"/>
+              <a:rPr dirty="0">
+                <a:latin typeface="Guttman Hatzvi" panose="02010401010101010101" pitchFamily="2" charset="-79"/>
+                <a:cs typeface="Guttman Hatzvi" panose="02010401010101010101" pitchFamily="2" charset="-79"/>
+              </a:rPr>
+              <a:t> </a:t>
+            </a:r>
+            <a:r>
+              <a:rPr dirty="0" err="1">
+                <a:latin typeface="Guttman Hatzvi" panose="02010401010101010101" pitchFamily="2" charset="-79"/>
+                <a:cs typeface="Guttman Hatzvi" panose="02010401010101010101" pitchFamily="2" charset="-79"/>
+              </a:rPr>
               <a:t>את</a:t>
             </a:r>
             <a:r>
-              <a:rPr dirty="0"/>
-              <a:t> </a:t>
-            </a:r>
-            <a:r>
-              <a:rPr dirty="0" err="1"/>
+              <a:rPr dirty="0">
+                <a:latin typeface="Guttman Hatzvi" panose="02010401010101010101" pitchFamily="2" charset="-79"/>
+                <a:cs typeface="Guttman Hatzvi" panose="02010401010101010101" pitchFamily="2" charset="-79"/>
+              </a:rPr>
+              <a:t> </a:t>
+            </a:r>
+            <a:r>
+              <a:rPr dirty="0" err="1">
+                <a:latin typeface="Guttman Hatzvi" panose="02010401010101010101" pitchFamily="2" charset="-79"/>
+                <a:cs typeface="Guttman Hatzvi" panose="02010401010101010101" pitchFamily="2" charset="-79"/>
+              </a:rPr>
               <a:t>האוכלוסיות</a:t>
             </a:r>
             <a:r>
-              <a:rPr dirty="0"/>
-              <a:t> </a:t>
-            </a:r>
-            <a:r>
-              <a:rPr dirty="0" err="1"/>
+              <a:rPr dirty="0">
+                <a:latin typeface="Guttman Hatzvi" panose="02010401010101010101" pitchFamily="2" charset="-79"/>
+                <a:cs typeface="Guttman Hatzvi" panose="02010401010101010101" pitchFamily="2" charset="-79"/>
+              </a:rPr>
+              <a:t> </a:t>
+            </a:r>
+            <a:r>
+              <a:rPr dirty="0" err="1">
+                <a:latin typeface="Guttman Hatzvi" panose="02010401010101010101" pitchFamily="2" charset="-79"/>
+                <a:cs typeface="Guttman Hatzvi" panose="02010401010101010101" pitchFamily="2" charset="-79"/>
+              </a:rPr>
               <a:t>המוחלשות</a:t>
             </a:r>
             <a:r>
-              <a:rPr dirty="0"/>
-              <a:t> </a:t>
-            </a:r>
-            <a:r>
-              <a:rPr dirty="0" err="1"/>
+              <a:rPr dirty="0">
+                <a:latin typeface="Guttman Hatzvi" panose="02010401010101010101" pitchFamily="2" charset="-79"/>
+                <a:cs typeface="Guttman Hatzvi" panose="02010401010101010101" pitchFamily="2" charset="-79"/>
+              </a:rPr>
+              <a:t> </a:t>
+            </a:r>
+            <a:r>
+              <a:rPr dirty="0" err="1">
+                <a:latin typeface="Guttman Hatzvi" panose="02010401010101010101" pitchFamily="2" charset="-79"/>
+                <a:cs typeface="Guttman Hatzvi" panose="02010401010101010101" pitchFamily="2" charset="-79"/>
+              </a:rPr>
               <a:t>לאפשרויות</a:t>
             </a:r>
             <a:r>
-              <a:rPr dirty="0"/>
+              <a:rPr dirty="0">
+                <a:latin typeface="Guttman Hatzvi" panose="02010401010101010101" pitchFamily="2" charset="-79"/>
+                <a:cs typeface="Guttman Hatzvi" panose="02010401010101010101" pitchFamily="2" charset="-79"/>
+              </a:rPr>
               <a:t> </a:t>
             </a:r>
             <a:br>
-              <a:rPr dirty="0"/>
+              <a:rPr dirty="0">
+                <a:latin typeface="Guttman Hatzvi" panose="02010401010101010101" pitchFamily="2" charset="-79"/>
+                <a:cs typeface="Guttman Hatzvi" panose="02010401010101010101" pitchFamily="2" charset="-79"/>
+              </a:rPr>
             </a:br>
             <a:r>
-              <a:rPr dirty="0" err="1"/>
+              <a:rPr dirty="0" err="1">
+                <a:latin typeface="Guttman Hatzvi" panose="02010401010101010101" pitchFamily="2" charset="-79"/>
+                <a:cs typeface="Guttman Hatzvi" panose="02010401010101010101" pitchFamily="2" charset="-79"/>
+              </a:rPr>
               <a:t>הרבות</a:t>
             </a:r>
             <a:r>
-              <a:rPr dirty="0"/>
-              <a:t> </a:t>
-            </a:r>
-            <a:r>
-              <a:rPr dirty="0" err="1"/>
+              <a:rPr dirty="0">
+                <a:latin typeface="Guttman Hatzvi" panose="02010401010101010101" pitchFamily="2" charset="-79"/>
+                <a:cs typeface="Guttman Hatzvi" panose="02010401010101010101" pitchFamily="2" charset="-79"/>
+              </a:rPr>
+              <a:t> </a:t>
+            </a:r>
+            <a:r>
+              <a:rPr dirty="0" err="1">
+                <a:latin typeface="Guttman Hatzvi" panose="02010401010101010101" pitchFamily="2" charset="-79"/>
+                <a:cs typeface="Guttman Hatzvi" panose="02010401010101010101" pitchFamily="2" charset="-79"/>
+              </a:rPr>
               <a:t>הטמונות</a:t>
             </a:r>
             <a:r>
-              <a:rPr dirty="0"/>
-              <a:t> </a:t>
-            </a:r>
-            <a:r>
-              <a:rPr dirty="0" err="1"/>
+              <a:rPr dirty="0">
+                <a:latin typeface="Guttman Hatzvi" panose="02010401010101010101" pitchFamily="2" charset="-79"/>
+                <a:cs typeface="Guttman Hatzvi" panose="02010401010101010101" pitchFamily="2" charset="-79"/>
+              </a:rPr>
+              <a:t> </a:t>
+            </a:r>
+            <a:r>
+              <a:rPr dirty="0" err="1">
+                <a:latin typeface="Guttman Hatzvi" panose="02010401010101010101" pitchFamily="2" charset="-79"/>
+                <a:cs typeface="Guttman Hatzvi" panose="02010401010101010101" pitchFamily="2" charset="-79"/>
+              </a:rPr>
               <a:t>בעולם</a:t>
             </a:r>
             <a:r>
-              <a:rPr dirty="0"/>
-              <a:t> </a:t>
-            </a:r>
-            <a:r>
-              <a:rPr dirty="0" err="1"/>
+              <a:rPr dirty="0">
+                <a:latin typeface="Guttman Hatzvi" panose="02010401010101010101" pitchFamily="2" charset="-79"/>
+                <a:cs typeface="Guttman Hatzvi" panose="02010401010101010101" pitchFamily="2" charset="-79"/>
+              </a:rPr>
+              <a:t> </a:t>
+            </a:r>
+            <a:r>
+              <a:rPr dirty="0" err="1">
+                <a:latin typeface="Guttman Hatzvi" panose="02010401010101010101" pitchFamily="2" charset="-79"/>
+                <a:cs typeface="Guttman Hatzvi" panose="02010401010101010101" pitchFamily="2" charset="-79"/>
+              </a:rPr>
               <a:t>הטכנולוגי</a:t>
             </a:r>
             <a:r>
-              <a:rPr dirty="0"/>
+              <a:rPr dirty="0">
+                <a:latin typeface="Guttman Hatzvi" panose="02010401010101010101" pitchFamily="2" charset="-79"/>
+                <a:cs typeface="Guttman Hatzvi" panose="02010401010101010101" pitchFamily="2" charset="-79"/>
+              </a:rPr>
               <a:t>. </a:t>
             </a:r>
           </a:p>
@@ -6276,8 +6420,8 @@
         </p:blipFill>
         <p:spPr>
           <a:xfrm>
-            <a:off x="9372600" y="5013345"/>
-            <a:ext cx="2667001" cy="1666857"/>
+            <a:off x="9728199" y="5235592"/>
+            <a:ext cx="2311401" cy="1444610"/>
           </a:xfrm>
           <a:prstGeom prst="rect">
             <a:avLst/>
@@ -6293,6 +6437,13 @@
     <a:masterClrMapping/>
   </p:clrMapOvr>
   <p:transition spd="slow"/>
+  <p:timing>
+    <p:tnLst>
+      <p:par>
+        <p:cTn id="1" dur="indefinite" restart="never" nodeType="tmRoot"/>
+      </p:par>
+    </p:tnLst>
+  </p:timing>
 </p:sld>
 </file>
 
@@ -6358,7 +6509,7 @@
         <p:spPr>
           <a:xfrm>
             <a:off x="3563022" y="353932"/>
-            <a:ext cx="5189780" cy="891539"/>
+            <a:ext cx="5189780" cy="1015659"/>
           </a:xfrm>
           <a:prstGeom prst="rect">
             <a:avLst/>
@@ -6368,7 +6519,7 @@
           </a:ln>
           <a:extLst>
             <a:ext uri="{C572A759-6A51-4108-AA02-DFA0A04FC94B}">
-              <ma14:wrappingTextBoxFlag xmlns:ma14="http://schemas.microsoft.com/office/mac/drawingml/2011/main" xmlns="" val="1"/>
+              <ma14:wrappingTextBoxFlag xmlns="" xmlns:ma14="http://schemas.microsoft.com/office/mac/drawingml/2011/main" val="1"/>
             </a:ext>
           </a:extLst>
         </p:spPr>
@@ -6399,10 +6550,10 @@
               <a:defRPr/>
             </a:pPr>
             <a:r>
-              <a:rPr dirty="0" err="1"/>
+              <a:rPr sz="6000" dirty="0" err="1"/>
               <a:t>המוצר</a:t>
             </a:r>
-            <a:endParaRPr dirty="0"/>
+            <a:endParaRPr sz="6000" dirty="0"/>
           </a:p>
         </p:txBody>
       </p:sp>
@@ -6425,7 +6576,7 @@
           </a:ln>
           <a:extLst>
             <a:ext uri="{C572A759-6A51-4108-AA02-DFA0A04FC94B}">
-              <ma14:wrappingTextBoxFlag xmlns:ma14="http://schemas.microsoft.com/office/mac/drawingml/2011/main" xmlns="" val="1"/>
+              <ma14:wrappingTextBoxFlag xmlns="" xmlns:ma14="http://schemas.microsoft.com/office/mac/drawingml/2011/main" val="1"/>
             </a:ext>
           </a:extLst>
         </p:spPr>
@@ -6451,75 +6602,129 @@
               </a:defRPr>
             </a:pPr>
             <a:r>
-              <a:rPr dirty="0" err="1"/>
+              <a:rPr dirty="0" err="1">
+                <a:latin typeface="Guttman Hatzvi" panose="02010401010101010101" pitchFamily="2" charset="-79"/>
+                <a:cs typeface="Guttman Hatzvi" panose="02010401010101010101" pitchFamily="2" charset="-79"/>
+              </a:rPr>
               <a:t>אתר</a:t>
             </a:r>
             <a:r>
-              <a:rPr dirty="0"/>
-              <a:t> </a:t>
-            </a:r>
-            <a:r>
-              <a:rPr dirty="0" err="1"/>
+              <a:rPr dirty="0">
+                <a:latin typeface="Guttman Hatzvi" panose="02010401010101010101" pitchFamily="2" charset="-79"/>
+                <a:cs typeface="Guttman Hatzvi" panose="02010401010101010101" pitchFamily="2" charset="-79"/>
+              </a:rPr>
+              <a:t> </a:t>
+            </a:r>
+            <a:r>
+              <a:rPr dirty="0" err="1">
+                <a:latin typeface="Guttman Hatzvi" panose="02010401010101010101" pitchFamily="2" charset="-79"/>
+                <a:cs typeface="Guttman Hatzvi" panose="02010401010101010101" pitchFamily="2" charset="-79"/>
+              </a:rPr>
               <a:t>אינטרנט</a:t>
             </a:r>
             <a:r>
-              <a:rPr dirty="0"/>
-              <a:t> </a:t>
-            </a:r>
-            <a:r>
-              <a:rPr dirty="0" err="1"/>
+              <a:rPr dirty="0">
+                <a:latin typeface="Guttman Hatzvi" panose="02010401010101010101" pitchFamily="2" charset="-79"/>
+                <a:cs typeface="Guttman Hatzvi" panose="02010401010101010101" pitchFamily="2" charset="-79"/>
+              </a:rPr>
+              <a:t> </a:t>
+            </a:r>
+            <a:r>
+              <a:rPr dirty="0" err="1">
+                <a:latin typeface="Guttman Hatzvi" panose="02010401010101010101" pitchFamily="2" charset="-79"/>
+                <a:cs typeface="Guttman Hatzvi" panose="02010401010101010101" pitchFamily="2" charset="-79"/>
+              </a:rPr>
               <a:t>המציג</a:t>
             </a:r>
             <a:r>
-              <a:rPr dirty="0"/>
-              <a:t> </a:t>
-            </a:r>
-            <a:r>
-              <a:rPr dirty="0" err="1"/>
+              <a:rPr dirty="0">
+                <a:latin typeface="Guttman Hatzvi" panose="02010401010101010101" pitchFamily="2" charset="-79"/>
+                <a:cs typeface="Guttman Hatzvi" panose="02010401010101010101" pitchFamily="2" charset="-79"/>
+              </a:rPr>
+              <a:t> </a:t>
+            </a:r>
+            <a:r>
+              <a:rPr dirty="0" err="1">
+                <a:latin typeface="Guttman Hatzvi" panose="02010401010101010101" pitchFamily="2" charset="-79"/>
+                <a:cs typeface="Guttman Hatzvi" panose="02010401010101010101" pitchFamily="2" charset="-79"/>
+              </a:rPr>
               <a:t>תכני</a:t>
             </a:r>
             <a:r>
-              <a:rPr dirty="0"/>
-              <a:t> </a:t>
-            </a:r>
-            <a:r>
-              <a:rPr dirty="0" err="1"/>
+              <a:rPr dirty="0">
+                <a:latin typeface="Guttman Hatzvi" panose="02010401010101010101" pitchFamily="2" charset="-79"/>
+                <a:cs typeface="Guttman Hatzvi" panose="02010401010101010101" pitchFamily="2" charset="-79"/>
+              </a:rPr>
+              <a:t> </a:t>
+            </a:r>
+            <a:r>
+              <a:rPr dirty="0" err="1">
+                <a:latin typeface="Guttman Hatzvi" panose="02010401010101010101" pitchFamily="2" charset="-79"/>
+                <a:cs typeface="Guttman Hatzvi" panose="02010401010101010101" pitchFamily="2" charset="-79"/>
+              </a:rPr>
               <a:t>מידע</a:t>
             </a:r>
             <a:r>
-              <a:rPr dirty="0"/>
-              <a:t> </a:t>
-            </a:r>
-            <a:r>
-              <a:rPr dirty="0" err="1"/>
+              <a:rPr dirty="0">
+                <a:latin typeface="Guttman Hatzvi" panose="02010401010101010101" pitchFamily="2" charset="-79"/>
+                <a:cs typeface="Guttman Hatzvi" panose="02010401010101010101" pitchFamily="2" charset="-79"/>
+              </a:rPr>
+              <a:t> </a:t>
+            </a:r>
+            <a:r>
+              <a:rPr dirty="0" err="1">
+                <a:latin typeface="Guttman Hatzvi" panose="02010401010101010101" pitchFamily="2" charset="-79"/>
+                <a:cs typeface="Guttman Hatzvi" panose="02010401010101010101" pitchFamily="2" charset="-79"/>
+              </a:rPr>
               <a:t>הקשורים</a:t>
             </a:r>
             <a:r>
-              <a:rPr dirty="0"/>
-              <a:t> </a:t>
-            </a:r>
-            <a:r>
-              <a:rPr dirty="0" err="1"/>
+              <a:rPr dirty="0">
+                <a:latin typeface="Guttman Hatzvi" panose="02010401010101010101" pitchFamily="2" charset="-79"/>
+                <a:cs typeface="Guttman Hatzvi" panose="02010401010101010101" pitchFamily="2" charset="-79"/>
+              </a:rPr>
+              <a:t> </a:t>
+            </a:r>
+            <a:r>
+              <a:rPr dirty="0" err="1">
+                <a:latin typeface="Guttman Hatzvi" panose="02010401010101010101" pitchFamily="2" charset="-79"/>
+                <a:cs typeface="Guttman Hatzvi" panose="02010401010101010101" pitchFamily="2" charset="-79"/>
+              </a:rPr>
               <a:t>לארגון</a:t>
             </a:r>
             <a:r>
-              <a:rPr dirty="0"/>
-              <a:t> </a:t>
-            </a:r>
-            <a:r>
-              <a:rPr dirty="0" err="1"/>
+              <a:rPr dirty="0">
+                <a:latin typeface="Guttman Hatzvi" panose="02010401010101010101" pitchFamily="2" charset="-79"/>
+                <a:cs typeface="Guttman Hatzvi" panose="02010401010101010101" pitchFamily="2" charset="-79"/>
+              </a:rPr>
+              <a:t> </a:t>
+            </a:r>
+            <a:r>
+              <a:rPr dirty="0" err="1">
+                <a:latin typeface="Guttman Hatzvi" panose="02010401010101010101" pitchFamily="2" charset="-79"/>
+                <a:cs typeface="Guttman Hatzvi" panose="02010401010101010101" pitchFamily="2" charset="-79"/>
+              </a:rPr>
               <a:t>והרשמה</a:t>
             </a:r>
             <a:r>
-              <a:rPr dirty="0"/>
-              <a:t> </a:t>
-            </a:r>
-            <a:r>
-              <a:rPr dirty="0" err="1"/>
+              <a:rPr dirty="0">
+                <a:latin typeface="Guttman Hatzvi" panose="02010401010101010101" pitchFamily="2" charset="-79"/>
+                <a:cs typeface="Guttman Hatzvi" panose="02010401010101010101" pitchFamily="2" charset="-79"/>
+              </a:rPr>
+              <a:t> </a:t>
+            </a:r>
+            <a:r>
+              <a:rPr dirty="0" err="1">
+                <a:latin typeface="Guttman Hatzvi" panose="02010401010101010101" pitchFamily="2" charset="-79"/>
+                <a:cs typeface="Guttman Hatzvi" panose="02010401010101010101" pitchFamily="2" charset="-79"/>
+              </a:rPr>
               <a:t>אליהם</a:t>
             </a:r>
             <a:r>
-              <a:rPr dirty="0"/>
+              <a:rPr dirty="0">
+                <a:latin typeface="Guttman Hatzvi" panose="02010401010101010101" pitchFamily="2" charset="-79"/>
+                <a:cs typeface="Guttman Hatzvi" panose="02010401010101010101" pitchFamily="2" charset="-79"/>
+              </a:rPr>
               <a:t> :</a:t>
             </a:r>
           </a:p>
@@ -6543,26 +6748,44 @@
               </a:defRPr>
             </a:pPr>
             <a:r>
-              <a:rPr dirty="0" err="1"/>
+              <a:rPr dirty="0" err="1">
+                <a:latin typeface="Guttman Hatzvi" panose="02010401010101010101" pitchFamily="2" charset="-79"/>
+                <a:cs typeface="Guttman Hatzvi" panose="02010401010101010101" pitchFamily="2" charset="-79"/>
+              </a:rPr>
               <a:t>קורסים</a:t>
             </a:r>
             <a:r>
-              <a:rPr dirty="0"/>
-              <a:t> </a:t>
-            </a:r>
-            <a:r>
-              <a:rPr dirty="0" err="1"/>
+              <a:rPr dirty="0">
+                <a:latin typeface="Guttman Hatzvi" panose="02010401010101010101" pitchFamily="2" charset="-79"/>
+                <a:cs typeface="Guttman Hatzvi" panose="02010401010101010101" pitchFamily="2" charset="-79"/>
+              </a:rPr>
+              <a:t> </a:t>
+            </a:r>
+            <a:r>
+              <a:rPr dirty="0" err="1">
+                <a:latin typeface="Guttman Hatzvi" panose="02010401010101010101" pitchFamily="2" charset="-79"/>
+                <a:cs typeface="Guttman Hatzvi" panose="02010401010101010101" pitchFamily="2" charset="-79"/>
+              </a:rPr>
               <a:t>שמעביר</a:t>
             </a:r>
             <a:r>
-              <a:rPr dirty="0"/>
-              <a:t> </a:t>
-            </a:r>
-            <a:r>
-              <a:rPr dirty="0" err="1"/>
+              <a:rPr dirty="0">
+                <a:latin typeface="Guttman Hatzvi" panose="02010401010101010101" pitchFamily="2" charset="-79"/>
+                <a:cs typeface="Guttman Hatzvi" panose="02010401010101010101" pitchFamily="2" charset="-79"/>
+              </a:rPr>
+              <a:t> </a:t>
+            </a:r>
+            <a:r>
+              <a:rPr dirty="0" err="1">
+                <a:latin typeface="Guttman Hatzvi" panose="02010401010101010101" pitchFamily="2" charset="-79"/>
+                <a:cs typeface="Guttman Hatzvi" panose="02010401010101010101" pitchFamily="2" charset="-79"/>
+              </a:rPr>
               <a:t>הארגון</a:t>
             </a:r>
-            <a:endParaRPr dirty="0"/>
+            <a:endParaRPr dirty="0">
+              <a:latin typeface="Guttman Hatzvi" panose="02010401010101010101" pitchFamily="2" charset="-79"/>
+              <a:cs typeface="Guttman Hatzvi" panose="02010401010101010101" pitchFamily="2" charset="-79"/>
+            </a:endParaRPr>
           </a:p>
           <a:p>
             <a:pPr marL="571500" indent="-571500" algn="r">
@@ -6584,18 +6807,30 @@
               </a:defRPr>
             </a:pPr>
             <a:r>
-              <a:rPr dirty="0" err="1"/>
+              <a:rPr dirty="0" err="1">
+                <a:latin typeface="Guttman Hatzvi" panose="02010401010101010101" pitchFamily="2" charset="-79"/>
+                <a:cs typeface="Guttman Hatzvi" panose="02010401010101010101" pitchFamily="2" charset="-79"/>
+              </a:rPr>
               <a:t>התנדבויות</a:t>
             </a:r>
             <a:r>
-              <a:rPr dirty="0"/>
-              <a:t> </a:t>
-            </a:r>
-            <a:r>
-              <a:rPr dirty="0" err="1"/>
+              <a:rPr dirty="0">
+                <a:latin typeface="Guttman Hatzvi" panose="02010401010101010101" pitchFamily="2" charset="-79"/>
+                <a:cs typeface="Guttman Hatzvi" panose="02010401010101010101" pitchFamily="2" charset="-79"/>
+              </a:rPr>
+              <a:t> </a:t>
+            </a:r>
+            <a:r>
+              <a:rPr dirty="0" err="1">
+                <a:latin typeface="Guttman Hatzvi" panose="02010401010101010101" pitchFamily="2" charset="-79"/>
+                <a:cs typeface="Guttman Hatzvi" panose="02010401010101010101" pitchFamily="2" charset="-79"/>
+              </a:rPr>
               <a:t>מוצעות</a:t>
             </a:r>
-            <a:endParaRPr dirty="0"/>
+            <a:endParaRPr dirty="0">
+              <a:latin typeface="Guttman Hatzvi" panose="02010401010101010101" pitchFamily="2" charset="-79"/>
+              <a:cs typeface="Guttman Hatzvi" panose="02010401010101010101" pitchFamily="2" charset="-79"/>
+            </a:endParaRPr>
           </a:p>
           <a:p>
             <a:pPr marL="571500" indent="-571500" algn="r">
@@ -6617,18 +6852,30 @@
               </a:defRPr>
             </a:pPr>
             <a:r>
-              <a:rPr dirty="0" err="1"/>
+              <a:rPr dirty="0" err="1">
+                <a:latin typeface="Guttman Hatzvi" panose="02010401010101010101" pitchFamily="2" charset="-79"/>
+                <a:cs typeface="Guttman Hatzvi" panose="02010401010101010101" pitchFamily="2" charset="-79"/>
+              </a:rPr>
               <a:t>הצעות</a:t>
             </a:r>
             <a:r>
-              <a:rPr dirty="0"/>
-              <a:t> </a:t>
-            </a:r>
-            <a:r>
-              <a:rPr dirty="0" err="1"/>
+              <a:rPr dirty="0">
+                <a:latin typeface="Guttman Hatzvi" panose="02010401010101010101" pitchFamily="2" charset="-79"/>
+                <a:cs typeface="Guttman Hatzvi" panose="02010401010101010101" pitchFamily="2" charset="-79"/>
+              </a:rPr>
+              <a:t> </a:t>
+            </a:r>
+            <a:r>
+              <a:rPr dirty="0" err="1">
+                <a:latin typeface="Guttman Hatzvi" panose="02010401010101010101" pitchFamily="2" charset="-79"/>
+                <a:cs typeface="Guttman Hatzvi" panose="02010401010101010101" pitchFamily="2" charset="-79"/>
+              </a:rPr>
               <a:t>עבודה</a:t>
             </a:r>
-            <a:endParaRPr dirty="0"/>
+            <a:endParaRPr dirty="0">
+              <a:latin typeface="Guttman Hatzvi" panose="02010401010101010101" pitchFamily="2" charset="-79"/>
+              <a:cs typeface="Guttman Hatzvi" panose="02010401010101010101" pitchFamily="2" charset="-79"/>
+            </a:endParaRPr>
           </a:p>
           <a:p>
             <a:pPr marL="571500" indent="-571500" algn="r">
@@ -6650,10 +6897,16 @@
               </a:defRPr>
             </a:pPr>
             <a:r>
-              <a:rPr dirty="0" err="1"/>
+              <a:rPr dirty="0" err="1">
+                <a:latin typeface="Guttman Hatzvi" panose="02010401010101010101" pitchFamily="2" charset="-79"/>
+                <a:cs typeface="Guttman Hatzvi" panose="02010401010101010101" pitchFamily="2" charset="-79"/>
+              </a:rPr>
               <a:t>ניוזלטרים</a:t>
             </a:r>
-            <a:endParaRPr dirty="0"/>
+            <a:endParaRPr dirty="0">
+              <a:latin typeface="Guttman Hatzvi" panose="02010401010101010101" pitchFamily="2" charset="-79"/>
+              <a:cs typeface="Guttman Hatzvi" panose="02010401010101010101" pitchFamily="2" charset="-79"/>
+            </a:endParaRPr>
           </a:p>
         </p:txBody>
       </p:sp>
@@ -6675,7 +6928,7 @@
         </p:blipFill>
         <p:spPr>
           <a:xfrm>
-            <a:off x="1704045" y="3449404"/>
+            <a:off x="1508067" y="3233815"/>
             <a:ext cx="5345516" cy="2503092"/>
           </a:xfrm>
           <a:prstGeom prst="rect">
@@ -6692,6 +6945,13 @@
     <a:masterClrMapping/>
   </p:clrMapOvr>
   <p:transition spd="slow"/>
+  <p:timing>
+    <p:tnLst>
+      <p:par>
+        <p:cTn id="1" dur="indefinite" restart="never" nodeType="tmRoot"/>
+      </p:par>
+    </p:tnLst>
+  </p:timing>
 </p:sld>
 </file>
 
@@ -6721,7 +6981,7 @@
         <p:spPr>
           <a:xfrm>
             <a:off x="3892730" y="658732"/>
-            <a:ext cx="5075027" cy="891539"/>
+            <a:ext cx="5075027" cy="1015659"/>
           </a:xfrm>
           <a:prstGeom prst="rect">
             <a:avLst/>
@@ -6731,7 +6991,7 @@
           </a:ln>
           <a:extLst>
             <a:ext uri="{C572A759-6A51-4108-AA02-DFA0A04FC94B}">
-              <ma14:wrappingTextBoxFlag xmlns:ma14="http://schemas.microsoft.com/office/mac/drawingml/2011/main" xmlns="" val="1"/>
+              <ma14:wrappingTextBoxFlag xmlns="" xmlns:ma14="http://schemas.microsoft.com/office/mac/drawingml/2011/main" val="1"/>
             </a:ext>
           </a:extLst>
         </p:spPr>
@@ -6762,10 +7022,10 @@
               <a:defRPr/>
             </a:pPr>
             <a:r>
-              <a:rPr dirty="0" err="1"/>
+              <a:rPr sz="6000" dirty="0" err="1"/>
               <a:t>רטרוספקטיבה</a:t>
             </a:r>
-            <a:endParaRPr dirty="0"/>
+            <a:endParaRPr sz="6000" dirty="0"/>
           </a:p>
         </p:txBody>
       </p:sp>
@@ -6778,7 +7038,7 @@
         <p:spPr>
           <a:xfrm>
             <a:off x="2108576" y="1734462"/>
-            <a:ext cx="9252779" cy="4401201"/>
+            <a:ext cx="9252779" cy="4832088"/>
           </a:xfrm>
           <a:prstGeom prst="rect">
             <a:avLst/>
@@ -6788,7 +7048,7 @@
           </a:ln>
           <a:extLst>
             <a:ext uri="{C572A759-6A51-4108-AA02-DFA0A04FC94B}">
-              <ma14:wrappingTextBoxFlag xmlns:ma14="http://schemas.microsoft.com/office/mac/drawingml/2011/main" xmlns="" val="1"/>
+              <ma14:wrappingTextBoxFlag xmlns="" xmlns:ma14="http://schemas.microsoft.com/office/mac/drawingml/2011/main" val="1"/>
             </a:ext>
           </a:extLst>
         </p:spPr>
@@ -6814,179 +7074,311 @@
               </a:defRPr>
             </a:pPr>
             <a:r>
-              <a:rPr dirty="0" err="1"/>
+              <a:rPr dirty="0" err="1">
+                <a:latin typeface="Guttman Hatzvi" panose="02010401010101010101" pitchFamily="2" charset="-79"/>
+                <a:cs typeface="Guttman Hatzvi" panose="02010401010101010101" pitchFamily="2" charset="-79"/>
+              </a:rPr>
               <a:t>אנו</a:t>
             </a:r>
             <a:r>
-              <a:rPr dirty="0"/>
-              <a:t> </a:t>
-            </a:r>
-            <a:r>
-              <a:rPr dirty="0" err="1"/>
+              <a:rPr dirty="0">
+                <a:latin typeface="Guttman Hatzvi" panose="02010401010101010101" pitchFamily="2" charset="-79"/>
+                <a:cs typeface="Guttman Hatzvi" panose="02010401010101010101" pitchFamily="2" charset="-79"/>
+              </a:rPr>
+              <a:t> </a:t>
+            </a:r>
+            <a:r>
+              <a:rPr dirty="0" err="1">
+                <a:latin typeface="Guttman Hatzvi" panose="02010401010101010101" pitchFamily="2" charset="-79"/>
+                <a:cs typeface="Guttman Hatzvi" panose="02010401010101010101" pitchFamily="2" charset="-79"/>
+              </a:rPr>
               <a:t>חברי</a:t>
             </a:r>
             <a:r>
-              <a:rPr dirty="0"/>
-              <a:t> </a:t>
-            </a:r>
-            <a:r>
-              <a:rPr dirty="0" err="1"/>
+              <a:rPr dirty="0">
+                <a:latin typeface="Guttman Hatzvi" panose="02010401010101010101" pitchFamily="2" charset="-79"/>
+                <a:cs typeface="Guttman Hatzvi" panose="02010401010101010101" pitchFamily="2" charset="-79"/>
+              </a:rPr>
+              <a:t> </a:t>
+            </a:r>
+            <a:r>
+              <a:rPr dirty="0" err="1">
+                <a:latin typeface="Guttman Hatzvi" panose="02010401010101010101" pitchFamily="2" charset="-79"/>
+                <a:cs typeface="Guttman Hatzvi" panose="02010401010101010101" pitchFamily="2" charset="-79"/>
+              </a:rPr>
               <a:t>הצוות</a:t>
             </a:r>
             <a:r>
-              <a:rPr dirty="0"/>
-              <a:t> </a:t>
-            </a:r>
-            <a:r>
-              <a:rPr dirty="0" err="1"/>
+              <a:rPr dirty="0">
+                <a:latin typeface="Guttman Hatzvi" panose="02010401010101010101" pitchFamily="2" charset="-79"/>
+                <a:cs typeface="Guttman Hatzvi" panose="02010401010101010101" pitchFamily="2" charset="-79"/>
+              </a:rPr>
+              <a:t> </a:t>
+            </a:r>
+            <a:r>
+              <a:rPr dirty="0" err="1">
+                <a:latin typeface="Guttman Hatzvi" panose="02010401010101010101" pitchFamily="2" charset="-79"/>
+                <a:cs typeface="Guttman Hatzvi" panose="02010401010101010101" pitchFamily="2" charset="-79"/>
+              </a:rPr>
               <a:t>מרגישים</a:t>
             </a:r>
             <a:r>
-              <a:rPr dirty="0"/>
-              <a:t> </a:t>
-            </a:r>
-            <a:r>
-              <a:rPr dirty="0" err="1"/>
+              <a:rPr dirty="0">
+                <a:latin typeface="Guttman Hatzvi" panose="02010401010101010101" pitchFamily="2" charset="-79"/>
+                <a:cs typeface="Guttman Hatzvi" panose="02010401010101010101" pitchFamily="2" charset="-79"/>
+              </a:rPr>
+              <a:t> </a:t>
+            </a:r>
+            <a:r>
+              <a:rPr dirty="0" err="1">
+                <a:latin typeface="Guttman Hatzvi" panose="02010401010101010101" pitchFamily="2" charset="-79"/>
+                <a:cs typeface="Guttman Hatzvi" panose="02010401010101010101" pitchFamily="2" charset="-79"/>
+              </a:rPr>
               <a:t>שלאחר</a:t>
             </a:r>
             <a:r>
-              <a:rPr dirty="0"/>
-              <a:t> </a:t>
-            </a:r>
-            <a:r>
-              <a:rPr dirty="0" err="1"/>
+              <a:rPr dirty="0">
+                <a:latin typeface="Guttman Hatzvi" panose="02010401010101010101" pitchFamily="2" charset="-79"/>
+                <a:cs typeface="Guttman Hatzvi" panose="02010401010101010101" pitchFamily="2" charset="-79"/>
+              </a:rPr>
+              <a:t> </a:t>
+            </a:r>
+            <a:r>
+              <a:rPr dirty="0" err="1">
+                <a:latin typeface="Guttman Hatzvi" panose="02010401010101010101" pitchFamily="2" charset="-79"/>
+                <a:cs typeface="Guttman Hatzvi" panose="02010401010101010101" pitchFamily="2" charset="-79"/>
+              </a:rPr>
               <a:t>האיטרציה</a:t>
             </a:r>
             <a:r>
-              <a:rPr dirty="0"/>
-              <a:t> </a:t>
-            </a:r>
-            <a:r>
-              <a:rPr dirty="0" err="1"/>
+              <a:rPr dirty="0">
+                <a:latin typeface="Guttman Hatzvi" panose="02010401010101010101" pitchFamily="2" charset="-79"/>
+                <a:cs typeface="Guttman Hatzvi" panose="02010401010101010101" pitchFamily="2" charset="-79"/>
+              </a:rPr>
+              <a:t> </a:t>
+            </a:r>
+            <a:r>
+              <a:rPr dirty="0" err="1">
+                <a:latin typeface="Guttman Hatzvi" panose="02010401010101010101" pitchFamily="2" charset="-79"/>
+                <a:cs typeface="Guttman Hatzvi" panose="02010401010101010101" pitchFamily="2" charset="-79"/>
+              </a:rPr>
               <a:t>השנייה</a:t>
             </a:r>
             <a:r>
-              <a:rPr dirty="0"/>
-              <a:t> </a:t>
-            </a:r>
-            <a:r>
-              <a:rPr dirty="0" err="1"/>
+              <a:rPr dirty="0">
+                <a:latin typeface="Guttman Hatzvi" panose="02010401010101010101" pitchFamily="2" charset="-79"/>
+                <a:cs typeface="Guttman Hatzvi" panose="02010401010101010101" pitchFamily="2" charset="-79"/>
+              </a:rPr>
+              <a:t> </a:t>
+            </a:r>
+            <a:r>
+              <a:rPr dirty="0" err="1">
+                <a:latin typeface="Guttman Hatzvi" panose="02010401010101010101" pitchFamily="2" charset="-79"/>
+                <a:cs typeface="Guttman Hatzvi" panose="02010401010101010101" pitchFamily="2" charset="-79"/>
+              </a:rPr>
               <a:t>הבנו</a:t>
             </a:r>
             <a:r>
-              <a:rPr dirty="0"/>
-              <a:t> </a:t>
-            </a:r>
-            <a:r>
-              <a:rPr dirty="0" err="1"/>
+              <a:rPr dirty="0">
+                <a:latin typeface="Guttman Hatzvi" panose="02010401010101010101" pitchFamily="2" charset="-79"/>
+                <a:cs typeface="Guttman Hatzvi" panose="02010401010101010101" pitchFamily="2" charset="-79"/>
+              </a:rPr>
+              <a:t> </a:t>
+            </a:r>
+            <a:r>
+              <a:rPr dirty="0" err="1">
+                <a:latin typeface="Guttman Hatzvi" panose="02010401010101010101" pitchFamily="2" charset="-79"/>
+                <a:cs typeface="Guttman Hatzvi" panose="02010401010101010101" pitchFamily="2" charset="-79"/>
+              </a:rPr>
               <a:t>הרבה</a:t>
             </a:r>
             <a:r>
-              <a:rPr dirty="0"/>
-              <a:t> </a:t>
-            </a:r>
-            <a:r>
-              <a:rPr dirty="0" err="1"/>
+              <a:rPr dirty="0">
+                <a:latin typeface="Guttman Hatzvi" panose="02010401010101010101" pitchFamily="2" charset="-79"/>
+                <a:cs typeface="Guttman Hatzvi" panose="02010401010101010101" pitchFamily="2" charset="-79"/>
+              </a:rPr>
+              <a:t> </a:t>
+            </a:r>
+            <a:r>
+              <a:rPr dirty="0" err="1">
+                <a:latin typeface="Guttman Hatzvi" panose="02010401010101010101" pitchFamily="2" charset="-79"/>
+                <a:cs typeface="Guttman Hatzvi" panose="02010401010101010101" pitchFamily="2" charset="-79"/>
+              </a:rPr>
               <a:t>יותר</a:t>
             </a:r>
             <a:r>
-              <a:rPr dirty="0"/>
-              <a:t> </a:t>
-            </a:r>
-            <a:r>
-              <a:rPr dirty="0" err="1"/>
+              <a:rPr dirty="0">
+                <a:latin typeface="Guttman Hatzvi" panose="02010401010101010101" pitchFamily="2" charset="-79"/>
+                <a:cs typeface="Guttman Hatzvi" panose="02010401010101010101" pitchFamily="2" charset="-79"/>
+              </a:rPr>
+              <a:t> </a:t>
+            </a:r>
+            <a:r>
+              <a:rPr dirty="0" err="1">
+                <a:latin typeface="Guttman Hatzvi" panose="02010401010101010101" pitchFamily="2" charset="-79"/>
+                <a:cs typeface="Guttman Hatzvi" panose="02010401010101010101" pitchFamily="2" charset="-79"/>
+              </a:rPr>
               <a:t>איך</a:t>
             </a:r>
             <a:r>
-              <a:rPr dirty="0"/>
-              <a:t> </a:t>
-            </a:r>
-            <a:r>
-              <a:rPr dirty="0" err="1"/>
+              <a:rPr dirty="0">
+                <a:latin typeface="Guttman Hatzvi" panose="02010401010101010101" pitchFamily="2" charset="-79"/>
+                <a:cs typeface="Guttman Hatzvi" panose="02010401010101010101" pitchFamily="2" charset="-79"/>
+              </a:rPr>
+              <a:t> </a:t>
+            </a:r>
+            <a:r>
+              <a:rPr dirty="0" err="1">
+                <a:latin typeface="Guttman Hatzvi" panose="02010401010101010101" pitchFamily="2" charset="-79"/>
+                <a:cs typeface="Guttman Hatzvi" panose="02010401010101010101" pitchFamily="2" charset="-79"/>
+              </a:rPr>
               <a:t>לעבוד</a:t>
             </a:r>
             <a:r>
-              <a:rPr dirty="0"/>
-              <a:t> </a:t>
-            </a:r>
-            <a:r>
-              <a:rPr dirty="0" err="1"/>
+              <a:rPr dirty="0">
+                <a:latin typeface="Guttman Hatzvi" panose="02010401010101010101" pitchFamily="2" charset="-79"/>
+                <a:cs typeface="Guttman Hatzvi" panose="02010401010101010101" pitchFamily="2" charset="-79"/>
+              </a:rPr>
+              <a:t> </a:t>
+            </a:r>
+            <a:r>
+              <a:rPr dirty="0" err="1">
+                <a:latin typeface="Guttman Hatzvi" panose="02010401010101010101" pitchFamily="2" charset="-79"/>
+                <a:cs typeface="Guttman Hatzvi" panose="02010401010101010101" pitchFamily="2" charset="-79"/>
+              </a:rPr>
               <a:t>בשיטת</a:t>
             </a:r>
             <a:r>
-              <a:rPr dirty="0"/>
-              <a:t> </a:t>
-            </a:r>
-            <a:r>
-              <a:rPr dirty="0" err="1"/>
+              <a:rPr dirty="0">
+                <a:latin typeface="Guttman Hatzvi" panose="02010401010101010101" pitchFamily="2" charset="-79"/>
+                <a:cs typeface="Guttman Hatzvi" panose="02010401010101010101" pitchFamily="2" charset="-79"/>
+              </a:rPr>
+              <a:t> </a:t>
+            </a:r>
+            <a:r>
+              <a:rPr dirty="0" err="1">
+                <a:latin typeface="Guttman Hatzvi" panose="02010401010101010101" pitchFamily="2" charset="-79"/>
+                <a:cs typeface="Guttman Hatzvi" panose="02010401010101010101" pitchFamily="2" charset="-79"/>
+              </a:rPr>
               <a:t>הסבבים</a:t>
             </a:r>
             <a:r>
-              <a:rPr dirty="0"/>
-              <a:t> </a:t>
-            </a:r>
-            <a:r>
-              <a:rPr dirty="0" err="1"/>
+              <a:rPr dirty="0">
+                <a:latin typeface="Guttman Hatzvi" panose="02010401010101010101" pitchFamily="2" charset="-79"/>
+                <a:cs typeface="Guttman Hatzvi" panose="02010401010101010101" pitchFamily="2" charset="-79"/>
+              </a:rPr>
+              <a:t> </a:t>
+            </a:r>
+            <a:r>
+              <a:rPr dirty="0" err="1">
+                <a:latin typeface="Guttman Hatzvi" panose="02010401010101010101" pitchFamily="2" charset="-79"/>
+                <a:cs typeface="Guttman Hatzvi" panose="02010401010101010101" pitchFamily="2" charset="-79"/>
+              </a:rPr>
               <a:t>ולמדנו</a:t>
             </a:r>
             <a:r>
-              <a:rPr dirty="0"/>
-              <a:t> </a:t>
-            </a:r>
-            <a:r>
-              <a:rPr dirty="0" err="1"/>
+              <a:rPr dirty="0">
+                <a:latin typeface="Guttman Hatzvi" panose="02010401010101010101" pitchFamily="2" charset="-79"/>
+                <a:cs typeface="Guttman Hatzvi" panose="02010401010101010101" pitchFamily="2" charset="-79"/>
+              </a:rPr>
+              <a:t> </a:t>
+            </a:r>
+            <a:r>
+              <a:rPr dirty="0" err="1">
+                <a:latin typeface="Guttman Hatzvi" panose="02010401010101010101" pitchFamily="2" charset="-79"/>
+                <a:cs typeface="Guttman Hatzvi" panose="02010401010101010101" pitchFamily="2" charset="-79"/>
+              </a:rPr>
               <a:t>להיות</a:t>
             </a:r>
             <a:r>
-              <a:rPr dirty="0"/>
-              <a:t> </a:t>
-            </a:r>
-            <a:r>
-              <a:rPr dirty="0" err="1"/>
+              <a:rPr dirty="0">
+                <a:latin typeface="Guttman Hatzvi" panose="02010401010101010101" pitchFamily="2" charset="-79"/>
+                <a:cs typeface="Guttman Hatzvi" panose="02010401010101010101" pitchFamily="2" charset="-79"/>
+              </a:rPr>
+              <a:t> </a:t>
+            </a:r>
+            <a:r>
+              <a:rPr dirty="0" err="1">
+                <a:latin typeface="Guttman Hatzvi" panose="02010401010101010101" pitchFamily="2" charset="-79"/>
+                <a:cs typeface="Guttman Hatzvi" panose="02010401010101010101" pitchFamily="2" charset="-79"/>
+              </a:rPr>
               <a:t>יותר</a:t>
             </a:r>
             <a:r>
-              <a:rPr dirty="0"/>
-              <a:t> </a:t>
-            </a:r>
-            <a:r>
-              <a:rPr dirty="0" err="1"/>
+              <a:rPr dirty="0">
+                <a:latin typeface="Guttman Hatzvi" panose="02010401010101010101" pitchFamily="2" charset="-79"/>
+                <a:cs typeface="Guttman Hatzvi" panose="02010401010101010101" pitchFamily="2" charset="-79"/>
+              </a:rPr>
+              <a:t> </a:t>
+            </a:r>
+            <a:r>
+              <a:rPr dirty="0" err="1">
+                <a:latin typeface="Guttman Hatzvi" panose="02010401010101010101" pitchFamily="2" charset="-79"/>
+                <a:cs typeface="Guttman Hatzvi" panose="02010401010101010101" pitchFamily="2" charset="-79"/>
+              </a:rPr>
               <a:t>ספציפיים</a:t>
             </a:r>
             <a:r>
-              <a:rPr dirty="0"/>
-              <a:t> </a:t>
-            </a:r>
-            <a:r>
-              <a:rPr dirty="0" err="1"/>
+              <a:rPr dirty="0">
+                <a:latin typeface="Guttman Hatzvi" panose="02010401010101010101" pitchFamily="2" charset="-79"/>
+                <a:cs typeface="Guttman Hatzvi" panose="02010401010101010101" pitchFamily="2" charset="-79"/>
+              </a:rPr>
+              <a:t> </a:t>
+            </a:r>
+            <a:r>
+              <a:rPr dirty="0" err="1">
+                <a:latin typeface="Guttman Hatzvi" panose="02010401010101010101" pitchFamily="2" charset="-79"/>
+                <a:cs typeface="Guttman Hatzvi" panose="02010401010101010101" pitchFamily="2" charset="-79"/>
+              </a:rPr>
               <a:t>בדרישת</a:t>
             </a:r>
             <a:r>
-              <a:rPr dirty="0"/>
-              <a:t> </a:t>
-            </a:r>
-            <a:r>
-              <a:rPr dirty="0" err="1"/>
+              <a:rPr dirty="0">
+                <a:latin typeface="Guttman Hatzvi" panose="02010401010101010101" pitchFamily="2" charset="-79"/>
+                <a:cs typeface="Guttman Hatzvi" panose="02010401010101010101" pitchFamily="2" charset="-79"/>
+              </a:rPr>
+              <a:t> </a:t>
+            </a:r>
+            <a:r>
+              <a:rPr dirty="0" err="1">
+                <a:latin typeface="Guttman Hatzvi" panose="02010401010101010101" pitchFamily="2" charset="-79"/>
+                <a:cs typeface="Guttman Hatzvi" panose="02010401010101010101" pitchFamily="2" charset="-79"/>
+              </a:rPr>
               <a:t>המשימות</a:t>
             </a:r>
             <a:r>
-              <a:rPr dirty="0"/>
-              <a:t> </a:t>
-            </a:r>
-            <a:r>
-              <a:rPr dirty="0" err="1"/>
+              <a:rPr dirty="0">
+                <a:latin typeface="Guttman Hatzvi" panose="02010401010101010101" pitchFamily="2" charset="-79"/>
+                <a:cs typeface="Guttman Hatzvi" panose="02010401010101010101" pitchFamily="2" charset="-79"/>
+              </a:rPr>
+              <a:t> </a:t>
+            </a:r>
+            <a:r>
+              <a:rPr dirty="0" err="1">
+                <a:latin typeface="Guttman Hatzvi" panose="02010401010101010101" pitchFamily="2" charset="-79"/>
+                <a:cs typeface="Guttman Hatzvi" panose="02010401010101010101" pitchFamily="2" charset="-79"/>
+              </a:rPr>
               <a:t>לכל</a:t>
             </a:r>
             <a:r>
-              <a:rPr dirty="0"/>
-              <a:t> </a:t>
-            </a:r>
-            <a:r>
-              <a:rPr dirty="0" err="1"/>
+              <a:rPr dirty="0">
+                <a:latin typeface="Guttman Hatzvi" panose="02010401010101010101" pitchFamily="2" charset="-79"/>
+                <a:cs typeface="Guttman Hatzvi" panose="02010401010101010101" pitchFamily="2" charset="-79"/>
+              </a:rPr>
+              <a:t> </a:t>
+            </a:r>
+            <a:r>
+              <a:rPr dirty="0" err="1">
+                <a:latin typeface="Guttman Hatzvi" panose="02010401010101010101" pitchFamily="2" charset="-79"/>
+                <a:cs typeface="Guttman Hatzvi" panose="02010401010101010101" pitchFamily="2" charset="-79"/>
+              </a:rPr>
               <a:t>סבב</a:t>
             </a:r>
             <a:r>
-              <a:rPr dirty="0"/>
+              <a:rPr dirty="0">
+                <a:latin typeface="Guttman Hatzvi" panose="02010401010101010101" pitchFamily="2" charset="-79"/>
+                <a:cs typeface="Guttman Hatzvi" panose="02010401010101010101" pitchFamily="2" charset="-79"/>
+              </a:rPr>
               <a:t>.</a:t>
             </a:r>
           </a:p>
@@ -7006,7 +7398,10 @@
                 <a:sym typeface="Arial"/>
               </a:defRPr>
             </a:pPr>
-            <a:endParaRPr dirty="0"/>
+            <a:endParaRPr dirty="0">
+              <a:latin typeface="Guttman Hatzvi" panose="02010401010101010101" pitchFamily="2" charset="-79"/>
+              <a:cs typeface="Guttman Hatzvi" panose="02010401010101010101" pitchFamily="2" charset="-79"/>
+            </a:endParaRPr>
           </a:p>
           <a:p>
             <a:pPr algn="r">
@@ -7025,179 +7420,311 @@
               </a:defRPr>
             </a:pPr>
             <a:r>
-              <a:rPr dirty="0" err="1"/>
+              <a:rPr dirty="0" err="1">
+                <a:latin typeface="Guttman Hatzvi" panose="02010401010101010101" pitchFamily="2" charset="-79"/>
+                <a:cs typeface="Guttman Hatzvi" panose="02010401010101010101" pitchFamily="2" charset="-79"/>
+              </a:rPr>
               <a:t>התכנון</a:t>
             </a:r>
             <a:r>
-              <a:rPr dirty="0"/>
-              <a:t> </a:t>
-            </a:r>
-            <a:r>
-              <a:rPr dirty="0" err="1"/>
+              <a:rPr dirty="0">
+                <a:latin typeface="Guttman Hatzvi" panose="02010401010101010101" pitchFamily="2" charset="-79"/>
+                <a:cs typeface="Guttman Hatzvi" panose="02010401010101010101" pitchFamily="2" charset="-79"/>
+              </a:rPr>
+              <a:t> </a:t>
+            </a:r>
+            <a:r>
+              <a:rPr dirty="0" err="1">
+                <a:latin typeface="Guttman Hatzvi" panose="02010401010101010101" pitchFamily="2" charset="-79"/>
+                <a:cs typeface="Guttman Hatzvi" panose="02010401010101010101" pitchFamily="2" charset="-79"/>
+              </a:rPr>
               <a:t>שלנו</a:t>
             </a:r>
             <a:r>
-              <a:rPr dirty="0"/>
-              <a:t> </a:t>
-            </a:r>
-            <a:r>
-              <a:rPr dirty="0" err="1"/>
+              <a:rPr dirty="0">
+                <a:latin typeface="Guttman Hatzvi" panose="02010401010101010101" pitchFamily="2" charset="-79"/>
+                <a:cs typeface="Guttman Hatzvi" panose="02010401010101010101" pitchFamily="2" charset="-79"/>
+              </a:rPr>
+              <a:t> </a:t>
+            </a:r>
+            <a:r>
+              <a:rPr dirty="0" err="1">
+                <a:latin typeface="Guttman Hatzvi" panose="02010401010101010101" pitchFamily="2" charset="-79"/>
+                <a:cs typeface="Guttman Hatzvi" panose="02010401010101010101" pitchFamily="2" charset="-79"/>
+              </a:rPr>
               <a:t>היה</a:t>
             </a:r>
             <a:r>
-              <a:rPr dirty="0"/>
-              <a:t> </a:t>
-            </a:r>
-            <a:r>
-              <a:rPr dirty="0" err="1"/>
+              <a:rPr dirty="0">
+                <a:latin typeface="Guttman Hatzvi" panose="02010401010101010101" pitchFamily="2" charset="-79"/>
+                <a:cs typeface="Guttman Hatzvi" panose="02010401010101010101" pitchFamily="2" charset="-79"/>
+              </a:rPr>
+              <a:t> </a:t>
+            </a:r>
+            <a:r>
+              <a:rPr dirty="0" err="1">
+                <a:latin typeface="Guttman Hatzvi" panose="02010401010101010101" pitchFamily="2" charset="-79"/>
+                <a:cs typeface="Guttman Hatzvi" panose="02010401010101010101" pitchFamily="2" charset="-79"/>
+              </a:rPr>
               <a:t>ליצור</a:t>
             </a:r>
             <a:r>
-              <a:rPr dirty="0"/>
-              <a:t> </a:t>
-            </a:r>
-            <a:r>
-              <a:rPr dirty="0" err="1"/>
+              <a:rPr dirty="0">
+                <a:latin typeface="Guttman Hatzvi" panose="02010401010101010101" pitchFamily="2" charset="-79"/>
+                <a:cs typeface="Guttman Hatzvi" panose="02010401010101010101" pitchFamily="2" charset="-79"/>
+              </a:rPr>
+              <a:t> </a:t>
+            </a:r>
+            <a:r>
+              <a:rPr dirty="0" err="1">
+                <a:latin typeface="Guttman Hatzvi" panose="02010401010101010101" pitchFamily="2" charset="-79"/>
+                <a:cs typeface="Guttman Hatzvi" panose="02010401010101010101" pitchFamily="2" charset="-79"/>
+              </a:rPr>
               <a:t>אתר</a:t>
             </a:r>
             <a:r>
-              <a:rPr dirty="0"/>
-              <a:t> </a:t>
-            </a:r>
-            <a:r>
-              <a:rPr dirty="0" err="1"/>
+              <a:rPr dirty="0">
+                <a:latin typeface="Guttman Hatzvi" panose="02010401010101010101" pitchFamily="2" charset="-79"/>
+                <a:cs typeface="Guttman Hatzvi" panose="02010401010101010101" pitchFamily="2" charset="-79"/>
+              </a:rPr>
+              <a:t> </a:t>
+            </a:r>
+            <a:r>
+              <a:rPr dirty="0" err="1">
+                <a:latin typeface="Guttman Hatzvi" panose="02010401010101010101" pitchFamily="2" charset="-79"/>
+                <a:cs typeface="Guttman Hatzvi" panose="02010401010101010101" pitchFamily="2" charset="-79"/>
+              </a:rPr>
               <a:t>שמציג</a:t>
             </a:r>
             <a:r>
-              <a:rPr dirty="0"/>
-              <a:t> </a:t>
-            </a:r>
-            <a:r>
-              <a:rPr dirty="0" err="1"/>
+              <a:rPr dirty="0">
+                <a:latin typeface="Guttman Hatzvi" panose="02010401010101010101" pitchFamily="2" charset="-79"/>
+                <a:cs typeface="Guttman Hatzvi" panose="02010401010101010101" pitchFamily="2" charset="-79"/>
+              </a:rPr>
+              <a:t> </a:t>
+            </a:r>
+            <a:r>
+              <a:rPr dirty="0" err="1">
+                <a:latin typeface="Guttman Hatzvi" panose="02010401010101010101" pitchFamily="2" charset="-79"/>
+                <a:cs typeface="Guttman Hatzvi" panose="02010401010101010101" pitchFamily="2" charset="-79"/>
+              </a:rPr>
               <a:t>מידע</a:t>
             </a:r>
             <a:r>
-              <a:rPr dirty="0"/>
-              <a:t> </a:t>
-            </a:r>
-            <a:r>
-              <a:rPr dirty="0" err="1"/>
+              <a:rPr dirty="0">
+                <a:latin typeface="Guttman Hatzvi" panose="02010401010101010101" pitchFamily="2" charset="-79"/>
+                <a:cs typeface="Guttman Hatzvi" panose="02010401010101010101" pitchFamily="2" charset="-79"/>
+              </a:rPr>
+              <a:t> </a:t>
+            </a:r>
+            <a:r>
+              <a:rPr dirty="0" err="1">
+                <a:latin typeface="Guttman Hatzvi" panose="02010401010101010101" pitchFamily="2" charset="-79"/>
+                <a:cs typeface="Guttman Hatzvi" panose="02010401010101010101" pitchFamily="2" charset="-79"/>
+              </a:rPr>
               <a:t>בצורה</a:t>
             </a:r>
             <a:r>
-              <a:rPr dirty="0"/>
-              <a:t> </a:t>
-            </a:r>
-            <a:r>
-              <a:rPr dirty="0" err="1"/>
+              <a:rPr dirty="0">
+                <a:latin typeface="Guttman Hatzvi" panose="02010401010101010101" pitchFamily="2" charset="-79"/>
+                <a:cs typeface="Guttman Hatzvi" panose="02010401010101010101" pitchFamily="2" charset="-79"/>
+              </a:rPr>
+              <a:t> </a:t>
+            </a:r>
+            <a:r>
+              <a:rPr dirty="0" err="1">
+                <a:latin typeface="Guttman Hatzvi" panose="02010401010101010101" pitchFamily="2" charset="-79"/>
+                <a:cs typeface="Guttman Hatzvi" panose="02010401010101010101" pitchFamily="2" charset="-79"/>
+              </a:rPr>
               <a:t>ברורה</a:t>
             </a:r>
             <a:r>
-              <a:rPr dirty="0"/>
-              <a:t> </a:t>
-            </a:r>
-            <a:r>
-              <a:rPr dirty="0" err="1"/>
+              <a:rPr dirty="0">
+                <a:latin typeface="Guttman Hatzvi" panose="02010401010101010101" pitchFamily="2" charset="-79"/>
+                <a:cs typeface="Guttman Hatzvi" panose="02010401010101010101" pitchFamily="2" charset="-79"/>
+              </a:rPr>
+              <a:t> </a:t>
+            </a:r>
+            <a:r>
+              <a:rPr dirty="0" err="1">
+                <a:latin typeface="Guttman Hatzvi" panose="02010401010101010101" pitchFamily="2" charset="-79"/>
+                <a:cs typeface="Guttman Hatzvi" panose="02010401010101010101" pitchFamily="2" charset="-79"/>
+              </a:rPr>
               <a:t>ואפשרות</a:t>
             </a:r>
             <a:r>
-              <a:rPr dirty="0"/>
-              <a:t> </a:t>
-            </a:r>
-            <a:r>
-              <a:rPr dirty="0" err="1"/>
+              <a:rPr dirty="0">
+                <a:latin typeface="Guttman Hatzvi" panose="02010401010101010101" pitchFamily="2" charset="-79"/>
+                <a:cs typeface="Guttman Hatzvi" panose="02010401010101010101" pitchFamily="2" charset="-79"/>
+              </a:rPr>
+              <a:t> </a:t>
+            </a:r>
+            <a:r>
+              <a:rPr dirty="0" err="1">
+                <a:latin typeface="Guttman Hatzvi" panose="02010401010101010101" pitchFamily="2" charset="-79"/>
+                <a:cs typeface="Guttman Hatzvi" panose="02010401010101010101" pitchFamily="2" charset="-79"/>
+              </a:rPr>
               <a:t>קלה</a:t>
             </a:r>
             <a:r>
-              <a:rPr dirty="0"/>
-              <a:t> </a:t>
-            </a:r>
-            <a:r>
-              <a:rPr dirty="0" err="1"/>
+              <a:rPr dirty="0">
+                <a:latin typeface="Guttman Hatzvi" panose="02010401010101010101" pitchFamily="2" charset="-79"/>
+                <a:cs typeface="Guttman Hatzvi" panose="02010401010101010101" pitchFamily="2" charset="-79"/>
+              </a:rPr>
+              <a:t> </a:t>
+            </a:r>
+            <a:r>
+              <a:rPr dirty="0" err="1">
+                <a:latin typeface="Guttman Hatzvi" panose="02010401010101010101" pitchFamily="2" charset="-79"/>
+                <a:cs typeface="Guttman Hatzvi" panose="02010401010101010101" pitchFamily="2" charset="-79"/>
+              </a:rPr>
               <a:t>יותר</a:t>
             </a:r>
             <a:r>
-              <a:rPr dirty="0"/>
-              <a:t> </a:t>
-            </a:r>
-            <a:r>
-              <a:rPr dirty="0" err="1"/>
+              <a:rPr dirty="0">
+                <a:latin typeface="Guttman Hatzvi" panose="02010401010101010101" pitchFamily="2" charset="-79"/>
+                <a:cs typeface="Guttman Hatzvi" panose="02010401010101010101" pitchFamily="2" charset="-79"/>
+              </a:rPr>
+              <a:t> </a:t>
+            </a:r>
+            <a:r>
+              <a:rPr dirty="0" err="1">
+                <a:latin typeface="Guttman Hatzvi" panose="02010401010101010101" pitchFamily="2" charset="-79"/>
+                <a:cs typeface="Guttman Hatzvi" panose="02010401010101010101" pitchFamily="2" charset="-79"/>
+              </a:rPr>
               <a:t>להירשם</a:t>
             </a:r>
             <a:r>
-              <a:rPr dirty="0"/>
-              <a:t> </a:t>
-            </a:r>
-            <a:r>
-              <a:rPr dirty="0" err="1"/>
+              <a:rPr dirty="0">
+                <a:latin typeface="Guttman Hatzvi" panose="02010401010101010101" pitchFamily="2" charset="-79"/>
+                <a:cs typeface="Guttman Hatzvi" panose="02010401010101010101" pitchFamily="2" charset="-79"/>
+              </a:rPr>
+              <a:t> </a:t>
+            </a:r>
+            <a:r>
+              <a:rPr dirty="0" err="1">
+                <a:latin typeface="Guttman Hatzvi" panose="02010401010101010101" pitchFamily="2" charset="-79"/>
+                <a:cs typeface="Guttman Hatzvi" panose="02010401010101010101" pitchFamily="2" charset="-79"/>
+              </a:rPr>
               <a:t>לארגון</a:t>
             </a:r>
             <a:r>
-              <a:rPr dirty="0"/>
-              <a:t> </a:t>
-            </a:r>
-            <a:r>
-              <a:rPr dirty="0" err="1"/>
+              <a:rPr dirty="0">
+                <a:latin typeface="Guttman Hatzvi" panose="02010401010101010101" pitchFamily="2" charset="-79"/>
+                <a:cs typeface="Guttman Hatzvi" panose="02010401010101010101" pitchFamily="2" charset="-79"/>
+              </a:rPr>
+              <a:t> </a:t>
+            </a:r>
+            <a:r>
+              <a:rPr dirty="0" err="1">
+                <a:latin typeface="Guttman Hatzvi" panose="02010401010101010101" pitchFamily="2" charset="-79"/>
+                <a:cs typeface="Guttman Hatzvi" panose="02010401010101010101" pitchFamily="2" charset="-79"/>
+              </a:rPr>
               <a:t>ואנחנו</a:t>
             </a:r>
             <a:r>
-              <a:rPr dirty="0"/>
-              <a:t> </a:t>
-            </a:r>
-            <a:r>
-              <a:rPr dirty="0" err="1"/>
+              <a:rPr dirty="0">
+                <a:latin typeface="Guttman Hatzvi" panose="02010401010101010101" pitchFamily="2" charset="-79"/>
+                <a:cs typeface="Guttman Hatzvi" panose="02010401010101010101" pitchFamily="2" charset="-79"/>
+              </a:rPr>
+              <a:t> </a:t>
+            </a:r>
+            <a:r>
+              <a:rPr dirty="0" err="1">
+                <a:latin typeface="Guttman Hatzvi" panose="02010401010101010101" pitchFamily="2" charset="-79"/>
+                <a:cs typeface="Guttman Hatzvi" panose="02010401010101010101" pitchFamily="2" charset="-79"/>
+              </a:rPr>
               <a:t>חושבים</a:t>
             </a:r>
             <a:r>
-              <a:rPr dirty="0"/>
-              <a:t> </a:t>
-            </a:r>
-            <a:r>
-              <a:rPr dirty="0" err="1"/>
+              <a:rPr dirty="0">
+                <a:latin typeface="Guttman Hatzvi" panose="02010401010101010101" pitchFamily="2" charset="-79"/>
+                <a:cs typeface="Guttman Hatzvi" panose="02010401010101010101" pitchFamily="2" charset="-79"/>
+              </a:rPr>
+              <a:t> </a:t>
+            </a:r>
+            <a:r>
+              <a:rPr dirty="0" err="1">
+                <a:latin typeface="Guttman Hatzvi" panose="02010401010101010101" pitchFamily="2" charset="-79"/>
+                <a:cs typeface="Guttman Hatzvi" panose="02010401010101010101" pitchFamily="2" charset="-79"/>
+              </a:rPr>
               <a:t>שהביצוע</a:t>
             </a:r>
             <a:r>
-              <a:rPr dirty="0"/>
-              <a:t> </a:t>
-            </a:r>
-            <a:r>
-              <a:rPr dirty="0" err="1"/>
+              <a:rPr dirty="0">
+                <a:latin typeface="Guttman Hatzvi" panose="02010401010101010101" pitchFamily="2" charset="-79"/>
+                <a:cs typeface="Guttman Hatzvi" panose="02010401010101010101" pitchFamily="2" charset="-79"/>
+              </a:rPr>
+              <a:t> </a:t>
+            </a:r>
+            <a:r>
+              <a:rPr dirty="0" err="1">
+                <a:latin typeface="Guttman Hatzvi" panose="02010401010101010101" pitchFamily="2" charset="-79"/>
+                <a:cs typeface="Guttman Hatzvi" panose="02010401010101010101" pitchFamily="2" charset="-79"/>
+              </a:rPr>
               <a:t>שלנו</a:t>
             </a:r>
             <a:r>
-              <a:rPr dirty="0"/>
-              <a:t> </a:t>
-            </a:r>
-            <a:r>
-              <a:rPr dirty="0" err="1"/>
+              <a:rPr dirty="0">
+                <a:latin typeface="Guttman Hatzvi" panose="02010401010101010101" pitchFamily="2" charset="-79"/>
+                <a:cs typeface="Guttman Hatzvi" panose="02010401010101010101" pitchFamily="2" charset="-79"/>
+              </a:rPr>
+              <a:t> </a:t>
+            </a:r>
+            <a:r>
+              <a:rPr dirty="0" err="1">
+                <a:latin typeface="Guttman Hatzvi" panose="02010401010101010101" pitchFamily="2" charset="-79"/>
+                <a:cs typeface="Guttman Hatzvi" panose="02010401010101010101" pitchFamily="2" charset="-79"/>
+              </a:rPr>
               <a:t>איכותי</a:t>
             </a:r>
             <a:r>
-              <a:rPr dirty="0"/>
-              <a:t> </a:t>
-            </a:r>
-            <a:r>
-              <a:rPr dirty="0" err="1"/>
+              <a:rPr dirty="0">
+                <a:latin typeface="Guttman Hatzvi" panose="02010401010101010101" pitchFamily="2" charset="-79"/>
+                <a:cs typeface="Guttman Hatzvi" panose="02010401010101010101" pitchFamily="2" charset="-79"/>
+              </a:rPr>
+              <a:t> </a:t>
+            </a:r>
+            <a:r>
+              <a:rPr dirty="0" err="1">
+                <a:latin typeface="Guttman Hatzvi" panose="02010401010101010101" pitchFamily="2" charset="-79"/>
+                <a:cs typeface="Guttman Hatzvi" panose="02010401010101010101" pitchFamily="2" charset="-79"/>
+              </a:rPr>
               <a:t>ומספק</a:t>
             </a:r>
             <a:r>
-              <a:rPr dirty="0"/>
-              <a:t> </a:t>
-            </a:r>
-            <a:r>
-              <a:rPr dirty="0" err="1"/>
+              <a:rPr dirty="0">
+                <a:latin typeface="Guttman Hatzvi" panose="02010401010101010101" pitchFamily="2" charset="-79"/>
+                <a:cs typeface="Guttman Hatzvi" panose="02010401010101010101" pitchFamily="2" charset="-79"/>
+              </a:rPr>
+              <a:t> </a:t>
+            </a:r>
+            <a:r>
+              <a:rPr dirty="0" err="1">
+                <a:latin typeface="Guttman Hatzvi" panose="02010401010101010101" pitchFamily="2" charset="-79"/>
+                <a:cs typeface="Guttman Hatzvi" panose="02010401010101010101" pitchFamily="2" charset="-79"/>
+              </a:rPr>
               <a:t>את</a:t>
             </a:r>
             <a:r>
-              <a:rPr dirty="0"/>
-              <a:t> </a:t>
-            </a:r>
-            <a:r>
-              <a:rPr dirty="0" err="1"/>
+              <a:rPr dirty="0">
+                <a:latin typeface="Guttman Hatzvi" panose="02010401010101010101" pitchFamily="2" charset="-79"/>
+                <a:cs typeface="Guttman Hatzvi" panose="02010401010101010101" pitchFamily="2" charset="-79"/>
+              </a:rPr>
+              <a:t> </a:t>
+            </a:r>
+            <a:r>
+              <a:rPr dirty="0" err="1">
+                <a:latin typeface="Guttman Hatzvi" panose="02010401010101010101" pitchFamily="2" charset="-79"/>
+                <a:cs typeface="Guttman Hatzvi" panose="02010401010101010101" pitchFamily="2" charset="-79"/>
+              </a:rPr>
               <a:t>הנדרש</a:t>
             </a:r>
             <a:r>
-              <a:rPr dirty="0"/>
+              <a:rPr dirty="0">
+                <a:latin typeface="Guttman Hatzvi" panose="02010401010101010101" pitchFamily="2" charset="-79"/>
+                <a:cs typeface="Guttman Hatzvi" panose="02010401010101010101" pitchFamily="2" charset="-79"/>
+              </a:rPr>
               <a:t>. </a:t>
             </a:r>
           </a:p>
@@ -7217,7 +7744,10 @@
                 <a:sym typeface="Arial"/>
               </a:defRPr>
             </a:pPr>
-            <a:endParaRPr dirty="0"/>
+            <a:endParaRPr dirty="0">
+              <a:latin typeface="Guttman Hatzvi" panose="02010401010101010101" pitchFamily="2" charset="-79"/>
+              <a:cs typeface="Guttman Hatzvi" panose="02010401010101010101" pitchFamily="2" charset="-79"/>
+            </a:endParaRPr>
           </a:p>
           <a:p>
             <a:pPr algn="r">
@@ -7236,143 +7766,248 @@
               </a:defRPr>
             </a:pPr>
             <a:r>
-              <a:rPr dirty="0" err="1"/>
+              <a:rPr dirty="0" err="1">
+                <a:latin typeface="Guttman Hatzvi" panose="02010401010101010101" pitchFamily="2" charset="-79"/>
+                <a:cs typeface="Guttman Hatzvi" panose="02010401010101010101" pitchFamily="2" charset="-79"/>
+              </a:rPr>
               <a:t>גילינו</a:t>
             </a:r>
             <a:r>
-              <a:rPr dirty="0"/>
-              <a:t> </a:t>
-            </a:r>
-            <a:r>
-              <a:rPr dirty="0" err="1"/>
+              <a:rPr dirty="0">
+                <a:latin typeface="Guttman Hatzvi" panose="02010401010101010101" pitchFamily="2" charset="-79"/>
+                <a:cs typeface="Guttman Hatzvi" panose="02010401010101010101" pitchFamily="2" charset="-79"/>
+              </a:rPr>
+              <a:t> </a:t>
+            </a:r>
+            <a:r>
+              <a:rPr dirty="0" err="1">
+                <a:latin typeface="Guttman Hatzvi" panose="02010401010101010101" pitchFamily="2" charset="-79"/>
+                <a:cs typeface="Guttman Hatzvi" panose="02010401010101010101" pitchFamily="2" charset="-79"/>
+              </a:rPr>
               <a:t>יחד</a:t>
             </a:r>
             <a:r>
-              <a:rPr dirty="0"/>
-              <a:t> </a:t>
-            </a:r>
-            <a:r>
-              <a:rPr dirty="0" err="1"/>
+              <a:rPr dirty="0">
+                <a:latin typeface="Guttman Hatzvi" panose="02010401010101010101" pitchFamily="2" charset="-79"/>
+                <a:cs typeface="Guttman Hatzvi" panose="02010401010101010101" pitchFamily="2" charset="-79"/>
+              </a:rPr>
+              <a:t> </a:t>
+            </a:r>
+            <a:r>
+              <a:rPr dirty="0" err="1">
+                <a:latin typeface="Guttman Hatzvi" panose="02010401010101010101" pitchFamily="2" charset="-79"/>
+                <a:cs typeface="Guttman Hatzvi" panose="02010401010101010101" pitchFamily="2" charset="-79"/>
+              </a:rPr>
               <a:t>את</a:t>
             </a:r>
             <a:r>
-              <a:rPr dirty="0"/>
-              <a:t> </a:t>
-            </a:r>
-            <a:r>
-              <a:rPr dirty="0" err="1" smtClean="0"/>
+              <a:rPr dirty="0">
+                <a:latin typeface="Guttman Hatzvi" panose="02010401010101010101" pitchFamily="2" charset="-79"/>
+                <a:cs typeface="Guttman Hatzvi" panose="02010401010101010101" pitchFamily="2" charset="-79"/>
+              </a:rPr>
+              <a:t> </a:t>
+            </a:r>
+            <a:r>
+              <a:rPr dirty="0" err="1" smtClean="0">
+                <a:latin typeface="Guttman Hatzvi" panose="02010401010101010101" pitchFamily="2" charset="-79"/>
+                <a:cs typeface="Guttman Hatzvi" panose="02010401010101010101" pitchFamily="2" charset="-79"/>
+              </a:rPr>
               <a:t>היכולת</a:t>
             </a:r>
             <a:r>
-              <a:rPr lang="he-IL" dirty="0" smtClean="0"/>
+              <a:rPr lang="he-IL" dirty="0" smtClean="0">
+                <a:latin typeface="Guttman Hatzvi" panose="02010401010101010101" pitchFamily="2" charset="-79"/>
+                <a:cs typeface="Guttman Hatzvi" panose="02010401010101010101" pitchFamily="2" charset="-79"/>
+              </a:rPr>
               <a:t> של </a:t>
             </a:r>
             <a:r>
-              <a:rPr dirty="0" smtClean="0"/>
-              <a:t> </a:t>
-            </a:r>
-            <a:r>
-              <a:rPr dirty="0" err="1" smtClean="0"/>
+              <a:rPr dirty="0" smtClean="0">
+                <a:latin typeface="Guttman Hatzvi" panose="02010401010101010101" pitchFamily="2" charset="-79"/>
+                <a:cs typeface="Guttman Hatzvi" panose="02010401010101010101" pitchFamily="2" charset="-79"/>
+              </a:rPr>
+              <a:t> </a:t>
+            </a:r>
+            <a:r>
+              <a:rPr dirty="0" err="1" smtClean="0">
+                <a:latin typeface="Arial" panose="020B0604020202020204" pitchFamily="34" charset="0"/>
+                <a:cs typeface="Arial" panose="020B0604020202020204" pitchFamily="34" charset="0"/>
+              </a:rPr>
               <a:t>gi</a:t>
             </a:r>
             <a:r>
-              <a:rPr lang="en-US" dirty="0" err="1" smtClean="0"/>
+              <a:rPr lang="en-US" dirty="0" err="1" smtClean="0">
+                <a:latin typeface="Arial" panose="020B0604020202020204" pitchFamily="34" charset="0"/>
+                <a:cs typeface="Arial" panose="020B0604020202020204" pitchFamily="34" charset="0"/>
+              </a:rPr>
               <a:t>t</a:t>
             </a:r>
             <a:r>
-              <a:rPr dirty="0" err="1" smtClean="0"/>
+              <a:rPr dirty="0" err="1" smtClean="0">
+                <a:latin typeface="Guttman Hatzvi" panose="02010401010101010101" pitchFamily="2" charset="-79"/>
+                <a:cs typeface="Guttman Hatzvi" panose="02010401010101010101" pitchFamily="2" charset="-79"/>
+              </a:rPr>
               <a:t>לשחזר</a:t>
             </a:r>
             <a:r>
-              <a:rPr dirty="0" smtClean="0"/>
-              <a:t> </a:t>
-            </a:r>
-            <a:r>
-              <a:rPr dirty="0" err="1"/>
+              <a:rPr dirty="0" smtClean="0">
+                <a:latin typeface="Guttman Hatzvi" panose="02010401010101010101" pitchFamily="2" charset="-79"/>
+                <a:cs typeface="Guttman Hatzvi" panose="02010401010101010101" pitchFamily="2" charset="-79"/>
+              </a:rPr>
+              <a:t> </a:t>
+            </a:r>
+            <a:r>
+              <a:rPr dirty="0" err="1">
+                <a:latin typeface="Guttman Hatzvi" panose="02010401010101010101" pitchFamily="2" charset="-79"/>
+                <a:cs typeface="Guttman Hatzvi" panose="02010401010101010101" pitchFamily="2" charset="-79"/>
+              </a:rPr>
               <a:t>גרסאות</a:t>
             </a:r>
             <a:r>
-              <a:rPr dirty="0"/>
-              <a:t> </a:t>
-            </a:r>
-            <a:r>
-              <a:rPr dirty="0" err="1"/>
+              <a:rPr dirty="0">
+                <a:latin typeface="Guttman Hatzvi" panose="02010401010101010101" pitchFamily="2" charset="-79"/>
+                <a:cs typeface="Guttman Hatzvi" panose="02010401010101010101" pitchFamily="2" charset="-79"/>
+              </a:rPr>
+              <a:t> </a:t>
+            </a:r>
+            <a:r>
+              <a:rPr dirty="0" err="1">
+                <a:latin typeface="Guttman Hatzvi" panose="02010401010101010101" pitchFamily="2" charset="-79"/>
+                <a:cs typeface="Guttman Hatzvi" panose="02010401010101010101" pitchFamily="2" charset="-79"/>
+              </a:rPr>
               <a:t>ישנות</a:t>
             </a:r>
             <a:r>
-              <a:rPr dirty="0"/>
-              <a:t> </a:t>
-            </a:r>
-            <a:r>
-              <a:rPr dirty="0" err="1"/>
+              <a:rPr dirty="0">
+                <a:latin typeface="Guttman Hatzvi" panose="02010401010101010101" pitchFamily="2" charset="-79"/>
+                <a:cs typeface="Guttman Hatzvi" panose="02010401010101010101" pitchFamily="2" charset="-79"/>
+              </a:rPr>
+              <a:t> </a:t>
+            </a:r>
+            <a:r>
+              <a:rPr dirty="0" err="1">
+                <a:latin typeface="Guttman Hatzvi" panose="02010401010101010101" pitchFamily="2" charset="-79"/>
+                <a:cs typeface="Guttman Hatzvi" panose="02010401010101010101" pitchFamily="2" charset="-79"/>
+              </a:rPr>
               <a:t>ששם</a:t>
             </a:r>
             <a:r>
-              <a:rPr dirty="0"/>
-              <a:t> </a:t>
-            </a:r>
-            <a:r>
-              <a:rPr dirty="0" err="1"/>
+              <a:rPr dirty="0">
+                <a:latin typeface="Guttman Hatzvi" panose="02010401010101010101" pitchFamily="2" charset="-79"/>
+                <a:cs typeface="Guttman Hatzvi" panose="02010401010101010101" pitchFamily="2" charset="-79"/>
+              </a:rPr>
+              <a:t> </a:t>
+            </a:r>
+            <a:r>
+              <a:rPr dirty="0" err="1">
+                <a:latin typeface="Guttman Hatzvi" panose="02010401010101010101" pitchFamily="2" charset="-79"/>
+                <a:cs typeface="Guttman Hatzvi" panose="02010401010101010101" pitchFamily="2" charset="-79"/>
+              </a:rPr>
               <a:t>היה</a:t>
             </a:r>
             <a:r>
-              <a:rPr dirty="0"/>
-              <a:t> </a:t>
-            </a:r>
-            <a:r>
-              <a:rPr dirty="0" err="1"/>
+              <a:rPr dirty="0">
+                <a:latin typeface="Guttman Hatzvi" panose="02010401010101010101" pitchFamily="2" charset="-79"/>
+                <a:cs typeface="Guttman Hatzvi" panose="02010401010101010101" pitchFamily="2" charset="-79"/>
+              </a:rPr>
+              <a:t> </a:t>
+            </a:r>
+            <a:r>
+              <a:rPr dirty="0" err="1">
+                <a:latin typeface="Guttman Hatzvi" panose="02010401010101010101" pitchFamily="2" charset="-79"/>
+                <a:cs typeface="Guttman Hatzvi" panose="02010401010101010101" pitchFamily="2" charset="-79"/>
+              </a:rPr>
               <a:t>שמור</a:t>
             </a:r>
             <a:r>
-              <a:rPr dirty="0"/>
-              <a:t> </a:t>
-            </a:r>
-            <a:r>
-              <a:rPr dirty="0" err="1"/>
+              <a:rPr dirty="0">
+                <a:latin typeface="Guttman Hatzvi" panose="02010401010101010101" pitchFamily="2" charset="-79"/>
+                <a:cs typeface="Guttman Hatzvi" panose="02010401010101010101" pitchFamily="2" charset="-79"/>
+              </a:rPr>
+              <a:t> </a:t>
+            </a:r>
+            <a:r>
+              <a:rPr dirty="0" err="1">
+                <a:latin typeface="Guttman Hatzvi" panose="02010401010101010101" pitchFamily="2" charset="-79"/>
+                <a:cs typeface="Guttman Hatzvi" panose="02010401010101010101" pitchFamily="2" charset="-79"/>
+              </a:rPr>
               <a:t>מידע</a:t>
             </a:r>
             <a:r>
-              <a:rPr dirty="0"/>
-              <a:t> </a:t>
-            </a:r>
-            <a:r>
-              <a:rPr dirty="0" err="1"/>
+              <a:rPr dirty="0">
+                <a:latin typeface="Guttman Hatzvi" panose="02010401010101010101" pitchFamily="2" charset="-79"/>
+                <a:cs typeface="Guttman Hatzvi" panose="02010401010101010101" pitchFamily="2" charset="-79"/>
+              </a:rPr>
+              <a:t> </a:t>
+            </a:r>
+            <a:r>
+              <a:rPr dirty="0" err="1">
+                <a:latin typeface="Guttman Hatzvi" panose="02010401010101010101" pitchFamily="2" charset="-79"/>
+                <a:cs typeface="Guttman Hatzvi" panose="02010401010101010101" pitchFamily="2" charset="-79"/>
+              </a:rPr>
               <a:t>חשוב</a:t>
             </a:r>
             <a:r>
-              <a:rPr dirty="0"/>
-              <a:t> </a:t>
-            </a:r>
-            <a:r>
-              <a:rPr dirty="0" err="1"/>
+              <a:rPr dirty="0">
+                <a:latin typeface="Guttman Hatzvi" panose="02010401010101010101" pitchFamily="2" charset="-79"/>
+                <a:cs typeface="Guttman Hatzvi" panose="02010401010101010101" pitchFamily="2" charset="-79"/>
+              </a:rPr>
+              <a:t> </a:t>
+            </a:r>
+            <a:r>
+              <a:rPr dirty="0" err="1">
+                <a:latin typeface="Guttman Hatzvi" panose="02010401010101010101" pitchFamily="2" charset="-79"/>
+                <a:cs typeface="Guttman Hatzvi" panose="02010401010101010101" pitchFamily="2" charset="-79"/>
+              </a:rPr>
               <a:t>שנמחק</a:t>
             </a:r>
             <a:r>
-              <a:rPr dirty="0"/>
-              <a:t> </a:t>
-            </a:r>
-            <a:r>
-              <a:rPr dirty="0" err="1"/>
+              <a:rPr dirty="0">
+                <a:latin typeface="Guttman Hatzvi" panose="02010401010101010101" pitchFamily="2" charset="-79"/>
+                <a:cs typeface="Guttman Hatzvi" panose="02010401010101010101" pitchFamily="2" charset="-79"/>
+              </a:rPr>
+              <a:t> </a:t>
+            </a:r>
+            <a:r>
+              <a:rPr dirty="0" err="1">
+                <a:latin typeface="Guttman Hatzvi" panose="02010401010101010101" pitchFamily="2" charset="-79"/>
+                <a:cs typeface="Guttman Hatzvi" panose="02010401010101010101" pitchFamily="2" charset="-79"/>
+              </a:rPr>
               <a:t>מהפרויקט</a:t>
             </a:r>
             <a:r>
-              <a:rPr dirty="0"/>
-              <a:t> </a:t>
-            </a:r>
-            <a:r>
-              <a:rPr dirty="0" err="1"/>
+              <a:rPr dirty="0">
+                <a:latin typeface="Guttman Hatzvi" panose="02010401010101010101" pitchFamily="2" charset="-79"/>
+                <a:cs typeface="Guttman Hatzvi" panose="02010401010101010101" pitchFamily="2" charset="-79"/>
+              </a:rPr>
+              <a:t> </a:t>
+            </a:r>
+            <a:r>
+              <a:rPr dirty="0" err="1">
+                <a:latin typeface="Guttman Hatzvi" panose="02010401010101010101" pitchFamily="2" charset="-79"/>
+                <a:cs typeface="Guttman Hatzvi" panose="02010401010101010101" pitchFamily="2" charset="-79"/>
+              </a:rPr>
               <a:t>במהלך</a:t>
             </a:r>
             <a:r>
-              <a:rPr dirty="0"/>
-              <a:t> </a:t>
-            </a:r>
-            <a:r>
-              <a:rPr dirty="0" err="1"/>
+              <a:rPr dirty="0">
+                <a:latin typeface="Guttman Hatzvi" panose="02010401010101010101" pitchFamily="2" charset="-79"/>
+                <a:cs typeface="Guttman Hatzvi" panose="02010401010101010101" pitchFamily="2" charset="-79"/>
+              </a:rPr>
+              <a:t> </a:t>
+            </a:r>
+            <a:r>
+              <a:rPr dirty="0" err="1">
+                <a:latin typeface="Guttman Hatzvi" panose="02010401010101010101" pitchFamily="2" charset="-79"/>
+                <a:cs typeface="Guttman Hatzvi" panose="02010401010101010101" pitchFamily="2" charset="-79"/>
+              </a:rPr>
               <a:t>העבודה</a:t>
             </a:r>
             <a:r>
-              <a:rPr dirty="0"/>
+              <a:rPr dirty="0">
+                <a:latin typeface="Guttman Hatzvi" panose="02010401010101010101" pitchFamily="2" charset="-79"/>
+                <a:cs typeface="Guttman Hatzvi" panose="02010401010101010101" pitchFamily="2" charset="-79"/>
+              </a:rPr>
               <a:t>.</a:t>
             </a:r>
           </a:p>
@@ -7420,6 +8055,13 @@
     <a:masterClrMapping/>
   </p:clrMapOvr>
   <p:transition spd="slow"/>
+  <p:timing>
+    <p:tnLst>
+      <p:par>
+        <p:cTn id="1" dur="indefinite" restart="never" nodeType="tmRoot"/>
+      </p:par>
+    </p:tnLst>
+  </p:timing>
 </p:sld>
 </file>
 
@@ -7485,7 +8127,7 @@
         <p:spPr>
           <a:xfrm>
             <a:off x="4849655" y="709928"/>
-            <a:ext cx="3472821" cy="955095"/>
+            <a:ext cx="3472821" cy="1031047"/>
           </a:xfrm>
           <a:prstGeom prst="rect">
             <a:avLst/>
@@ -7495,7 +8137,7 @@
           </a:ln>
           <a:extLst>
             <a:ext uri="{C572A759-6A51-4108-AA02-DFA0A04FC94B}">
-              <ma14:wrappingTextBoxFlag xmlns:ma14="http://schemas.microsoft.com/office/mac/drawingml/2011/main" xmlns="" val="1"/>
+              <ma14:wrappingTextBoxFlag xmlns="" xmlns:ma14="http://schemas.microsoft.com/office/mac/drawingml/2011/main" val="1"/>
             </a:ext>
           </a:extLst>
         </p:spPr>
@@ -7526,10 +8168,10 @@
               <a:defRPr/>
             </a:pPr>
             <a:r>
-              <a:rPr dirty="0" err="1"/>
+              <a:rPr sz="6000" b="0" dirty="0" err="1"/>
               <a:t>תהליכים</a:t>
             </a:r>
-            <a:endParaRPr dirty="0"/>
+            <a:endParaRPr sz="6000" b="0" dirty="0"/>
           </a:p>
         </p:txBody>
       </p:sp>
@@ -7542,7 +8184,7 @@
         <p:spPr>
           <a:xfrm>
             <a:off x="2001651" y="2056128"/>
-            <a:ext cx="9168829" cy="3293205"/>
+            <a:ext cx="9168829" cy="4493534"/>
           </a:xfrm>
           <a:prstGeom prst="rect">
             <a:avLst/>
@@ -7552,7 +8194,7 @@
           </a:ln>
           <a:extLst>
             <a:ext uri="{C572A759-6A51-4108-AA02-DFA0A04FC94B}">
-              <ma14:wrappingTextBoxFlag xmlns:ma14="http://schemas.microsoft.com/office/mac/drawingml/2011/main" xmlns="" val="1"/>
+              <ma14:wrappingTextBoxFlag xmlns="" xmlns:ma14="http://schemas.microsoft.com/office/mac/drawingml/2011/main" val="1"/>
             </a:ext>
           </a:extLst>
         </p:spPr>
@@ -7571,163 +8213,283 @@
               </a:defRPr>
             </a:pPr>
             <a:r>
-              <a:rPr dirty="0" err="1"/>
+              <a:rPr dirty="0" err="1">
+                <a:latin typeface="Guttman Hatzvi" panose="02010401010101010101" pitchFamily="2" charset="-79"/>
+                <a:cs typeface="Guttman Hatzvi" panose="02010401010101010101" pitchFamily="2" charset="-79"/>
+              </a:rPr>
               <a:t>בפרויקט</a:t>
             </a:r>
             <a:r>
-              <a:rPr dirty="0"/>
-              <a:t> </a:t>
-            </a:r>
-            <a:r>
-              <a:rPr dirty="0" err="1"/>
+              <a:rPr dirty="0">
+                <a:latin typeface="Guttman Hatzvi" panose="02010401010101010101" pitchFamily="2" charset="-79"/>
+                <a:cs typeface="Guttman Hatzvi" panose="02010401010101010101" pitchFamily="2" charset="-79"/>
+              </a:rPr>
+              <a:t> </a:t>
+            </a:r>
+            <a:r>
+              <a:rPr dirty="0" err="1">
+                <a:latin typeface="Guttman Hatzvi" panose="02010401010101010101" pitchFamily="2" charset="-79"/>
+                <a:cs typeface="Guttman Hatzvi" panose="02010401010101010101" pitchFamily="2" charset="-79"/>
+              </a:rPr>
               <a:t>שלנו</a:t>
             </a:r>
             <a:r>
-              <a:rPr dirty="0"/>
-              <a:t> </a:t>
-            </a:r>
-            <a:r>
-              <a:rPr dirty="0" err="1"/>
+              <a:rPr dirty="0">
+                <a:latin typeface="Guttman Hatzvi" panose="02010401010101010101" pitchFamily="2" charset="-79"/>
+                <a:cs typeface="Guttman Hatzvi" panose="02010401010101010101" pitchFamily="2" charset="-79"/>
+              </a:rPr>
+              <a:t> </a:t>
+            </a:r>
+            <a:r>
+              <a:rPr dirty="0" err="1">
+                <a:latin typeface="Guttman Hatzvi" panose="02010401010101010101" pitchFamily="2" charset="-79"/>
+                <a:cs typeface="Guttman Hatzvi" panose="02010401010101010101" pitchFamily="2" charset="-79"/>
+              </a:rPr>
               <a:t>המטרה</a:t>
             </a:r>
             <a:r>
-              <a:rPr dirty="0"/>
-              <a:t> </a:t>
-            </a:r>
-            <a:r>
-              <a:rPr dirty="0" err="1"/>
+              <a:rPr dirty="0">
+                <a:latin typeface="Guttman Hatzvi" panose="02010401010101010101" pitchFamily="2" charset="-79"/>
+                <a:cs typeface="Guttman Hatzvi" panose="02010401010101010101" pitchFamily="2" charset="-79"/>
+              </a:rPr>
+              <a:t> </a:t>
+            </a:r>
+            <a:r>
+              <a:rPr dirty="0" err="1">
+                <a:latin typeface="Guttman Hatzvi" panose="02010401010101010101" pitchFamily="2" charset="-79"/>
+                <a:cs typeface="Guttman Hatzvi" panose="02010401010101010101" pitchFamily="2" charset="-79"/>
+              </a:rPr>
               <a:t>הסופית</a:t>
             </a:r>
             <a:r>
-              <a:rPr dirty="0"/>
-              <a:t> </a:t>
-            </a:r>
-            <a:r>
-              <a:rPr dirty="0" err="1"/>
+              <a:rPr dirty="0">
+                <a:latin typeface="Guttman Hatzvi" panose="02010401010101010101" pitchFamily="2" charset="-79"/>
+                <a:cs typeface="Guttman Hatzvi" panose="02010401010101010101" pitchFamily="2" charset="-79"/>
+              </a:rPr>
+              <a:t> </a:t>
+            </a:r>
+            <a:r>
+              <a:rPr dirty="0" err="1">
+                <a:latin typeface="Guttman Hatzvi" panose="02010401010101010101" pitchFamily="2" charset="-79"/>
+                <a:cs typeface="Guttman Hatzvi" panose="02010401010101010101" pitchFamily="2" charset="-79"/>
+              </a:rPr>
               <a:t>הייתה</a:t>
             </a:r>
             <a:r>
-              <a:rPr dirty="0"/>
-              <a:t> </a:t>
-            </a:r>
-            <a:r>
-              <a:rPr dirty="0" err="1"/>
+              <a:rPr dirty="0">
+                <a:latin typeface="Guttman Hatzvi" panose="02010401010101010101" pitchFamily="2" charset="-79"/>
+                <a:cs typeface="Guttman Hatzvi" panose="02010401010101010101" pitchFamily="2" charset="-79"/>
+              </a:rPr>
+              <a:t> </a:t>
+            </a:r>
+            <a:r>
+              <a:rPr dirty="0" err="1">
+                <a:latin typeface="Guttman Hatzvi" panose="02010401010101010101" pitchFamily="2" charset="-79"/>
+                <a:cs typeface="Guttman Hatzvi" panose="02010401010101010101" pitchFamily="2" charset="-79"/>
+              </a:rPr>
               <a:t>שיהיה</a:t>
             </a:r>
             <a:r>
-              <a:rPr dirty="0"/>
-              <a:t> </a:t>
-            </a:r>
-            <a:r>
-              <a:rPr dirty="0" err="1"/>
+              <a:rPr dirty="0">
+                <a:latin typeface="Guttman Hatzvi" panose="02010401010101010101" pitchFamily="2" charset="-79"/>
+                <a:cs typeface="Guttman Hatzvi" panose="02010401010101010101" pitchFamily="2" charset="-79"/>
+              </a:rPr>
+              <a:t> </a:t>
+            </a:r>
+            <a:r>
+              <a:rPr dirty="0" err="1">
+                <a:latin typeface="Guttman Hatzvi" panose="02010401010101010101" pitchFamily="2" charset="-79"/>
+                <a:cs typeface="Guttman Hatzvi" panose="02010401010101010101" pitchFamily="2" charset="-79"/>
+              </a:rPr>
               <a:t>מוצר</a:t>
             </a:r>
             <a:r>
-              <a:rPr dirty="0"/>
-              <a:t> </a:t>
-            </a:r>
-            <a:r>
-              <a:rPr dirty="0" err="1"/>
+              <a:rPr dirty="0">
+                <a:latin typeface="Guttman Hatzvi" panose="02010401010101010101" pitchFamily="2" charset="-79"/>
+                <a:cs typeface="Guttman Hatzvi" panose="02010401010101010101" pitchFamily="2" charset="-79"/>
+              </a:rPr>
+              <a:t> </a:t>
+            </a:r>
+            <a:r>
+              <a:rPr dirty="0" err="1">
+                <a:latin typeface="Guttman Hatzvi" panose="02010401010101010101" pitchFamily="2" charset="-79"/>
+                <a:cs typeface="Guttman Hatzvi" panose="02010401010101010101" pitchFamily="2" charset="-79"/>
+              </a:rPr>
               <a:t>ראוי</a:t>
             </a:r>
             <a:r>
-              <a:rPr dirty="0"/>
-              <a:t> </a:t>
-            </a:r>
-            <a:r>
-              <a:rPr dirty="0" err="1"/>
+              <a:rPr dirty="0">
+                <a:latin typeface="Guttman Hatzvi" panose="02010401010101010101" pitchFamily="2" charset="-79"/>
+                <a:cs typeface="Guttman Hatzvi" panose="02010401010101010101" pitchFamily="2" charset="-79"/>
+              </a:rPr>
+              <a:t> </a:t>
+            </a:r>
+            <a:r>
+              <a:rPr dirty="0" err="1">
+                <a:latin typeface="Guttman Hatzvi" panose="02010401010101010101" pitchFamily="2" charset="-79"/>
+                <a:cs typeface="Guttman Hatzvi" panose="02010401010101010101" pitchFamily="2" charset="-79"/>
+              </a:rPr>
               <a:t>להגיש</a:t>
             </a:r>
             <a:r>
-              <a:rPr dirty="0"/>
-              <a:t> </a:t>
-            </a:r>
-            <a:r>
-              <a:rPr dirty="0" err="1"/>
+              <a:rPr dirty="0">
+                <a:latin typeface="Guttman Hatzvi" panose="02010401010101010101" pitchFamily="2" charset="-79"/>
+                <a:cs typeface="Guttman Hatzvi" panose="02010401010101010101" pitchFamily="2" charset="-79"/>
+              </a:rPr>
+              <a:t> </a:t>
+            </a:r>
+            <a:r>
+              <a:rPr dirty="0" err="1">
+                <a:latin typeface="Guttman Hatzvi" panose="02010401010101010101" pitchFamily="2" charset="-79"/>
+                <a:cs typeface="Guttman Hatzvi" panose="02010401010101010101" pitchFamily="2" charset="-79"/>
+              </a:rPr>
               <a:t>ללקוח</a:t>
             </a:r>
             <a:r>
-              <a:rPr dirty="0"/>
-              <a:t> </a:t>
-            </a:r>
-            <a:r>
-              <a:rPr dirty="0" err="1"/>
+              <a:rPr dirty="0">
+                <a:latin typeface="Guttman Hatzvi" panose="02010401010101010101" pitchFamily="2" charset="-79"/>
+                <a:cs typeface="Guttman Hatzvi" panose="02010401010101010101" pitchFamily="2" charset="-79"/>
+              </a:rPr>
+              <a:t> </a:t>
+            </a:r>
+            <a:r>
+              <a:rPr dirty="0" err="1">
+                <a:latin typeface="Guttman Hatzvi" panose="02010401010101010101" pitchFamily="2" charset="-79"/>
+                <a:cs typeface="Guttman Hatzvi" panose="02010401010101010101" pitchFamily="2" charset="-79"/>
+              </a:rPr>
               <a:t>וזה</a:t>
             </a:r>
             <a:r>
-              <a:rPr dirty="0"/>
-              <a:t> </a:t>
-            </a:r>
-            <a:r>
-              <a:rPr dirty="0" err="1"/>
+              <a:rPr dirty="0">
+                <a:latin typeface="Guttman Hatzvi" panose="02010401010101010101" pitchFamily="2" charset="-79"/>
+                <a:cs typeface="Guttman Hatzvi" panose="02010401010101010101" pitchFamily="2" charset="-79"/>
+              </a:rPr>
+              <a:t> </a:t>
+            </a:r>
+            <a:r>
+              <a:rPr dirty="0" err="1">
+                <a:latin typeface="Guttman Hatzvi" panose="02010401010101010101" pitchFamily="2" charset="-79"/>
+                <a:cs typeface="Guttman Hatzvi" panose="02010401010101010101" pitchFamily="2" charset="-79"/>
+              </a:rPr>
               <a:t>אכן</a:t>
             </a:r>
             <a:r>
-              <a:rPr dirty="0"/>
-              <a:t> </a:t>
-            </a:r>
-            <a:r>
-              <a:rPr dirty="0" err="1"/>
+              <a:rPr dirty="0">
+                <a:latin typeface="Guttman Hatzvi" panose="02010401010101010101" pitchFamily="2" charset="-79"/>
+                <a:cs typeface="Guttman Hatzvi" panose="02010401010101010101" pitchFamily="2" charset="-79"/>
+              </a:rPr>
+              <a:t> </a:t>
+            </a:r>
+            <a:r>
+              <a:rPr dirty="0" err="1">
+                <a:latin typeface="Guttman Hatzvi" panose="02010401010101010101" pitchFamily="2" charset="-79"/>
+                <a:cs typeface="Guttman Hatzvi" panose="02010401010101010101" pitchFamily="2" charset="-79"/>
+              </a:rPr>
               <a:t>מה</a:t>
             </a:r>
             <a:r>
-              <a:rPr dirty="0"/>
-              <a:t> </a:t>
-            </a:r>
-            <a:r>
-              <a:rPr dirty="0" err="1"/>
+              <a:rPr dirty="0">
+                <a:latin typeface="Guttman Hatzvi" panose="02010401010101010101" pitchFamily="2" charset="-79"/>
+                <a:cs typeface="Guttman Hatzvi" panose="02010401010101010101" pitchFamily="2" charset="-79"/>
+              </a:rPr>
+              <a:t> </a:t>
+            </a:r>
+            <a:r>
+              <a:rPr dirty="0" err="1">
+                <a:latin typeface="Guttman Hatzvi" panose="02010401010101010101" pitchFamily="2" charset="-79"/>
+                <a:cs typeface="Guttman Hatzvi" panose="02010401010101010101" pitchFamily="2" charset="-79"/>
+              </a:rPr>
               <a:t>שקרה</a:t>
             </a:r>
             <a:r>
-              <a:rPr dirty="0"/>
+              <a:rPr dirty="0">
+                <a:latin typeface="Guttman Hatzvi" panose="02010401010101010101" pitchFamily="2" charset="-79"/>
+                <a:cs typeface="Guttman Hatzvi" panose="02010401010101010101" pitchFamily="2" charset="-79"/>
+              </a:rPr>
               <a:t>. </a:t>
             </a:r>
             <a:r>
-              <a:rPr dirty="0" err="1"/>
+              <a:rPr dirty="0" err="1">
+                <a:latin typeface="Guttman Hatzvi" panose="02010401010101010101" pitchFamily="2" charset="-79"/>
+                <a:cs typeface="Guttman Hatzvi" panose="02010401010101010101" pitchFamily="2" charset="-79"/>
+              </a:rPr>
               <a:t>עבדנו</a:t>
             </a:r>
             <a:r>
-              <a:rPr dirty="0"/>
-              <a:t> </a:t>
-            </a:r>
-            <a:r>
-              <a:rPr dirty="0" err="1"/>
+              <a:rPr dirty="0">
+                <a:latin typeface="Guttman Hatzvi" panose="02010401010101010101" pitchFamily="2" charset="-79"/>
+                <a:cs typeface="Guttman Hatzvi" panose="02010401010101010101" pitchFamily="2" charset="-79"/>
+              </a:rPr>
+              <a:t> </a:t>
+            </a:r>
+            <a:r>
+              <a:rPr dirty="0" err="1">
+                <a:latin typeface="Guttman Hatzvi" panose="02010401010101010101" pitchFamily="2" charset="-79"/>
+                <a:cs typeface="Guttman Hatzvi" panose="02010401010101010101" pitchFamily="2" charset="-79"/>
+              </a:rPr>
               <a:t>לפי</a:t>
             </a:r>
             <a:r>
-              <a:rPr dirty="0"/>
-              <a:t> </a:t>
-            </a:r>
-            <a:r>
-              <a:rPr dirty="0" err="1"/>
+              <a:rPr dirty="0">
+                <a:latin typeface="Guttman Hatzvi" panose="02010401010101010101" pitchFamily="2" charset="-79"/>
+                <a:cs typeface="Guttman Hatzvi" panose="02010401010101010101" pitchFamily="2" charset="-79"/>
+              </a:rPr>
+              <a:t> </a:t>
+            </a:r>
+            <a:r>
+              <a:rPr dirty="0" err="1">
+                <a:latin typeface="Guttman Hatzvi" panose="02010401010101010101" pitchFamily="2" charset="-79"/>
+                <a:cs typeface="Guttman Hatzvi" panose="02010401010101010101" pitchFamily="2" charset="-79"/>
+              </a:rPr>
               <a:t>שלבים</a:t>
             </a:r>
             <a:r>
-              <a:rPr dirty="0"/>
-              <a:t> </a:t>
-            </a:r>
-            <a:r>
-              <a:rPr dirty="0" err="1"/>
+              <a:rPr dirty="0">
+                <a:latin typeface="Guttman Hatzvi" panose="02010401010101010101" pitchFamily="2" charset="-79"/>
+                <a:cs typeface="Guttman Hatzvi" panose="02010401010101010101" pitchFamily="2" charset="-79"/>
+              </a:rPr>
+              <a:t> </a:t>
+            </a:r>
+            <a:r>
+              <a:rPr dirty="0" err="1">
+                <a:latin typeface="Guttman Hatzvi" panose="02010401010101010101" pitchFamily="2" charset="-79"/>
+                <a:cs typeface="Guttman Hatzvi" panose="02010401010101010101" pitchFamily="2" charset="-79"/>
+              </a:rPr>
               <a:t>מתוכננים</a:t>
             </a:r>
             <a:r>
-              <a:rPr dirty="0"/>
-              <a:t> </a:t>
-            </a:r>
-            <a:r>
-              <a:rPr dirty="0" err="1"/>
+              <a:rPr dirty="0">
+                <a:latin typeface="Guttman Hatzvi" panose="02010401010101010101" pitchFamily="2" charset="-79"/>
+                <a:cs typeface="Guttman Hatzvi" panose="02010401010101010101" pitchFamily="2" charset="-79"/>
+              </a:rPr>
+              <a:t> </a:t>
+            </a:r>
+            <a:r>
+              <a:rPr dirty="0" err="1">
+                <a:latin typeface="Guttman Hatzvi" panose="02010401010101010101" pitchFamily="2" charset="-79"/>
+                <a:cs typeface="Guttman Hatzvi" panose="02010401010101010101" pitchFamily="2" charset="-79"/>
+              </a:rPr>
               <a:t>ולפי</a:t>
             </a:r>
             <a:r>
-              <a:rPr dirty="0"/>
-              <a:t> </a:t>
-            </a:r>
-            <a:r>
-              <a:rPr dirty="0" err="1"/>
+              <a:rPr dirty="0">
+                <a:latin typeface="Guttman Hatzvi" panose="02010401010101010101" pitchFamily="2" charset="-79"/>
+                <a:cs typeface="Guttman Hatzvi" panose="02010401010101010101" pitchFamily="2" charset="-79"/>
+              </a:rPr>
+              <a:t> </a:t>
+            </a:r>
+            <a:r>
+              <a:rPr dirty="0" err="1">
+                <a:latin typeface="Guttman Hatzvi" panose="02010401010101010101" pitchFamily="2" charset="-79"/>
+                <a:cs typeface="Guttman Hatzvi" panose="02010401010101010101" pitchFamily="2" charset="-79"/>
+              </a:rPr>
               <a:t>האיטרציות</a:t>
             </a:r>
             <a:r>
-              <a:rPr dirty="0"/>
+              <a:rPr dirty="0">
+                <a:latin typeface="Guttman Hatzvi" panose="02010401010101010101" pitchFamily="2" charset="-79"/>
+                <a:cs typeface="Guttman Hatzvi" panose="02010401010101010101" pitchFamily="2" charset="-79"/>
+              </a:rPr>
               <a:t>.</a:t>
             </a:r>
           </a:p>
@@ -7741,163 +8503,283 @@
               </a:defRPr>
             </a:pPr>
             <a:r>
-              <a:rPr dirty="0" err="1"/>
+              <a:rPr dirty="0" err="1">
+                <a:latin typeface="Guttman Hatzvi" panose="02010401010101010101" pitchFamily="2" charset="-79"/>
+                <a:cs typeface="Guttman Hatzvi" panose="02010401010101010101" pitchFamily="2" charset="-79"/>
+              </a:rPr>
               <a:t>מכל</a:t>
             </a:r>
             <a:r>
-              <a:rPr dirty="0"/>
-              <a:t> </a:t>
-            </a:r>
-            <a:r>
-              <a:rPr dirty="0" err="1"/>
+              <a:rPr dirty="0">
+                <a:latin typeface="Guttman Hatzvi" panose="02010401010101010101" pitchFamily="2" charset="-79"/>
+                <a:cs typeface="Guttman Hatzvi" panose="02010401010101010101" pitchFamily="2" charset="-79"/>
+              </a:rPr>
+              <a:t> </a:t>
+            </a:r>
+            <a:r>
+              <a:rPr dirty="0" err="1">
+                <a:latin typeface="Guttman Hatzvi" panose="02010401010101010101" pitchFamily="2" charset="-79"/>
+                <a:cs typeface="Guttman Hatzvi" panose="02010401010101010101" pitchFamily="2" charset="-79"/>
+              </a:rPr>
               <a:t>איטרציה</a:t>
             </a:r>
             <a:r>
-              <a:rPr dirty="0"/>
-              <a:t> </a:t>
-            </a:r>
-            <a:r>
-              <a:rPr dirty="0" err="1"/>
+              <a:rPr dirty="0">
+                <a:latin typeface="Guttman Hatzvi" panose="02010401010101010101" pitchFamily="2" charset="-79"/>
+                <a:cs typeface="Guttman Hatzvi" panose="02010401010101010101" pitchFamily="2" charset="-79"/>
+              </a:rPr>
+              <a:t> </a:t>
+            </a:r>
+            <a:r>
+              <a:rPr dirty="0" err="1">
+                <a:latin typeface="Guttman Hatzvi" panose="02010401010101010101" pitchFamily="2" charset="-79"/>
+                <a:cs typeface="Guttman Hatzvi" panose="02010401010101010101" pitchFamily="2" charset="-79"/>
+              </a:rPr>
               <a:t>למדנו</a:t>
             </a:r>
             <a:r>
-              <a:rPr dirty="0"/>
-              <a:t> </a:t>
-            </a:r>
-            <a:r>
-              <a:rPr dirty="0" err="1"/>
+              <a:rPr dirty="0">
+                <a:latin typeface="Guttman Hatzvi" panose="02010401010101010101" pitchFamily="2" charset="-79"/>
+                <a:cs typeface="Guttman Hatzvi" panose="02010401010101010101" pitchFamily="2" charset="-79"/>
+              </a:rPr>
+              <a:t> </a:t>
+            </a:r>
+            <a:r>
+              <a:rPr dirty="0" err="1">
+                <a:latin typeface="Guttman Hatzvi" panose="02010401010101010101" pitchFamily="2" charset="-79"/>
+                <a:cs typeface="Guttman Hatzvi" panose="02010401010101010101" pitchFamily="2" charset="-79"/>
+              </a:rPr>
               <a:t>משהו</a:t>
             </a:r>
             <a:r>
-              <a:rPr dirty="0"/>
-              <a:t> </a:t>
-            </a:r>
-            <a:r>
-              <a:rPr dirty="0" err="1"/>
+              <a:rPr dirty="0">
+                <a:latin typeface="Guttman Hatzvi" panose="02010401010101010101" pitchFamily="2" charset="-79"/>
+                <a:cs typeface="Guttman Hatzvi" panose="02010401010101010101" pitchFamily="2" charset="-79"/>
+              </a:rPr>
+              <a:t> </a:t>
+            </a:r>
+            <a:r>
+              <a:rPr dirty="0" err="1">
+                <a:latin typeface="Guttman Hatzvi" panose="02010401010101010101" pitchFamily="2" charset="-79"/>
+                <a:cs typeface="Guttman Hatzvi" panose="02010401010101010101" pitchFamily="2" charset="-79"/>
+              </a:rPr>
               <a:t>שאותו</a:t>
             </a:r>
             <a:r>
-              <a:rPr dirty="0"/>
-              <a:t> </a:t>
-            </a:r>
-            <a:r>
-              <a:rPr dirty="0" err="1"/>
+              <a:rPr dirty="0">
+                <a:latin typeface="Guttman Hatzvi" panose="02010401010101010101" pitchFamily="2" charset="-79"/>
+                <a:cs typeface="Guttman Hatzvi" panose="02010401010101010101" pitchFamily="2" charset="-79"/>
+              </a:rPr>
+              <a:t> </a:t>
+            </a:r>
+            <a:r>
+              <a:rPr dirty="0" err="1">
+                <a:latin typeface="Guttman Hatzvi" panose="02010401010101010101" pitchFamily="2" charset="-79"/>
+                <a:cs typeface="Guttman Hatzvi" panose="02010401010101010101" pitchFamily="2" charset="-79"/>
+              </a:rPr>
               <a:t>יישמנו</a:t>
             </a:r>
             <a:r>
-              <a:rPr dirty="0"/>
-              <a:t> </a:t>
-            </a:r>
-            <a:r>
-              <a:rPr dirty="0" err="1"/>
+              <a:rPr dirty="0">
+                <a:latin typeface="Guttman Hatzvi" panose="02010401010101010101" pitchFamily="2" charset="-79"/>
+                <a:cs typeface="Guttman Hatzvi" panose="02010401010101010101" pitchFamily="2" charset="-79"/>
+              </a:rPr>
+              <a:t> </a:t>
+            </a:r>
+            <a:r>
+              <a:rPr dirty="0" err="1">
+                <a:latin typeface="Guttman Hatzvi" panose="02010401010101010101" pitchFamily="2" charset="-79"/>
+                <a:cs typeface="Guttman Hatzvi" panose="02010401010101010101" pitchFamily="2" charset="-79"/>
+              </a:rPr>
               <a:t>לאיטרציה</a:t>
             </a:r>
             <a:r>
-              <a:rPr dirty="0"/>
-              <a:t> </a:t>
-            </a:r>
-            <a:r>
-              <a:rPr dirty="0" err="1"/>
+              <a:rPr dirty="0">
+                <a:latin typeface="Guttman Hatzvi" panose="02010401010101010101" pitchFamily="2" charset="-79"/>
+                <a:cs typeface="Guttman Hatzvi" panose="02010401010101010101" pitchFamily="2" charset="-79"/>
+              </a:rPr>
+              <a:t> </a:t>
+            </a:r>
+            <a:r>
+              <a:rPr dirty="0" err="1">
+                <a:latin typeface="Guttman Hatzvi" panose="02010401010101010101" pitchFamily="2" charset="-79"/>
+                <a:cs typeface="Guttman Hatzvi" panose="02010401010101010101" pitchFamily="2" charset="-79"/>
+              </a:rPr>
               <a:t>הבאה</a:t>
             </a:r>
             <a:r>
-              <a:rPr dirty="0"/>
-              <a:t> </a:t>
-            </a:r>
-            <a:r>
-              <a:rPr dirty="0" err="1"/>
+              <a:rPr dirty="0">
+                <a:latin typeface="Guttman Hatzvi" panose="02010401010101010101" pitchFamily="2" charset="-79"/>
+                <a:cs typeface="Guttman Hatzvi" panose="02010401010101010101" pitchFamily="2" charset="-79"/>
+              </a:rPr>
+              <a:t> </a:t>
+            </a:r>
+            <a:r>
+              <a:rPr dirty="0" err="1">
+                <a:latin typeface="Guttman Hatzvi" panose="02010401010101010101" pitchFamily="2" charset="-79"/>
+                <a:cs typeface="Guttman Hatzvi" panose="02010401010101010101" pitchFamily="2" charset="-79"/>
+              </a:rPr>
               <a:t>והפקנו</a:t>
             </a:r>
             <a:r>
-              <a:rPr dirty="0"/>
-              <a:t> </a:t>
-            </a:r>
-            <a:r>
-              <a:rPr dirty="0" err="1"/>
+              <a:rPr dirty="0">
+                <a:latin typeface="Guttman Hatzvi" panose="02010401010101010101" pitchFamily="2" charset="-79"/>
+                <a:cs typeface="Guttman Hatzvi" panose="02010401010101010101" pitchFamily="2" charset="-79"/>
+              </a:rPr>
+              <a:t> </a:t>
+            </a:r>
+            <a:r>
+              <a:rPr dirty="0" err="1">
+                <a:latin typeface="Guttman Hatzvi" panose="02010401010101010101" pitchFamily="2" charset="-79"/>
+                <a:cs typeface="Guttman Hatzvi" panose="02010401010101010101" pitchFamily="2" charset="-79"/>
+              </a:rPr>
               <a:t>את</a:t>
             </a:r>
             <a:r>
-              <a:rPr dirty="0"/>
-              <a:t> </a:t>
-            </a:r>
-            <a:r>
-              <a:rPr dirty="0" err="1"/>
+              <a:rPr dirty="0">
+                <a:latin typeface="Guttman Hatzvi" panose="02010401010101010101" pitchFamily="2" charset="-79"/>
+                <a:cs typeface="Guttman Hatzvi" panose="02010401010101010101" pitchFamily="2" charset="-79"/>
+              </a:rPr>
+              <a:t> </a:t>
+            </a:r>
+            <a:r>
+              <a:rPr dirty="0" err="1">
+                <a:latin typeface="Guttman Hatzvi" panose="02010401010101010101" pitchFamily="2" charset="-79"/>
+                <a:cs typeface="Guttman Hatzvi" panose="02010401010101010101" pitchFamily="2" charset="-79"/>
+              </a:rPr>
               <a:t>הלקחים</a:t>
             </a:r>
             <a:r>
-              <a:rPr dirty="0"/>
-              <a:t> </a:t>
-            </a:r>
-            <a:r>
-              <a:rPr dirty="0" err="1"/>
+              <a:rPr dirty="0">
+                <a:latin typeface="Guttman Hatzvi" panose="02010401010101010101" pitchFamily="2" charset="-79"/>
+                <a:cs typeface="Guttman Hatzvi" panose="02010401010101010101" pitchFamily="2" charset="-79"/>
+              </a:rPr>
+              <a:t> </a:t>
+            </a:r>
+            <a:r>
+              <a:rPr dirty="0" err="1">
+                <a:latin typeface="Guttman Hatzvi" panose="02010401010101010101" pitchFamily="2" charset="-79"/>
+                <a:cs typeface="Guttman Hatzvi" panose="02010401010101010101" pitchFamily="2" charset="-79"/>
+              </a:rPr>
               <a:t>ואת</a:t>
             </a:r>
             <a:r>
-              <a:rPr dirty="0"/>
-              <a:t> </a:t>
-            </a:r>
-            <a:r>
-              <a:rPr dirty="0" err="1"/>
+              <a:rPr dirty="0">
+                <a:latin typeface="Guttman Hatzvi" panose="02010401010101010101" pitchFamily="2" charset="-79"/>
+                <a:cs typeface="Guttman Hatzvi" panose="02010401010101010101" pitchFamily="2" charset="-79"/>
+              </a:rPr>
+              <a:t> </a:t>
+            </a:r>
+            <a:r>
+              <a:rPr dirty="0" err="1">
+                <a:latin typeface="Guttman Hatzvi" panose="02010401010101010101" pitchFamily="2" charset="-79"/>
+                <a:cs typeface="Guttman Hatzvi" panose="02010401010101010101" pitchFamily="2" charset="-79"/>
+              </a:rPr>
               <a:t>הטעויות</a:t>
             </a:r>
             <a:r>
-              <a:rPr dirty="0"/>
-              <a:t> </a:t>
-            </a:r>
-            <a:r>
-              <a:rPr dirty="0" err="1"/>
+              <a:rPr dirty="0">
+                <a:latin typeface="Guttman Hatzvi" panose="02010401010101010101" pitchFamily="2" charset="-79"/>
+                <a:cs typeface="Guttman Hatzvi" panose="02010401010101010101" pitchFamily="2" charset="-79"/>
+              </a:rPr>
+              <a:t> </a:t>
+            </a:r>
+            <a:r>
+              <a:rPr dirty="0" err="1">
+                <a:latin typeface="Guttman Hatzvi" panose="02010401010101010101" pitchFamily="2" charset="-79"/>
+                <a:cs typeface="Guttman Hatzvi" panose="02010401010101010101" pitchFamily="2" charset="-79"/>
+              </a:rPr>
               <a:t>הקודמות</a:t>
             </a:r>
             <a:r>
-              <a:rPr dirty="0"/>
-              <a:t> </a:t>
-            </a:r>
-            <a:r>
-              <a:rPr dirty="0" err="1"/>
+              <a:rPr dirty="0">
+                <a:latin typeface="Guttman Hatzvi" panose="02010401010101010101" pitchFamily="2" charset="-79"/>
+                <a:cs typeface="Guttman Hatzvi" panose="02010401010101010101" pitchFamily="2" charset="-79"/>
+              </a:rPr>
+              <a:t> </a:t>
+            </a:r>
+            <a:r>
+              <a:rPr dirty="0" err="1">
+                <a:latin typeface="Guttman Hatzvi" panose="02010401010101010101" pitchFamily="2" charset="-79"/>
+                <a:cs typeface="Guttman Hatzvi" panose="02010401010101010101" pitchFamily="2" charset="-79"/>
+              </a:rPr>
               <a:t>ולמדנו</a:t>
             </a:r>
             <a:r>
-              <a:rPr dirty="0"/>
-              <a:t> </a:t>
-            </a:r>
-            <a:r>
-              <a:rPr dirty="0" err="1"/>
+              <a:rPr dirty="0">
+                <a:latin typeface="Guttman Hatzvi" panose="02010401010101010101" pitchFamily="2" charset="-79"/>
+                <a:cs typeface="Guttman Hatzvi" panose="02010401010101010101" pitchFamily="2" charset="-79"/>
+              </a:rPr>
+              <a:t> </a:t>
+            </a:r>
+            <a:r>
+              <a:rPr dirty="0" err="1">
+                <a:latin typeface="Guttman Hatzvi" panose="02010401010101010101" pitchFamily="2" charset="-79"/>
+                <a:cs typeface="Guttman Hatzvi" panose="02010401010101010101" pitchFamily="2" charset="-79"/>
+              </a:rPr>
               <a:t>איך</a:t>
             </a:r>
             <a:r>
-              <a:rPr dirty="0"/>
-              <a:t> </a:t>
-            </a:r>
-            <a:r>
-              <a:rPr dirty="0" err="1"/>
+              <a:rPr dirty="0">
+                <a:latin typeface="Guttman Hatzvi" panose="02010401010101010101" pitchFamily="2" charset="-79"/>
+                <a:cs typeface="Guttman Hatzvi" panose="02010401010101010101" pitchFamily="2" charset="-79"/>
+              </a:rPr>
+              <a:t> </a:t>
+            </a:r>
+            <a:r>
+              <a:rPr dirty="0" err="1">
+                <a:latin typeface="Guttman Hatzvi" panose="02010401010101010101" pitchFamily="2" charset="-79"/>
+                <a:cs typeface="Guttman Hatzvi" panose="02010401010101010101" pitchFamily="2" charset="-79"/>
+              </a:rPr>
               <a:t>למקסם</a:t>
             </a:r>
             <a:r>
-              <a:rPr dirty="0"/>
-              <a:t> </a:t>
-            </a:r>
-            <a:r>
-              <a:rPr dirty="0" err="1"/>
+              <a:rPr dirty="0">
+                <a:latin typeface="Guttman Hatzvi" panose="02010401010101010101" pitchFamily="2" charset="-79"/>
+                <a:cs typeface="Guttman Hatzvi" panose="02010401010101010101" pitchFamily="2" charset="-79"/>
+              </a:rPr>
+              <a:t> </a:t>
+            </a:r>
+            <a:r>
+              <a:rPr dirty="0" err="1">
+                <a:latin typeface="Guttman Hatzvi" panose="02010401010101010101" pitchFamily="2" charset="-79"/>
+                <a:cs typeface="Guttman Hatzvi" panose="02010401010101010101" pitchFamily="2" charset="-79"/>
+              </a:rPr>
               <a:t>את</a:t>
             </a:r>
             <a:r>
-              <a:rPr dirty="0"/>
-              <a:t> </a:t>
-            </a:r>
-            <a:r>
-              <a:rPr dirty="0" err="1"/>
+              <a:rPr dirty="0">
+                <a:latin typeface="Guttman Hatzvi" panose="02010401010101010101" pitchFamily="2" charset="-79"/>
+                <a:cs typeface="Guttman Hatzvi" panose="02010401010101010101" pitchFamily="2" charset="-79"/>
+              </a:rPr>
+              <a:t> </a:t>
+            </a:r>
+            <a:r>
+              <a:rPr dirty="0" err="1">
+                <a:latin typeface="Guttman Hatzvi" panose="02010401010101010101" pitchFamily="2" charset="-79"/>
+                <a:cs typeface="Guttman Hatzvi" panose="02010401010101010101" pitchFamily="2" charset="-79"/>
+              </a:rPr>
               <a:t>העבודה</a:t>
             </a:r>
             <a:r>
-              <a:rPr dirty="0"/>
-              <a:t> </a:t>
-            </a:r>
-            <a:r>
-              <a:rPr dirty="0" err="1"/>
+              <a:rPr dirty="0">
+                <a:latin typeface="Guttman Hatzvi" panose="02010401010101010101" pitchFamily="2" charset="-79"/>
+                <a:cs typeface="Guttman Hatzvi" panose="02010401010101010101" pitchFamily="2" charset="-79"/>
+              </a:rPr>
+              <a:t> </a:t>
+            </a:r>
+            <a:r>
+              <a:rPr dirty="0" err="1">
+                <a:latin typeface="Guttman Hatzvi" panose="02010401010101010101" pitchFamily="2" charset="-79"/>
+                <a:cs typeface="Guttman Hatzvi" panose="02010401010101010101" pitchFamily="2" charset="-79"/>
+              </a:rPr>
               <a:t>שלנו</a:t>
             </a:r>
             <a:r>
-              <a:rPr dirty="0"/>
+              <a:rPr dirty="0">
+                <a:latin typeface="Guttman Hatzvi" panose="02010401010101010101" pitchFamily="2" charset="-79"/>
+                <a:cs typeface="Guttman Hatzvi" panose="02010401010101010101" pitchFamily="2" charset="-79"/>
+              </a:rPr>
               <a:t>.</a:t>
             </a:r>
           </a:p>
@@ -7911,315 +8793,563 @@
               </a:defRPr>
             </a:pPr>
             <a:r>
-              <a:rPr dirty="0" err="1"/>
+              <a:rPr dirty="0" err="1">
+                <a:latin typeface="Guttman Hatzvi" panose="02010401010101010101" pitchFamily="2" charset="-79"/>
+                <a:cs typeface="Guttman Hatzvi" panose="02010401010101010101" pitchFamily="2" charset="-79"/>
+              </a:rPr>
               <a:t>לדוגמא</a:t>
             </a:r>
             <a:r>
-              <a:rPr dirty="0"/>
+              <a:rPr dirty="0">
+                <a:latin typeface="Guttman Hatzvi" panose="02010401010101010101" pitchFamily="2" charset="-79"/>
+                <a:cs typeface="Guttman Hatzvi" panose="02010401010101010101" pitchFamily="2" charset="-79"/>
+              </a:rPr>
               <a:t> , </a:t>
             </a:r>
             <a:r>
-              <a:rPr dirty="0" err="1"/>
+              <a:rPr dirty="0" err="1">
+                <a:latin typeface="Guttman Hatzvi" panose="02010401010101010101" pitchFamily="2" charset="-79"/>
+                <a:cs typeface="Guttman Hatzvi" panose="02010401010101010101" pitchFamily="2" charset="-79"/>
+              </a:rPr>
               <a:t>באיטרציה</a:t>
             </a:r>
             <a:r>
-              <a:rPr dirty="0"/>
-              <a:t> </a:t>
-            </a:r>
-            <a:r>
-              <a:rPr dirty="0" err="1"/>
+              <a:rPr dirty="0">
+                <a:latin typeface="Guttman Hatzvi" panose="02010401010101010101" pitchFamily="2" charset="-79"/>
+                <a:cs typeface="Guttman Hatzvi" panose="02010401010101010101" pitchFamily="2" charset="-79"/>
+              </a:rPr>
+              <a:t> </a:t>
+            </a:r>
+            <a:r>
+              <a:rPr dirty="0" err="1">
+                <a:latin typeface="Guttman Hatzvi" panose="02010401010101010101" pitchFamily="2" charset="-79"/>
+                <a:cs typeface="Guttman Hatzvi" panose="02010401010101010101" pitchFamily="2" charset="-79"/>
+              </a:rPr>
               <a:t>של</a:t>
             </a:r>
             <a:r>
-              <a:rPr dirty="0"/>
-              <a:t> ה-ZFR ,</a:t>
-            </a:r>
-            <a:r>
-              <a:rPr dirty="0" err="1"/>
+              <a:rPr dirty="0">
+                <a:latin typeface="Guttman Hatzvi" panose="02010401010101010101" pitchFamily="2" charset="-79"/>
+                <a:cs typeface="Guttman Hatzvi" panose="02010401010101010101" pitchFamily="2" charset="-79"/>
+              </a:rPr>
+              <a:t> ה-</a:t>
+            </a:r>
+            <a:r>
+              <a:rPr dirty="0">
+                <a:latin typeface="Arial" panose="020B0604020202020204" pitchFamily="34" charset="0"/>
+                <a:cs typeface="Arial" panose="020B0604020202020204" pitchFamily="34" charset="0"/>
+              </a:rPr>
+              <a:t>ZFR</a:t>
+            </a:r>
+            <a:r>
+              <a:rPr dirty="0">
+                <a:latin typeface="Guttman Hatzvi" panose="02010401010101010101" pitchFamily="2" charset="-79"/>
+                <a:cs typeface="Guttman Hatzvi" panose="02010401010101010101" pitchFamily="2" charset="-79"/>
+              </a:rPr>
+              <a:t> ,</a:t>
+            </a:r>
+            <a:r>
+              <a:rPr dirty="0" err="1">
+                <a:latin typeface="Guttman Hatzvi" panose="02010401010101010101" pitchFamily="2" charset="-79"/>
+                <a:cs typeface="Guttman Hatzvi" panose="02010401010101010101" pitchFamily="2" charset="-79"/>
+              </a:rPr>
               <a:t>שהייתה</a:t>
             </a:r>
             <a:r>
-              <a:rPr dirty="0"/>
-              <a:t> </a:t>
-            </a:r>
-            <a:r>
-              <a:rPr dirty="0" err="1"/>
+              <a:rPr dirty="0">
+                <a:latin typeface="Guttman Hatzvi" panose="02010401010101010101" pitchFamily="2" charset="-79"/>
+                <a:cs typeface="Guttman Hatzvi" panose="02010401010101010101" pitchFamily="2" charset="-79"/>
+              </a:rPr>
+              <a:t> </a:t>
+            </a:r>
+            <a:r>
+              <a:rPr dirty="0" err="1">
+                <a:latin typeface="Guttman Hatzvi" panose="02010401010101010101" pitchFamily="2" charset="-79"/>
+                <a:cs typeface="Guttman Hatzvi" panose="02010401010101010101" pitchFamily="2" charset="-79"/>
+              </a:rPr>
               <a:t>האיטרציה</a:t>
             </a:r>
             <a:r>
-              <a:rPr dirty="0"/>
-              <a:t> </a:t>
-            </a:r>
-            <a:r>
-              <a:rPr dirty="0" err="1"/>
+              <a:rPr dirty="0">
+                <a:latin typeface="Guttman Hatzvi" panose="02010401010101010101" pitchFamily="2" charset="-79"/>
+                <a:cs typeface="Guttman Hatzvi" panose="02010401010101010101" pitchFamily="2" charset="-79"/>
+              </a:rPr>
+              <a:t> </a:t>
+            </a:r>
+            <a:r>
+              <a:rPr dirty="0" err="1">
+                <a:latin typeface="Guttman Hatzvi" panose="02010401010101010101" pitchFamily="2" charset="-79"/>
+                <a:cs typeface="Guttman Hatzvi" panose="02010401010101010101" pitchFamily="2" charset="-79"/>
+              </a:rPr>
               <a:t>הראשונה</a:t>
             </a:r>
             <a:r>
-              <a:rPr dirty="0"/>
-              <a:t> </a:t>
-            </a:r>
-            <a:r>
-              <a:rPr dirty="0" err="1"/>
+              <a:rPr dirty="0">
+                <a:latin typeface="Guttman Hatzvi" panose="02010401010101010101" pitchFamily="2" charset="-79"/>
+                <a:cs typeface="Guttman Hatzvi" panose="02010401010101010101" pitchFamily="2" charset="-79"/>
+              </a:rPr>
+              <a:t> </a:t>
+            </a:r>
+            <a:r>
+              <a:rPr dirty="0" err="1">
+                <a:latin typeface="Guttman Hatzvi" panose="02010401010101010101" pitchFamily="2" charset="-79"/>
+                <a:cs typeface="Guttman Hatzvi" panose="02010401010101010101" pitchFamily="2" charset="-79"/>
+              </a:rPr>
               <a:t>הערכת</a:t>
             </a:r>
             <a:r>
-              <a:rPr dirty="0"/>
-              <a:t> </a:t>
-            </a:r>
-            <a:r>
-              <a:rPr dirty="0" err="1"/>
+              <a:rPr dirty="0">
+                <a:latin typeface="Guttman Hatzvi" panose="02010401010101010101" pitchFamily="2" charset="-79"/>
+                <a:cs typeface="Guttman Hatzvi" panose="02010401010101010101" pitchFamily="2" charset="-79"/>
+              </a:rPr>
+              <a:t> </a:t>
+            </a:r>
+            <a:r>
+              <a:rPr dirty="0" err="1">
+                <a:latin typeface="Guttman Hatzvi" panose="02010401010101010101" pitchFamily="2" charset="-79"/>
+                <a:cs typeface="Guttman Hatzvi" panose="02010401010101010101" pitchFamily="2" charset="-79"/>
+              </a:rPr>
               <a:t>הזמן</a:t>
             </a:r>
             <a:r>
-              <a:rPr dirty="0"/>
-              <a:t> </a:t>
-            </a:r>
-            <a:r>
-              <a:rPr dirty="0" err="1"/>
+              <a:rPr dirty="0">
+                <a:latin typeface="Guttman Hatzvi" panose="02010401010101010101" pitchFamily="2" charset="-79"/>
+                <a:cs typeface="Guttman Hatzvi" panose="02010401010101010101" pitchFamily="2" charset="-79"/>
+              </a:rPr>
+              <a:t> </a:t>
+            </a:r>
+            <a:r>
+              <a:rPr dirty="0" err="1">
+                <a:latin typeface="Guttman Hatzvi" panose="02010401010101010101" pitchFamily="2" charset="-79"/>
+                <a:cs typeface="Guttman Hatzvi" panose="02010401010101010101" pitchFamily="2" charset="-79"/>
+              </a:rPr>
               <a:t>שלנו</a:t>
             </a:r>
             <a:r>
-              <a:rPr dirty="0"/>
-              <a:t> </a:t>
-            </a:r>
-            <a:r>
-              <a:rPr dirty="0" err="1"/>
+              <a:rPr dirty="0">
+                <a:latin typeface="Guttman Hatzvi" panose="02010401010101010101" pitchFamily="2" charset="-79"/>
+                <a:cs typeface="Guttman Hatzvi" panose="02010401010101010101" pitchFamily="2" charset="-79"/>
+              </a:rPr>
+              <a:t> </a:t>
+            </a:r>
+            <a:r>
+              <a:rPr dirty="0" err="1">
+                <a:latin typeface="Guttman Hatzvi" panose="02010401010101010101" pitchFamily="2" charset="-79"/>
+                <a:cs typeface="Guttman Hatzvi" panose="02010401010101010101" pitchFamily="2" charset="-79"/>
+              </a:rPr>
               <a:t>למשימות</a:t>
             </a:r>
             <a:r>
-              <a:rPr dirty="0"/>
-              <a:t> </a:t>
-            </a:r>
-            <a:r>
-              <a:rPr dirty="0" err="1"/>
+              <a:rPr dirty="0">
+                <a:latin typeface="Guttman Hatzvi" panose="02010401010101010101" pitchFamily="2" charset="-79"/>
+                <a:cs typeface="Guttman Hatzvi" panose="02010401010101010101" pitchFamily="2" charset="-79"/>
+              </a:rPr>
+              <a:t> </a:t>
+            </a:r>
+            <a:r>
+              <a:rPr dirty="0" err="1">
+                <a:latin typeface="Guttman Hatzvi" panose="02010401010101010101" pitchFamily="2" charset="-79"/>
+                <a:cs typeface="Guttman Hatzvi" panose="02010401010101010101" pitchFamily="2" charset="-79"/>
+              </a:rPr>
               <a:t>לא</a:t>
             </a:r>
             <a:r>
-              <a:rPr dirty="0"/>
-              <a:t> </a:t>
-            </a:r>
-            <a:r>
-              <a:rPr dirty="0" err="1"/>
+              <a:rPr dirty="0">
+                <a:latin typeface="Guttman Hatzvi" panose="02010401010101010101" pitchFamily="2" charset="-79"/>
+                <a:cs typeface="Guttman Hatzvi" panose="02010401010101010101" pitchFamily="2" charset="-79"/>
+              </a:rPr>
+              <a:t> </a:t>
+            </a:r>
+            <a:r>
+              <a:rPr dirty="0" err="1">
+                <a:latin typeface="Guttman Hatzvi" panose="02010401010101010101" pitchFamily="2" charset="-79"/>
+                <a:cs typeface="Guttman Hatzvi" panose="02010401010101010101" pitchFamily="2" charset="-79"/>
+              </a:rPr>
               <a:t>הייתה</a:t>
             </a:r>
             <a:r>
-              <a:rPr dirty="0"/>
-              <a:t> </a:t>
-            </a:r>
-            <a:r>
-              <a:rPr dirty="0" err="1"/>
+              <a:rPr dirty="0">
+                <a:latin typeface="Guttman Hatzvi" panose="02010401010101010101" pitchFamily="2" charset="-79"/>
+                <a:cs typeface="Guttman Hatzvi" panose="02010401010101010101" pitchFamily="2" charset="-79"/>
+              </a:rPr>
+              <a:t> </a:t>
+            </a:r>
+            <a:r>
+              <a:rPr dirty="0" err="1">
+                <a:latin typeface="Guttman Hatzvi" panose="02010401010101010101" pitchFamily="2" charset="-79"/>
+                <a:cs typeface="Guttman Hatzvi" panose="02010401010101010101" pitchFamily="2" charset="-79"/>
+              </a:rPr>
               <a:t>נכונה</a:t>
             </a:r>
             <a:r>
-              <a:rPr dirty="0"/>
-              <a:t> </a:t>
-            </a:r>
-            <a:r>
-              <a:rPr dirty="0" err="1"/>
+              <a:rPr dirty="0">
+                <a:latin typeface="Guttman Hatzvi" panose="02010401010101010101" pitchFamily="2" charset="-79"/>
+                <a:cs typeface="Guttman Hatzvi" panose="02010401010101010101" pitchFamily="2" charset="-79"/>
+              </a:rPr>
+              <a:t> </a:t>
+            </a:r>
+            <a:r>
+              <a:rPr dirty="0" err="1">
+                <a:latin typeface="Guttman Hatzvi" panose="02010401010101010101" pitchFamily="2" charset="-79"/>
+                <a:cs typeface="Guttman Hatzvi" panose="02010401010101010101" pitchFamily="2" charset="-79"/>
+              </a:rPr>
               <a:t>ולכן</a:t>
             </a:r>
             <a:r>
-              <a:rPr dirty="0"/>
-              <a:t> </a:t>
-            </a:r>
-            <a:r>
-              <a:rPr dirty="0" err="1"/>
+              <a:rPr dirty="0">
+                <a:latin typeface="Guttman Hatzvi" panose="02010401010101010101" pitchFamily="2" charset="-79"/>
+                <a:cs typeface="Guttman Hatzvi" panose="02010401010101010101" pitchFamily="2" charset="-79"/>
+              </a:rPr>
+              <a:t> </a:t>
+            </a:r>
+            <a:r>
+              <a:rPr dirty="0" err="1">
+                <a:latin typeface="Guttman Hatzvi" panose="02010401010101010101" pitchFamily="2" charset="-79"/>
+                <a:cs typeface="Guttman Hatzvi" panose="02010401010101010101" pitchFamily="2" charset="-79"/>
+              </a:rPr>
               <a:t>כשבאנו</a:t>
             </a:r>
             <a:r>
-              <a:rPr dirty="0"/>
-              <a:t> </a:t>
-            </a:r>
-            <a:r>
-              <a:rPr dirty="0" err="1"/>
+              <a:rPr dirty="0">
+                <a:latin typeface="Guttman Hatzvi" panose="02010401010101010101" pitchFamily="2" charset="-79"/>
+                <a:cs typeface="Guttman Hatzvi" panose="02010401010101010101" pitchFamily="2" charset="-79"/>
+              </a:rPr>
+              <a:t> </a:t>
+            </a:r>
+            <a:r>
+              <a:rPr dirty="0" err="1">
+                <a:latin typeface="Guttman Hatzvi" panose="02010401010101010101" pitchFamily="2" charset="-79"/>
+                <a:cs typeface="Guttman Hatzvi" panose="02010401010101010101" pitchFamily="2" charset="-79"/>
+              </a:rPr>
               <a:t>לתכנן</a:t>
             </a:r>
             <a:r>
-              <a:rPr dirty="0"/>
-              <a:t> </a:t>
-            </a:r>
-            <a:r>
-              <a:rPr dirty="0" err="1"/>
+              <a:rPr dirty="0">
+                <a:latin typeface="Guttman Hatzvi" panose="02010401010101010101" pitchFamily="2" charset="-79"/>
+                <a:cs typeface="Guttman Hatzvi" panose="02010401010101010101" pitchFamily="2" charset="-79"/>
+              </a:rPr>
+              <a:t> </a:t>
+            </a:r>
+            <a:r>
+              <a:rPr dirty="0" err="1">
+                <a:latin typeface="Guttman Hatzvi" panose="02010401010101010101" pitchFamily="2" charset="-79"/>
+                <a:cs typeface="Guttman Hatzvi" panose="02010401010101010101" pitchFamily="2" charset="-79"/>
+              </a:rPr>
               <a:t>את</a:t>
             </a:r>
             <a:r>
-              <a:rPr dirty="0"/>
-              <a:t> </a:t>
-            </a:r>
-            <a:r>
-              <a:rPr dirty="0" err="1"/>
+              <a:rPr dirty="0">
+                <a:latin typeface="Guttman Hatzvi" panose="02010401010101010101" pitchFamily="2" charset="-79"/>
+                <a:cs typeface="Guttman Hatzvi" panose="02010401010101010101" pitchFamily="2" charset="-79"/>
+              </a:rPr>
+              <a:t> </a:t>
+            </a:r>
+            <a:r>
+              <a:rPr dirty="0" err="1">
+                <a:latin typeface="Guttman Hatzvi" panose="02010401010101010101" pitchFamily="2" charset="-79"/>
+                <a:cs typeface="Guttman Hatzvi" panose="02010401010101010101" pitchFamily="2" charset="-79"/>
+              </a:rPr>
               <a:t>האיטרציה</a:t>
             </a:r>
             <a:r>
-              <a:rPr dirty="0"/>
-              <a:t> </a:t>
-            </a:r>
-            <a:r>
-              <a:rPr dirty="0" err="1"/>
+              <a:rPr dirty="0">
+                <a:latin typeface="Guttman Hatzvi" panose="02010401010101010101" pitchFamily="2" charset="-79"/>
+                <a:cs typeface="Guttman Hatzvi" panose="02010401010101010101" pitchFamily="2" charset="-79"/>
+              </a:rPr>
+              <a:t> </a:t>
+            </a:r>
+            <a:r>
+              <a:rPr dirty="0" err="1">
+                <a:latin typeface="Guttman Hatzvi" panose="02010401010101010101" pitchFamily="2" charset="-79"/>
+                <a:cs typeface="Guttman Hatzvi" panose="02010401010101010101" pitchFamily="2" charset="-79"/>
+              </a:rPr>
               <a:t>הבאה</a:t>
             </a:r>
             <a:r>
-              <a:rPr dirty="0"/>
-              <a:t> </a:t>
-            </a:r>
-            <a:r>
-              <a:rPr dirty="0" err="1"/>
+              <a:rPr dirty="0">
+                <a:latin typeface="Guttman Hatzvi" panose="02010401010101010101" pitchFamily="2" charset="-79"/>
+                <a:cs typeface="Guttman Hatzvi" panose="02010401010101010101" pitchFamily="2" charset="-79"/>
+              </a:rPr>
+              <a:t> </a:t>
+            </a:r>
+            <a:r>
+              <a:rPr dirty="0" err="1">
+                <a:latin typeface="Guttman Hatzvi" panose="02010401010101010101" pitchFamily="2" charset="-79"/>
+                <a:cs typeface="Guttman Hatzvi" panose="02010401010101010101" pitchFamily="2" charset="-79"/>
+              </a:rPr>
               <a:t>הקדשנו</a:t>
             </a:r>
             <a:r>
-              <a:rPr dirty="0"/>
-              <a:t> </a:t>
-            </a:r>
-            <a:r>
-              <a:rPr dirty="0" err="1"/>
+              <a:rPr dirty="0">
+                <a:latin typeface="Guttman Hatzvi" panose="02010401010101010101" pitchFamily="2" charset="-79"/>
+                <a:cs typeface="Guttman Hatzvi" panose="02010401010101010101" pitchFamily="2" charset="-79"/>
+              </a:rPr>
+              <a:t> </a:t>
+            </a:r>
+            <a:r>
+              <a:rPr dirty="0" err="1">
+                <a:latin typeface="Guttman Hatzvi" panose="02010401010101010101" pitchFamily="2" charset="-79"/>
+                <a:cs typeface="Guttman Hatzvi" panose="02010401010101010101" pitchFamily="2" charset="-79"/>
+              </a:rPr>
               <a:t>יותר</a:t>
             </a:r>
             <a:r>
-              <a:rPr dirty="0"/>
-              <a:t> </a:t>
-            </a:r>
-            <a:r>
-              <a:rPr dirty="0" err="1"/>
+              <a:rPr dirty="0">
+                <a:latin typeface="Guttman Hatzvi" panose="02010401010101010101" pitchFamily="2" charset="-79"/>
+                <a:cs typeface="Guttman Hatzvi" panose="02010401010101010101" pitchFamily="2" charset="-79"/>
+              </a:rPr>
+              <a:t> </a:t>
+            </a:r>
+            <a:r>
+              <a:rPr dirty="0" err="1">
+                <a:latin typeface="Guttman Hatzvi" panose="02010401010101010101" pitchFamily="2" charset="-79"/>
+                <a:cs typeface="Guttman Hatzvi" panose="02010401010101010101" pitchFamily="2" charset="-79"/>
+              </a:rPr>
               <a:t>זמן</a:t>
             </a:r>
             <a:r>
-              <a:rPr dirty="0"/>
-              <a:t> </a:t>
-            </a:r>
-            <a:r>
-              <a:rPr dirty="0" err="1"/>
+              <a:rPr dirty="0">
+                <a:latin typeface="Guttman Hatzvi" panose="02010401010101010101" pitchFamily="2" charset="-79"/>
+                <a:cs typeface="Guttman Hatzvi" panose="02010401010101010101" pitchFamily="2" charset="-79"/>
+              </a:rPr>
+              <a:t> </a:t>
+            </a:r>
+            <a:r>
+              <a:rPr dirty="0" err="1">
+                <a:latin typeface="Guttman Hatzvi" panose="02010401010101010101" pitchFamily="2" charset="-79"/>
+                <a:cs typeface="Guttman Hatzvi" panose="02010401010101010101" pitchFamily="2" charset="-79"/>
+              </a:rPr>
               <a:t>ומאמץ</a:t>
             </a:r>
             <a:r>
-              <a:rPr dirty="0"/>
-              <a:t> </a:t>
-            </a:r>
-            <a:r>
-              <a:rPr dirty="0" err="1"/>
+              <a:rPr dirty="0">
+                <a:latin typeface="Guttman Hatzvi" panose="02010401010101010101" pitchFamily="2" charset="-79"/>
+                <a:cs typeface="Guttman Hatzvi" panose="02010401010101010101" pitchFamily="2" charset="-79"/>
+              </a:rPr>
+              <a:t> </a:t>
+            </a:r>
+            <a:r>
+              <a:rPr dirty="0" err="1">
+                <a:latin typeface="Guttman Hatzvi" panose="02010401010101010101" pitchFamily="2" charset="-79"/>
+                <a:cs typeface="Guttman Hatzvi" panose="02010401010101010101" pitchFamily="2" charset="-79"/>
+              </a:rPr>
               <a:t>כדי</a:t>
             </a:r>
             <a:r>
-              <a:rPr dirty="0"/>
-              <a:t> </a:t>
-            </a:r>
-            <a:r>
-              <a:rPr dirty="0" err="1"/>
+              <a:rPr dirty="0">
+                <a:latin typeface="Guttman Hatzvi" panose="02010401010101010101" pitchFamily="2" charset="-79"/>
+                <a:cs typeface="Guttman Hatzvi" panose="02010401010101010101" pitchFamily="2" charset="-79"/>
+              </a:rPr>
+              <a:t> </a:t>
+            </a:r>
+            <a:r>
+              <a:rPr dirty="0" err="1">
+                <a:latin typeface="Guttman Hatzvi" panose="02010401010101010101" pitchFamily="2" charset="-79"/>
+                <a:cs typeface="Guttman Hatzvi" panose="02010401010101010101" pitchFamily="2" charset="-79"/>
+              </a:rPr>
               <a:t>להעריך</a:t>
             </a:r>
             <a:r>
-              <a:rPr dirty="0"/>
-              <a:t> </a:t>
-            </a:r>
-            <a:r>
-              <a:rPr dirty="0" err="1"/>
+              <a:rPr dirty="0">
+                <a:latin typeface="Guttman Hatzvi" panose="02010401010101010101" pitchFamily="2" charset="-79"/>
+                <a:cs typeface="Guttman Hatzvi" panose="02010401010101010101" pitchFamily="2" charset="-79"/>
+              </a:rPr>
+              <a:t> </a:t>
+            </a:r>
+            <a:r>
+              <a:rPr dirty="0" err="1">
+                <a:latin typeface="Guttman Hatzvi" panose="02010401010101010101" pitchFamily="2" charset="-79"/>
+                <a:cs typeface="Guttman Hatzvi" panose="02010401010101010101" pitchFamily="2" charset="-79"/>
+              </a:rPr>
               <a:t>כמה</a:t>
             </a:r>
             <a:r>
-              <a:rPr dirty="0"/>
-              <a:t> </a:t>
-            </a:r>
-            <a:r>
-              <a:rPr dirty="0" err="1"/>
+              <a:rPr dirty="0">
+                <a:latin typeface="Guttman Hatzvi" panose="02010401010101010101" pitchFamily="2" charset="-79"/>
+                <a:cs typeface="Guttman Hatzvi" panose="02010401010101010101" pitchFamily="2" charset="-79"/>
+              </a:rPr>
+              <a:t> </a:t>
+            </a:r>
+            <a:r>
+              <a:rPr dirty="0" err="1">
+                <a:latin typeface="Guttman Hatzvi" panose="02010401010101010101" pitchFamily="2" charset="-79"/>
+                <a:cs typeface="Guttman Hatzvi" panose="02010401010101010101" pitchFamily="2" charset="-79"/>
+              </a:rPr>
               <a:t>זמן</a:t>
             </a:r>
             <a:r>
-              <a:rPr dirty="0"/>
-              <a:t> </a:t>
-            </a:r>
-            <a:r>
-              <a:rPr dirty="0" err="1"/>
+              <a:rPr dirty="0">
+                <a:latin typeface="Guttman Hatzvi" panose="02010401010101010101" pitchFamily="2" charset="-79"/>
+                <a:cs typeface="Guttman Hatzvi" panose="02010401010101010101" pitchFamily="2" charset="-79"/>
+              </a:rPr>
+              <a:t> </a:t>
+            </a:r>
+            <a:r>
+              <a:rPr dirty="0" err="1">
+                <a:latin typeface="Guttman Hatzvi" panose="02010401010101010101" pitchFamily="2" charset="-79"/>
+                <a:cs typeface="Guttman Hatzvi" panose="02010401010101010101" pitchFamily="2" charset="-79"/>
+              </a:rPr>
               <a:t>תיקח</a:t>
             </a:r>
             <a:r>
-              <a:rPr dirty="0"/>
-              <a:t> </a:t>
-            </a:r>
-            <a:r>
-              <a:rPr dirty="0" err="1"/>
+              <a:rPr dirty="0">
+                <a:latin typeface="Guttman Hatzvi" panose="02010401010101010101" pitchFamily="2" charset="-79"/>
+                <a:cs typeface="Guttman Hatzvi" panose="02010401010101010101" pitchFamily="2" charset="-79"/>
+              </a:rPr>
+              <a:t> </a:t>
+            </a:r>
+            <a:r>
+              <a:rPr dirty="0" err="1">
+                <a:latin typeface="Guttman Hatzvi" panose="02010401010101010101" pitchFamily="2" charset="-79"/>
+                <a:cs typeface="Guttman Hatzvi" panose="02010401010101010101" pitchFamily="2" charset="-79"/>
+              </a:rPr>
               <a:t>העבודה</a:t>
             </a:r>
             <a:r>
-              <a:rPr dirty="0"/>
-              <a:t> </a:t>
-            </a:r>
-            <a:r>
-              <a:rPr dirty="0" err="1"/>
+              <a:rPr dirty="0">
+                <a:latin typeface="Guttman Hatzvi" panose="02010401010101010101" pitchFamily="2" charset="-79"/>
+                <a:cs typeface="Guttman Hatzvi" panose="02010401010101010101" pitchFamily="2" charset="-79"/>
+              </a:rPr>
+              <a:t> </a:t>
+            </a:r>
+            <a:r>
+              <a:rPr dirty="0" err="1">
+                <a:latin typeface="Guttman Hatzvi" panose="02010401010101010101" pitchFamily="2" charset="-79"/>
+                <a:cs typeface="Guttman Hatzvi" panose="02010401010101010101" pitchFamily="2" charset="-79"/>
+              </a:rPr>
               <a:t>ועל</a:t>
             </a:r>
             <a:r>
-              <a:rPr dirty="0"/>
-              <a:t> </a:t>
-            </a:r>
-            <a:r>
-              <a:rPr dirty="0" err="1"/>
+              <a:rPr dirty="0">
+                <a:latin typeface="Guttman Hatzvi" panose="02010401010101010101" pitchFamily="2" charset="-79"/>
+                <a:cs typeface="Guttman Hatzvi" panose="02010401010101010101" pitchFamily="2" charset="-79"/>
+              </a:rPr>
+              <a:t> </a:t>
+            </a:r>
+            <a:r>
+              <a:rPr dirty="0" err="1">
+                <a:latin typeface="Guttman Hatzvi" panose="02010401010101010101" pitchFamily="2" charset="-79"/>
+                <a:cs typeface="Guttman Hatzvi" panose="02010401010101010101" pitchFamily="2" charset="-79"/>
+              </a:rPr>
               <a:t>מה</a:t>
             </a:r>
             <a:r>
-              <a:rPr dirty="0"/>
-              <a:t> </a:t>
-            </a:r>
-            <a:r>
-              <a:rPr dirty="0" err="1"/>
+              <a:rPr dirty="0">
+                <a:latin typeface="Guttman Hatzvi" panose="02010401010101010101" pitchFamily="2" charset="-79"/>
+                <a:cs typeface="Guttman Hatzvi" panose="02010401010101010101" pitchFamily="2" charset="-79"/>
+              </a:rPr>
+              <a:t> </a:t>
+            </a:r>
+            <a:r>
+              <a:rPr dirty="0" err="1">
+                <a:latin typeface="Guttman Hatzvi" panose="02010401010101010101" pitchFamily="2" charset="-79"/>
+                <a:cs typeface="Guttman Hatzvi" panose="02010401010101010101" pitchFamily="2" charset="-79"/>
+              </a:rPr>
               <a:t>כדאי</a:t>
             </a:r>
             <a:r>
-              <a:rPr dirty="0"/>
-              <a:t> </a:t>
-            </a:r>
-            <a:r>
-              <a:rPr dirty="0" err="1"/>
+              <a:rPr dirty="0">
+                <a:latin typeface="Guttman Hatzvi" panose="02010401010101010101" pitchFamily="2" charset="-79"/>
+                <a:cs typeface="Guttman Hatzvi" panose="02010401010101010101" pitchFamily="2" charset="-79"/>
+              </a:rPr>
+              <a:t> </a:t>
+            </a:r>
+            <a:r>
+              <a:rPr dirty="0" err="1">
+                <a:latin typeface="Guttman Hatzvi" panose="02010401010101010101" pitchFamily="2" charset="-79"/>
+                <a:cs typeface="Guttman Hatzvi" panose="02010401010101010101" pitchFamily="2" charset="-79"/>
+              </a:rPr>
               <a:t>להשקיע</a:t>
             </a:r>
             <a:r>
-              <a:rPr dirty="0"/>
-              <a:t> </a:t>
-            </a:r>
-            <a:r>
-              <a:rPr dirty="0" err="1"/>
+              <a:rPr dirty="0">
+                <a:latin typeface="Guttman Hatzvi" panose="02010401010101010101" pitchFamily="2" charset="-79"/>
+                <a:cs typeface="Guttman Hatzvi" panose="02010401010101010101" pitchFamily="2" charset="-79"/>
+              </a:rPr>
+              <a:t> </a:t>
+            </a:r>
+            <a:r>
+              <a:rPr dirty="0" err="1">
+                <a:latin typeface="Guttman Hatzvi" panose="02010401010101010101" pitchFamily="2" charset="-79"/>
+                <a:cs typeface="Guttman Hatzvi" panose="02010401010101010101" pitchFamily="2" charset="-79"/>
+              </a:rPr>
               <a:t>יותר</a:t>
             </a:r>
             <a:r>
-              <a:rPr dirty="0"/>
-              <a:t> </a:t>
-            </a:r>
-            <a:r>
-              <a:rPr dirty="0" err="1"/>
+              <a:rPr dirty="0">
+                <a:latin typeface="Guttman Hatzvi" panose="02010401010101010101" pitchFamily="2" charset="-79"/>
+                <a:cs typeface="Guttman Hatzvi" panose="02010401010101010101" pitchFamily="2" charset="-79"/>
+              </a:rPr>
+              <a:t> </a:t>
+            </a:r>
+            <a:r>
+              <a:rPr dirty="0" err="1">
+                <a:latin typeface="Guttman Hatzvi" panose="02010401010101010101" pitchFamily="2" charset="-79"/>
+                <a:cs typeface="Guttman Hatzvi" panose="02010401010101010101" pitchFamily="2" charset="-79"/>
+              </a:rPr>
               <a:t>זמן</a:t>
             </a:r>
             <a:r>
-              <a:rPr dirty="0"/>
-              <a:t> </a:t>
-            </a:r>
-            <a:r>
-              <a:rPr dirty="0" err="1"/>
+              <a:rPr dirty="0">
+                <a:latin typeface="Guttman Hatzvi" panose="02010401010101010101" pitchFamily="2" charset="-79"/>
+                <a:cs typeface="Guttman Hatzvi" panose="02010401010101010101" pitchFamily="2" charset="-79"/>
+              </a:rPr>
+              <a:t> </a:t>
+            </a:r>
+            <a:r>
+              <a:rPr dirty="0" err="1">
+                <a:latin typeface="Guttman Hatzvi" panose="02010401010101010101" pitchFamily="2" charset="-79"/>
+                <a:cs typeface="Guttman Hatzvi" panose="02010401010101010101" pitchFamily="2" charset="-79"/>
+              </a:rPr>
               <a:t>ועל</a:t>
             </a:r>
             <a:r>
-              <a:rPr dirty="0"/>
-              <a:t> </a:t>
-            </a:r>
-            <a:r>
-              <a:rPr dirty="0" err="1"/>
+              <a:rPr dirty="0">
+                <a:latin typeface="Guttman Hatzvi" panose="02010401010101010101" pitchFamily="2" charset="-79"/>
+                <a:cs typeface="Guttman Hatzvi" panose="02010401010101010101" pitchFamily="2" charset="-79"/>
+              </a:rPr>
+              <a:t> </a:t>
+            </a:r>
+            <a:r>
+              <a:rPr dirty="0" err="1">
+                <a:latin typeface="Guttman Hatzvi" panose="02010401010101010101" pitchFamily="2" charset="-79"/>
+                <a:cs typeface="Guttman Hatzvi" panose="02010401010101010101" pitchFamily="2" charset="-79"/>
+              </a:rPr>
               <a:t>מה</a:t>
             </a:r>
             <a:r>
-              <a:rPr dirty="0"/>
-              <a:t> </a:t>
-            </a:r>
-            <a:r>
-              <a:rPr dirty="0" err="1"/>
+              <a:rPr dirty="0">
+                <a:latin typeface="Guttman Hatzvi" panose="02010401010101010101" pitchFamily="2" charset="-79"/>
+                <a:cs typeface="Guttman Hatzvi" panose="02010401010101010101" pitchFamily="2" charset="-79"/>
+              </a:rPr>
+              <a:t> </a:t>
+            </a:r>
+            <a:r>
+              <a:rPr dirty="0" err="1">
+                <a:latin typeface="Guttman Hatzvi" panose="02010401010101010101" pitchFamily="2" charset="-79"/>
+                <a:cs typeface="Guttman Hatzvi" panose="02010401010101010101" pitchFamily="2" charset="-79"/>
+              </a:rPr>
               <a:t>פחות</a:t>
             </a:r>
             <a:r>
-              <a:rPr dirty="0"/>
-              <a:t> </a:t>
-            </a:r>
-            <a:r>
-              <a:rPr dirty="0" err="1"/>
+              <a:rPr dirty="0">
+                <a:latin typeface="Guttman Hatzvi" panose="02010401010101010101" pitchFamily="2" charset="-79"/>
+                <a:cs typeface="Guttman Hatzvi" panose="02010401010101010101" pitchFamily="2" charset="-79"/>
+              </a:rPr>
+              <a:t> </a:t>
+            </a:r>
+            <a:r>
+              <a:rPr dirty="0" err="1">
+                <a:latin typeface="Guttman Hatzvi" panose="02010401010101010101" pitchFamily="2" charset="-79"/>
+                <a:cs typeface="Guttman Hatzvi" panose="02010401010101010101" pitchFamily="2" charset="-79"/>
+              </a:rPr>
               <a:t>זמן</a:t>
             </a:r>
             <a:r>
-              <a:rPr dirty="0"/>
+              <a:rPr dirty="0">
+                <a:latin typeface="Guttman Hatzvi" panose="02010401010101010101" pitchFamily="2" charset="-79"/>
+                <a:cs typeface="Guttman Hatzvi" panose="02010401010101010101" pitchFamily="2" charset="-79"/>
+              </a:rPr>
               <a:t> .</a:t>
             </a:r>
           </a:p>
@@ -8231,6 +9361,13 @@
     <a:masterClrMapping/>
   </p:clrMapOvr>
   <p:transition spd="slow"/>
+  <p:timing>
+    <p:tnLst>
+      <p:par>
+        <p:cTn id="1" dur="indefinite" restart="never" nodeType="tmRoot"/>
+      </p:par>
+    </p:tnLst>
+  </p:timing>
 </p:sld>
 </file>
 
@@ -8269,7 +9406,7 @@
         </p:blipFill>
         <p:spPr>
           <a:xfrm>
-            <a:off x="9652000" y="76200"/>
+            <a:off x="9728200" y="0"/>
             <a:ext cx="2463800" cy="1336298"/>
           </a:xfrm>
           <a:prstGeom prst="rect">
@@ -8296,7 +9433,7 @@
         <p:spPr>
           <a:xfrm>
             <a:off x="3824766" y="748030"/>
-            <a:ext cx="5209517" cy="1004648"/>
+            <a:ext cx="5209517" cy="1015659"/>
           </a:xfrm>
           <a:prstGeom prst="rect">
             <a:avLst/>
@@ -8306,7 +9443,7 @@
           </a:ln>
           <a:extLst>
             <a:ext uri="{C572A759-6A51-4108-AA02-DFA0A04FC94B}">
-              <ma14:wrappingTextBoxFlag xmlns:ma14="http://schemas.microsoft.com/office/mac/drawingml/2011/main" xmlns="" val="1"/>
+              <ma14:wrappingTextBoxFlag xmlns="" xmlns:ma14="http://schemas.microsoft.com/office/mac/drawingml/2011/main" val="1"/>
             </a:ext>
           </a:extLst>
         </p:spPr>
@@ -8337,31 +9474,31 @@
               <a:defRPr/>
             </a:pPr>
             <a:r>
-              <a:rPr dirty="0" err="1"/>
+              <a:rPr sz="6000" b="0" dirty="0" err="1"/>
               <a:t>אבטחת</a:t>
             </a:r>
             <a:r>
-              <a:rPr dirty="0"/>
-              <a:t> </a:t>
-            </a:r>
-            <a:r>
-              <a:rPr dirty="0" err="1"/>
+              <a:rPr sz="6000" b="0" dirty="0"/>
+              <a:t> </a:t>
+            </a:r>
+            <a:r>
+              <a:rPr sz="6000" b="0" dirty="0" err="1"/>
               <a:t>מידע</a:t>
             </a:r>
-            <a:endParaRPr dirty="0"/>
+            <a:endParaRPr sz="6000" b="0" dirty="0"/>
           </a:p>
         </p:txBody>
       </p:sp>
       <p:sp>
         <p:nvSpPr>
-          <p:cNvPr id="214" name="Shape 214"/>
+          <p:cNvPr id="5" name="Shape 210"/>
           <p:cNvSpPr/>
           <p:nvPr/>
         </p:nvSpPr>
         <p:spPr>
           <a:xfrm>
-            <a:off x="2001651" y="1916428"/>
-            <a:ext cx="9634315" cy="4401201"/>
+            <a:off x="2206367" y="1752678"/>
+            <a:ext cx="9168829" cy="4832088"/>
           </a:xfrm>
           <a:prstGeom prst="rect">
             <a:avLst/>
@@ -8369,16 +9506,9 @@
           <a:ln w="12700">
             <a:miter lim="400000"/>
           </a:ln>
-          <a:effectLst>
-            <a:outerShdw blurRad="355600" rotWithShape="0">
-              <a:srgbClr val="000000">
-                <a:alpha val="75000"/>
-              </a:srgbClr>
-            </a:outerShdw>
-          </a:effectLst>
           <a:extLst>
             <a:ext uri="{C572A759-6A51-4108-AA02-DFA0A04FC94B}">
-              <ma14:wrappingTextBoxFlag xmlns:ma14="http://schemas.microsoft.com/office/mac/drawingml/2011/main" xmlns="" val="1"/>
+              <ma14:wrappingTextBoxFlag xmlns="" xmlns:ma14="http://schemas.microsoft.com/office/mac/drawingml/2011/main" val="1"/>
             </a:ext>
           </a:extLst>
         </p:spPr>
@@ -8397,132 +9527,11 @@
               </a:defRPr>
             </a:pPr>
             <a:r>
-              <a:rPr dirty="0" err="1"/>
-              <a:t>בפרויקט</a:t>
-            </a:r>
-            <a:r>
-              <a:rPr dirty="0"/>
-              <a:t> </a:t>
-            </a:r>
-            <a:r>
-              <a:rPr dirty="0" err="1"/>
-              <a:t>זה</a:t>
-            </a:r>
-            <a:r>
-              <a:rPr dirty="0"/>
-              <a:t> </a:t>
-            </a:r>
-            <a:r>
-              <a:rPr dirty="0" err="1"/>
-              <a:t>רצינו</a:t>
-            </a:r>
-            <a:r>
-              <a:rPr dirty="0"/>
-              <a:t> </a:t>
-            </a:r>
-            <a:r>
-              <a:rPr dirty="0" err="1"/>
-              <a:t>להוסיף</a:t>
-            </a:r>
-            <a:r>
-              <a:rPr dirty="0"/>
-              <a:t> </a:t>
-            </a:r>
-            <a:r>
-              <a:rPr dirty="0" err="1"/>
-              <a:t>אפשרות</a:t>
-            </a:r>
-            <a:r>
-              <a:rPr dirty="0"/>
-              <a:t> </a:t>
-            </a:r>
-            <a:r>
-              <a:rPr dirty="0" err="1"/>
-              <a:t>של</a:t>
-            </a:r>
-            <a:r>
-              <a:rPr dirty="0"/>
-              <a:t> </a:t>
-            </a:r>
-            <a:r>
-              <a:rPr dirty="0" err="1"/>
-              <a:t>כניסה</a:t>
-            </a:r>
-            <a:r>
-              <a:rPr dirty="0"/>
-              <a:t> </a:t>
-            </a:r>
-            <a:r>
-              <a:rPr dirty="0" err="1"/>
-              <a:t>למנהל</a:t>
-            </a:r>
-            <a:r>
-              <a:rPr dirty="0"/>
-              <a:t> </a:t>
-            </a:r>
-            <a:r>
-              <a:rPr dirty="0" err="1"/>
-              <a:t>על</a:t>
-            </a:r>
-            <a:r>
-              <a:rPr dirty="0"/>
-              <a:t> </a:t>
-            </a:r>
-            <a:r>
-              <a:rPr dirty="0" err="1"/>
-              <a:t>מנת</a:t>
-            </a:r>
-            <a:r>
-              <a:rPr dirty="0"/>
-              <a:t> </a:t>
-            </a:r>
-            <a:r>
-              <a:rPr dirty="0" err="1"/>
-              <a:t>שיוכל</a:t>
-            </a:r>
-            <a:r>
-              <a:rPr dirty="0"/>
-              <a:t> </a:t>
-            </a:r>
-            <a:r>
-              <a:rPr dirty="0" err="1"/>
-              <a:t>להוסיף</a:t>
-            </a:r>
-            <a:r>
-              <a:rPr dirty="0"/>
-              <a:t> </a:t>
-            </a:r>
-            <a:r>
-              <a:rPr dirty="0" err="1"/>
-              <a:t>ולערוך</a:t>
-            </a:r>
-            <a:r>
-              <a:rPr dirty="0"/>
-              <a:t> </a:t>
-            </a:r>
-            <a:r>
-              <a:rPr dirty="0" err="1"/>
-              <a:t>נתונים</a:t>
-            </a:r>
-            <a:r>
-              <a:rPr dirty="0"/>
-              <a:t> </a:t>
-            </a:r>
-            <a:r>
-              <a:rPr dirty="0" err="1"/>
-              <a:t>שמוצגים</a:t>
-            </a:r>
-            <a:r>
-              <a:rPr dirty="0"/>
-              <a:t> </a:t>
-            </a:r>
-            <a:r>
-              <a:rPr dirty="0" err="1"/>
-              <a:t>באתר</a:t>
-            </a:r>
-            <a:r>
-              <a:rPr dirty="0"/>
-              <a:t> .</a:t>
+              <a:rPr lang="he-IL" dirty="0">
+                <a:latin typeface="Guttman Hatzvi" panose="02010401010101010101" pitchFamily="2" charset="-79"/>
+                <a:cs typeface="Guttman Hatzvi" panose="02010401010101010101" pitchFamily="2" charset="-79"/>
+              </a:rPr>
+              <a:t>בפרויקט זה רצינו להוסיף אפשרות של כניסה למנהל על מנת שיוכל להוסיף ולערוך נתונים שמוצגים באתר .</a:t>
             </a:r>
           </a:p>
           <a:p>
@@ -8535,82 +9544,95 @@
               </a:defRPr>
             </a:pPr>
             <a:r>
-              <a:rPr dirty="0" err="1"/>
-              <a:t>על</a:t>
-            </a:r>
-            <a:r>
-              <a:rPr dirty="0"/>
-              <a:t> </a:t>
-            </a:r>
-            <a:r>
-              <a:rPr dirty="0" err="1"/>
-              <a:t>מנת</a:t>
-            </a:r>
-            <a:r>
-              <a:rPr dirty="0"/>
-              <a:t> </a:t>
-            </a:r>
-            <a:r>
-              <a:rPr dirty="0" err="1"/>
-              <a:t>לשמור</a:t>
-            </a:r>
-            <a:r>
-              <a:rPr dirty="0"/>
-              <a:t> </a:t>
-            </a:r>
-            <a:r>
-              <a:rPr dirty="0" err="1"/>
-              <a:t>על</a:t>
-            </a:r>
-            <a:r>
-              <a:rPr dirty="0"/>
-              <a:t> </a:t>
-            </a:r>
-            <a:r>
-              <a:rPr dirty="0" err="1"/>
-              <a:t>אבטחת</a:t>
-            </a:r>
-            <a:r>
-              <a:rPr dirty="0"/>
-              <a:t> </a:t>
-            </a:r>
-            <a:r>
-              <a:rPr dirty="0" err="1"/>
-              <a:t>המידע</a:t>
-            </a:r>
-            <a:r>
-              <a:rPr dirty="0"/>
-              <a:t> </a:t>
-            </a:r>
-            <a:r>
-              <a:rPr dirty="0" err="1"/>
-              <a:t>והכניסה</a:t>
-            </a:r>
-            <a:r>
-              <a:rPr dirty="0"/>
-              <a:t> </a:t>
-            </a:r>
-            <a:r>
-              <a:rPr dirty="0" err="1"/>
-              <a:t>לממשק</a:t>
-            </a:r>
-            <a:r>
-              <a:rPr dirty="0"/>
-              <a:t> </a:t>
-            </a:r>
-            <a:r>
-              <a:rPr dirty="0" err="1"/>
-              <a:t>הניהול</a:t>
-            </a:r>
-            <a:r>
-              <a:rPr dirty="0"/>
-              <a:t> </a:t>
-            </a:r>
-            <a:r>
-              <a:rPr dirty="0" err="1"/>
-              <a:t>השתמשנו</a:t>
-            </a:r>
-            <a:endParaRPr dirty="0"/>
+              <a:rPr lang="he-IL" dirty="0">
+                <a:latin typeface="Guttman Hatzvi" panose="02010401010101010101" pitchFamily="2" charset="-79"/>
+                <a:cs typeface="Guttman Hatzvi" panose="02010401010101010101" pitchFamily="2" charset="-79"/>
+              </a:rPr>
+              <a:t>על מנת לשמור על אבטחת המידע והכניסה לממשק הניהול </a:t>
+            </a:r>
+            <a:r>
+              <a:rPr lang="he-IL" dirty="0" smtClean="0">
+                <a:latin typeface="Guttman Hatzvi" panose="02010401010101010101" pitchFamily="2" charset="-79"/>
+                <a:cs typeface="Guttman Hatzvi" panose="02010401010101010101" pitchFamily="2" charset="-79"/>
+              </a:rPr>
+              <a:t>השתמשנו ב- </a:t>
+            </a:r>
+            <a:r>
+              <a:rPr lang="en-US" dirty="0">
+                <a:latin typeface="Arial" panose="020B0604020202020204" pitchFamily="34" charset="0"/>
+                <a:cs typeface="Arial" panose="020B0604020202020204" pitchFamily="34" charset="0"/>
+              </a:rPr>
+              <a:t>Authentication </a:t>
+            </a:r>
+            <a:r>
+              <a:rPr lang="en-US" dirty="0" smtClean="0">
+                <a:latin typeface="Arial" panose="020B0604020202020204" pitchFamily="34" charset="0"/>
+                <a:cs typeface="Arial" panose="020B0604020202020204" pitchFamily="34" charset="0"/>
+              </a:rPr>
+              <a:t>API</a:t>
+            </a:r>
+            <a:r>
+              <a:rPr lang="he-IL" dirty="0" smtClean="0">
+                <a:latin typeface="Arial" panose="020B0604020202020204" pitchFamily="34" charset="0"/>
+                <a:cs typeface="Arial" panose="020B0604020202020204" pitchFamily="34" charset="0"/>
+              </a:rPr>
+              <a:t> </a:t>
+            </a:r>
+            <a:r>
+              <a:rPr lang="he-IL" dirty="0" smtClean="0">
+                <a:latin typeface="Guttman Hatzvi" panose="02010401010101010101" pitchFamily="2" charset="-79"/>
+                <a:cs typeface="Guttman Hatzvi" panose="02010401010101010101" pitchFamily="2" charset="-79"/>
+              </a:rPr>
+              <a:t>של </a:t>
+            </a:r>
+            <a:r>
+              <a:rPr lang="he-IL" dirty="0">
+                <a:latin typeface="Guttman Hatzvi" panose="02010401010101010101" pitchFamily="2" charset="-79"/>
+                <a:cs typeface="Guttman Hatzvi" panose="02010401010101010101" pitchFamily="2" charset="-79"/>
+              </a:rPr>
+              <a:t>גוגל. הכניסה מתרחשת באמצעות התחברות עם </a:t>
+            </a:r>
+            <a:r>
+              <a:rPr lang="he-IL" dirty="0" smtClean="0">
+                <a:latin typeface="Guttman Hatzvi" panose="02010401010101010101" pitchFamily="2" charset="-79"/>
+                <a:cs typeface="Guttman Hatzvi" panose="02010401010101010101" pitchFamily="2" charset="-79"/>
+              </a:rPr>
+              <a:t>חשבון</a:t>
+            </a:r>
+            <a:r>
+              <a:rPr lang="en-US" dirty="0" smtClean="0">
+                <a:latin typeface="Guttman Hatzvi" panose="02010401010101010101" pitchFamily="2" charset="-79"/>
+                <a:cs typeface="Guttman Hatzvi" panose="02010401010101010101" pitchFamily="2" charset="-79"/>
+              </a:rPr>
+              <a:t>   </a:t>
+            </a:r>
+            <a:r>
+              <a:rPr lang="en-US" dirty="0" smtClean="0">
+                <a:cs typeface="Guttman Hatzvi" panose="02010401010101010101" pitchFamily="2" charset="-79"/>
+              </a:rPr>
+              <a:t>google</a:t>
+            </a:r>
+            <a:r>
+              <a:rPr lang="en-US" dirty="0" smtClean="0">
+                <a:latin typeface="Guttman Hatzvi" panose="02010401010101010101" pitchFamily="2" charset="-79"/>
+                <a:cs typeface="Guttman Hatzvi" panose="02010401010101010101" pitchFamily="2" charset="-79"/>
+              </a:rPr>
+              <a:t> </a:t>
+            </a:r>
+            <a:r>
+              <a:rPr lang="he-IL" dirty="0" smtClean="0">
+                <a:latin typeface="Guttman Hatzvi" panose="02010401010101010101" pitchFamily="2" charset="-79"/>
+                <a:cs typeface="Guttman Hatzvi" panose="02010401010101010101" pitchFamily="2" charset="-79"/>
+              </a:rPr>
+              <a:t> והיא </a:t>
+            </a:r>
+            <a:r>
+              <a:rPr lang="he-IL" dirty="0">
+                <a:latin typeface="Guttman Hatzvi" panose="02010401010101010101" pitchFamily="2" charset="-79"/>
+                <a:cs typeface="Guttman Hatzvi" panose="02010401010101010101" pitchFamily="2" charset="-79"/>
+              </a:rPr>
+              <a:t>מאובטחת וקלה לתפעול. </a:t>
+            </a:r>
           </a:p>
           <a:p>
             <a:pPr algn="r">
@@ -8622,130 +9644,26 @@
               </a:defRPr>
             </a:pPr>
             <a:r>
-              <a:rPr dirty="0" smtClean="0"/>
-              <a:t>ב- </a:t>
-            </a:r>
-            <a:r>
-              <a:rPr dirty="0"/>
-              <a:t>Authentication API </a:t>
-            </a:r>
-            <a:r>
-              <a:rPr lang="he-IL" dirty="0" smtClean="0"/>
-              <a:t> </a:t>
-            </a:r>
-            <a:r>
-              <a:rPr dirty="0" err="1" smtClean="0"/>
-              <a:t>של</a:t>
-            </a:r>
-            <a:r>
-              <a:rPr dirty="0" smtClean="0"/>
-              <a:t> </a:t>
-            </a:r>
-            <a:r>
-              <a:rPr dirty="0" err="1" smtClean="0"/>
-              <a:t>גוגל</a:t>
-            </a:r>
-            <a:r>
-              <a:rPr lang="he-IL" dirty="0" smtClean="0"/>
-              <a:t>.</a:t>
-            </a:r>
-            <a:r>
-              <a:rPr dirty="0" smtClean="0"/>
-              <a:t> </a:t>
-            </a:r>
-            <a:r>
-              <a:rPr dirty="0" err="1"/>
-              <a:t>הכניסה</a:t>
-            </a:r>
-            <a:r>
-              <a:rPr dirty="0"/>
-              <a:t> </a:t>
-            </a:r>
-            <a:r>
-              <a:rPr dirty="0" err="1"/>
-              <a:t>מתרחשת</a:t>
-            </a:r>
-            <a:r>
-              <a:rPr dirty="0"/>
-              <a:t> </a:t>
-            </a:r>
-            <a:r>
-              <a:rPr dirty="0" err="1"/>
-              <a:t>באמצעות</a:t>
-            </a:r>
-            <a:r>
-              <a:rPr dirty="0"/>
-              <a:t> </a:t>
-            </a:r>
-            <a:r>
-              <a:rPr dirty="0" err="1"/>
-              <a:t>התחברות</a:t>
-            </a:r>
-            <a:r>
-              <a:rPr dirty="0"/>
-              <a:t> </a:t>
-            </a:r>
-            <a:r>
-              <a:rPr dirty="0" err="1"/>
-              <a:t>עם</a:t>
-            </a:r>
-            <a:r>
-              <a:rPr dirty="0"/>
-              <a:t> </a:t>
-            </a:r>
-            <a:r>
-              <a:rPr dirty="0" err="1" smtClean="0"/>
-              <a:t>חשבון</a:t>
-            </a:r>
-            <a:r>
-              <a:rPr lang="en-US" dirty="0" err="1" smtClean="0"/>
-              <a:t>google</a:t>
-            </a:r>
-            <a:r>
-              <a:rPr dirty="0" smtClean="0"/>
-              <a:t> </a:t>
-            </a:r>
-            <a:r>
-              <a:rPr lang="he-IL" dirty="0" smtClean="0"/>
-              <a:t> </a:t>
-            </a:r>
-            <a:r>
-              <a:rPr dirty="0" err="1" smtClean="0"/>
-              <a:t>והיא</a:t>
-            </a:r>
-            <a:r>
-              <a:rPr dirty="0" smtClean="0"/>
-              <a:t> </a:t>
-            </a:r>
-            <a:r>
-              <a:rPr dirty="0" err="1"/>
-              <a:t>מאובטחת</a:t>
-            </a:r>
-            <a:r>
-              <a:rPr dirty="0"/>
-              <a:t> </a:t>
-            </a:r>
-            <a:r>
-              <a:rPr dirty="0" err="1"/>
-              <a:t>וקלה</a:t>
-            </a:r>
-            <a:r>
-              <a:rPr dirty="0"/>
-              <a:t> </a:t>
-            </a:r>
-            <a:r>
-              <a:rPr dirty="0" err="1" smtClean="0"/>
-              <a:t>לתפעול</a:t>
-            </a:r>
-            <a:r>
-              <a:rPr lang="he-IL" dirty="0" smtClean="0"/>
-              <a:t>.</a:t>
-            </a:r>
-            <a:r>
-              <a:rPr dirty="0" smtClean="0"/>
-              <a:t> </a:t>
-            </a:r>
-            <a:endParaRPr dirty="0"/>
+              <a:rPr lang="he-IL" dirty="0">
+                <a:latin typeface="Guttman Hatzvi" panose="02010401010101010101" pitchFamily="2" charset="-79"/>
+                <a:cs typeface="Guttman Hatzvi" panose="02010401010101010101" pitchFamily="2" charset="-79"/>
+              </a:rPr>
+              <a:t>רשימת החשבונות אשר מורשים להיכנס לממשק הניהול רשומה במסדי הנתונים ובעת הכניסה מתבצעת בדיקה האם חשבון </a:t>
+            </a:r>
+            <a:r>
+              <a:rPr lang="he-IL" dirty="0" err="1">
+                <a:latin typeface="Guttman Hatzvi" panose="02010401010101010101" pitchFamily="2" charset="-79"/>
+                <a:cs typeface="Guttman Hatzvi" panose="02010401010101010101" pitchFamily="2" charset="-79"/>
+              </a:rPr>
+              <a:t>הגוגל</a:t>
+            </a:r>
+            <a:r>
+              <a:rPr lang="he-IL" dirty="0">
+                <a:latin typeface="Guttman Hatzvi" panose="02010401010101010101" pitchFamily="2" charset="-79"/>
+                <a:cs typeface="Guttman Hatzvi" panose="02010401010101010101" pitchFamily="2" charset="-79"/>
+              </a:rPr>
+              <a:t> הוא אכן מנהל.</a:t>
+            </a:r>
           </a:p>
           <a:p>
             <a:pPr algn="r">
@@ -8757,295 +9675,16 @@
               </a:defRPr>
             </a:pPr>
             <a:r>
-              <a:rPr dirty="0" err="1"/>
-              <a:t>רשימת</a:t>
-            </a:r>
-            <a:r>
-              <a:rPr dirty="0"/>
-              <a:t> </a:t>
-            </a:r>
-            <a:r>
-              <a:rPr dirty="0" err="1"/>
-              <a:t>החשבונות</a:t>
-            </a:r>
-            <a:r>
-              <a:rPr dirty="0"/>
-              <a:t> </a:t>
-            </a:r>
-            <a:r>
-              <a:rPr dirty="0" err="1"/>
-              <a:t>אשר</a:t>
-            </a:r>
-            <a:r>
-              <a:rPr dirty="0"/>
-              <a:t> </a:t>
-            </a:r>
-            <a:r>
-              <a:rPr dirty="0" err="1"/>
-              <a:t>מורשים</a:t>
-            </a:r>
-            <a:r>
-              <a:rPr dirty="0"/>
-              <a:t> </a:t>
-            </a:r>
-            <a:r>
-              <a:rPr dirty="0" err="1"/>
-              <a:t>להיכנס</a:t>
-            </a:r>
-            <a:r>
-              <a:rPr dirty="0"/>
-              <a:t> </a:t>
-            </a:r>
-            <a:r>
-              <a:rPr dirty="0" err="1"/>
-              <a:t>לממשק</a:t>
-            </a:r>
-            <a:r>
-              <a:rPr dirty="0"/>
-              <a:t> </a:t>
-            </a:r>
-            <a:r>
-              <a:rPr dirty="0" err="1"/>
-              <a:t>הניהול</a:t>
-            </a:r>
-            <a:r>
-              <a:rPr dirty="0"/>
-              <a:t> </a:t>
-            </a:r>
-            <a:r>
-              <a:rPr dirty="0" err="1"/>
-              <a:t>רשומה</a:t>
-            </a:r>
-            <a:r>
-              <a:rPr dirty="0"/>
-              <a:t> </a:t>
-            </a:r>
-            <a:r>
-              <a:rPr dirty="0" err="1"/>
-              <a:t>במסדי</a:t>
-            </a:r>
-            <a:r>
-              <a:rPr dirty="0"/>
-              <a:t> </a:t>
-            </a:r>
-            <a:r>
-              <a:rPr dirty="0" err="1"/>
-              <a:t>הנתונים</a:t>
-            </a:r>
-            <a:r>
-              <a:rPr dirty="0"/>
-              <a:t> </a:t>
-            </a:r>
-            <a:r>
-              <a:rPr dirty="0" err="1"/>
-              <a:t>ובעת</a:t>
-            </a:r>
-            <a:r>
-              <a:rPr dirty="0"/>
-              <a:t> </a:t>
-            </a:r>
-            <a:r>
-              <a:rPr dirty="0" err="1"/>
-              <a:t>הכניסה</a:t>
-            </a:r>
-            <a:r>
-              <a:rPr dirty="0"/>
-              <a:t> </a:t>
-            </a:r>
-            <a:r>
-              <a:rPr dirty="0" err="1"/>
-              <a:t>מתבצעת</a:t>
-            </a:r>
-            <a:r>
-              <a:rPr dirty="0"/>
-              <a:t> </a:t>
-            </a:r>
-            <a:r>
-              <a:rPr dirty="0" err="1"/>
-              <a:t>בדיקה</a:t>
-            </a:r>
-            <a:r>
-              <a:rPr dirty="0"/>
-              <a:t> </a:t>
-            </a:r>
-            <a:r>
-              <a:rPr dirty="0" err="1"/>
-              <a:t>האם</a:t>
-            </a:r>
-            <a:r>
-              <a:rPr dirty="0"/>
-              <a:t> </a:t>
-            </a:r>
-            <a:r>
-              <a:rPr dirty="0" err="1"/>
-              <a:t>חשבון</a:t>
-            </a:r>
-            <a:r>
-              <a:rPr dirty="0"/>
-              <a:t> </a:t>
-            </a:r>
-            <a:r>
-              <a:rPr dirty="0" err="1"/>
-              <a:t>הגוגל</a:t>
-            </a:r>
-            <a:r>
-              <a:rPr dirty="0"/>
-              <a:t> </a:t>
-            </a:r>
-            <a:r>
-              <a:rPr dirty="0" err="1"/>
-              <a:t>הוא</a:t>
-            </a:r>
-            <a:r>
-              <a:rPr dirty="0"/>
-              <a:t> </a:t>
-            </a:r>
-            <a:r>
-              <a:rPr dirty="0" err="1"/>
-              <a:t>אכן</a:t>
-            </a:r>
-            <a:r>
-              <a:rPr dirty="0"/>
-              <a:t> </a:t>
-            </a:r>
-            <a:r>
-              <a:rPr dirty="0" err="1"/>
-              <a:t>מנהל</a:t>
-            </a:r>
-            <a:r>
-              <a:rPr dirty="0"/>
-              <a:t>.</a:t>
-            </a:r>
-          </a:p>
-          <a:p>
-            <a:pPr algn="r">
-              <a:defRPr sz="2800">
-                <a:latin typeface="Arial"/>
-                <a:ea typeface="Arial"/>
-                <a:cs typeface="Arial"/>
-                <a:sym typeface="Arial"/>
-              </a:defRPr>
-            </a:pPr>
-            <a:r>
-              <a:rPr dirty="0" err="1"/>
-              <a:t>למעשה</a:t>
-            </a:r>
-            <a:r>
-              <a:rPr dirty="0"/>
-              <a:t> </a:t>
-            </a:r>
-            <a:r>
-              <a:rPr dirty="0" err="1"/>
-              <a:t>אפשר</a:t>
-            </a:r>
-            <a:r>
-              <a:rPr dirty="0"/>
-              <a:t> </a:t>
-            </a:r>
-            <a:r>
-              <a:rPr dirty="0" err="1"/>
-              <a:t>לומר</a:t>
-            </a:r>
-            <a:r>
-              <a:rPr dirty="0"/>
-              <a:t> </a:t>
-            </a:r>
-            <a:r>
-              <a:rPr dirty="0" err="1"/>
-              <a:t>שהאבטחה</a:t>
-            </a:r>
-            <a:r>
-              <a:rPr dirty="0"/>
-              <a:t> </a:t>
-            </a:r>
-            <a:r>
-              <a:rPr dirty="0" err="1"/>
-              <a:t>של</a:t>
-            </a:r>
-            <a:r>
-              <a:rPr dirty="0"/>
-              <a:t> </a:t>
-            </a:r>
-            <a:r>
-              <a:rPr dirty="0" err="1"/>
-              <a:t>גוגל</a:t>
-            </a:r>
-            <a:r>
-              <a:rPr dirty="0"/>
-              <a:t> </a:t>
-            </a:r>
-            <a:r>
-              <a:rPr dirty="0" err="1"/>
-              <a:t>היא</a:t>
-            </a:r>
-            <a:r>
-              <a:rPr dirty="0"/>
-              <a:t> </a:t>
-            </a:r>
-            <a:r>
-              <a:rPr dirty="0" err="1"/>
-              <a:t>מהטובות</a:t>
-            </a:r>
-            <a:r>
-              <a:rPr dirty="0"/>
-              <a:t> </a:t>
-            </a:r>
-            <a:r>
-              <a:rPr dirty="0" err="1"/>
-              <a:t>בעולם</a:t>
-            </a:r>
-            <a:r>
-              <a:rPr dirty="0"/>
-              <a:t> </a:t>
-            </a:r>
-            <a:r>
-              <a:rPr dirty="0" err="1"/>
-              <a:t>ולכן</a:t>
-            </a:r>
-            <a:r>
-              <a:rPr dirty="0"/>
-              <a:t> </a:t>
-            </a:r>
-            <a:r>
-              <a:rPr dirty="0" err="1"/>
-              <a:t>בחרנו</a:t>
-            </a:r>
-            <a:r>
-              <a:rPr dirty="0"/>
-              <a:t> </a:t>
-            </a:r>
-            <a:r>
-              <a:rPr dirty="0" err="1"/>
-              <a:t>לעבוד</a:t>
-            </a:r>
-            <a:r>
-              <a:rPr dirty="0"/>
-              <a:t> </a:t>
-            </a:r>
-            <a:r>
-              <a:rPr dirty="0" err="1"/>
-              <a:t>עם</a:t>
-            </a:r>
-            <a:r>
-              <a:rPr dirty="0"/>
-              <a:t> </a:t>
-            </a:r>
-            <a:r>
-              <a:rPr dirty="0" err="1"/>
-              <a:t>הממשק</a:t>
-            </a:r>
-            <a:r>
-              <a:rPr dirty="0"/>
-              <a:t> </a:t>
-            </a:r>
-            <a:r>
-              <a:rPr dirty="0" err="1"/>
-              <a:t>שלהם</a:t>
-            </a:r>
-            <a:r>
-              <a:rPr dirty="0"/>
-              <a:t>.</a:t>
-            </a:r>
+              <a:rPr lang="he-IL" dirty="0">
+                <a:latin typeface="Guttman Hatzvi" panose="02010401010101010101" pitchFamily="2" charset="-79"/>
+                <a:cs typeface="Guttman Hatzvi" panose="02010401010101010101" pitchFamily="2" charset="-79"/>
+              </a:rPr>
+              <a:t>למעשה אפשר לומר שהאבטחה של גוגל היא מהטובות בעולם ולכן בחרנו לעבוד עם הממשק שלהם.</a:t>
+            </a:r>
+            <a:endParaRPr lang="he-IL" dirty="0">
+              <a:latin typeface="Guttman Hatzvi" panose="02010401010101010101" pitchFamily="2" charset="-79"/>
+              <a:cs typeface="Guttman Hatzvi" panose="02010401010101010101" pitchFamily="2" charset="-79"/>
+            </a:endParaRPr>
           </a:p>
         </p:txBody>
       </p:sp>
@@ -9055,6 +9694,13 @@
     <a:masterClrMapping/>
   </p:clrMapOvr>
   <p:transition spd="slow"/>
+  <p:timing>
+    <p:tnLst>
+      <p:par>
+        <p:cTn id="1" dur="indefinite" restart="never" nodeType="tmRoot"/>
+      </p:par>
+    </p:tnLst>
+  </p:timing>
 </p:sld>
 </file>
 
@@ -9077,66 +9723,14 @@
       </p:grpSpPr>
       <p:sp>
         <p:nvSpPr>
-          <p:cNvPr id="216" name="Shape 216"/>
-          <p:cNvSpPr>
-            <a:spLocks noGrp="1"/>
-          </p:cNvSpPr>
-          <p:nvPr>
-            <p:ph type="title"/>
-          </p:nvPr>
-        </p:nvSpPr>
-        <p:spPr>
-          <a:xfrm>
-            <a:off x="2576510" y="228347"/>
-            <a:ext cx="10018715" cy="1752601"/>
-          </a:xfrm>
-          <a:prstGeom prst="rect">
-            <a:avLst/>
-          </a:prstGeom>
-        </p:spPr>
-        <p:txBody>
-          <a:bodyPr>
-            <a:normAutofit/>
-          </a:bodyPr>
-          <a:lstStyle>
-            <a:lvl1pPr>
-              <a:defRPr sz="5700" b="1">
-                <a:solidFill>
-                  <a:schemeClr val="accent1"/>
-                </a:solidFill>
-                <a:latin typeface="Arial"/>
-                <a:ea typeface="Arial"/>
-                <a:cs typeface="Arial"/>
-                <a:sym typeface="Arial"/>
-              </a:defRPr>
-            </a:lvl1pPr>
-          </a:lstStyle>
-          <a:p>
-            <a:pPr>
-              <a:defRPr/>
-            </a:pPr>
-            <a:r>
-              <a:rPr lang="he-IL" dirty="0" smtClean="0"/>
-              <a:t>דיון: </a:t>
-            </a:r>
-            <a:r>
-              <a:rPr lang="en-US" dirty="0" smtClean="0"/>
-              <a:t>git &amp; GitHub</a:t>
-            </a:r>
-            <a:endParaRPr dirty="0"/>
-          </a:p>
-        </p:txBody>
-      </p:sp>
-      <p:sp>
-        <p:nvSpPr>
           <p:cNvPr id="217" name="Shape 217"/>
           <p:cNvSpPr/>
           <p:nvPr/>
         </p:nvSpPr>
         <p:spPr>
           <a:xfrm>
-            <a:off x="1768956" y="1586229"/>
-            <a:ext cx="10018715" cy="4893643"/>
+            <a:off x="1828847" y="1234220"/>
+            <a:ext cx="10018715" cy="5693862"/>
           </a:xfrm>
           <a:prstGeom prst="rect">
             <a:avLst/>
@@ -9146,7 +9740,7 @@
           </a:ln>
           <a:extLst>
             <a:ext uri="{C572A759-6A51-4108-AA02-DFA0A04FC94B}">
-              <ma14:wrappingTextBoxFlag xmlns:ma14="http://schemas.microsoft.com/office/mac/drawingml/2011/main" xmlns="" val="1"/>
+              <ma14:wrappingTextBoxFlag xmlns="" xmlns:ma14="http://schemas.microsoft.com/office/mac/drawingml/2011/main" val="1"/>
             </a:ext>
           </a:extLst>
         </p:spPr>
@@ -9165,211 +9759,367 @@
               </a:defRPr>
             </a:pPr>
             <a:r>
-              <a:rPr dirty="0" err="1"/>
+              <a:rPr dirty="0" err="1">
+                <a:latin typeface="Guttman Hatzvi" panose="02010401010101010101" pitchFamily="2" charset="-79"/>
+                <a:cs typeface="Guttman Hatzvi" panose="02010401010101010101" pitchFamily="2" charset="-79"/>
+              </a:rPr>
               <a:t>אחד</a:t>
             </a:r>
             <a:r>
-              <a:rPr dirty="0"/>
-              <a:t> </a:t>
-            </a:r>
-            <a:r>
-              <a:rPr dirty="0" err="1"/>
+              <a:rPr dirty="0">
+                <a:latin typeface="Guttman Hatzvi" panose="02010401010101010101" pitchFamily="2" charset="-79"/>
+                <a:cs typeface="Guttman Hatzvi" panose="02010401010101010101" pitchFamily="2" charset="-79"/>
+              </a:rPr>
+              <a:t> </a:t>
+            </a:r>
+            <a:r>
+              <a:rPr dirty="0" err="1">
+                <a:latin typeface="Guttman Hatzvi" panose="02010401010101010101" pitchFamily="2" charset="-79"/>
+                <a:cs typeface="Guttman Hatzvi" panose="02010401010101010101" pitchFamily="2" charset="-79"/>
+              </a:rPr>
               <a:t>מתכני</a:t>
             </a:r>
             <a:r>
-              <a:rPr dirty="0"/>
-              <a:t> </a:t>
-            </a:r>
-            <a:r>
-              <a:rPr dirty="0" err="1"/>
+              <a:rPr dirty="0">
+                <a:latin typeface="Guttman Hatzvi" panose="02010401010101010101" pitchFamily="2" charset="-79"/>
+                <a:cs typeface="Guttman Hatzvi" panose="02010401010101010101" pitchFamily="2" charset="-79"/>
+              </a:rPr>
+              <a:t> </a:t>
+            </a:r>
+            <a:r>
+              <a:rPr dirty="0" err="1">
+                <a:latin typeface="Guttman Hatzvi" panose="02010401010101010101" pitchFamily="2" charset="-79"/>
+                <a:cs typeface="Guttman Hatzvi" panose="02010401010101010101" pitchFamily="2" charset="-79"/>
+              </a:rPr>
               <a:t>הקורס</a:t>
             </a:r>
             <a:r>
-              <a:rPr dirty="0"/>
-              <a:t> </a:t>
-            </a:r>
-            <a:r>
-              <a:rPr dirty="0" err="1"/>
+              <a:rPr dirty="0">
+                <a:latin typeface="Guttman Hatzvi" panose="02010401010101010101" pitchFamily="2" charset="-79"/>
+                <a:cs typeface="Guttman Hatzvi" panose="02010401010101010101" pitchFamily="2" charset="-79"/>
+              </a:rPr>
+              <a:t> </a:t>
+            </a:r>
+            <a:r>
+              <a:rPr dirty="0" err="1">
+                <a:latin typeface="Guttman Hatzvi" panose="02010401010101010101" pitchFamily="2" charset="-79"/>
+                <a:cs typeface="Guttman Hatzvi" panose="02010401010101010101" pitchFamily="2" charset="-79"/>
+              </a:rPr>
               <a:t>החשובים</a:t>
             </a:r>
             <a:r>
-              <a:rPr dirty="0"/>
-              <a:t> </a:t>
-            </a:r>
-            <a:r>
-              <a:rPr dirty="0" err="1"/>
+              <a:rPr dirty="0">
+                <a:latin typeface="Guttman Hatzvi" panose="02010401010101010101" pitchFamily="2" charset="-79"/>
+                <a:cs typeface="Guttman Hatzvi" panose="02010401010101010101" pitchFamily="2" charset="-79"/>
+              </a:rPr>
+              <a:t> </a:t>
+            </a:r>
+            <a:r>
+              <a:rPr dirty="0" err="1">
+                <a:latin typeface="Guttman Hatzvi" panose="02010401010101010101" pitchFamily="2" charset="-79"/>
+                <a:cs typeface="Guttman Hatzvi" panose="02010401010101010101" pitchFamily="2" charset="-79"/>
+              </a:rPr>
               <a:t>שנלמדו</a:t>
             </a:r>
             <a:r>
-              <a:rPr dirty="0"/>
-              <a:t> </a:t>
-            </a:r>
-            <a:r>
-              <a:rPr dirty="0" err="1"/>
+              <a:rPr dirty="0">
+                <a:latin typeface="Guttman Hatzvi" panose="02010401010101010101" pitchFamily="2" charset="-79"/>
+                <a:cs typeface="Guttman Hatzvi" panose="02010401010101010101" pitchFamily="2" charset="-79"/>
+              </a:rPr>
+              <a:t> </a:t>
+            </a:r>
+            <a:r>
+              <a:rPr dirty="0" err="1">
+                <a:latin typeface="Guttman Hatzvi" panose="02010401010101010101" pitchFamily="2" charset="-79"/>
+                <a:cs typeface="Guttman Hatzvi" panose="02010401010101010101" pitchFamily="2" charset="-79"/>
+              </a:rPr>
               <a:t>בקורס</a:t>
             </a:r>
             <a:r>
-              <a:rPr dirty="0"/>
-              <a:t> </a:t>
-            </a:r>
-            <a:r>
-              <a:rPr dirty="0" err="1"/>
+              <a:rPr dirty="0">
+                <a:latin typeface="Guttman Hatzvi" panose="02010401010101010101" pitchFamily="2" charset="-79"/>
+                <a:cs typeface="Guttman Hatzvi" panose="02010401010101010101" pitchFamily="2" charset="-79"/>
+              </a:rPr>
+              <a:t> </a:t>
+            </a:r>
+            <a:r>
+              <a:rPr dirty="0" err="1">
+                <a:latin typeface="Guttman Hatzvi" panose="02010401010101010101" pitchFamily="2" charset="-79"/>
+                <a:cs typeface="Guttman Hatzvi" panose="02010401010101010101" pitchFamily="2" charset="-79"/>
+              </a:rPr>
               <a:t>זה</a:t>
             </a:r>
             <a:r>
-              <a:rPr dirty="0"/>
-              <a:t> </a:t>
-            </a:r>
-            <a:r>
-              <a:rPr dirty="0" err="1"/>
+              <a:rPr dirty="0">
+                <a:latin typeface="Guttman Hatzvi" panose="02010401010101010101" pitchFamily="2" charset="-79"/>
+                <a:cs typeface="Guttman Hatzvi" panose="02010401010101010101" pitchFamily="2" charset="-79"/>
+              </a:rPr>
+              <a:t> </a:t>
+            </a:r>
+            <a:r>
+              <a:rPr dirty="0" err="1">
+                <a:latin typeface="Guttman Hatzvi" panose="02010401010101010101" pitchFamily="2" charset="-79"/>
+                <a:cs typeface="Guttman Hatzvi" panose="02010401010101010101" pitchFamily="2" charset="-79"/>
+              </a:rPr>
               <a:t>הוא</a:t>
             </a:r>
             <a:r>
-              <a:rPr dirty="0"/>
-              <a:t> </a:t>
-            </a:r>
-            <a:r>
-              <a:rPr dirty="0" err="1"/>
+              <a:rPr dirty="0">
+                <a:latin typeface="Guttman Hatzvi" panose="02010401010101010101" pitchFamily="2" charset="-79"/>
+                <a:cs typeface="Guttman Hatzvi" panose="02010401010101010101" pitchFamily="2" charset="-79"/>
+              </a:rPr>
+              <a:t> </a:t>
+            </a:r>
+            <a:r>
+              <a:rPr dirty="0" err="1">
+                <a:latin typeface="Guttman Hatzvi" panose="02010401010101010101" pitchFamily="2" charset="-79"/>
+                <a:cs typeface="Guttman Hatzvi" panose="02010401010101010101" pitchFamily="2" charset="-79"/>
+              </a:rPr>
               <a:t>גיט</a:t>
             </a:r>
             <a:r>
-              <a:rPr dirty="0"/>
-              <a:t> </a:t>
-            </a:r>
-            <a:r>
-              <a:rPr dirty="0" err="1"/>
+              <a:rPr dirty="0">
+                <a:latin typeface="Guttman Hatzvi" panose="02010401010101010101" pitchFamily="2" charset="-79"/>
+                <a:cs typeface="Guttman Hatzvi" panose="02010401010101010101" pitchFamily="2" charset="-79"/>
+              </a:rPr>
+              <a:t> </a:t>
+            </a:r>
+            <a:r>
+              <a:rPr dirty="0" err="1">
+                <a:latin typeface="Guttman Hatzvi" panose="02010401010101010101" pitchFamily="2" charset="-79"/>
+                <a:cs typeface="Guttman Hatzvi" panose="02010401010101010101" pitchFamily="2" charset="-79"/>
+              </a:rPr>
               <a:t>והאתר</a:t>
             </a:r>
             <a:r>
-              <a:rPr dirty="0"/>
-              <a:t> </a:t>
-            </a:r>
-            <a:r>
-              <a:rPr dirty="0" err="1"/>
+              <a:rPr dirty="0">
+                <a:latin typeface="Guttman Hatzvi" panose="02010401010101010101" pitchFamily="2" charset="-79"/>
+                <a:cs typeface="Guttman Hatzvi" panose="02010401010101010101" pitchFamily="2" charset="-79"/>
+              </a:rPr>
+              <a:t> </a:t>
+            </a:r>
+            <a:r>
+              <a:rPr dirty="0" err="1">
+                <a:latin typeface="Guttman Hatzvi" panose="02010401010101010101" pitchFamily="2" charset="-79"/>
+                <a:cs typeface="Guttman Hatzvi" panose="02010401010101010101" pitchFamily="2" charset="-79"/>
+              </a:rPr>
               <a:t>גיטאהב</a:t>
             </a:r>
             <a:r>
-              <a:rPr dirty="0"/>
+              <a:rPr dirty="0">
+                <a:latin typeface="Guttman Hatzvi" panose="02010401010101010101" pitchFamily="2" charset="-79"/>
+                <a:cs typeface="Guttman Hatzvi" panose="02010401010101010101" pitchFamily="2" charset="-79"/>
+              </a:rPr>
               <a:t>. </a:t>
             </a:r>
             <a:r>
-              <a:rPr dirty="0" err="1"/>
+              <a:rPr dirty="0" err="1">
+                <a:latin typeface="Guttman Hatzvi" panose="02010401010101010101" pitchFamily="2" charset="-79"/>
+                <a:cs typeface="Guttman Hatzvi" panose="02010401010101010101" pitchFamily="2" charset="-79"/>
+              </a:rPr>
               <a:t>זו</a:t>
             </a:r>
             <a:r>
-              <a:rPr dirty="0"/>
-              <a:t> </a:t>
-            </a:r>
-            <a:r>
-              <a:rPr dirty="0" err="1"/>
+              <a:rPr dirty="0">
+                <a:latin typeface="Guttman Hatzvi" panose="02010401010101010101" pitchFamily="2" charset="-79"/>
+                <a:cs typeface="Guttman Hatzvi" panose="02010401010101010101" pitchFamily="2" charset="-79"/>
+              </a:rPr>
+              <a:t> </a:t>
+            </a:r>
+            <a:r>
+              <a:rPr dirty="0" err="1">
+                <a:latin typeface="Guttman Hatzvi" panose="02010401010101010101" pitchFamily="2" charset="-79"/>
+                <a:cs typeface="Guttman Hatzvi" panose="02010401010101010101" pitchFamily="2" charset="-79"/>
+              </a:rPr>
               <a:t>הפעם</a:t>
             </a:r>
             <a:r>
-              <a:rPr dirty="0"/>
-              <a:t> </a:t>
-            </a:r>
-            <a:r>
-              <a:rPr dirty="0" err="1"/>
+              <a:rPr dirty="0">
+                <a:latin typeface="Guttman Hatzvi" panose="02010401010101010101" pitchFamily="2" charset="-79"/>
+                <a:cs typeface="Guttman Hatzvi" panose="02010401010101010101" pitchFamily="2" charset="-79"/>
+              </a:rPr>
+              <a:t> </a:t>
+            </a:r>
+            <a:r>
+              <a:rPr dirty="0" err="1">
+                <a:latin typeface="Guttman Hatzvi" panose="02010401010101010101" pitchFamily="2" charset="-79"/>
+                <a:cs typeface="Guttman Hatzvi" panose="02010401010101010101" pitchFamily="2" charset="-79"/>
+              </a:rPr>
               <a:t>הראשונה</a:t>
             </a:r>
             <a:r>
-              <a:rPr dirty="0"/>
-              <a:t> </a:t>
-            </a:r>
-            <a:r>
-              <a:rPr dirty="0" err="1"/>
+              <a:rPr dirty="0">
+                <a:latin typeface="Guttman Hatzvi" panose="02010401010101010101" pitchFamily="2" charset="-79"/>
+                <a:cs typeface="Guttman Hatzvi" panose="02010401010101010101" pitchFamily="2" charset="-79"/>
+              </a:rPr>
+              <a:t> </a:t>
+            </a:r>
+            <a:r>
+              <a:rPr dirty="0" err="1">
+                <a:latin typeface="Guttman Hatzvi" panose="02010401010101010101" pitchFamily="2" charset="-79"/>
+                <a:cs typeface="Guttman Hatzvi" panose="02010401010101010101" pitchFamily="2" charset="-79"/>
+              </a:rPr>
               <a:t>שנתקלנו</a:t>
             </a:r>
             <a:r>
-              <a:rPr dirty="0"/>
-              <a:t> </a:t>
-            </a:r>
-            <a:r>
-              <a:rPr dirty="0" err="1"/>
+              <a:rPr dirty="0">
+                <a:latin typeface="Guttman Hatzvi" panose="02010401010101010101" pitchFamily="2" charset="-79"/>
+                <a:cs typeface="Guttman Hatzvi" panose="02010401010101010101" pitchFamily="2" charset="-79"/>
+              </a:rPr>
+              <a:t> </a:t>
+            </a:r>
+            <a:r>
+              <a:rPr dirty="0" err="1">
+                <a:latin typeface="Guttman Hatzvi" panose="02010401010101010101" pitchFamily="2" charset="-79"/>
+                <a:cs typeface="Guttman Hatzvi" panose="02010401010101010101" pitchFamily="2" charset="-79"/>
+              </a:rPr>
               <a:t>בשני</a:t>
             </a:r>
             <a:r>
-              <a:rPr dirty="0"/>
-              <a:t> </a:t>
-            </a:r>
-            <a:r>
-              <a:rPr dirty="0" err="1"/>
+              <a:rPr dirty="0">
+                <a:latin typeface="Guttman Hatzvi" panose="02010401010101010101" pitchFamily="2" charset="-79"/>
+                <a:cs typeface="Guttman Hatzvi" panose="02010401010101010101" pitchFamily="2" charset="-79"/>
+              </a:rPr>
+              <a:t> </a:t>
+            </a:r>
+            <a:r>
+              <a:rPr dirty="0" err="1">
+                <a:latin typeface="Guttman Hatzvi" panose="02010401010101010101" pitchFamily="2" charset="-79"/>
+                <a:cs typeface="Guttman Hatzvi" panose="02010401010101010101" pitchFamily="2" charset="-79"/>
+              </a:rPr>
               <a:t>מושגים</a:t>
             </a:r>
             <a:r>
-              <a:rPr dirty="0"/>
-              <a:t> </a:t>
-            </a:r>
-            <a:r>
-              <a:rPr dirty="0" err="1"/>
+              <a:rPr dirty="0">
+                <a:latin typeface="Guttman Hatzvi" panose="02010401010101010101" pitchFamily="2" charset="-79"/>
+                <a:cs typeface="Guttman Hatzvi" panose="02010401010101010101" pitchFamily="2" charset="-79"/>
+              </a:rPr>
+              <a:t> </a:t>
+            </a:r>
+            <a:r>
+              <a:rPr dirty="0" err="1">
+                <a:latin typeface="Guttman Hatzvi" panose="02010401010101010101" pitchFamily="2" charset="-79"/>
+                <a:cs typeface="Guttman Hatzvi" panose="02010401010101010101" pitchFamily="2" charset="-79"/>
+              </a:rPr>
               <a:t>אלה</a:t>
             </a:r>
             <a:r>
-              <a:rPr dirty="0"/>
+              <a:rPr dirty="0">
+                <a:latin typeface="Guttman Hatzvi" panose="02010401010101010101" pitchFamily="2" charset="-79"/>
+                <a:cs typeface="Guttman Hatzvi" panose="02010401010101010101" pitchFamily="2" charset="-79"/>
+              </a:rPr>
               <a:t>, </a:t>
             </a:r>
             <a:r>
-              <a:rPr dirty="0" err="1"/>
+              <a:rPr dirty="0" err="1">
+                <a:latin typeface="Guttman Hatzvi" panose="02010401010101010101" pitchFamily="2" charset="-79"/>
+                <a:cs typeface="Guttman Hatzvi" panose="02010401010101010101" pitchFamily="2" charset="-79"/>
+              </a:rPr>
               <a:t>והשתמשנו</a:t>
             </a:r>
             <a:r>
-              <a:rPr dirty="0"/>
-              <a:t> </a:t>
-            </a:r>
-            <a:r>
-              <a:rPr dirty="0" err="1"/>
+              <a:rPr dirty="0">
+                <a:latin typeface="Guttman Hatzvi" panose="02010401010101010101" pitchFamily="2" charset="-79"/>
+                <a:cs typeface="Guttman Hatzvi" panose="02010401010101010101" pitchFamily="2" charset="-79"/>
+              </a:rPr>
+              <a:t> </a:t>
+            </a:r>
+            <a:r>
+              <a:rPr dirty="0" err="1">
+                <a:latin typeface="Guttman Hatzvi" panose="02010401010101010101" pitchFamily="2" charset="-79"/>
+                <a:cs typeface="Guttman Hatzvi" panose="02010401010101010101" pitchFamily="2" charset="-79"/>
+              </a:rPr>
               <a:t>בהם</a:t>
             </a:r>
             <a:r>
-              <a:rPr dirty="0"/>
-              <a:t> </a:t>
-            </a:r>
-            <a:r>
-              <a:rPr dirty="0" err="1"/>
+              <a:rPr dirty="0">
+                <a:latin typeface="Guttman Hatzvi" panose="02010401010101010101" pitchFamily="2" charset="-79"/>
+                <a:cs typeface="Guttman Hatzvi" panose="02010401010101010101" pitchFamily="2" charset="-79"/>
+              </a:rPr>
+              <a:t> </a:t>
+            </a:r>
+            <a:r>
+              <a:rPr dirty="0" err="1">
+                <a:latin typeface="Guttman Hatzvi" panose="02010401010101010101" pitchFamily="2" charset="-79"/>
+                <a:cs typeface="Guttman Hatzvi" panose="02010401010101010101" pitchFamily="2" charset="-79"/>
+              </a:rPr>
               <a:t>לאורך</a:t>
             </a:r>
             <a:r>
-              <a:rPr dirty="0"/>
-              <a:t> </a:t>
-            </a:r>
-            <a:r>
-              <a:rPr dirty="0" err="1"/>
+              <a:rPr dirty="0">
+                <a:latin typeface="Guttman Hatzvi" panose="02010401010101010101" pitchFamily="2" charset="-79"/>
+                <a:cs typeface="Guttman Hatzvi" panose="02010401010101010101" pitchFamily="2" charset="-79"/>
+              </a:rPr>
+              <a:t> </a:t>
+            </a:r>
+            <a:r>
+              <a:rPr dirty="0" err="1">
+                <a:latin typeface="Guttman Hatzvi" panose="02010401010101010101" pitchFamily="2" charset="-79"/>
+                <a:cs typeface="Guttman Hatzvi" panose="02010401010101010101" pitchFamily="2" charset="-79"/>
+              </a:rPr>
               <a:t>כל</a:t>
             </a:r>
             <a:r>
-              <a:rPr dirty="0"/>
-              <a:t> </a:t>
-            </a:r>
-            <a:r>
-              <a:rPr dirty="0" err="1"/>
+              <a:rPr dirty="0">
+                <a:latin typeface="Guttman Hatzvi" panose="02010401010101010101" pitchFamily="2" charset="-79"/>
+                <a:cs typeface="Guttman Hatzvi" panose="02010401010101010101" pitchFamily="2" charset="-79"/>
+              </a:rPr>
+              <a:t> </a:t>
+            </a:r>
+            <a:r>
+              <a:rPr dirty="0" err="1">
+                <a:latin typeface="Guttman Hatzvi" panose="02010401010101010101" pitchFamily="2" charset="-79"/>
+                <a:cs typeface="Guttman Hatzvi" panose="02010401010101010101" pitchFamily="2" charset="-79"/>
+              </a:rPr>
               <a:t>הפרויקט</a:t>
             </a:r>
             <a:r>
-              <a:rPr dirty="0"/>
-              <a:t> </a:t>
-            </a:r>
-            <a:r>
-              <a:rPr dirty="0" err="1"/>
+              <a:rPr dirty="0">
+                <a:latin typeface="Guttman Hatzvi" panose="02010401010101010101" pitchFamily="2" charset="-79"/>
+                <a:cs typeface="Guttman Hatzvi" panose="02010401010101010101" pitchFamily="2" charset="-79"/>
+              </a:rPr>
+              <a:t> </a:t>
+            </a:r>
+            <a:r>
+              <a:rPr dirty="0" err="1">
+                <a:latin typeface="Guttman Hatzvi" panose="02010401010101010101" pitchFamily="2" charset="-79"/>
+                <a:cs typeface="Guttman Hatzvi" panose="02010401010101010101" pitchFamily="2" charset="-79"/>
+              </a:rPr>
               <a:t>מההתחלה</a:t>
             </a:r>
             <a:r>
-              <a:rPr dirty="0"/>
-              <a:t> </a:t>
-            </a:r>
-            <a:r>
-              <a:rPr dirty="0" err="1"/>
+              <a:rPr dirty="0">
+                <a:latin typeface="Guttman Hatzvi" panose="02010401010101010101" pitchFamily="2" charset="-79"/>
+                <a:cs typeface="Guttman Hatzvi" panose="02010401010101010101" pitchFamily="2" charset="-79"/>
+              </a:rPr>
+              <a:t> </a:t>
+            </a:r>
+            <a:r>
+              <a:rPr dirty="0" err="1">
+                <a:latin typeface="Guttman Hatzvi" panose="02010401010101010101" pitchFamily="2" charset="-79"/>
+                <a:cs typeface="Guttman Hatzvi" panose="02010401010101010101" pitchFamily="2" charset="-79"/>
+              </a:rPr>
               <a:t>ועד</a:t>
             </a:r>
             <a:r>
-              <a:rPr dirty="0"/>
-              <a:t> </a:t>
-            </a:r>
-            <a:r>
-              <a:rPr dirty="0" err="1"/>
+              <a:rPr dirty="0">
+                <a:latin typeface="Guttman Hatzvi" panose="02010401010101010101" pitchFamily="2" charset="-79"/>
+                <a:cs typeface="Guttman Hatzvi" panose="02010401010101010101" pitchFamily="2" charset="-79"/>
+              </a:rPr>
+              <a:t> </a:t>
+            </a:r>
+            <a:r>
+              <a:rPr dirty="0" err="1">
+                <a:latin typeface="Guttman Hatzvi" panose="02010401010101010101" pitchFamily="2" charset="-79"/>
+                <a:cs typeface="Guttman Hatzvi" panose="02010401010101010101" pitchFamily="2" charset="-79"/>
+              </a:rPr>
               <a:t>סופו</a:t>
             </a:r>
             <a:r>
-              <a:rPr dirty="0"/>
+              <a:rPr dirty="0">
+                <a:latin typeface="Guttman Hatzvi" panose="02010401010101010101" pitchFamily="2" charset="-79"/>
+                <a:cs typeface="Guttman Hatzvi" panose="02010401010101010101" pitchFamily="2" charset="-79"/>
+              </a:rPr>
               <a:t>.</a:t>
             </a:r>
           </a:p>
@@ -9383,167 +10133,290 @@
               </a:defRPr>
             </a:pPr>
             <a:r>
-              <a:rPr dirty="0" err="1"/>
+              <a:rPr dirty="0" err="1">
+                <a:latin typeface="Guttman Hatzvi" panose="02010401010101010101" pitchFamily="2" charset="-79"/>
+                <a:cs typeface="Guttman Hatzvi" panose="02010401010101010101" pitchFamily="2" charset="-79"/>
+              </a:rPr>
               <a:t>גיט</a:t>
             </a:r>
             <a:r>
-              <a:rPr dirty="0"/>
-              <a:t> </a:t>
-            </a:r>
-            <a:r>
-              <a:rPr dirty="0" err="1"/>
+              <a:rPr dirty="0">
+                <a:latin typeface="Guttman Hatzvi" panose="02010401010101010101" pitchFamily="2" charset="-79"/>
+                <a:cs typeface="Guttman Hatzvi" panose="02010401010101010101" pitchFamily="2" charset="-79"/>
+              </a:rPr>
+              <a:t> </a:t>
+            </a:r>
+            <a:r>
+              <a:rPr dirty="0" err="1">
+                <a:latin typeface="Guttman Hatzvi" panose="02010401010101010101" pitchFamily="2" charset="-79"/>
+                <a:cs typeface="Guttman Hatzvi" panose="02010401010101010101" pitchFamily="2" charset="-79"/>
+              </a:rPr>
               <a:t>היא</a:t>
             </a:r>
             <a:r>
-              <a:rPr dirty="0"/>
-              <a:t> </a:t>
-            </a:r>
-            <a:r>
-              <a:rPr dirty="0" err="1"/>
+              <a:rPr dirty="0">
+                <a:latin typeface="Guttman Hatzvi" panose="02010401010101010101" pitchFamily="2" charset="-79"/>
+                <a:cs typeface="Guttman Hatzvi" panose="02010401010101010101" pitchFamily="2" charset="-79"/>
+              </a:rPr>
+              <a:t> </a:t>
+            </a:r>
+            <a:r>
+              <a:rPr dirty="0" err="1">
+                <a:latin typeface="Guttman Hatzvi" panose="02010401010101010101" pitchFamily="2" charset="-79"/>
+                <a:cs typeface="Guttman Hatzvi" panose="02010401010101010101" pitchFamily="2" charset="-79"/>
+              </a:rPr>
               <a:t>מערכת</a:t>
             </a:r>
             <a:r>
-              <a:rPr dirty="0"/>
-              <a:t> </a:t>
-            </a:r>
-            <a:r>
-              <a:rPr dirty="0" err="1"/>
+              <a:rPr dirty="0">
+                <a:latin typeface="Guttman Hatzvi" panose="02010401010101010101" pitchFamily="2" charset="-79"/>
+                <a:cs typeface="Guttman Hatzvi" panose="02010401010101010101" pitchFamily="2" charset="-79"/>
+              </a:rPr>
+              <a:t> </a:t>
+            </a:r>
+            <a:r>
+              <a:rPr dirty="0" err="1">
+                <a:latin typeface="Guttman Hatzvi" panose="02010401010101010101" pitchFamily="2" charset="-79"/>
+                <a:cs typeface="Guttman Hatzvi" panose="02010401010101010101" pitchFamily="2" charset="-79"/>
+              </a:rPr>
               <a:t>ניהול</a:t>
             </a:r>
             <a:r>
-              <a:rPr dirty="0"/>
-              <a:t> </a:t>
-            </a:r>
-            <a:r>
-              <a:rPr dirty="0" err="1"/>
+              <a:rPr dirty="0">
+                <a:latin typeface="Guttman Hatzvi" panose="02010401010101010101" pitchFamily="2" charset="-79"/>
+                <a:cs typeface="Guttman Hatzvi" panose="02010401010101010101" pitchFamily="2" charset="-79"/>
+              </a:rPr>
+              <a:t> </a:t>
+            </a:r>
+            <a:r>
+              <a:rPr dirty="0" err="1">
+                <a:latin typeface="Guttman Hatzvi" panose="02010401010101010101" pitchFamily="2" charset="-79"/>
+                <a:cs typeface="Guttman Hatzvi" panose="02010401010101010101" pitchFamily="2" charset="-79"/>
+              </a:rPr>
               <a:t>גרסאות</a:t>
             </a:r>
             <a:r>
-              <a:rPr dirty="0"/>
-              <a:t> </a:t>
-            </a:r>
-            <a:r>
-              <a:rPr dirty="0" err="1" smtClean="0"/>
+              <a:rPr dirty="0">
+                <a:latin typeface="Guttman Hatzvi" panose="02010401010101010101" pitchFamily="2" charset="-79"/>
+                <a:cs typeface="Guttman Hatzvi" panose="02010401010101010101" pitchFamily="2" charset="-79"/>
+              </a:rPr>
+              <a:t> </a:t>
+            </a:r>
+            <a:r>
+              <a:rPr dirty="0" err="1" smtClean="0">
+                <a:latin typeface="Guttman Hatzvi" panose="02010401010101010101" pitchFamily="2" charset="-79"/>
+                <a:cs typeface="Guttman Hatzvi" panose="02010401010101010101" pitchFamily="2" charset="-79"/>
+              </a:rPr>
               <a:t>מבוזרת</a:t>
             </a:r>
             <a:r>
-              <a:rPr lang="he-IL" dirty="0" smtClean="0"/>
+              <a:rPr lang="he-IL" dirty="0" smtClean="0">
+                <a:latin typeface="Guttman Hatzvi" panose="02010401010101010101" pitchFamily="2" charset="-79"/>
+                <a:cs typeface="Guttman Hatzvi" panose="02010401010101010101" pitchFamily="2" charset="-79"/>
+              </a:rPr>
               <a:t>,</a:t>
             </a:r>
             <a:r>
-              <a:rPr dirty="0" smtClean="0"/>
-              <a:t> </a:t>
-            </a:r>
-            <a:r>
-              <a:rPr dirty="0" err="1"/>
+              <a:rPr dirty="0" smtClean="0">
+                <a:latin typeface="Guttman Hatzvi" panose="02010401010101010101" pitchFamily="2" charset="-79"/>
+                <a:cs typeface="Guttman Hatzvi" panose="02010401010101010101" pitchFamily="2" charset="-79"/>
+              </a:rPr>
+              <a:t> </a:t>
+            </a:r>
+            <a:r>
+              <a:rPr dirty="0" err="1">
+                <a:latin typeface="Guttman Hatzvi" panose="02010401010101010101" pitchFamily="2" charset="-79"/>
+                <a:cs typeface="Guttman Hatzvi" panose="02010401010101010101" pitchFamily="2" charset="-79"/>
+              </a:rPr>
               <a:t>והיא</a:t>
             </a:r>
             <a:r>
-              <a:rPr dirty="0"/>
-              <a:t> </a:t>
-            </a:r>
-            <a:r>
-              <a:rPr dirty="0" err="1"/>
+              <a:rPr dirty="0">
+                <a:latin typeface="Guttman Hatzvi" panose="02010401010101010101" pitchFamily="2" charset="-79"/>
+                <a:cs typeface="Guttman Hatzvi" panose="02010401010101010101" pitchFamily="2" charset="-79"/>
+              </a:rPr>
+              <a:t> </a:t>
+            </a:r>
+            <a:r>
+              <a:rPr dirty="0" err="1">
+                <a:latin typeface="Guttman Hatzvi" panose="02010401010101010101" pitchFamily="2" charset="-79"/>
+                <a:cs typeface="Guttman Hatzvi" panose="02010401010101010101" pitchFamily="2" charset="-79"/>
+              </a:rPr>
               <a:t>למעשה</a:t>
             </a:r>
             <a:r>
-              <a:rPr dirty="0"/>
-              <a:t> </a:t>
-            </a:r>
-            <a:r>
-              <a:rPr dirty="0" err="1"/>
+              <a:rPr dirty="0">
+                <a:latin typeface="Guttman Hatzvi" panose="02010401010101010101" pitchFamily="2" charset="-79"/>
+                <a:cs typeface="Guttman Hatzvi" panose="02010401010101010101" pitchFamily="2" charset="-79"/>
+              </a:rPr>
+              <a:t> </a:t>
+            </a:r>
+            <a:r>
+              <a:rPr dirty="0" err="1">
+                <a:latin typeface="Guttman Hatzvi" panose="02010401010101010101" pitchFamily="2" charset="-79"/>
+                <a:cs typeface="Guttman Hatzvi" panose="02010401010101010101" pitchFamily="2" charset="-79"/>
+              </a:rPr>
               <a:t>מתחברת</a:t>
             </a:r>
             <a:r>
-              <a:rPr dirty="0"/>
-              <a:t> </a:t>
-            </a:r>
-            <a:r>
-              <a:rPr dirty="0" err="1"/>
+              <a:rPr dirty="0">
+                <a:latin typeface="Guttman Hatzvi" panose="02010401010101010101" pitchFamily="2" charset="-79"/>
+                <a:cs typeface="Guttman Hatzvi" panose="02010401010101010101" pitchFamily="2" charset="-79"/>
+              </a:rPr>
+              <a:t> </a:t>
+            </a:r>
+            <a:r>
+              <a:rPr dirty="0" err="1">
+                <a:latin typeface="Guttman Hatzvi" panose="02010401010101010101" pitchFamily="2" charset="-79"/>
+                <a:cs typeface="Guttman Hatzvi" panose="02010401010101010101" pitchFamily="2" charset="-79"/>
+              </a:rPr>
               <a:t>יחד</a:t>
             </a:r>
             <a:r>
-              <a:rPr dirty="0"/>
-              <a:t> </a:t>
-            </a:r>
-            <a:r>
-              <a:rPr dirty="0" err="1"/>
+              <a:rPr dirty="0">
+                <a:latin typeface="Guttman Hatzvi" panose="02010401010101010101" pitchFamily="2" charset="-79"/>
+                <a:cs typeface="Guttman Hatzvi" panose="02010401010101010101" pitchFamily="2" charset="-79"/>
+              </a:rPr>
+              <a:t> </a:t>
+            </a:r>
+            <a:r>
+              <a:rPr dirty="0" err="1">
+                <a:latin typeface="Guttman Hatzvi" panose="02010401010101010101" pitchFamily="2" charset="-79"/>
+                <a:cs typeface="Guttman Hatzvi" panose="02010401010101010101" pitchFamily="2" charset="-79"/>
+              </a:rPr>
               <a:t>עם</a:t>
             </a:r>
             <a:r>
-              <a:rPr dirty="0"/>
-              <a:t> </a:t>
-            </a:r>
-            <a:r>
-              <a:rPr dirty="0" err="1"/>
+              <a:rPr dirty="0">
+                <a:latin typeface="Guttman Hatzvi" panose="02010401010101010101" pitchFamily="2" charset="-79"/>
+                <a:cs typeface="Guttman Hatzvi" panose="02010401010101010101" pitchFamily="2" charset="-79"/>
+              </a:rPr>
+              <a:t> </a:t>
+            </a:r>
+            <a:r>
+              <a:rPr dirty="0" err="1">
+                <a:latin typeface="Guttman Hatzvi" panose="02010401010101010101" pitchFamily="2" charset="-79"/>
+                <a:cs typeface="Guttman Hatzvi" panose="02010401010101010101" pitchFamily="2" charset="-79"/>
+              </a:rPr>
               <a:t>גיטאהב</a:t>
             </a:r>
             <a:r>
-              <a:rPr dirty="0"/>
-              <a:t> </a:t>
-            </a:r>
-            <a:r>
-              <a:rPr dirty="0" err="1"/>
+              <a:rPr dirty="0">
+                <a:latin typeface="Guttman Hatzvi" panose="02010401010101010101" pitchFamily="2" charset="-79"/>
+                <a:cs typeface="Guttman Hatzvi" panose="02010401010101010101" pitchFamily="2" charset="-79"/>
+              </a:rPr>
+              <a:t> </a:t>
+            </a:r>
+            <a:r>
+              <a:rPr dirty="0" err="1">
+                <a:latin typeface="Guttman Hatzvi" panose="02010401010101010101" pitchFamily="2" charset="-79"/>
+                <a:cs typeface="Guttman Hatzvi" panose="02010401010101010101" pitchFamily="2" charset="-79"/>
+              </a:rPr>
               <a:t>שהוא</a:t>
             </a:r>
             <a:r>
-              <a:rPr dirty="0"/>
-              <a:t> </a:t>
-            </a:r>
-            <a:r>
-              <a:rPr dirty="0" err="1"/>
+              <a:rPr dirty="0">
+                <a:latin typeface="Guttman Hatzvi" panose="02010401010101010101" pitchFamily="2" charset="-79"/>
+                <a:cs typeface="Guttman Hatzvi" panose="02010401010101010101" pitchFamily="2" charset="-79"/>
+              </a:rPr>
+              <a:t> </a:t>
+            </a:r>
+            <a:r>
+              <a:rPr dirty="0" err="1">
+                <a:latin typeface="Guttman Hatzvi" panose="02010401010101010101" pitchFamily="2" charset="-79"/>
+                <a:cs typeface="Guttman Hatzvi" panose="02010401010101010101" pitchFamily="2" charset="-79"/>
+              </a:rPr>
               <a:t>למעשה</a:t>
             </a:r>
             <a:r>
-              <a:rPr dirty="0"/>
-              <a:t> </a:t>
-            </a:r>
-            <a:r>
-              <a:rPr dirty="0" err="1"/>
+              <a:rPr dirty="0">
+                <a:latin typeface="Guttman Hatzvi" panose="02010401010101010101" pitchFamily="2" charset="-79"/>
+                <a:cs typeface="Guttman Hatzvi" panose="02010401010101010101" pitchFamily="2" charset="-79"/>
+              </a:rPr>
+              <a:t> </a:t>
+            </a:r>
+            <a:r>
+              <a:rPr dirty="0" err="1">
+                <a:latin typeface="Guttman Hatzvi" panose="02010401010101010101" pitchFamily="2" charset="-79"/>
+                <a:cs typeface="Guttman Hatzvi" panose="02010401010101010101" pitchFamily="2" charset="-79"/>
+              </a:rPr>
               <a:t>אתר</a:t>
             </a:r>
             <a:r>
-              <a:rPr dirty="0"/>
-              <a:t> </a:t>
-            </a:r>
-            <a:r>
-              <a:rPr dirty="0" err="1"/>
+              <a:rPr dirty="0">
+                <a:latin typeface="Guttman Hatzvi" panose="02010401010101010101" pitchFamily="2" charset="-79"/>
+                <a:cs typeface="Guttman Hatzvi" panose="02010401010101010101" pitchFamily="2" charset="-79"/>
+              </a:rPr>
+              <a:t> </a:t>
+            </a:r>
+            <a:r>
+              <a:rPr dirty="0" err="1">
+                <a:latin typeface="Guttman Hatzvi" panose="02010401010101010101" pitchFamily="2" charset="-79"/>
+                <a:cs typeface="Guttman Hatzvi" panose="02010401010101010101" pitchFamily="2" charset="-79"/>
+              </a:rPr>
               <a:t>שמארח</a:t>
             </a:r>
             <a:r>
-              <a:rPr dirty="0"/>
-              <a:t> </a:t>
-            </a:r>
-            <a:r>
-              <a:rPr dirty="0" err="1"/>
+              <a:rPr dirty="0">
+                <a:latin typeface="Guttman Hatzvi" panose="02010401010101010101" pitchFamily="2" charset="-79"/>
+                <a:cs typeface="Guttman Hatzvi" panose="02010401010101010101" pitchFamily="2" charset="-79"/>
+              </a:rPr>
+              <a:t> </a:t>
+            </a:r>
+            <a:r>
+              <a:rPr dirty="0" err="1">
+                <a:latin typeface="Guttman Hatzvi" panose="02010401010101010101" pitchFamily="2" charset="-79"/>
+                <a:cs typeface="Guttman Hatzvi" panose="02010401010101010101" pitchFamily="2" charset="-79"/>
+              </a:rPr>
               <a:t>מאגרי</a:t>
             </a:r>
             <a:r>
-              <a:rPr dirty="0"/>
-              <a:t> </a:t>
-            </a:r>
-            <a:r>
-              <a:rPr dirty="0" err="1"/>
+              <a:rPr dirty="0">
+                <a:latin typeface="Guttman Hatzvi" panose="02010401010101010101" pitchFamily="2" charset="-79"/>
+                <a:cs typeface="Guttman Hatzvi" panose="02010401010101010101" pitchFamily="2" charset="-79"/>
+              </a:rPr>
+              <a:t> </a:t>
+            </a:r>
+            <a:r>
+              <a:rPr dirty="0" err="1">
+                <a:latin typeface="Guttman Hatzvi" panose="02010401010101010101" pitchFamily="2" charset="-79"/>
+                <a:cs typeface="Guttman Hatzvi" panose="02010401010101010101" pitchFamily="2" charset="-79"/>
+              </a:rPr>
               <a:t>גיט</a:t>
             </a:r>
             <a:r>
-              <a:rPr dirty="0"/>
-              <a:t> </a:t>
-            </a:r>
-            <a:r>
-              <a:rPr dirty="0" err="1"/>
+              <a:rPr dirty="0">
+                <a:latin typeface="Guttman Hatzvi" panose="02010401010101010101" pitchFamily="2" charset="-79"/>
+                <a:cs typeface="Guttman Hatzvi" panose="02010401010101010101" pitchFamily="2" charset="-79"/>
+              </a:rPr>
+              <a:t> </a:t>
+            </a:r>
+            <a:r>
+              <a:rPr dirty="0" err="1">
+                <a:latin typeface="Guttman Hatzvi" panose="02010401010101010101" pitchFamily="2" charset="-79"/>
+                <a:cs typeface="Guttman Hatzvi" panose="02010401010101010101" pitchFamily="2" charset="-79"/>
+              </a:rPr>
               <a:t>רבים</a:t>
             </a:r>
             <a:r>
-              <a:rPr dirty="0"/>
-              <a:t> </a:t>
-            </a:r>
-            <a:r>
-              <a:rPr dirty="0" err="1"/>
+              <a:rPr dirty="0">
+                <a:latin typeface="Guttman Hatzvi" panose="02010401010101010101" pitchFamily="2" charset="-79"/>
+                <a:cs typeface="Guttman Hatzvi" panose="02010401010101010101" pitchFamily="2" charset="-79"/>
+              </a:rPr>
+              <a:t> </a:t>
+            </a:r>
+            <a:r>
+              <a:rPr dirty="0" err="1">
+                <a:latin typeface="Guttman Hatzvi" panose="02010401010101010101" pitchFamily="2" charset="-79"/>
+                <a:cs typeface="Guttman Hatzvi" panose="02010401010101010101" pitchFamily="2" charset="-79"/>
+              </a:rPr>
               <a:t>ומגוונים</a:t>
             </a:r>
             <a:r>
-              <a:rPr dirty="0"/>
+              <a:rPr dirty="0">
+                <a:latin typeface="Guttman Hatzvi" panose="02010401010101010101" pitchFamily="2" charset="-79"/>
+                <a:cs typeface="Guttman Hatzvi" panose="02010401010101010101" pitchFamily="2" charset="-79"/>
+              </a:rPr>
               <a:t>.</a:t>
             </a:r>
           </a:p>
@@ -9557,483 +10430,843 @@
               </a:defRPr>
             </a:pPr>
             <a:r>
-              <a:rPr dirty="0" err="1"/>
+              <a:rPr dirty="0" err="1">
+                <a:latin typeface="Guttman Hatzvi" panose="02010401010101010101" pitchFamily="2" charset="-79"/>
+                <a:cs typeface="Guttman Hatzvi" panose="02010401010101010101" pitchFamily="2" charset="-79"/>
+              </a:rPr>
               <a:t>בפרויקט</a:t>
             </a:r>
             <a:r>
-              <a:rPr dirty="0"/>
-              <a:t> </a:t>
-            </a:r>
-            <a:r>
-              <a:rPr dirty="0" err="1"/>
+              <a:rPr dirty="0">
+                <a:latin typeface="Guttman Hatzvi" panose="02010401010101010101" pitchFamily="2" charset="-79"/>
+                <a:cs typeface="Guttman Hatzvi" panose="02010401010101010101" pitchFamily="2" charset="-79"/>
+              </a:rPr>
+              <a:t> </a:t>
+            </a:r>
+            <a:r>
+              <a:rPr dirty="0" err="1">
+                <a:latin typeface="Guttman Hatzvi" panose="02010401010101010101" pitchFamily="2" charset="-79"/>
+                <a:cs typeface="Guttman Hatzvi" panose="02010401010101010101" pitchFamily="2" charset="-79"/>
+              </a:rPr>
               <a:t>שלנו</a:t>
             </a:r>
             <a:r>
-              <a:rPr dirty="0"/>
-              <a:t> </a:t>
-            </a:r>
-            <a:r>
-              <a:rPr dirty="0" err="1"/>
+              <a:rPr dirty="0">
+                <a:latin typeface="Guttman Hatzvi" panose="02010401010101010101" pitchFamily="2" charset="-79"/>
+                <a:cs typeface="Guttman Hatzvi" panose="02010401010101010101" pitchFamily="2" charset="-79"/>
+              </a:rPr>
+              <a:t> </a:t>
+            </a:r>
+            <a:r>
+              <a:rPr dirty="0" err="1">
+                <a:latin typeface="Guttman Hatzvi" panose="02010401010101010101" pitchFamily="2" charset="-79"/>
+                <a:cs typeface="Guttman Hatzvi" panose="02010401010101010101" pitchFamily="2" charset="-79"/>
+              </a:rPr>
               <a:t>למדנו</a:t>
             </a:r>
             <a:r>
-              <a:rPr dirty="0"/>
-              <a:t> </a:t>
-            </a:r>
-            <a:r>
-              <a:rPr dirty="0" err="1"/>
+              <a:rPr dirty="0">
+                <a:latin typeface="Guttman Hatzvi" panose="02010401010101010101" pitchFamily="2" charset="-79"/>
+                <a:cs typeface="Guttman Hatzvi" panose="02010401010101010101" pitchFamily="2" charset="-79"/>
+              </a:rPr>
+              <a:t> </a:t>
+            </a:r>
+            <a:r>
+              <a:rPr dirty="0" err="1">
+                <a:latin typeface="Guttman Hatzvi" panose="02010401010101010101" pitchFamily="2" charset="-79"/>
+                <a:cs typeface="Guttman Hatzvi" panose="02010401010101010101" pitchFamily="2" charset="-79"/>
+              </a:rPr>
               <a:t>והבנו</a:t>
             </a:r>
             <a:r>
-              <a:rPr dirty="0"/>
-              <a:t> </a:t>
-            </a:r>
-            <a:r>
-              <a:rPr dirty="0" err="1"/>
+              <a:rPr dirty="0">
+                <a:latin typeface="Guttman Hatzvi" panose="02010401010101010101" pitchFamily="2" charset="-79"/>
+                <a:cs typeface="Guttman Hatzvi" panose="02010401010101010101" pitchFamily="2" charset="-79"/>
+              </a:rPr>
+              <a:t> </a:t>
+            </a:r>
+            <a:r>
+              <a:rPr dirty="0" err="1">
+                <a:latin typeface="Guttman Hatzvi" panose="02010401010101010101" pitchFamily="2" charset="-79"/>
+                <a:cs typeface="Guttman Hatzvi" panose="02010401010101010101" pitchFamily="2" charset="-79"/>
+              </a:rPr>
               <a:t>איך</a:t>
             </a:r>
             <a:r>
-              <a:rPr dirty="0"/>
-              <a:t> </a:t>
-            </a:r>
-            <a:r>
-              <a:rPr dirty="0" err="1"/>
+              <a:rPr dirty="0">
+                <a:latin typeface="Guttman Hatzvi" panose="02010401010101010101" pitchFamily="2" charset="-79"/>
+                <a:cs typeface="Guttman Hatzvi" panose="02010401010101010101" pitchFamily="2" charset="-79"/>
+              </a:rPr>
+              <a:t> </a:t>
+            </a:r>
+            <a:r>
+              <a:rPr dirty="0" err="1">
+                <a:latin typeface="Guttman Hatzvi" panose="02010401010101010101" pitchFamily="2" charset="-79"/>
+                <a:cs typeface="Guttman Hatzvi" panose="02010401010101010101" pitchFamily="2" charset="-79"/>
+              </a:rPr>
               <a:t>משתמשים</a:t>
             </a:r>
             <a:r>
-              <a:rPr dirty="0"/>
-              <a:t> </a:t>
-            </a:r>
-            <a:r>
-              <a:rPr dirty="0" err="1" smtClean="0"/>
+              <a:rPr dirty="0">
+                <a:latin typeface="Guttman Hatzvi" panose="02010401010101010101" pitchFamily="2" charset="-79"/>
+                <a:cs typeface="Guttman Hatzvi" panose="02010401010101010101" pitchFamily="2" charset="-79"/>
+              </a:rPr>
+              <a:t> </a:t>
+            </a:r>
+            <a:r>
+              <a:rPr dirty="0" err="1" smtClean="0">
+                <a:latin typeface="Guttman Hatzvi" panose="02010401010101010101" pitchFamily="2" charset="-79"/>
+                <a:cs typeface="Guttman Hatzvi" panose="02010401010101010101" pitchFamily="2" charset="-79"/>
+              </a:rPr>
               <a:t>בגיט</a:t>
             </a:r>
             <a:r>
-              <a:rPr lang="he-IL" dirty="0" smtClean="0"/>
+              <a:rPr lang="he-IL" dirty="0" smtClean="0">
+                <a:latin typeface="Guttman Hatzvi" panose="02010401010101010101" pitchFamily="2" charset="-79"/>
+                <a:cs typeface="Guttman Hatzvi" panose="02010401010101010101" pitchFamily="2" charset="-79"/>
+              </a:rPr>
               <a:t>,</a:t>
             </a:r>
             <a:r>
-              <a:rPr dirty="0" smtClean="0"/>
-              <a:t> </a:t>
-            </a:r>
-            <a:r>
-              <a:rPr dirty="0" err="1"/>
+              <a:rPr dirty="0" smtClean="0">
+                <a:latin typeface="Guttman Hatzvi" panose="02010401010101010101" pitchFamily="2" charset="-79"/>
+                <a:cs typeface="Guttman Hatzvi" panose="02010401010101010101" pitchFamily="2" charset="-79"/>
+              </a:rPr>
+              <a:t> </a:t>
+            </a:r>
+            <a:r>
+              <a:rPr dirty="0" err="1">
+                <a:latin typeface="Guttman Hatzvi" panose="02010401010101010101" pitchFamily="2" charset="-79"/>
+                <a:cs typeface="Guttman Hatzvi" panose="02010401010101010101" pitchFamily="2" charset="-79"/>
+              </a:rPr>
               <a:t>איך</a:t>
             </a:r>
             <a:r>
-              <a:rPr dirty="0"/>
-              <a:t> </a:t>
-            </a:r>
-            <a:r>
-              <a:rPr dirty="0" err="1"/>
+              <a:rPr dirty="0">
+                <a:latin typeface="Guttman Hatzvi" panose="02010401010101010101" pitchFamily="2" charset="-79"/>
+                <a:cs typeface="Guttman Hatzvi" panose="02010401010101010101" pitchFamily="2" charset="-79"/>
+              </a:rPr>
+              <a:t> </a:t>
+            </a:r>
+            <a:r>
+              <a:rPr dirty="0" err="1">
+                <a:latin typeface="Guttman Hatzvi" panose="02010401010101010101" pitchFamily="2" charset="-79"/>
+                <a:cs typeface="Guttman Hatzvi" panose="02010401010101010101" pitchFamily="2" charset="-79"/>
+              </a:rPr>
               <a:t>עובדים</a:t>
             </a:r>
             <a:r>
-              <a:rPr dirty="0"/>
-              <a:t> </a:t>
-            </a:r>
-            <a:r>
-              <a:rPr dirty="0" err="1"/>
+              <a:rPr dirty="0">
+                <a:latin typeface="Guttman Hatzvi" panose="02010401010101010101" pitchFamily="2" charset="-79"/>
+                <a:cs typeface="Guttman Hatzvi" panose="02010401010101010101" pitchFamily="2" charset="-79"/>
+              </a:rPr>
+              <a:t> </a:t>
+            </a:r>
+            <a:r>
+              <a:rPr dirty="0" err="1">
+                <a:latin typeface="Guttman Hatzvi" panose="02010401010101010101" pitchFamily="2" charset="-79"/>
+                <a:cs typeface="Guttman Hatzvi" panose="02010401010101010101" pitchFamily="2" charset="-79"/>
+              </a:rPr>
               <a:t>כמה</a:t>
             </a:r>
             <a:r>
-              <a:rPr dirty="0"/>
-              <a:t> </a:t>
-            </a:r>
-            <a:r>
-              <a:rPr dirty="0" err="1"/>
+              <a:rPr dirty="0">
+                <a:latin typeface="Guttman Hatzvi" panose="02010401010101010101" pitchFamily="2" charset="-79"/>
+                <a:cs typeface="Guttman Hatzvi" panose="02010401010101010101" pitchFamily="2" charset="-79"/>
+              </a:rPr>
+              <a:t> </a:t>
+            </a:r>
+            <a:r>
+              <a:rPr dirty="0" err="1">
+                <a:latin typeface="Guttman Hatzvi" panose="02010401010101010101" pitchFamily="2" charset="-79"/>
+                <a:cs typeface="Guttman Hatzvi" panose="02010401010101010101" pitchFamily="2" charset="-79"/>
+              </a:rPr>
               <a:t>משתמשים</a:t>
             </a:r>
             <a:r>
-              <a:rPr dirty="0"/>
-              <a:t> </a:t>
-            </a:r>
-            <a:r>
-              <a:rPr dirty="0" err="1"/>
+              <a:rPr dirty="0">
+                <a:latin typeface="Guttman Hatzvi" panose="02010401010101010101" pitchFamily="2" charset="-79"/>
+                <a:cs typeface="Guttman Hatzvi" panose="02010401010101010101" pitchFamily="2" charset="-79"/>
+              </a:rPr>
+              <a:t> </a:t>
+            </a:r>
+            <a:r>
+              <a:rPr dirty="0" err="1">
+                <a:latin typeface="Guttman Hatzvi" panose="02010401010101010101" pitchFamily="2" charset="-79"/>
+                <a:cs typeface="Guttman Hatzvi" panose="02010401010101010101" pitchFamily="2" charset="-79"/>
+              </a:rPr>
               <a:t>יחד</a:t>
             </a:r>
             <a:r>
-              <a:rPr dirty="0"/>
-              <a:t> </a:t>
-            </a:r>
-            <a:r>
-              <a:rPr dirty="0" err="1"/>
+              <a:rPr dirty="0">
+                <a:latin typeface="Guttman Hatzvi" panose="02010401010101010101" pitchFamily="2" charset="-79"/>
+                <a:cs typeface="Guttman Hatzvi" panose="02010401010101010101" pitchFamily="2" charset="-79"/>
+              </a:rPr>
+              <a:t> </a:t>
+            </a:r>
+            <a:r>
+              <a:rPr dirty="0" err="1">
+                <a:latin typeface="Guttman Hatzvi" panose="02010401010101010101" pitchFamily="2" charset="-79"/>
+                <a:cs typeface="Guttman Hatzvi" panose="02010401010101010101" pitchFamily="2" charset="-79"/>
+              </a:rPr>
               <a:t>על</a:t>
             </a:r>
             <a:r>
-              <a:rPr dirty="0"/>
-              <a:t> </a:t>
-            </a:r>
-            <a:r>
-              <a:rPr dirty="0" err="1"/>
+              <a:rPr dirty="0">
+                <a:latin typeface="Guttman Hatzvi" panose="02010401010101010101" pitchFamily="2" charset="-79"/>
+                <a:cs typeface="Guttman Hatzvi" panose="02010401010101010101" pitchFamily="2" charset="-79"/>
+              </a:rPr>
+              <a:t> </a:t>
+            </a:r>
+            <a:r>
+              <a:rPr dirty="0" err="1">
+                <a:latin typeface="Guttman Hatzvi" panose="02010401010101010101" pitchFamily="2" charset="-79"/>
+                <a:cs typeface="Guttman Hatzvi" panose="02010401010101010101" pitchFamily="2" charset="-79"/>
+              </a:rPr>
               <a:t>אותו</a:t>
             </a:r>
             <a:r>
-              <a:rPr dirty="0"/>
-              <a:t> </a:t>
-            </a:r>
-            <a:r>
-              <a:rPr dirty="0" err="1"/>
+              <a:rPr dirty="0">
+                <a:latin typeface="Guttman Hatzvi" panose="02010401010101010101" pitchFamily="2" charset="-79"/>
+                <a:cs typeface="Guttman Hatzvi" panose="02010401010101010101" pitchFamily="2" charset="-79"/>
+              </a:rPr>
+              <a:t> </a:t>
+            </a:r>
+            <a:r>
+              <a:rPr dirty="0" err="1">
+                <a:latin typeface="Guttman Hatzvi" panose="02010401010101010101" pitchFamily="2" charset="-79"/>
+                <a:cs typeface="Guttman Hatzvi" panose="02010401010101010101" pitchFamily="2" charset="-79"/>
+              </a:rPr>
               <a:t>קוד</a:t>
             </a:r>
             <a:r>
-              <a:rPr dirty="0"/>
-              <a:t> </a:t>
-            </a:r>
-            <a:r>
-              <a:rPr dirty="0" err="1"/>
+              <a:rPr dirty="0">
+                <a:latin typeface="Guttman Hatzvi" panose="02010401010101010101" pitchFamily="2" charset="-79"/>
+                <a:cs typeface="Guttman Hatzvi" panose="02010401010101010101" pitchFamily="2" charset="-79"/>
+              </a:rPr>
+              <a:t> </a:t>
+            </a:r>
+            <a:r>
+              <a:rPr dirty="0" err="1">
+                <a:latin typeface="Guttman Hatzvi" panose="02010401010101010101" pitchFamily="2" charset="-79"/>
+                <a:cs typeface="Guttman Hatzvi" panose="02010401010101010101" pitchFamily="2" charset="-79"/>
+              </a:rPr>
               <a:t>וכו</a:t>
             </a:r>
             <a:r>
-              <a:rPr dirty="0" smtClean="0"/>
+              <a:rPr dirty="0" smtClean="0">
+                <a:latin typeface="Guttman Hatzvi" panose="02010401010101010101" pitchFamily="2" charset="-79"/>
+                <a:cs typeface="Guttman Hatzvi" panose="02010401010101010101" pitchFamily="2" charset="-79"/>
+              </a:rPr>
               <a:t>׳</a:t>
             </a:r>
             <a:r>
-              <a:rPr lang="he-IL" dirty="0" smtClean="0"/>
+              <a:rPr lang="he-IL" dirty="0" smtClean="0">
+                <a:latin typeface="Guttman Hatzvi" panose="02010401010101010101" pitchFamily="2" charset="-79"/>
+                <a:cs typeface="Guttman Hatzvi" panose="02010401010101010101" pitchFamily="2" charset="-79"/>
+              </a:rPr>
               <a:t>.</a:t>
             </a:r>
             <a:r>
-              <a:rPr dirty="0" smtClean="0"/>
-              <a:t> </a:t>
-            </a:r>
-            <a:r>
-              <a:rPr dirty="0" err="1"/>
+              <a:rPr dirty="0" smtClean="0">
+                <a:latin typeface="Guttman Hatzvi" panose="02010401010101010101" pitchFamily="2" charset="-79"/>
+                <a:cs typeface="Guttman Hatzvi" panose="02010401010101010101" pitchFamily="2" charset="-79"/>
+              </a:rPr>
+              <a:t> </a:t>
+            </a:r>
+            <a:r>
+              <a:rPr dirty="0" err="1">
+                <a:latin typeface="Guttman Hatzvi" panose="02010401010101010101" pitchFamily="2" charset="-79"/>
+                <a:cs typeface="Guttman Hatzvi" panose="02010401010101010101" pitchFamily="2" charset="-79"/>
+              </a:rPr>
               <a:t>הגיט</a:t>
             </a:r>
             <a:r>
-              <a:rPr dirty="0"/>
-              <a:t> </a:t>
-            </a:r>
-            <a:r>
-              <a:rPr dirty="0" err="1"/>
+              <a:rPr dirty="0">
+                <a:latin typeface="Guttman Hatzvi" panose="02010401010101010101" pitchFamily="2" charset="-79"/>
+                <a:cs typeface="Guttman Hatzvi" panose="02010401010101010101" pitchFamily="2" charset="-79"/>
+              </a:rPr>
+              <a:t> </a:t>
+            </a:r>
+            <a:r>
+              <a:rPr dirty="0" err="1">
+                <a:latin typeface="Guttman Hatzvi" panose="02010401010101010101" pitchFamily="2" charset="-79"/>
+                <a:cs typeface="Guttman Hatzvi" panose="02010401010101010101" pitchFamily="2" charset="-79"/>
+              </a:rPr>
               <a:t>עזר</a:t>
             </a:r>
             <a:r>
-              <a:rPr dirty="0"/>
-              <a:t> </a:t>
-            </a:r>
-            <a:r>
-              <a:rPr dirty="0" err="1"/>
+              <a:rPr dirty="0">
+                <a:latin typeface="Guttman Hatzvi" panose="02010401010101010101" pitchFamily="2" charset="-79"/>
+                <a:cs typeface="Guttman Hatzvi" panose="02010401010101010101" pitchFamily="2" charset="-79"/>
+              </a:rPr>
+              <a:t> </a:t>
+            </a:r>
+            <a:r>
+              <a:rPr dirty="0" err="1">
+                <a:latin typeface="Guttman Hatzvi" panose="02010401010101010101" pitchFamily="2" charset="-79"/>
+                <a:cs typeface="Guttman Hatzvi" panose="02010401010101010101" pitchFamily="2" charset="-79"/>
+              </a:rPr>
               <a:t>לנו</a:t>
             </a:r>
             <a:r>
-              <a:rPr dirty="0"/>
-              <a:t> </a:t>
-            </a:r>
-            <a:r>
-              <a:rPr dirty="0" err="1"/>
+              <a:rPr dirty="0">
+                <a:latin typeface="Guttman Hatzvi" panose="02010401010101010101" pitchFamily="2" charset="-79"/>
+                <a:cs typeface="Guttman Hatzvi" panose="02010401010101010101" pitchFamily="2" charset="-79"/>
+              </a:rPr>
+              <a:t> </a:t>
+            </a:r>
+            <a:r>
+              <a:rPr dirty="0" err="1">
+                <a:latin typeface="Guttman Hatzvi" panose="02010401010101010101" pitchFamily="2" charset="-79"/>
+                <a:cs typeface="Guttman Hatzvi" panose="02010401010101010101" pitchFamily="2" charset="-79"/>
+              </a:rPr>
               <a:t>להסתנכרן</a:t>
             </a:r>
             <a:r>
-              <a:rPr dirty="0"/>
-              <a:t> </a:t>
-            </a:r>
-            <a:r>
-              <a:rPr dirty="0" err="1"/>
+              <a:rPr dirty="0">
+                <a:latin typeface="Guttman Hatzvi" panose="02010401010101010101" pitchFamily="2" charset="-79"/>
+                <a:cs typeface="Guttman Hatzvi" panose="02010401010101010101" pitchFamily="2" charset="-79"/>
+              </a:rPr>
+              <a:t> </a:t>
+            </a:r>
+            <a:r>
+              <a:rPr dirty="0" err="1">
+                <a:latin typeface="Guttman Hatzvi" panose="02010401010101010101" pitchFamily="2" charset="-79"/>
+                <a:cs typeface="Guttman Hatzvi" panose="02010401010101010101" pitchFamily="2" charset="-79"/>
+              </a:rPr>
               <a:t>יחד</a:t>
             </a:r>
             <a:r>
-              <a:rPr dirty="0"/>
-              <a:t> </a:t>
-            </a:r>
-            <a:r>
-              <a:rPr dirty="0" err="1"/>
+              <a:rPr dirty="0">
+                <a:latin typeface="Guttman Hatzvi" panose="02010401010101010101" pitchFamily="2" charset="-79"/>
+                <a:cs typeface="Guttman Hatzvi" panose="02010401010101010101" pitchFamily="2" charset="-79"/>
+              </a:rPr>
+              <a:t> </a:t>
+            </a:r>
+            <a:r>
+              <a:rPr dirty="0" err="1">
+                <a:latin typeface="Guttman Hatzvi" panose="02010401010101010101" pitchFamily="2" charset="-79"/>
+                <a:cs typeface="Guttman Hatzvi" panose="02010401010101010101" pitchFamily="2" charset="-79"/>
+              </a:rPr>
               <a:t>על</a:t>
             </a:r>
             <a:r>
-              <a:rPr dirty="0"/>
-              <a:t> </a:t>
-            </a:r>
-            <a:r>
-              <a:rPr dirty="0" err="1"/>
+              <a:rPr dirty="0">
+                <a:latin typeface="Guttman Hatzvi" panose="02010401010101010101" pitchFamily="2" charset="-79"/>
+                <a:cs typeface="Guttman Hatzvi" panose="02010401010101010101" pitchFamily="2" charset="-79"/>
+              </a:rPr>
+              <a:t> </a:t>
+            </a:r>
+            <a:r>
+              <a:rPr dirty="0" err="1">
+                <a:latin typeface="Guttman Hatzvi" panose="02010401010101010101" pitchFamily="2" charset="-79"/>
+                <a:cs typeface="Guttman Hatzvi" panose="02010401010101010101" pitchFamily="2" charset="-79"/>
+              </a:rPr>
               <a:t>אותם</a:t>
             </a:r>
             <a:r>
-              <a:rPr dirty="0"/>
-              <a:t> </a:t>
-            </a:r>
-            <a:r>
-              <a:rPr dirty="0" err="1"/>
+              <a:rPr dirty="0">
+                <a:latin typeface="Guttman Hatzvi" panose="02010401010101010101" pitchFamily="2" charset="-79"/>
+                <a:cs typeface="Guttman Hatzvi" panose="02010401010101010101" pitchFamily="2" charset="-79"/>
+              </a:rPr>
+              <a:t> </a:t>
+            </a:r>
+            <a:r>
+              <a:rPr dirty="0" err="1">
+                <a:latin typeface="Guttman Hatzvi" panose="02010401010101010101" pitchFamily="2" charset="-79"/>
+                <a:cs typeface="Guttman Hatzvi" panose="02010401010101010101" pitchFamily="2" charset="-79"/>
+              </a:rPr>
               <a:t>קבצים</a:t>
             </a:r>
             <a:r>
-              <a:rPr dirty="0"/>
+              <a:rPr dirty="0">
+                <a:latin typeface="Guttman Hatzvi" panose="02010401010101010101" pitchFamily="2" charset="-79"/>
+                <a:cs typeface="Guttman Hatzvi" panose="02010401010101010101" pitchFamily="2" charset="-79"/>
+              </a:rPr>
               <a:t>, </a:t>
             </a:r>
             <a:r>
-              <a:rPr dirty="0" err="1"/>
+              <a:rPr dirty="0" err="1">
+                <a:latin typeface="Guttman Hatzvi" panose="02010401010101010101" pitchFamily="2" charset="-79"/>
+                <a:cs typeface="Guttman Hatzvi" panose="02010401010101010101" pitchFamily="2" charset="-79"/>
+              </a:rPr>
               <a:t>הוא</a:t>
             </a:r>
             <a:r>
-              <a:rPr dirty="0"/>
-              <a:t> </a:t>
-            </a:r>
-            <a:r>
-              <a:rPr dirty="0" err="1"/>
+              <a:rPr dirty="0">
+                <a:latin typeface="Guttman Hatzvi" panose="02010401010101010101" pitchFamily="2" charset="-79"/>
+                <a:cs typeface="Guttman Hatzvi" panose="02010401010101010101" pitchFamily="2" charset="-79"/>
+              </a:rPr>
+              <a:t> </a:t>
+            </a:r>
+            <a:r>
+              <a:rPr dirty="0" err="1">
+                <a:latin typeface="Guttman Hatzvi" panose="02010401010101010101" pitchFamily="2" charset="-79"/>
+                <a:cs typeface="Guttman Hatzvi" panose="02010401010101010101" pitchFamily="2" charset="-79"/>
+              </a:rPr>
               <a:t>עזר</a:t>
             </a:r>
             <a:r>
-              <a:rPr dirty="0"/>
-              <a:t> </a:t>
-            </a:r>
-            <a:r>
-              <a:rPr dirty="0" err="1"/>
+              <a:rPr dirty="0">
+                <a:latin typeface="Guttman Hatzvi" panose="02010401010101010101" pitchFamily="2" charset="-79"/>
+                <a:cs typeface="Guttman Hatzvi" panose="02010401010101010101" pitchFamily="2" charset="-79"/>
+              </a:rPr>
+              <a:t> </a:t>
+            </a:r>
+            <a:r>
+              <a:rPr dirty="0" err="1">
+                <a:latin typeface="Guttman Hatzvi" panose="02010401010101010101" pitchFamily="2" charset="-79"/>
+                <a:cs typeface="Guttman Hatzvi" panose="02010401010101010101" pitchFamily="2" charset="-79"/>
+              </a:rPr>
               <a:t>לנו</a:t>
             </a:r>
             <a:r>
-              <a:rPr dirty="0"/>
-              <a:t> </a:t>
-            </a:r>
-            <a:r>
-              <a:rPr dirty="0" err="1"/>
+              <a:rPr dirty="0">
+                <a:latin typeface="Guttman Hatzvi" panose="02010401010101010101" pitchFamily="2" charset="-79"/>
+                <a:cs typeface="Guttman Hatzvi" panose="02010401010101010101" pitchFamily="2" charset="-79"/>
+              </a:rPr>
+              <a:t> </a:t>
+            </a:r>
+            <a:r>
+              <a:rPr dirty="0" err="1">
+                <a:latin typeface="Guttman Hatzvi" panose="02010401010101010101" pitchFamily="2" charset="-79"/>
+                <a:cs typeface="Guttman Hatzvi" panose="02010401010101010101" pitchFamily="2" charset="-79"/>
+              </a:rPr>
               <a:t>לשמור</a:t>
             </a:r>
             <a:r>
-              <a:rPr dirty="0"/>
-              <a:t> </a:t>
-            </a:r>
-            <a:r>
-              <a:rPr dirty="0" err="1"/>
+              <a:rPr dirty="0">
+                <a:latin typeface="Guttman Hatzvi" panose="02010401010101010101" pitchFamily="2" charset="-79"/>
+                <a:cs typeface="Guttman Hatzvi" panose="02010401010101010101" pitchFamily="2" charset="-79"/>
+              </a:rPr>
+              <a:t> </a:t>
+            </a:r>
+            <a:r>
+              <a:rPr dirty="0" err="1">
+                <a:latin typeface="Guttman Hatzvi" panose="02010401010101010101" pitchFamily="2" charset="-79"/>
+                <a:cs typeface="Guttman Hatzvi" panose="02010401010101010101" pitchFamily="2" charset="-79"/>
+              </a:rPr>
               <a:t>על</a:t>
             </a:r>
             <a:r>
-              <a:rPr dirty="0"/>
-              <a:t> </a:t>
-            </a:r>
-            <a:r>
-              <a:rPr dirty="0" err="1"/>
+              <a:rPr dirty="0">
+                <a:latin typeface="Guttman Hatzvi" panose="02010401010101010101" pitchFamily="2" charset="-79"/>
+                <a:cs typeface="Guttman Hatzvi" panose="02010401010101010101" pitchFamily="2" charset="-79"/>
+              </a:rPr>
+              <a:t> </a:t>
+            </a:r>
+            <a:r>
+              <a:rPr dirty="0" err="1">
+                <a:latin typeface="Guttman Hatzvi" panose="02010401010101010101" pitchFamily="2" charset="-79"/>
+                <a:cs typeface="Guttman Hatzvi" panose="02010401010101010101" pitchFamily="2" charset="-79"/>
+              </a:rPr>
               <a:t>גרסאות</a:t>
             </a:r>
             <a:r>
-              <a:rPr dirty="0"/>
-              <a:t> </a:t>
-            </a:r>
-            <a:r>
-              <a:rPr dirty="0" err="1"/>
+              <a:rPr dirty="0">
+                <a:latin typeface="Guttman Hatzvi" panose="02010401010101010101" pitchFamily="2" charset="-79"/>
+                <a:cs typeface="Guttman Hatzvi" panose="02010401010101010101" pitchFamily="2" charset="-79"/>
+              </a:rPr>
+              <a:t> </a:t>
+            </a:r>
+            <a:r>
+              <a:rPr dirty="0" err="1">
+                <a:latin typeface="Guttman Hatzvi" panose="02010401010101010101" pitchFamily="2" charset="-79"/>
+                <a:cs typeface="Guttman Hatzvi" panose="02010401010101010101" pitchFamily="2" charset="-79"/>
+              </a:rPr>
               <a:t>קודמות</a:t>
             </a:r>
             <a:r>
-              <a:rPr dirty="0"/>
-              <a:t> </a:t>
-            </a:r>
-            <a:r>
-              <a:rPr dirty="0" err="1"/>
+              <a:rPr dirty="0">
+                <a:latin typeface="Guttman Hatzvi" panose="02010401010101010101" pitchFamily="2" charset="-79"/>
+                <a:cs typeface="Guttman Hatzvi" panose="02010401010101010101" pitchFamily="2" charset="-79"/>
+              </a:rPr>
+              <a:t> </a:t>
+            </a:r>
+            <a:r>
+              <a:rPr dirty="0" err="1">
+                <a:latin typeface="Guttman Hatzvi" panose="02010401010101010101" pitchFamily="2" charset="-79"/>
+                <a:cs typeface="Guttman Hatzvi" panose="02010401010101010101" pitchFamily="2" charset="-79"/>
+              </a:rPr>
               <a:t>במידה</a:t>
             </a:r>
             <a:r>
-              <a:rPr dirty="0"/>
-              <a:t> </a:t>
-            </a:r>
-            <a:r>
-              <a:rPr dirty="0" err="1"/>
+              <a:rPr dirty="0">
+                <a:latin typeface="Guttman Hatzvi" panose="02010401010101010101" pitchFamily="2" charset="-79"/>
+                <a:cs typeface="Guttman Hatzvi" panose="02010401010101010101" pitchFamily="2" charset="-79"/>
+              </a:rPr>
+              <a:t> </a:t>
+            </a:r>
+            <a:r>
+              <a:rPr dirty="0" err="1">
+                <a:latin typeface="Guttman Hatzvi" panose="02010401010101010101" pitchFamily="2" charset="-79"/>
+                <a:cs typeface="Guttman Hatzvi" panose="02010401010101010101" pitchFamily="2" charset="-79"/>
+              </a:rPr>
               <a:t>ונרצה</a:t>
             </a:r>
             <a:r>
-              <a:rPr dirty="0"/>
-              <a:t> </a:t>
-            </a:r>
-            <a:r>
-              <a:rPr dirty="0" err="1"/>
+              <a:rPr dirty="0">
+                <a:latin typeface="Guttman Hatzvi" panose="02010401010101010101" pitchFamily="2" charset="-79"/>
+                <a:cs typeface="Guttman Hatzvi" panose="02010401010101010101" pitchFamily="2" charset="-79"/>
+              </a:rPr>
+              <a:t> </a:t>
+            </a:r>
+            <a:r>
+              <a:rPr dirty="0" err="1">
+                <a:latin typeface="Guttman Hatzvi" panose="02010401010101010101" pitchFamily="2" charset="-79"/>
+                <a:cs typeface="Guttman Hatzvi" panose="02010401010101010101" pitchFamily="2" charset="-79"/>
+              </a:rPr>
               <a:t>לחזור</a:t>
             </a:r>
             <a:r>
-              <a:rPr dirty="0"/>
-              <a:t> </a:t>
-            </a:r>
-            <a:r>
-              <a:rPr dirty="0" err="1"/>
+              <a:rPr dirty="0">
+                <a:latin typeface="Guttman Hatzvi" panose="02010401010101010101" pitchFamily="2" charset="-79"/>
+                <a:cs typeface="Guttman Hatzvi" panose="02010401010101010101" pitchFamily="2" charset="-79"/>
+              </a:rPr>
+              <a:t> </a:t>
+            </a:r>
+            <a:r>
+              <a:rPr dirty="0" err="1">
+                <a:latin typeface="Guttman Hatzvi" panose="02010401010101010101" pitchFamily="2" charset="-79"/>
+                <a:cs typeface="Guttman Hatzvi" panose="02010401010101010101" pitchFamily="2" charset="-79"/>
+              </a:rPr>
               <a:t>אליהם</a:t>
             </a:r>
             <a:r>
-              <a:rPr dirty="0"/>
-              <a:t> </a:t>
-            </a:r>
-            <a:r>
-              <a:rPr dirty="0" err="1"/>
+              <a:rPr dirty="0">
+                <a:latin typeface="Guttman Hatzvi" panose="02010401010101010101" pitchFamily="2" charset="-79"/>
+                <a:cs typeface="Guttman Hatzvi" panose="02010401010101010101" pitchFamily="2" charset="-79"/>
+              </a:rPr>
+              <a:t> </a:t>
+            </a:r>
+            <a:r>
+              <a:rPr dirty="0" err="1">
+                <a:latin typeface="Guttman Hatzvi" panose="02010401010101010101" pitchFamily="2" charset="-79"/>
+                <a:cs typeface="Guttman Hatzvi" panose="02010401010101010101" pitchFamily="2" charset="-79"/>
+              </a:rPr>
               <a:t>ואולי</a:t>
             </a:r>
             <a:r>
-              <a:rPr dirty="0"/>
-              <a:t> </a:t>
-            </a:r>
-            <a:r>
-              <a:rPr dirty="0" err="1"/>
+              <a:rPr dirty="0">
+                <a:latin typeface="Guttman Hatzvi" panose="02010401010101010101" pitchFamily="2" charset="-79"/>
+                <a:cs typeface="Guttman Hatzvi" panose="02010401010101010101" pitchFamily="2" charset="-79"/>
+              </a:rPr>
+              <a:t> </a:t>
+            </a:r>
+            <a:r>
+              <a:rPr dirty="0" err="1">
+                <a:latin typeface="Guttman Hatzvi" panose="02010401010101010101" pitchFamily="2" charset="-79"/>
+                <a:cs typeface="Guttman Hatzvi" panose="02010401010101010101" pitchFamily="2" charset="-79"/>
+              </a:rPr>
               <a:t>הדבר</a:t>
             </a:r>
             <a:r>
-              <a:rPr dirty="0"/>
-              <a:t> </a:t>
-            </a:r>
-            <a:r>
-              <a:rPr dirty="0" err="1"/>
+              <a:rPr dirty="0">
+                <a:latin typeface="Guttman Hatzvi" panose="02010401010101010101" pitchFamily="2" charset="-79"/>
+                <a:cs typeface="Guttman Hatzvi" panose="02010401010101010101" pitchFamily="2" charset="-79"/>
+              </a:rPr>
+              <a:t> </a:t>
+            </a:r>
+            <a:r>
+              <a:rPr dirty="0" err="1">
+                <a:latin typeface="Guttman Hatzvi" panose="02010401010101010101" pitchFamily="2" charset="-79"/>
+                <a:cs typeface="Guttman Hatzvi" panose="02010401010101010101" pitchFamily="2" charset="-79"/>
+              </a:rPr>
               <a:t>הכי</a:t>
             </a:r>
             <a:r>
-              <a:rPr dirty="0"/>
-              <a:t> </a:t>
-            </a:r>
-            <a:r>
-              <a:rPr dirty="0" err="1" smtClean="0"/>
+              <a:rPr dirty="0">
+                <a:latin typeface="Guttman Hatzvi" panose="02010401010101010101" pitchFamily="2" charset="-79"/>
+                <a:cs typeface="Guttman Hatzvi" panose="02010401010101010101" pitchFamily="2" charset="-79"/>
+              </a:rPr>
+              <a:t> </a:t>
+            </a:r>
+            <a:r>
+              <a:rPr dirty="0" err="1" smtClean="0">
+                <a:latin typeface="Guttman Hatzvi" panose="02010401010101010101" pitchFamily="2" charset="-79"/>
+                <a:cs typeface="Guttman Hatzvi" panose="02010401010101010101" pitchFamily="2" charset="-79"/>
+              </a:rPr>
               <a:t>חשוב</a:t>
             </a:r>
             <a:r>
-              <a:rPr dirty="0" smtClean="0"/>
+              <a:rPr dirty="0" smtClean="0">
+                <a:latin typeface="Guttman Hatzvi" panose="02010401010101010101" pitchFamily="2" charset="-79"/>
+                <a:cs typeface="Guttman Hatzvi" panose="02010401010101010101" pitchFamily="2" charset="-79"/>
+              </a:rPr>
               <a:t>- </a:t>
             </a:r>
             <a:r>
-              <a:rPr lang="he-IL" dirty="0" smtClean="0"/>
-              <a:t> </a:t>
-            </a:r>
-            <a:r>
-              <a:rPr dirty="0" err="1" smtClean="0"/>
+              <a:rPr lang="he-IL" dirty="0" smtClean="0">
+                <a:latin typeface="Guttman Hatzvi" panose="02010401010101010101" pitchFamily="2" charset="-79"/>
+                <a:cs typeface="Guttman Hatzvi" panose="02010401010101010101" pitchFamily="2" charset="-79"/>
+              </a:rPr>
+              <a:t> </a:t>
+            </a:r>
+            <a:r>
+              <a:rPr dirty="0" err="1" smtClean="0">
+                <a:latin typeface="Guttman Hatzvi" panose="02010401010101010101" pitchFamily="2" charset="-79"/>
+                <a:cs typeface="Guttman Hatzvi" panose="02010401010101010101" pitchFamily="2" charset="-79"/>
+              </a:rPr>
               <a:t>לתת</a:t>
             </a:r>
             <a:r>
-              <a:rPr dirty="0" smtClean="0"/>
-              <a:t> </a:t>
-            </a:r>
-            <a:r>
-              <a:rPr dirty="0" err="1"/>
+              <a:rPr dirty="0" smtClean="0">
+                <a:latin typeface="Guttman Hatzvi" panose="02010401010101010101" pitchFamily="2" charset="-79"/>
+                <a:cs typeface="Guttman Hatzvi" panose="02010401010101010101" pitchFamily="2" charset="-79"/>
+              </a:rPr>
+              <a:t> </a:t>
+            </a:r>
+            <a:r>
+              <a:rPr dirty="0" err="1">
+                <a:latin typeface="Guttman Hatzvi" panose="02010401010101010101" pitchFamily="2" charset="-79"/>
+                <a:cs typeface="Guttman Hatzvi" panose="02010401010101010101" pitchFamily="2" charset="-79"/>
+              </a:rPr>
               <a:t>הערות</a:t>
             </a:r>
             <a:r>
-              <a:rPr dirty="0"/>
-              <a:t> </a:t>
-            </a:r>
-            <a:r>
-              <a:rPr dirty="0" err="1"/>
+              <a:rPr dirty="0">
+                <a:latin typeface="Guttman Hatzvi" panose="02010401010101010101" pitchFamily="2" charset="-79"/>
+                <a:cs typeface="Guttman Hatzvi" panose="02010401010101010101" pitchFamily="2" charset="-79"/>
+              </a:rPr>
+              <a:t> </a:t>
+            </a:r>
+            <a:r>
+              <a:rPr dirty="0" err="1">
+                <a:latin typeface="Guttman Hatzvi" panose="02010401010101010101" pitchFamily="2" charset="-79"/>
+                <a:cs typeface="Guttman Hatzvi" panose="02010401010101010101" pitchFamily="2" charset="-79"/>
+              </a:rPr>
               <a:t>וביקורות</a:t>
             </a:r>
             <a:r>
-              <a:rPr dirty="0"/>
-              <a:t> </a:t>
-            </a:r>
-            <a:r>
-              <a:rPr dirty="0" err="1"/>
+              <a:rPr dirty="0">
+                <a:latin typeface="Guttman Hatzvi" panose="02010401010101010101" pitchFamily="2" charset="-79"/>
+                <a:cs typeface="Guttman Hatzvi" panose="02010401010101010101" pitchFamily="2" charset="-79"/>
+              </a:rPr>
+              <a:t> </a:t>
+            </a:r>
+            <a:r>
+              <a:rPr dirty="0" err="1">
+                <a:latin typeface="Guttman Hatzvi" panose="02010401010101010101" pitchFamily="2" charset="-79"/>
+                <a:cs typeface="Guttman Hatzvi" panose="02010401010101010101" pitchFamily="2" charset="-79"/>
+              </a:rPr>
               <a:t>אחד</a:t>
             </a:r>
             <a:r>
-              <a:rPr dirty="0"/>
-              <a:t> </a:t>
-            </a:r>
-            <a:r>
-              <a:rPr dirty="0" err="1"/>
+              <a:rPr dirty="0">
+                <a:latin typeface="Guttman Hatzvi" panose="02010401010101010101" pitchFamily="2" charset="-79"/>
+                <a:cs typeface="Guttman Hatzvi" panose="02010401010101010101" pitchFamily="2" charset="-79"/>
+              </a:rPr>
+              <a:t> </a:t>
+            </a:r>
+            <a:r>
+              <a:rPr dirty="0" err="1">
+                <a:latin typeface="Guttman Hatzvi" panose="02010401010101010101" pitchFamily="2" charset="-79"/>
+                <a:cs typeface="Guttman Hatzvi" panose="02010401010101010101" pitchFamily="2" charset="-79"/>
+              </a:rPr>
               <a:t>לשני</a:t>
             </a:r>
             <a:r>
-              <a:rPr dirty="0"/>
-              <a:t> </a:t>
-            </a:r>
-            <a:r>
-              <a:rPr dirty="0" err="1"/>
+              <a:rPr dirty="0">
+                <a:latin typeface="Guttman Hatzvi" panose="02010401010101010101" pitchFamily="2" charset="-79"/>
+                <a:cs typeface="Guttman Hatzvi" panose="02010401010101010101" pitchFamily="2" charset="-79"/>
+              </a:rPr>
+              <a:t> </a:t>
+            </a:r>
+            <a:r>
+              <a:rPr dirty="0" err="1">
+                <a:latin typeface="Guttman Hatzvi" panose="02010401010101010101" pitchFamily="2" charset="-79"/>
+                <a:cs typeface="Guttman Hatzvi" panose="02010401010101010101" pitchFamily="2" charset="-79"/>
+              </a:rPr>
               <a:t>על</a:t>
             </a:r>
             <a:r>
-              <a:rPr dirty="0"/>
-              <a:t> </a:t>
-            </a:r>
-            <a:r>
-              <a:rPr dirty="0" err="1"/>
+              <a:rPr dirty="0">
+                <a:latin typeface="Guttman Hatzvi" panose="02010401010101010101" pitchFamily="2" charset="-79"/>
+                <a:cs typeface="Guttman Hatzvi" panose="02010401010101010101" pitchFamily="2" charset="-79"/>
+              </a:rPr>
+              <a:t> </a:t>
+            </a:r>
+            <a:r>
+              <a:rPr dirty="0" err="1">
+                <a:latin typeface="Guttman Hatzvi" panose="02010401010101010101" pitchFamily="2" charset="-79"/>
+                <a:cs typeface="Guttman Hatzvi" panose="02010401010101010101" pitchFamily="2" charset="-79"/>
+              </a:rPr>
               <a:t>העבודה</a:t>
             </a:r>
             <a:r>
-              <a:rPr dirty="0"/>
-              <a:t> </a:t>
-            </a:r>
-            <a:r>
-              <a:rPr dirty="0" err="1"/>
+              <a:rPr dirty="0">
+                <a:latin typeface="Guttman Hatzvi" panose="02010401010101010101" pitchFamily="2" charset="-79"/>
+                <a:cs typeface="Guttman Hatzvi" panose="02010401010101010101" pitchFamily="2" charset="-79"/>
+              </a:rPr>
+              <a:t> </a:t>
+            </a:r>
+            <a:r>
+              <a:rPr dirty="0" err="1">
+                <a:latin typeface="Guttman Hatzvi" panose="02010401010101010101" pitchFamily="2" charset="-79"/>
+                <a:cs typeface="Guttman Hatzvi" panose="02010401010101010101" pitchFamily="2" charset="-79"/>
+              </a:rPr>
               <a:t>השונה</a:t>
             </a:r>
             <a:r>
-              <a:rPr dirty="0"/>
-              <a:t> </a:t>
-            </a:r>
-            <a:r>
-              <a:rPr dirty="0" err="1"/>
+              <a:rPr dirty="0">
+                <a:latin typeface="Guttman Hatzvi" panose="02010401010101010101" pitchFamily="2" charset="-79"/>
+                <a:cs typeface="Guttman Hatzvi" panose="02010401010101010101" pitchFamily="2" charset="-79"/>
+              </a:rPr>
+              <a:t> </a:t>
+            </a:r>
+            <a:r>
+              <a:rPr dirty="0" err="1">
+                <a:latin typeface="Guttman Hatzvi" panose="02010401010101010101" pitchFamily="2" charset="-79"/>
+                <a:cs typeface="Guttman Hatzvi" panose="02010401010101010101" pitchFamily="2" charset="-79"/>
+              </a:rPr>
               <a:t>במהלך</a:t>
             </a:r>
             <a:r>
-              <a:rPr dirty="0"/>
-              <a:t> </a:t>
-            </a:r>
-            <a:r>
-              <a:rPr dirty="0" err="1"/>
+              <a:rPr dirty="0">
+                <a:latin typeface="Guttman Hatzvi" panose="02010401010101010101" pitchFamily="2" charset="-79"/>
+                <a:cs typeface="Guttman Hatzvi" panose="02010401010101010101" pitchFamily="2" charset="-79"/>
+              </a:rPr>
+              <a:t> </a:t>
+            </a:r>
+            <a:r>
+              <a:rPr dirty="0" err="1">
+                <a:latin typeface="Guttman Hatzvi" panose="02010401010101010101" pitchFamily="2" charset="-79"/>
+                <a:cs typeface="Guttman Hatzvi" panose="02010401010101010101" pitchFamily="2" charset="-79"/>
+              </a:rPr>
               <a:t>העבודה</a:t>
             </a:r>
             <a:r>
-              <a:rPr dirty="0"/>
-              <a:t> </a:t>
-            </a:r>
-            <a:r>
-              <a:rPr dirty="0" err="1"/>
+              <a:rPr dirty="0">
+                <a:latin typeface="Guttman Hatzvi" panose="02010401010101010101" pitchFamily="2" charset="-79"/>
+                <a:cs typeface="Guttman Hatzvi" panose="02010401010101010101" pitchFamily="2" charset="-79"/>
+              </a:rPr>
+              <a:t> </a:t>
+            </a:r>
+            <a:r>
+              <a:rPr dirty="0" err="1">
+                <a:latin typeface="Guttman Hatzvi" panose="02010401010101010101" pitchFamily="2" charset="-79"/>
+                <a:cs typeface="Guttman Hatzvi" panose="02010401010101010101" pitchFamily="2" charset="-79"/>
+              </a:rPr>
               <a:t>על</a:t>
             </a:r>
             <a:r>
-              <a:rPr dirty="0"/>
-              <a:t> </a:t>
-            </a:r>
-            <a:r>
-              <a:rPr dirty="0" err="1"/>
+              <a:rPr dirty="0">
+                <a:latin typeface="Guttman Hatzvi" panose="02010401010101010101" pitchFamily="2" charset="-79"/>
+                <a:cs typeface="Guttman Hatzvi" panose="02010401010101010101" pitchFamily="2" charset="-79"/>
+              </a:rPr>
+              <a:t> </a:t>
+            </a:r>
+            <a:r>
+              <a:rPr dirty="0" err="1">
+                <a:latin typeface="Guttman Hatzvi" panose="02010401010101010101" pitchFamily="2" charset="-79"/>
+                <a:cs typeface="Guttman Hatzvi" panose="02010401010101010101" pitchFamily="2" charset="-79"/>
+              </a:rPr>
               <a:t>הפרויקט</a:t>
             </a:r>
             <a:r>
-              <a:rPr dirty="0"/>
+              <a:rPr dirty="0">
+                <a:latin typeface="Guttman Hatzvi" panose="02010401010101010101" pitchFamily="2" charset="-79"/>
+                <a:cs typeface="Guttman Hatzvi" panose="02010401010101010101" pitchFamily="2" charset="-79"/>
+              </a:rPr>
               <a:t>, </a:t>
             </a:r>
             <a:r>
-              <a:rPr dirty="0" err="1"/>
+              <a:rPr dirty="0" err="1">
+                <a:latin typeface="Guttman Hatzvi" panose="02010401010101010101" pitchFamily="2" charset="-79"/>
+                <a:cs typeface="Guttman Hatzvi" panose="02010401010101010101" pitchFamily="2" charset="-79"/>
+              </a:rPr>
               <a:t>מה</a:t>
             </a:r>
             <a:r>
-              <a:rPr dirty="0"/>
-              <a:t> </a:t>
-            </a:r>
-            <a:r>
-              <a:rPr dirty="0" err="1"/>
+              <a:rPr dirty="0">
+                <a:latin typeface="Guttman Hatzvi" panose="02010401010101010101" pitchFamily="2" charset="-79"/>
+                <a:cs typeface="Guttman Hatzvi" panose="02010401010101010101" pitchFamily="2" charset="-79"/>
+              </a:rPr>
+              <a:t> </a:t>
+            </a:r>
+            <a:r>
+              <a:rPr dirty="0" err="1">
+                <a:latin typeface="Guttman Hatzvi" panose="02010401010101010101" pitchFamily="2" charset="-79"/>
+                <a:cs typeface="Guttman Hatzvi" panose="02010401010101010101" pitchFamily="2" charset="-79"/>
+              </a:rPr>
               <a:t>שגרם</a:t>
             </a:r>
             <a:r>
-              <a:rPr dirty="0"/>
-              <a:t> </a:t>
-            </a:r>
-            <a:r>
-              <a:rPr dirty="0" err="1"/>
+              <a:rPr dirty="0">
+                <a:latin typeface="Guttman Hatzvi" panose="02010401010101010101" pitchFamily="2" charset="-79"/>
+                <a:cs typeface="Guttman Hatzvi" panose="02010401010101010101" pitchFamily="2" charset="-79"/>
+              </a:rPr>
+              <a:t> </a:t>
+            </a:r>
+            <a:r>
+              <a:rPr dirty="0" err="1">
+                <a:latin typeface="Guttman Hatzvi" panose="02010401010101010101" pitchFamily="2" charset="-79"/>
+                <a:cs typeface="Guttman Hatzvi" panose="02010401010101010101" pitchFamily="2" charset="-79"/>
+              </a:rPr>
               <a:t>לכולנו</a:t>
             </a:r>
             <a:r>
-              <a:rPr dirty="0"/>
-              <a:t> </a:t>
-            </a:r>
-            <a:r>
-              <a:rPr dirty="0" err="1"/>
+              <a:rPr dirty="0">
+                <a:latin typeface="Guttman Hatzvi" panose="02010401010101010101" pitchFamily="2" charset="-79"/>
+                <a:cs typeface="Guttman Hatzvi" panose="02010401010101010101" pitchFamily="2" charset="-79"/>
+              </a:rPr>
+              <a:t> </a:t>
+            </a:r>
+            <a:r>
+              <a:rPr dirty="0" err="1">
+                <a:latin typeface="Guttman Hatzvi" panose="02010401010101010101" pitchFamily="2" charset="-79"/>
+                <a:cs typeface="Guttman Hatzvi" panose="02010401010101010101" pitchFamily="2" charset="-79"/>
+              </a:rPr>
               <a:t>לעבוד</a:t>
             </a:r>
             <a:r>
-              <a:rPr dirty="0"/>
-              <a:t> </a:t>
-            </a:r>
-            <a:r>
-              <a:rPr dirty="0" err="1"/>
+              <a:rPr dirty="0">
+                <a:latin typeface="Guttman Hatzvi" panose="02010401010101010101" pitchFamily="2" charset="-79"/>
+                <a:cs typeface="Guttman Hatzvi" panose="02010401010101010101" pitchFamily="2" charset="-79"/>
+              </a:rPr>
+              <a:t> </a:t>
+            </a:r>
+            <a:r>
+              <a:rPr dirty="0" err="1">
+                <a:latin typeface="Guttman Hatzvi" panose="02010401010101010101" pitchFamily="2" charset="-79"/>
+                <a:cs typeface="Guttman Hatzvi" panose="02010401010101010101" pitchFamily="2" charset="-79"/>
+              </a:rPr>
               <a:t>בצורה</a:t>
             </a:r>
             <a:r>
-              <a:rPr dirty="0"/>
-              <a:t> </a:t>
-            </a:r>
-            <a:r>
-              <a:rPr dirty="0" err="1"/>
+              <a:rPr dirty="0">
+                <a:latin typeface="Guttman Hatzvi" panose="02010401010101010101" pitchFamily="2" charset="-79"/>
+                <a:cs typeface="Guttman Hatzvi" panose="02010401010101010101" pitchFamily="2" charset="-79"/>
+              </a:rPr>
+              <a:t> </a:t>
+            </a:r>
+            <a:r>
+              <a:rPr dirty="0" err="1">
+                <a:latin typeface="Guttman Hatzvi" panose="02010401010101010101" pitchFamily="2" charset="-79"/>
+                <a:cs typeface="Guttman Hatzvi" panose="02010401010101010101" pitchFamily="2" charset="-79"/>
+              </a:rPr>
               <a:t>טובה</a:t>
             </a:r>
             <a:r>
-              <a:rPr dirty="0"/>
-              <a:t> </a:t>
-            </a:r>
-            <a:r>
-              <a:rPr dirty="0" err="1"/>
+              <a:rPr dirty="0">
+                <a:latin typeface="Guttman Hatzvi" panose="02010401010101010101" pitchFamily="2" charset="-79"/>
+                <a:cs typeface="Guttman Hatzvi" panose="02010401010101010101" pitchFamily="2" charset="-79"/>
+              </a:rPr>
+              <a:t> </a:t>
+            </a:r>
+            <a:r>
+              <a:rPr dirty="0" err="1">
+                <a:latin typeface="Guttman Hatzvi" panose="02010401010101010101" pitchFamily="2" charset="-79"/>
+                <a:cs typeface="Guttman Hatzvi" panose="02010401010101010101" pitchFamily="2" charset="-79"/>
+              </a:rPr>
               <a:t>יותר</a:t>
             </a:r>
             <a:r>
-              <a:rPr dirty="0"/>
+              <a:rPr dirty="0">
+                <a:latin typeface="Guttman Hatzvi" panose="02010401010101010101" pitchFamily="2" charset="-79"/>
+                <a:cs typeface="Guttman Hatzvi" panose="02010401010101010101" pitchFamily="2" charset="-79"/>
+              </a:rPr>
               <a:t> .</a:t>
             </a:r>
           </a:p>
@@ -10047,183 +11280,318 @@
               </a:defRPr>
             </a:pPr>
             <a:r>
-              <a:rPr dirty="0"/>
-              <a:t> </a:t>
-            </a:r>
-            <a:r>
-              <a:rPr dirty="0" err="1"/>
+              <a:rPr dirty="0">
+                <a:latin typeface="Guttman Hatzvi" panose="02010401010101010101" pitchFamily="2" charset="-79"/>
+                <a:cs typeface="Guttman Hatzvi" panose="02010401010101010101" pitchFamily="2" charset="-79"/>
+              </a:rPr>
+              <a:t> </a:t>
+            </a:r>
+            <a:r>
+              <a:rPr dirty="0" err="1">
+                <a:latin typeface="Guttman Hatzvi" panose="02010401010101010101" pitchFamily="2" charset="-79"/>
+                <a:cs typeface="Guttman Hatzvi" panose="02010401010101010101" pitchFamily="2" charset="-79"/>
+              </a:rPr>
               <a:t>נוכל</a:t>
             </a:r>
             <a:r>
-              <a:rPr dirty="0"/>
-              <a:t> </a:t>
-            </a:r>
-            <a:r>
-              <a:rPr dirty="0" err="1"/>
+              <a:rPr dirty="0">
+                <a:latin typeface="Guttman Hatzvi" panose="02010401010101010101" pitchFamily="2" charset="-79"/>
+                <a:cs typeface="Guttman Hatzvi" panose="02010401010101010101" pitchFamily="2" charset="-79"/>
+              </a:rPr>
+              <a:t> </a:t>
+            </a:r>
+            <a:r>
+              <a:rPr dirty="0" err="1">
+                <a:latin typeface="Guttman Hatzvi" panose="02010401010101010101" pitchFamily="2" charset="-79"/>
+                <a:cs typeface="Guttman Hatzvi" panose="02010401010101010101" pitchFamily="2" charset="-79"/>
+              </a:rPr>
               <a:t>לומר</a:t>
             </a:r>
             <a:r>
-              <a:rPr dirty="0"/>
-              <a:t> </a:t>
-            </a:r>
-            <a:r>
-              <a:rPr dirty="0" err="1"/>
+              <a:rPr dirty="0">
+                <a:latin typeface="Guttman Hatzvi" panose="02010401010101010101" pitchFamily="2" charset="-79"/>
+                <a:cs typeface="Guttman Hatzvi" panose="02010401010101010101" pitchFamily="2" charset="-79"/>
+              </a:rPr>
+              <a:t> </a:t>
+            </a:r>
+            <a:r>
+              <a:rPr dirty="0" err="1">
+                <a:latin typeface="Guttman Hatzvi" panose="02010401010101010101" pitchFamily="2" charset="-79"/>
+                <a:cs typeface="Guttman Hatzvi" panose="02010401010101010101" pitchFamily="2" charset="-79"/>
+              </a:rPr>
               <a:t>בלי</a:t>
             </a:r>
             <a:r>
-              <a:rPr dirty="0"/>
-              <a:t> </a:t>
-            </a:r>
-            <a:r>
-              <a:rPr dirty="0" err="1"/>
+              <a:rPr dirty="0">
+                <a:latin typeface="Guttman Hatzvi" panose="02010401010101010101" pitchFamily="2" charset="-79"/>
+                <a:cs typeface="Guttman Hatzvi" panose="02010401010101010101" pitchFamily="2" charset="-79"/>
+              </a:rPr>
+              <a:t> </a:t>
+            </a:r>
+            <a:r>
+              <a:rPr dirty="0" err="1">
+                <a:latin typeface="Guttman Hatzvi" panose="02010401010101010101" pitchFamily="2" charset="-79"/>
+                <a:cs typeface="Guttman Hatzvi" panose="02010401010101010101" pitchFamily="2" charset="-79"/>
+              </a:rPr>
               <a:t>שום</a:t>
             </a:r>
             <a:r>
-              <a:rPr dirty="0"/>
-              <a:t> </a:t>
-            </a:r>
-            <a:r>
-              <a:rPr dirty="0" err="1"/>
+              <a:rPr dirty="0">
+                <a:latin typeface="Guttman Hatzvi" panose="02010401010101010101" pitchFamily="2" charset="-79"/>
+                <a:cs typeface="Guttman Hatzvi" panose="02010401010101010101" pitchFamily="2" charset="-79"/>
+              </a:rPr>
+              <a:t> </a:t>
+            </a:r>
+            <a:r>
+              <a:rPr dirty="0" err="1">
+                <a:latin typeface="Guttman Hatzvi" panose="02010401010101010101" pitchFamily="2" charset="-79"/>
+                <a:cs typeface="Guttman Hatzvi" panose="02010401010101010101" pitchFamily="2" charset="-79"/>
+              </a:rPr>
               <a:t>ספק</a:t>
             </a:r>
             <a:r>
-              <a:rPr dirty="0"/>
-              <a:t> </a:t>
-            </a:r>
-            <a:r>
-              <a:rPr dirty="0" err="1"/>
+              <a:rPr dirty="0">
+                <a:latin typeface="Guttman Hatzvi" panose="02010401010101010101" pitchFamily="2" charset="-79"/>
+                <a:cs typeface="Guttman Hatzvi" panose="02010401010101010101" pitchFamily="2" charset="-79"/>
+              </a:rPr>
+              <a:t> </a:t>
+            </a:r>
+            <a:r>
+              <a:rPr dirty="0" err="1">
+                <a:latin typeface="Guttman Hatzvi" panose="02010401010101010101" pitchFamily="2" charset="-79"/>
+                <a:cs typeface="Guttman Hatzvi" panose="02010401010101010101" pitchFamily="2" charset="-79"/>
+              </a:rPr>
               <a:t>שזה</a:t>
             </a:r>
             <a:r>
-              <a:rPr dirty="0"/>
-              <a:t> </a:t>
-            </a:r>
-            <a:r>
-              <a:rPr dirty="0" err="1"/>
+              <a:rPr dirty="0">
+                <a:latin typeface="Guttman Hatzvi" panose="02010401010101010101" pitchFamily="2" charset="-79"/>
+                <a:cs typeface="Guttman Hatzvi" panose="02010401010101010101" pitchFamily="2" charset="-79"/>
+              </a:rPr>
+              <a:t> </a:t>
+            </a:r>
+            <a:r>
+              <a:rPr dirty="0" err="1">
+                <a:latin typeface="Guttman Hatzvi" panose="02010401010101010101" pitchFamily="2" charset="-79"/>
+                <a:cs typeface="Guttman Hatzvi" panose="02010401010101010101" pitchFamily="2" charset="-79"/>
+              </a:rPr>
               <a:t>כלי</a:t>
             </a:r>
             <a:r>
-              <a:rPr dirty="0"/>
-              <a:t> </a:t>
-            </a:r>
-            <a:r>
-              <a:rPr dirty="0" err="1"/>
+              <a:rPr dirty="0">
+                <a:latin typeface="Guttman Hatzvi" panose="02010401010101010101" pitchFamily="2" charset="-79"/>
+                <a:cs typeface="Guttman Hatzvi" panose="02010401010101010101" pitchFamily="2" charset="-79"/>
+              </a:rPr>
+              <a:t> </a:t>
+            </a:r>
+            <a:r>
+              <a:rPr dirty="0" err="1">
+                <a:latin typeface="Guttman Hatzvi" panose="02010401010101010101" pitchFamily="2" charset="-79"/>
+                <a:cs typeface="Guttman Hatzvi" panose="02010401010101010101" pitchFamily="2" charset="-79"/>
+              </a:rPr>
               <a:t>שעזר</a:t>
             </a:r>
             <a:r>
-              <a:rPr dirty="0"/>
-              <a:t> </a:t>
-            </a:r>
-            <a:r>
-              <a:rPr dirty="0" err="1"/>
+              <a:rPr dirty="0">
+                <a:latin typeface="Guttman Hatzvi" panose="02010401010101010101" pitchFamily="2" charset="-79"/>
+                <a:cs typeface="Guttman Hatzvi" panose="02010401010101010101" pitchFamily="2" charset="-79"/>
+              </a:rPr>
+              <a:t> </a:t>
+            </a:r>
+            <a:r>
+              <a:rPr dirty="0" err="1">
+                <a:latin typeface="Guttman Hatzvi" panose="02010401010101010101" pitchFamily="2" charset="-79"/>
+                <a:cs typeface="Guttman Hatzvi" panose="02010401010101010101" pitchFamily="2" charset="-79"/>
+              </a:rPr>
               <a:t>לנו</a:t>
             </a:r>
             <a:r>
-              <a:rPr dirty="0"/>
-              <a:t> </a:t>
-            </a:r>
-            <a:r>
-              <a:rPr dirty="0" err="1"/>
+              <a:rPr dirty="0">
+                <a:latin typeface="Guttman Hatzvi" panose="02010401010101010101" pitchFamily="2" charset="-79"/>
+                <a:cs typeface="Guttman Hatzvi" panose="02010401010101010101" pitchFamily="2" charset="-79"/>
+              </a:rPr>
+              <a:t> </a:t>
+            </a:r>
+            <a:r>
+              <a:rPr dirty="0" err="1">
+                <a:latin typeface="Guttman Hatzvi" panose="02010401010101010101" pitchFamily="2" charset="-79"/>
+                <a:cs typeface="Guttman Hatzvi" panose="02010401010101010101" pitchFamily="2" charset="-79"/>
+              </a:rPr>
               <a:t>בכל</a:t>
             </a:r>
             <a:r>
-              <a:rPr dirty="0"/>
-              <a:t> </a:t>
-            </a:r>
-            <a:r>
-              <a:rPr dirty="0" err="1"/>
+              <a:rPr dirty="0">
+                <a:latin typeface="Guttman Hatzvi" panose="02010401010101010101" pitchFamily="2" charset="-79"/>
+                <a:cs typeface="Guttman Hatzvi" panose="02010401010101010101" pitchFamily="2" charset="-79"/>
+              </a:rPr>
+              <a:t> </a:t>
+            </a:r>
+            <a:r>
+              <a:rPr dirty="0" err="1">
+                <a:latin typeface="Guttman Hatzvi" panose="02010401010101010101" pitchFamily="2" charset="-79"/>
+                <a:cs typeface="Guttman Hatzvi" panose="02010401010101010101" pitchFamily="2" charset="-79"/>
+              </a:rPr>
               <a:t>אספקט</a:t>
             </a:r>
             <a:r>
-              <a:rPr dirty="0"/>
-              <a:t> </a:t>
-            </a:r>
-            <a:r>
-              <a:rPr dirty="0" err="1"/>
+              <a:rPr dirty="0">
+                <a:latin typeface="Guttman Hatzvi" panose="02010401010101010101" pitchFamily="2" charset="-79"/>
+                <a:cs typeface="Guttman Hatzvi" panose="02010401010101010101" pitchFamily="2" charset="-79"/>
+              </a:rPr>
+              <a:t> </a:t>
+            </a:r>
+            <a:r>
+              <a:rPr dirty="0" err="1">
+                <a:latin typeface="Guttman Hatzvi" panose="02010401010101010101" pitchFamily="2" charset="-79"/>
+                <a:cs typeface="Guttman Hatzvi" panose="02010401010101010101" pitchFamily="2" charset="-79"/>
+              </a:rPr>
               <a:t>והוא</a:t>
             </a:r>
             <a:r>
-              <a:rPr dirty="0"/>
-              <a:t> </a:t>
-            </a:r>
-            <a:r>
-              <a:rPr dirty="0" err="1"/>
+              <a:rPr dirty="0">
+                <a:latin typeface="Guttman Hatzvi" panose="02010401010101010101" pitchFamily="2" charset="-79"/>
+                <a:cs typeface="Guttman Hatzvi" panose="02010401010101010101" pitchFamily="2" charset="-79"/>
+              </a:rPr>
+              <a:t> </a:t>
+            </a:r>
+            <a:r>
+              <a:rPr dirty="0" err="1">
+                <a:latin typeface="Guttman Hatzvi" panose="02010401010101010101" pitchFamily="2" charset="-79"/>
+                <a:cs typeface="Guttman Hatzvi" panose="02010401010101010101" pitchFamily="2" charset="-79"/>
+              </a:rPr>
               <a:t>מומלץ</a:t>
             </a:r>
             <a:r>
-              <a:rPr dirty="0"/>
-              <a:t> </a:t>
-            </a:r>
-            <a:r>
-              <a:rPr dirty="0" err="1"/>
+              <a:rPr dirty="0">
+                <a:latin typeface="Guttman Hatzvi" panose="02010401010101010101" pitchFamily="2" charset="-79"/>
+                <a:cs typeface="Guttman Hatzvi" panose="02010401010101010101" pitchFamily="2" charset="-79"/>
+              </a:rPr>
+              <a:t> </a:t>
+            </a:r>
+            <a:r>
+              <a:rPr dirty="0" err="1">
+                <a:latin typeface="Guttman Hatzvi" panose="02010401010101010101" pitchFamily="2" charset="-79"/>
+                <a:cs typeface="Guttman Hatzvi" panose="02010401010101010101" pitchFamily="2" charset="-79"/>
+              </a:rPr>
               <a:t>לכל</a:t>
             </a:r>
             <a:r>
-              <a:rPr dirty="0"/>
-              <a:t> </a:t>
-            </a:r>
-            <a:r>
-              <a:rPr lang="he-IL" dirty="0" smtClean="0"/>
+              <a:rPr dirty="0">
+                <a:latin typeface="Guttman Hatzvi" panose="02010401010101010101" pitchFamily="2" charset="-79"/>
+                <a:cs typeface="Guttman Hatzvi" panose="02010401010101010101" pitchFamily="2" charset="-79"/>
+              </a:rPr>
+              <a:t> </a:t>
+            </a:r>
+            <a:r>
+              <a:rPr lang="he-IL" dirty="0" smtClean="0">
+                <a:latin typeface="Guttman Hatzvi" panose="02010401010101010101" pitchFamily="2" charset="-79"/>
+                <a:cs typeface="Guttman Hatzvi" panose="02010401010101010101" pitchFamily="2" charset="-79"/>
+              </a:rPr>
               <a:t>קבוצה</a:t>
             </a:r>
             <a:r>
-              <a:rPr dirty="0" smtClean="0"/>
-              <a:t> </a:t>
-            </a:r>
-            <a:r>
-              <a:rPr dirty="0" err="1" smtClean="0"/>
+              <a:rPr dirty="0" smtClean="0">
+                <a:latin typeface="Guttman Hatzvi" panose="02010401010101010101" pitchFamily="2" charset="-79"/>
+                <a:cs typeface="Guttman Hatzvi" panose="02010401010101010101" pitchFamily="2" charset="-79"/>
+              </a:rPr>
+              <a:t> </a:t>
+            </a:r>
+            <a:r>
+              <a:rPr dirty="0" err="1" smtClean="0">
+                <a:latin typeface="Guttman Hatzvi" panose="02010401010101010101" pitchFamily="2" charset="-79"/>
+                <a:cs typeface="Guttman Hatzvi" panose="02010401010101010101" pitchFamily="2" charset="-79"/>
+              </a:rPr>
               <a:t>שעובד</a:t>
             </a:r>
             <a:r>
-              <a:rPr lang="he-IL" dirty="0"/>
+              <a:rPr lang="he-IL" dirty="0">
+                <a:latin typeface="Guttman Hatzvi" panose="02010401010101010101" pitchFamily="2" charset="-79"/>
+                <a:cs typeface="Guttman Hatzvi" panose="02010401010101010101" pitchFamily="2" charset="-79"/>
+              </a:rPr>
               <a:t>ת</a:t>
             </a:r>
             <a:r>
-              <a:rPr dirty="0" smtClean="0"/>
-              <a:t> </a:t>
-            </a:r>
-            <a:r>
-              <a:rPr dirty="0" err="1"/>
+              <a:rPr dirty="0" smtClean="0">
+                <a:latin typeface="Guttman Hatzvi" panose="02010401010101010101" pitchFamily="2" charset="-79"/>
+                <a:cs typeface="Guttman Hatzvi" panose="02010401010101010101" pitchFamily="2" charset="-79"/>
+              </a:rPr>
+              <a:t> </a:t>
+            </a:r>
+            <a:r>
+              <a:rPr dirty="0" err="1">
+                <a:latin typeface="Guttman Hatzvi" panose="02010401010101010101" pitchFamily="2" charset="-79"/>
+                <a:cs typeface="Guttman Hatzvi" panose="02010401010101010101" pitchFamily="2" charset="-79"/>
+              </a:rPr>
               <a:t>על</a:t>
             </a:r>
             <a:r>
-              <a:rPr dirty="0"/>
-              <a:t> </a:t>
-            </a:r>
-            <a:r>
-              <a:rPr dirty="0" err="1"/>
+              <a:rPr dirty="0">
+                <a:latin typeface="Guttman Hatzvi" panose="02010401010101010101" pitchFamily="2" charset="-79"/>
+                <a:cs typeface="Guttman Hatzvi" panose="02010401010101010101" pitchFamily="2" charset="-79"/>
+              </a:rPr>
+              <a:t> </a:t>
+            </a:r>
+            <a:r>
+              <a:rPr dirty="0" err="1">
+                <a:latin typeface="Guttman Hatzvi" panose="02010401010101010101" pitchFamily="2" charset="-79"/>
+                <a:cs typeface="Guttman Hatzvi" panose="02010401010101010101" pitchFamily="2" charset="-79"/>
+              </a:rPr>
               <a:t>פיתוח</a:t>
             </a:r>
             <a:r>
-              <a:rPr dirty="0"/>
-              <a:t> </a:t>
-            </a:r>
-            <a:r>
-              <a:rPr dirty="0" err="1"/>
+              <a:rPr dirty="0">
+                <a:latin typeface="Guttman Hatzvi" panose="02010401010101010101" pitchFamily="2" charset="-79"/>
+                <a:cs typeface="Guttman Hatzvi" panose="02010401010101010101" pitchFamily="2" charset="-79"/>
+              </a:rPr>
+              <a:t> </a:t>
+            </a:r>
+            <a:r>
+              <a:rPr dirty="0" err="1">
+                <a:latin typeface="Guttman Hatzvi" panose="02010401010101010101" pitchFamily="2" charset="-79"/>
+                <a:cs typeface="Guttman Hatzvi" panose="02010401010101010101" pitchFamily="2" charset="-79"/>
+              </a:rPr>
               <a:t>של</a:t>
             </a:r>
             <a:r>
-              <a:rPr dirty="0"/>
-              <a:t> </a:t>
-            </a:r>
-            <a:r>
-              <a:rPr dirty="0" err="1" smtClean="0"/>
+              <a:rPr dirty="0">
+                <a:latin typeface="Guttman Hatzvi" panose="02010401010101010101" pitchFamily="2" charset="-79"/>
+                <a:cs typeface="Guttman Hatzvi" panose="02010401010101010101" pitchFamily="2" charset="-79"/>
+              </a:rPr>
+              <a:t> </a:t>
+            </a:r>
+            <a:r>
+              <a:rPr dirty="0" err="1" smtClean="0">
+                <a:latin typeface="Guttman Hatzvi" panose="02010401010101010101" pitchFamily="2" charset="-79"/>
+                <a:cs typeface="Guttman Hatzvi" panose="02010401010101010101" pitchFamily="2" charset="-79"/>
+              </a:rPr>
               <a:t>מוצר</a:t>
             </a:r>
             <a:r>
-              <a:rPr lang="he-IL" dirty="0" smtClean="0"/>
+              <a:rPr lang="he-IL" dirty="0" smtClean="0">
+                <a:latin typeface="Guttman Hatzvi" panose="02010401010101010101" pitchFamily="2" charset="-79"/>
+                <a:cs typeface="Guttman Hatzvi" panose="02010401010101010101" pitchFamily="2" charset="-79"/>
+              </a:rPr>
               <a:t> תוכנה</a:t>
             </a:r>
             <a:r>
-              <a:rPr dirty="0" smtClean="0"/>
-              <a:t> </a:t>
-            </a:r>
-            <a:r>
-              <a:rPr dirty="0" err="1"/>
+              <a:rPr dirty="0" smtClean="0">
+                <a:latin typeface="Guttman Hatzvi" panose="02010401010101010101" pitchFamily="2" charset="-79"/>
+                <a:cs typeface="Guttman Hatzvi" panose="02010401010101010101" pitchFamily="2" charset="-79"/>
+              </a:rPr>
+              <a:t> </a:t>
+            </a:r>
+            <a:r>
+              <a:rPr dirty="0" err="1">
+                <a:latin typeface="Guttman Hatzvi" panose="02010401010101010101" pitchFamily="2" charset="-79"/>
+                <a:cs typeface="Guttman Hatzvi" panose="02010401010101010101" pitchFamily="2" charset="-79"/>
+              </a:rPr>
               <a:t>כלשהו</a:t>
             </a:r>
             <a:r>
-              <a:rPr dirty="0"/>
+              <a:rPr dirty="0">
+                <a:latin typeface="Guttman Hatzvi" panose="02010401010101010101" pitchFamily="2" charset="-79"/>
+                <a:cs typeface="Guttman Hatzvi" panose="02010401010101010101" pitchFamily="2" charset="-79"/>
+              </a:rPr>
               <a:t>.</a:t>
             </a:r>
           </a:p>
@@ -10247,8 +11615,8 @@
         </p:blipFill>
         <p:spPr>
           <a:xfrm>
-            <a:off x="1853441" y="434859"/>
-            <a:ext cx="2543815" cy="1063236"/>
+            <a:off x="1828847" y="409432"/>
+            <a:ext cx="1574102" cy="657926"/>
           </a:xfrm>
           <a:prstGeom prst="rect">
             <a:avLst/>
@@ -10276,7 +11644,7 @@
         </p:blipFill>
         <p:spPr>
           <a:xfrm>
-            <a:off x="10627139" y="50800"/>
+            <a:off x="10627139" y="0"/>
             <a:ext cx="1564861" cy="848739"/>
           </a:xfrm>
           <a:prstGeom prst="rect">
@@ -10294,12 +11662,80 @@
           </a:effectLst>
         </p:spPr>
       </p:pic>
+      <p:sp>
+        <p:nvSpPr>
+          <p:cNvPr id="6" name="Shape 209"/>
+          <p:cNvSpPr/>
+          <p:nvPr/>
+        </p:nvSpPr>
+        <p:spPr>
+          <a:xfrm>
+            <a:off x="3962551" y="137512"/>
+            <a:ext cx="5836542" cy="1031047"/>
+          </a:xfrm>
+          <a:prstGeom prst="rect">
+            <a:avLst/>
+          </a:prstGeom>
+          <a:ln w="12700">
+            <a:miter lim="400000"/>
+          </a:ln>
+          <a:extLst>
+            <a:ext uri="{C572A759-6A51-4108-AA02-DFA0A04FC94B}">
+              <ma14:wrappingTextBoxFlag xmlns="" xmlns:ma14="http://schemas.microsoft.com/office/mac/drawingml/2011/main" val="1"/>
+            </a:ext>
+          </a:extLst>
+        </p:spPr>
+        <p:txBody>
+          <a:bodyPr wrap="square" lIns="45718" tIns="45718" rIns="45718" bIns="45718">
+            <a:spAutoFit/>
+          </a:bodyPr>
+          <a:lstStyle>
+            <a:lvl1pPr algn="ctr">
+              <a:defRPr sz="6100" b="1">
+                <a:ln w="25106">
+                  <a:solidFill>
+                    <a:schemeClr val="accent1"/>
+                  </a:solidFill>
+                </a:ln>
+                <a:solidFill>
+                  <a:schemeClr val="accent1"/>
+                </a:solidFill>
+                <a:latin typeface="Arial"/>
+                <a:ea typeface="Arial"/>
+                <a:cs typeface="Arial"/>
+                <a:sym typeface="Arial"/>
+              </a:defRPr>
+            </a:lvl1pPr>
+          </a:lstStyle>
+          <a:p>
+            <a:pPr>
+              <a:defRPr/>
+            </a:pPr>
+            <a:r>
+              <a:rPr lang="he-IL" sz="6000" b="0" dirty="0"/>
+              <a:t>דיון: </a:t>
+            </a:r>
+            <a:r>
+              <a:rPr lang="en-US" sz="6000" b="0" dirty="0"/>
+              <a:t>git &amp; GitHub</a:t>
+            </a:r>
+            <a:endParaRPr sz="6000" b="0" dirty="0"/>
+          </a:p>
+        </p:txBody>
+      </p:sp>
     </p:spTree>
   </p:cSld>
   <p:clrMapOvr>
     <a:masterClrMapping/>
   </p:clrMapOvr>
   <p:transition spd="slow"/>
+  <p:timing>
+    <p:tnLst>
+      <p:par>
+        <p:cTn id="1" dur="indefinite" restart="never" nodeType="tmRoot"/>
+      </p:par>
+    </p:tnLst>
+  </p:timing>
 </p:sld>
 </file>
 
